--- a/ProgramDebug.pptx
+++ b/ProgramDebug.pptx
@@ -5,7 +5,7 @@
     <p:sldMasterId id="2147483660" r:id="rId1"/>
   </p:sldMasterIdLst>
   <p:notesMasterIdLst>
-    <p:notesMasterId r:id="rId28"/>
+    <p:notesMasterId r:id="rId36"/>
   </p:notesMasterIdLst>
   <p:sldIdLst>
     <p:sldId id="256" r:id="rId2"/>
@@ -33,7 +33,15 @@
     <p:sldId id="282" r:id="rId24"/>
     <p:sldId id="283" r:id="rId25"/>
     <p:sldId id="285" r:id="rId26"/>
-    <p:sldId id="284" r:id="rId27"/>
+    <p:sldId id="286" r:id="rId27"/>
+    <p:sldId id="288" r:id="rId28"/>
+    <p:sldId id="290" r:id="rId29"/>
+    <p:sldId id="289" r:id="rId30"/>
+    <p:sldId id="291" r:id="rId31"/>
+    <p:sldId id="292" r:id="rId32"/>
+    <p:sldId id="293" r:id="rId33"/>
+    <p:sldId id="294" r:id="rId34"/>
+    <p:sldId id="295" r:id="rId35"/>
   </p:sldIdLst>
   <p:sldSz cx="12192000" cy="6858000"/>
   <p:notesSz cx="6858000" cy="9144000"/>
@@ -174,7 +182,23 @@
             <p14:sldId id="282"/>
             <p14:sldId id="283"/>
             <p14:sldId id="285"/>
-            <p14:sldId id="284"/>
+            <p14:sldId id="286"/>
+            <p14:sldId id="288"/>
+          </p14:sldIdLst>
+        </p14:section>
+        <p14:section name="多线程调试" id="{4BA9706E-2F9C-40F4-8159-53819B74AAEA}">
+          <p14:sldIdLst>
+            <p14:sldId id="290"/>
+            <p14:sldId id="289"/>
+            <p14:sldId id="291"/>
+            <p14:sldId id="292"/>
+            <p14:sldId id="293"/>
+          </p14:sldIdLst>
+        </p14:section>
+        <p14:section name="转存文件的调试" id="{9DD262F5-C820-4383-852A-4038B6FE41EB}">
+          <p14:sldIdLst>
+            <p14:sldId id="294"/>
+            <p14:sldId id="295"/>
           </p14:sldIdLst>
         </p14:section>
       </p14:sectionLst>
@@ -192,6 +216,9 @@
           </p15:clr>
         </p15:guide>
       </p15:sldGuideLst>
+    </p:ext>
+    <p:ext uri="{2D200454-40CA-4A62-9FC3-DE9A4176ACB9}">
+      <p15:notesGuideLst xmlns:p15="http://schemas.microsoft.com/office/powerpoint/2012/main"/>
     </p:ext>
   </p:extLst>
 </p:presentation>
@@ -9201,7 +9228,7 @@
           <a:p>
             <a:fld id="{DAFB8C4B-6E57-4DEA-AB0A-14F0AE31B47A}" type="datetimeFigureOut">
               <a:rPr lang="en-US" smtClean="0"/>
-              <a:t>3/22/2023</a:t>
+              <a:t>3/23/2023</a:t>
             </a:fld>
             <a:endParaRPr lang="en-US"/>
           </a:p>
@@ -9552,6 +9579,106 @@
 </p:notes>
 </file>
 
+<file path=ppt/notesSlides/notesSlide10.xml><?xml version="1.0" encoding="utf-8"?>
+<p:notes xmlns:a="http://schemas.openxmlformats.org/drawingml/2006/main" xmlns:r="http://schemas.openxmlformats.org/officeDocument/2006/relationships" xmlns:p="http://schemas.openxmlformats.org/presentationml/2006/main">
+  <p:cSld>
+    <p:spTree>
+      <p:nvGrpSpPr>
+        <p:cNvPr id="1" name=""/>
+        <p:cNvGrpSpPr/>
+        <p:nvPr/>
+      </p:nvGrpSpPr>
+      <p:grpSpPr>
+        <a:xfrm>
+          <a:off x="0" y="0"/>
+          <a:ext cx="0" cy="0"/>
+          <a:chOff x="0" y="0"/>
+          <a:chExt cx="0" cy="0"/>
+        </a:xfrm>
+      </p:grpSpPr>
+      <p:sp>
+        <p:nvSpPr>
+          <p:cNvPr id="2" name="Slide Image Placeholder 1"/>
+          <p:cNvSpPr>
+            <a:spLocks noGrp="1" noRot="1" noChangeAspect="1"/>
+          </p:cNvSpPr>
+          <p:nvPr>
+            <p:ph type="sldImg"/>
+          </p:nvPr>
+        </p:nvSpPr>
+        <p:spPr/>
+      </p:sp>
+      <p:sp>
+        <p:nvSpPr>
+          <p:cNvPr id="3" name="Notes Placeholder 2"/>
+          <p:cNvSpPr>
+            <a:spLocks noGrp="1"/>
+          </p:cNvSpPr>
+          <p:nvPr>
+            <p:ph type="body" idx="1"/>
+          </p:nvPr>
+        </p:nvSpPr>
+        <p:spPr/>
+        <p:txBody>
+          <a:bodyPr/>
+          <a:lstStyle/>
+          <a:p>
+            <a:r>
+              <a:rPr lang="zh-CN" altLang="en-US" dirty="0"/>
+              <a:t>实例代码位于 </a:t>
+            </a:r>
+            <a:r>
+              <a:rPr lang="en-US" altLang="zh-CN" dirty="0"/>
+              <a:t>code\</a:t>
+            </a:r>
+            <a:r>
+              <a:rPr lang="en-US" altLang="zh-CN" dirty="0" err="1"/>
+              <a:t>Traning</a:t>
+            </a:r>
+            <a:r>
+              <a:rPr lang="en-US" altLang="zh-CN" dirty="0"/>
+              <a:t>\deadlock\deadlock.cpp</a:t>
+            </a:r>
+            <a:endParaRPr lang="en-US" dirty="0"/>
+          </a:p>
+        </p:txBody>
+      </p:sp>
+      <p:sp>
+        <p:nvSpPr>
+          <p:cNvPr id="4" name="Slide Number Placeholder 3"/>
+          <p:cNvSpPr>
+            <a:spLocks noGrp="1"/>
+          </p:cNvSpPr>
+          <p:nvPr>
+            <p:ph type="sldNum" sz="quarter" idx="5"/>
+          </p:nvPr>
+        </p:nvSpPr>
+        <p:spPr/>
+        <p:txBody>
+          <a:bodyPr/>
+          <a:lstStyle/>
+          <a:p>
+            <a:fld id="{F986C81F-36CA-4360-AC9F-C00DD2329B9F}" type="slidenum">
+              <a:rPr lang="en-US" smtClean="0"/>
+              <a:t>30</a:t>
+            </a:fld>
+            <a:endParaRPr lang="en-US"/>
+          </a:p>
+        </p:txBody>
+      </p:sp>
+    </p:spTree>
+    <p:extLst>
+      <p:ext uri="{BB962C8B-B14F-4D97-AF65-F5344CB8AC3E}">
+        <p14:creationId xmlns:p14="http://schemas.microsoft.com/office/powerpoint/2010/main" val="389966155"/>
+      </p:ext>
+    </p:extLst>
+  </p:cSld>
+  <p:clrMapOvr>
+    <a:masterClrMapping/>
+  </p:clrMapOvr>
+</p:notes>
+</file>
+
 <file path=ppt/notesSlides/notesSlide2.xml><?xml version="1.0" encoding="utf-8"?>
 <p:notes xmlns:a="http://schemas.openxmlformats.org/drawingml/2006/main" xmlns:r="http://schemas.openxmlformats.org/officeDocument/2006/relationships" xmlns:p="http://schemas.openxmlformats.org/presentationml/2006/main">
   <p:cSld>
@@ -10100,6 +10227,38 @@
           <a:bodyPr/>
           <a:lstStyle/>
           <a:p>
+            <a:r>
+              <a:rPr lang="zh-CN" altLang="en-US" dirty="0"/>
+              <a:t>动态库测试代码位于文件夹</a:t>
+            </a:r>
+            <a:r>
+              <a:rPr lang="en-US" altLang="zh-CN" dirty="0"/>
+              <a:t>\</a:t>
+            </a:r>
+            <a:r>
+              <a:rPr lang="en-US" altLang="zh-CN" dirty="0" err="1"/>
+              <a:t>ProgramDebug</a:t>
+            </a:r>
+            <a:r>
+              <a:rPr lang="en-US" altLang="zh-CN" dirty="0"/>
+              <a:t>\code\</a:t>
+            </a:r>
+            <a:r>
+              <a:rPr lang="en-US" altLang="zh-CN" dirty="0" err="1"/>
+              <a:t>Traning</a:t>
+            </a:r>
+            <a:r>
+              <a:rPr lang="en-US" altLang="zh-CN" dirty="0"/>
+              <a:t>\</a:t>
+            </a:r>
+            <a:r>
+              <a:rPr lang="en-US" altLang="zh-CN" dirty="0" err="1"/>
+              <a:t>sharelibrary</a:t>
+            </a:r>
+            <a:r>
+              <a:rPr lang="zh-CN" altLang="en-US" dirty="0"/>
+              <a:t>中</a:t>
+            </a:r>
             <a:endParaRPr lang="en-US" dirty="0"/>
           </a:p>
         </p:txBody>
@@ -10131,6 +10290,106 @@
     <p:extLst>
       <p:ext uri="{BB962C8B-B14F-4D97-AF65-F5344CB8AC3E}">
         <p14:creationId xmlns:p14="http://schemas.microsoft.com/office/powerpoint/2010/main" val="1878452550"/>
+      </p:ext>
+    </p:extLst>
+  </p:cSld>
+  <p:clrMapOvr>
+    <a:masterClrMapping/>
+  </p:clrMapOvr>
+</p:notes>
+</file>
+
+<file path=ppt/notesSlides/notesSlide9.xml><?xml version="1.0" encoding="utf-8"?>
+<p:notes xmlns:a="http://schemas.openxmlformats.org/drawingml/2006/main" xmlns:r="http://schemas.openxmlformats.org/officeDocument/2006/relationships" xmlns:p="http://schemas.openxmlformats.org/presentationml/2006/main">
+  <p:cSld>
+    <p:spTree>
+      <p:nvGrpSpPr>
+        <p:cNvPr id="1" name=""/>
+        <p:cNvGrpSpPr/>
+        <p:nvPr/>
+      </p:nvGrpSpPr>
+      <p:grpSpPr>
+        <a:xfrm>
+          <a:off x="0" y="0"/>
+          <a:ext cx="0" cy="0"/>
+          <a:chOff x="0" y="0"/>
+          <a:chExt cx="0" cy="0"/>
+        </a:xfrm>
+      </p:grpSpPr>
+      <p:sp>
+        <p:nvSpPr>
+          <p:cNvPr id="2" name="Slide Image Placeholder 1"/>
+          <p:cNvSpPr>
+            <a:spLocks noGrp="1" noRot="1" noChangeAspect="1"/>
+          </p:cNvSpPr>
+          <p:nvPr>
+            <p:ph type="sldImg"/>
+          </p:nvPr>
+        </p:nvSpPr>
+        <p:spPr/>
+      </p:sp>
+      <p:sp>
+        <p:nvSpPr>
+          <p:cNvPr id="3" name="Notes Placeholder 2"/>
+          <p:cNvSpPr>
+            <a:spLocks noGrp="1"/>
+          </p:cNvSpPr>
+          <p:nvPr>
+            <p:ph type="body" idx="1"/>
+          </p:nvPr>
+        </p:nvSpPr>
+        <p:spPr/>
+        <p:txBody>
+          <a:bodyPr/>
+          <a:lstStyle/>
+          <a:p>
+            <a:r>
+              <a:rPr lang="zh-CN" altLang="en-US" dirty="0"/>
+              <a:t>实例代码位于 </a:t>
+            </a:r>
+            <a:r>
+              <a:rPr lang="en-US" altLang="zh-CN" dirty="0"/>
+              <a:t>code\</a:t>
+            </a:r>
+            <a:r>
+              <a:rPr lang="en-US" altLang="zh-CN" dirty="0" err="1"/>
+              <a:t>Traning</a:t>
+            </a:r>
+            <a:r>
+              <a:rPr lang="en-US" altLang="zh-CN" dirty="0"/>
+              <a:t>\deadlock\deadlock.cpp</a:t>
+            </a:r>
+            <a:endParaRPr lang="en-US" dirty="0"/>
+          </a:p>
+        </p:txBody>
+      </p:sp>
+      <p:sp>
+        <p:nvSpPr>
+          <p:cNvPr id="4" name="Slide Number Placeholder 3"/>
+          <p:cNvSpPr>
+            <a:spLocks noGrp="1"/>
+          </p:cNvSpPr>
+          <p:nvPr>
+            <p:ph type="sldNum" sz="quarter" idx="5"/>
+          </p:nvPr>
+        </p:nvSpPr>
+        <p:spPr/>
+        <p:txBody>
+          <a:bodyPr/>
+          <a:lstStyle/>
+          <a:p>
+            <a:fld id="{F986C81F-36CA-4360-AC9F-C00DD2329B9F}" type="slidenum">
+              <a:rPr lang="en-US" smtClean="0"/>
+              <a:t>29</a:t>
+            </a:fld>
+            <a:endParaRPr lang="en-US"/>
+          </a:p>
+        </p:txBody>
+      </p:sp>
+    </p:spTree>
+    <p:extLst>
+      <p:ext uri="{BB962C8B-B14F-4D97-AF65-F5344CB8AC3E}">
+        <p14:creationId xmlns:p14="http://schemas.microsoft.com/office/powerpoint/2010/main" val="558780405"/>
       </p:ext>
     </p:extLst>
   </p:cSld>
@@ -10326,7 +10585,7 @@
           <a:p>
             <a:fld id="{3B41B58A-62D8-46A8-9E3B-A7A6BA48D6F2}" type="datetimeFigureOut">
               <a:rPr lang="en-US" smtClean="0"/>
-              <a:t>3/22/2023</a:t>
+              <a:t>3/23/2023</a:t>
             </a:fld>
             <a:endParaRPr lang="en-US"/>
           </a:p>
@@ -10601,7 +10860,7 @@
           <a:p>
             <a:fld id="{3B41B58A-62D8-46A8-9E3B-A7A6BA48D6F2}" type="datetimeFigureOut">
               <a:rPr lang="en-US" smtClean="0"/>
-              <a:t>3/22/2023</a:t>
+              <a:t>3/23/2023</a:t>
             </a:fld>
             <a:endParaRPr lang="en-US"/>
           </a:p>
@@ -10795,7 +11054,7 @@
           <a:p>
             <a:fld id="{3B41B58A-62D8-46A8-9E3B-A7A6BA48D6F2}" type="datetimeFigureOut">
               <a:rPr lang="en-US" smtClean="0"/>
-              <a:t>3/22/2023</a:t>
+              <a:t>3/23/2023</a:t>
             </a:fld>
             <a:endParaRPr lang="en-US"/>
           </a:p>
@@ -11068,7 +11327,7 @@
           <a:p>
             <a:fld id="{3B41B58A-62D8-46A8-9E3B-A7A6BA48D6F2}" type="datetimeFigureOut">
               <a:rPr lang="en-US" smtClean="0"/>
-              <a:t>3/22/2023</a:t>
+              <a:t>3/23/2023</a:t>
             </a:fld>
             <a:endParaRPr lang="en-US"/>
           </a:p>
@@ -11409,7 +11668,7 @@
           <a:p>
             <a:fld id="{3B41B58A-62D8-46A8-9E3B-A7A6BA48D6F2}" type="datetimeFigureOut">
               <a:rPr lang="en-US" smtClean="0"/>
-              <a:t>3/22/2023</a:t>
+              <a:t>3/23/2023</a:t>
             </a:fld>
             <a:endParaRPr lang="en-US"/>
           </a:p>
@@ -12032,7 +12291,7 @@
           <a:p>
             <a:fld id="{3B41B58A-62D8-46A8-9E3B-A7A6BA48D6F2}" type="datetimeFigureOut">
               <a:rPr lang="en-US" smtClean="0"/>
-              <a:t>3/22/2023</a:t>
+              <a:t>3/23/2023</a:t>
             </a:fld>
             <a:endParaRPr lang="en-US"/>
           </a:p>
@@ -12892,7 +13151,7 @@
           <a:p>
             <a:fld id="{3B41B58A-62D8-46A8-9E3B-A7A6BA48D6F2}" type="datetimeFigureOut">
               <a:rPr lang="en-US" smtClean="0"/>
-              <a:t>3/22/2023</a:t>
+              <a:t>3/23/2023</a:t>
             </a:fld>
             <a:endParaRPr lang="en-US"/>
           </a:p>
@@ -13062,7 +13321,7 @@
           <a:p>
             <a:fld id="{3B41B58A-62D8-46A8-9E3B-A7A6BA48D6F2}" type="datetimeFigureOut">
               <a:rPr lang="en-US" smtClean="0"/>
-              <a:t>3/22/2023</a:t>
+              <a:t>3/23/2023</a:t>
             </a:fld>
             <a:endParaRPr lang="en-US"/>
           </a:p>
@@ -13242,7 +13501,7 @@
           <a:p>
             <a:fld id="{3B41B58A-62D8-46A8-9E3B-A7A6BA48D6F2}" type="datetimeFigureOut">
               <a:rPr lang="en-US" smtClean="0"/>
-              <a:t>3/22/2023</a:t>
+              <a:t>3/23/2023</a:t>
             </a:fld>
             <a:endParaRPr lang="en-US"/>
           </a:p>
@@ -13412,7 +13671,7 @@
           <a:p>
             <a:fld id="{3B41B58A-62D8-46A8-9E3B-A7A6BA48D6F2}" type="datetimeFigureOut">
               <a:rPr lang="en-US" smtClean="0"/>
-              <a:t>3/22/2023</a:t>
+              <a:t>3/23/2023</a:t>
             </a:fld>
             <a:endParaRPr lang="en-US"/>
           </a:p>
@@ -13659,7 +13918,7 @@
           <a:p>
             <a:fld id="{3B41B58A-62D8-46A8-9E3B-A7A6BA48D6F2}" type="datetimeFigureOut">
               <a:rPr lang="en-US" smtClean="0"/>
-              <a:t>3/22/2023</a:t>
+              <a:t>3/23/2023</a:t>
             </a:fld>
             <a:endParaRPr lang="en-US"/>
           </a:p>
@@ -13951,7 +14210,7 @@
           <a:p>
             <a:fld id="{3B41B58A-62D8-46A8-9E3B-A7A6BA48D6F2}" type="datetimeFigureOut">
               <a:rPr lang="en-US" smtClean="0"/>
-              <a:t>3/22/2023</a:t>
+              <a:t>3/23/2023</a:t>
             </a:fld>
             <a:endParaRPr lang="en-US"/>
           </a:p>
@@ -14395,7 +14654,7 @@
           <a:p>
             <a:fld id="{3B41B58A-62D8-46A8-9E3B-A7A6BA48D6F2}" type="datetimeFigureOut">
               <a:rPr lang="en-US" smtClean="0"/>
-              <a:t>3/22/2023</a:t>
+              <a:t>3/23/2023</a:t>
             </a:fld>
             <a:endParaRPr lang="en-US"/>
           </a:p>
@@ -14513,7 +14772,7 @@
           <a:p>
             <a:fld id="{3B41B58A-62D8-46A8-9E3B-A7A6BA48D6F2}" type="datetimeFigureOut">
               <a:rPr lang="en-US" smtClean="0"/>
-              <a:t>3/22/2023</a:t>
+              <a:t>3/23/2023</a:t>
             </a:fld>
             <a:endParaRPr lang="en-US"/>
           </a:p>
@@ -14608,7 +14867,7 @@
           <a:p>
             <a:fld id="{3B41B58A-62D8-46A8-9E3B-A7A6BA48D6F2}" type="datetimeFigureOut">
               <a:rPr lang="en-US" smtClean="0"/>
-              <a:t>3/22/2023</a:t>
+              <a:t>3/23/2023</a:t>
             </a:fld>
             <a:endParaRPr lang="en-US"/>
           </a:p>
@@ -14887,7 +15146,7 @@
           <a:p>
             <a:fld id="{3B41B58A-62D8-46A8-9E3B-A7A6BA48D6F2}" type="datetimeFigureOut">
               <a:rPr lang="en-US" smtClean="0"/>
-              <a:t>3/22/2023</a:t>
+              <a:t>3/23/2023</a:t>
             </a:fld>
             <a:endParaRPr lang="en-US"/>
           </a:p>
@@ -15162,7 +15421,7 @@
           <a:p>
             <a:fld id="{3B41B58A-62D8-46A8-9E3B-A7A6BA48D6F2}" type="datetimeFigureOut">
               <a:rPr lang="en-US" smtClean="0"/>
-              <a:t>3/22/2023</a:t>
+              <a:t>3/23/2023</a:t>
             </a:fld>
             <a:endParaRPr lang="en-US"/>
           </a:p>
@@ -15591,7 +15850,7 @@
           <a:p>
             <a:fld id="{3B41B58A-62D8-46A8-9E3B-A7A6BA48D6F2}" type="datetimeFigureOut">
               <a:rPr lang="en-US" smtClean="0"/>
-              <a:t>3/22/2023</a:t>
+              <a:t>3/23/2023</a:t>
             </a:fld>
             <a:endParaRPr lang="en-US"/>
           </a:p>
@@ -21522,6 +21781,11 @@
               <a:rPr lang="en-US" altLang="zh-CN" dirty="0"/>
               <a:t>]</a:t>
             </a:r>
+            <a:r>
+              <a:rPr lang="zh-CN" altLang="en-US" dirty="0"/>
+              <a:t>：查看</a:t>
+            </a:r>
+            <a:endParaRPr lang="en-US" altLang="zh-CN" dirty="0"/>
           </a:p>
           <a:p>
             <a:r>
@@ -21598,7 +21862,12 @@
             <p:ph type="title"/>
           </p:nvPr>
         </p:nvSpPr>
-        <p:spPr/>
+        <p:spPr>
+          <a:xfrm>
+            <a:off x="1154953" y="723900"/>
+            <a:ext cx="3401063" cy="981332"/>
+          </a:xfrm>
+        </p:spPr>
         <p:txBody>
           <a:bodyPr/>
           <a:lstStyle/>
@@ -21627,15 +21896,245 @@
             <p:ph idx="1"/>
           </p:nvPr>
         </p:nvSpPr>
-        <p:spPr/>
+        <p:spPr>
+          <a:xfrm>
+            <a:off x="5517784" y="1052383"/>
+            <a:ext cx="5195997" cy="4572000"/>
+          </a:xfrm>
+        </p:spPr>
         <p:txBody>
           <a:bodyPr/>
           <a:lstStyle/>
           <a:p>
+            <a:endParaRPr lang="en-US" altLang="zh-CN" dirty="0"/>
+          </a:p>
+          <a:p>
             <a:endParaRPr lang="en-US" dirty="0"/>
           </a:p>
         </p:txBody>
       </p:sp>
+      <p:sp>
+        <p:nvSpPr>
+          <p:cNvPr id="4" name="Text Placeholder 3">
+            <a:extLst>
+              <a:ext uri="{FF2B5EF4-FFF2-40B4-BE49-F238E27FC236}">
+                <a16:creationId xmlns:a16="http://schemas.microsoft.com/office/drawing/2014/main" id="{4AC1F84B-A1BE-4C52-9DCD-704737530624}"/>
+              </a:ext>
+            </a:extLst>
+          </p:cNvPr>
+          <p:cNvSpPr>
+            <a:spLocks noGrp="1"/>
+          </p:cNvSpPr>
+          <p:nvPr>
+            <p:ph type="body" sz="half" idx="2"/>
+          </p:nvPr>
+        </p:nvSpPr>
+        <p:spPr>
+          <a:xfrm>
+            <a:off x="972065" y="2158314"/>
+            <a:ext cx="4481384" cy="3707027"/>
+          </a:xfrm>
+        </p:spPr>
+        <p:txBody>
+          <a:bodyPr>
+            <a:normAutofit/>
+          </a:bodyPr>
+          <a:lstStyle/>
+          <a:p>
+            <a:pPr marL="342900" indent="-342900">
+              <a:buFont typeface="+mj-lt"/>
+              <a:buAutoNum type="arabicPeriod"/>
+            </a:pPr>
+            <a:r>
+              <a:rPr lang="zh-CN" altLang="en-US" dirty="0"/>
+              <a:t>生成动态库</a:t>
+            </a:r>
+            <a:endParaRPr lang="en-US" altLang="zh-CN" dirty="0"/>
+          </a:p>
+          <a:p>
+            <a:pPr marL="800100" lvl="1" indent="-342900">
+              <a:buFont typeface="+mj-lt"/>
+              <a:buAutoNum type="arabicPeriod"/>
+            </a:pPr>
+            <a:r>
+              <a:rPr lang="en-US" altLang="zh-CN" dirty="0"/>
+              <a:t>g++  [</a:t>
+            </a:r>
+            <a:r>
+              <a:rPr lang="en-US" altLang="zh-CN" dirty="0" err="1"/>
+              <a:t>source_file</a:t>
+            </a:r>
+            <a:r>
+              <a:rPr lang="en-US" altLang="zh-CN" dirty="0"/>
+              <a:t>] –</a:t>
+            </a:r>
+            <a:r>
+              <a:rPr lang="en-US" altLang="zh-CN" dirty="0" err="1"/>
+              <a:t>fPIC</a:t>
+            </a:r>
+            <a:r>
+              <a:rPr lang="en-US" altLang="zh-CN" dirty="0"/>
+              <a:t> –shared –o [</a:t>
+            </a:r>
+            <a:r>
+              <a:rPr lang="en-US" altLang="zh-CN" dirty="0" err="1"/>
+              <a:t>lib_dynamic_name</a:t>
+            </a:r>
+            <a:r>
+              <a:rPr lang="en-US" altLang="zh-CN" dirty="0"/>
+              <a:t>] -g</a:t>
+            </a:r>
+          </a:p>
+          <a:p>
+            <a:pPr marL="342900" indent="-342900">
+              <a:buFont typeface="+mj-lt"/>
+              <a:buAutoNum type="arabicPeriod"/>
+            </a:pPr>
+            <a:r>
+              <a:rPr lang="zh-CN" altLang="en-US" dirty="0"/>
+              <a:t>生成可执行文件</a:t>
+            </a:r>
+            <a:endParaRPr lang="en-US" altLang="zh-CN" dirty="0"/>
+          </a:p>
+          <a:p>
+            <a:pPr marL="800100" lvl="1" indent="-342900">
+              <a:buFont typeface="+mj-lt"/>
+              <a:buAutoNum type="arabicPeriod"/>
+            </a:pPr>
+            <a:r>
+              <a:rPr lang="en-US" altLang="zh-CN" dirty="0"/>
+              <a:t>g++ [</a:t>
+            </a:r>
+            <a:r>
+              <a:rPr lang="en-US" altLang="zh-CN" dirty="0" err="1"/>
+              <a:t>source_file</a:t>
+            </a:r>
+            <a:r>
+              <a:rPr lang="en-US" altLang="zh-CN" dirty="0"/>
+              <a:t>] –o [</a:t>
+            </a:r>
+            <a:r>
+              <a:rPr lang="en-US" altLang="zh-CN" dirty="0" err="1"/>
+              <a:t>program_file</a:t>
+            </a:r>
+            <a:r>
+              <a:rPr lang="en-US" altLang="zh-CN" dirty="0"/>
+              <a:t>] –L [</a:t>
+            </a:r>
+            <a:r>
+              <a:rPr lang="en-US" altLang="zh-CN" dirty="0" err="1"/>
+              <a:t>libdynamic_path</a:t>
+            </a:r>
+            <a:r>
+              <a:rPr lang="en-US" altLang="zh-CN" dirty="0"/>
+              <a:t>] -l[</a:t>
+            </a:r>
+            <a:r>
+              <a:rPr lang="en-US" altLang="zh-CN" dirty="0" err="1"/>
+              <a:t>lib_dynamic_name</a:t>
+            </a:r>
+            <a:r>
+              <a:rPr lang="en-US" altLang="zh-CN" dirty="0"/>
+              <a:t>] -g</a:t>
+            </a:r>
+          </a:p>
+          <a:p>
+            <a:pPr marL="342900" indent="-342900">
+              <a:buFont typeface="+mj-lt"/>
+              <a:buAutoNum type="arabicPeriod"/>
+            </a:pPr>
+            <a:r>
+              <a:rPr lang="zh-CN" altLang="en-US" dirty="0"/>
+              <a:t>查看动态库的提供的对外接口</a:t>
+            </a:r>
+            <a:endParaRPr lang="en-US" altLang="zh-CN" dirty="0"/>
+          </a:p>
+          <a:p>
+            <a:pPr marL="800100" lvl="1" indent="-342900">
+              <a:buFont typeface="+mj-lt"/>
+              <a:buAutoNum type="arabicPeriod"/>
+            </a:pPr>
+            <a:r>
+              <a:rPr lang="en-US" altLang="zh-CN" dirty="0"/>
+              <a:t>nm –g –C [</a:t>
+            </a:r>
+            <a:r>
+              <a:rPr lang="en-US" altLang="zh-CN" dirty="0" err="1"/>
+              <a:t>lib_dynamic_name</a:t>
+            </a:r>
+            <a:r>
+              <a:rPr lang="en-US" altLang="zh-CN" dirty="0"/>
+              <a:t>]</a:t>
+            </a:r>
+          </a:p>
+          <a:p>
+            <a:pPr marL="342900" indent="-342900">
+              <a:buFont typeface="+mj-lt"/>
+              <a:buAutoNum type="arabicPeriod"/>
+            </a:pPr>
+            <a:r>
+              <a:rPr lang="zh-CN" altLang="en-US" dirty="0"/>
+              <a:t>查看可执行程序依赖的动态库</a:t>
+            </a:r>
+            <a:endParaRPr lang="en-US" altLang="zh-CN" dirty="0"/>
+          </a:p>
+          <a:p>
+            <a:pPr marL="800100" lvl="1" indent="-342900">
+              <a:buFont typeface="+mj-lt"/>
+              <a:buAutoNum type="arabicPeriod"/>
+            </a:pPr>
+            <a:r>
+              <a:rPr lang="en-US" altLang="zh-CN" dirty="0" err="1"/>
+              <a:t>ldd</a:t>
+            </a:r>
+            <a:r>
+              <a:rPr lang="en-US" altLang="zh-CN" dirty="0"/>
+              <a:t> [</a:t>
+            </a:r>
+            <a:r>
+              <a:rPr lang="en-US" altLang="zh-CN" dirty="0" err="1"/>
+              <a:t>program_name</a:t>
+            </a:r>
+            <a:r>
+              <a:rPr lang="en-US" altLang="zh-CN" dirty="0"/>
+              <a:t>]</a:t>
+            </a:r>
+          </a:p>
+          <a:p>
+            <a:endParaRPr lang="en-US" dirty="0"/>
+          </a:p>
+        </p:txBody>
+      </p:sp>
+      <p:pic>
+        <p:nvPicPr>
+          <p:cNvPr id="20" name="Picture 19">
+            <a:extLst>
+              <a:ext uri="{FF2B5EF4-FFF2-40B4-BE49-F238E27FC236}">
+                <a16:creationId xmlns:a16="http://schemas.microsoft.com/office/drawing/2014/main" id="{551C5494-2AF5-4279-9433-0FE2A886DBED}"/>
+              </a:ext>
+            </a:extLst>
+          </p:cNvPr>
+          <p:cNvPicPr>
+            <a:picLocks noChangeAspect="1"/>
+          </p:cNvPicPr>
+          <p:nvPr/>
+        </p:nvPicPr>
+        <p:blipFill>
+          <a:blip r:embed="rId3"/>
+          <a:stretch>
+            <a:fillRect/>
+          </a:stretch>
+        </p:blipFill>
+        <p:spPr>
+          <a:xfrm>
+            <a:off x="5517784" y="2063736"/>
+            <a:ext cx="6318549" cy="1865713"/>
+          </a:xfrm>
+          <a:prstGeom prst="rect">
+            <a:avLst/>
+          </a:prstGeom>
+        </p:spPr>
+      </p:pic>
     </p:spTree>
     <p:extLst>
       <p:ext uri="{BB962C8B-B14F-4D97-AF65-F5344CB8AC3E}">
@@ -21650,6 +22149,206 @@
 </file>
 
 <file path=ppt/slides/slide26.xml><?xml version="1.0" encoding="utf-8"?>
+<p:sld xmlns:a="http://schemas.openxmlformats.org/drawingml/2006/main" xmlns:r="http://schemas.openxmlformats.org/officeDocument/2006/relationships" xmlns:p="http://schemas.openxmlformats.org/presentationml/2006/main">
+  <p:cSld>
+    <p:bg>
+      <p:bgPr>
+        <a:blipFill rotWithShape="1">
+          <a:blip r:embed="rId2">
+            <a:duotone>
+              <a:schemeClr val="bg2">
+                <a:shade val="69000"/>
+                <a:hueMod val="108000"/>
+                <a:satMod val="164000"/>
+                <a:lumMod val="74000"/>
+              </a:schemeClr>
+              <a:schemeClr val="bg2">
+                <a:tint val="96000"/>
+                <a:hueMod val="88000"/>
+                <a:satMod val="140000"/>
+                <a:lumMod val="132000"/>
+              </a:schemeClr>
+            </a:duotone>
+          </a:blip>
+          <a:stretch/>
+        </a:blipFill>
+        <a:effectLst/>
+      </p:bgPr>
+    </p:bg>
+    <p:spTree>
+      <p:nvGrpSpPr>
+        <p:cNvPr id="1" name=""/>
+        <p:cNvGrpSpPr/>
+        <p:nvPr/>
+      </p:nvGrpSpPr>
+      <p:grpSpPr>
+        <a:xfrm>
+          <a:off x="0" y="0"/>
+          <a:ext cx="0" cy="0"/>
+          <a:chOff x="0" y="0"/>
+          <a:chExt cx="0" cy="0"/>
+        </a:xfrm>
+      </p:grpSpPr>
+      <p:sp>
+        <p:nvSpPr>
+          <p:cNvPr id="10" name="Rectangle 9">
+            <a:extLst>
+              <a:ext uri="{FF2B5EF4-FFF2-40B4-BE49-F238E27FC236}">
+                <a16:creationId xmlns:a16="http://schemas.microsoft.com/office/drawing/2014/main" id="{DFB3CEA1-88D9-42FB-88ED-1E9807FE6596}"/>
+              </a:ext>
+              <a:ext uri="{C183D7F6-B498-43B3-948B-1728B52AA6E4}">
+                <adec:decorative xmlns:adec="http://schemas.microsoft.com/office/drawing/2017/decorative" val="1"/>
+              </a:ext>
+            </a:extLst>
+          </p:cNvPr>
+          <p:cNvSpPr>
+            <a:spLocks noGrp="1" noRot="1" noChangeAspect="1" noMove="1" noResize="1" noEditPoints="1" noAdjustHandles="1" noChangeArrowheads="1" noChangeShapeType="1" noTextEdit="1"/>
+          </p:cNvSpPr>
+          <p:nvPr>
+            <p:extLst>
+              <p:ext uri="{386F3935-93C4-4BCD-93E2-E3B085C9AB24}">
+                <p16:designElem xmlns:p16="http://schemas.microsoft.com/office/powerpoint/2015/main" val="1"/>
+              </p:ext>
+            </p:extLst>
+          </p:nvPr>
+        </p:nvSpPr>
+        <p:spPr>
+          <a:xfrm>
+            <a:off x="477012" y="480060"/>
+            <a:ext cx="11237976" cy="5897880"/>
+          </a:xfrm>
+          <a:prstGeom prst="rect">
+            <a:avLst/>
+          </a:prstGeom>
+          <a:solidFill>
+            <a:srgbClr val="FFFFFF"/>
+          </a:solidFill>
+          <a:ln>
+            <a:noFill/>
+          </a:ln>
+        </p:spPr>
+        <p:style>
+          <a:lnRef idx="2">
+            <a:schemeClr val="accent1">
+              <a:shade val="50000"/>
+            </a:schemeClr>
+          </a:lnRef>
+          <a:fillRef idx="1">
+            <a:schemeClr val="accent1"/>
+          </a:fillRef>
+          <a:effectRef idx="0">
+            <a:schemeClr val="accent1"/>
+          </a:effectRef>
+          <a:fontRef idx="minor">
+            <a:schemeClr val="lt1"/>
+          </a:fontRef>
+        </p:style>
+        <p:txBody>
+          <a:bodyPr rtlCol="0" anchor="ctr"/>
+          <a:lstStyle/>
+          <a:p>
+            <a:pPr algn="ctr"/>
+            <a:endParaRPr lang="en-US" dirty="0"/>
+          </a:p>
+        </p:txBody>
+      </p:sp>
+      <p:pic>
+        <p:nvPicPr>
+          <p:cNvPr id="5" name="Picture 4">
+            <a:extLst>
+              <a:ext uri="{FF2B5EF4-FFF2-40B4-BE49-F238E27FC236}">
+                <a16:creationId xmlns:a16="http://schemas.microsoft.com/office/drawing/2014/main" id="{DFD801E8-AF31-4163-A25B-DC07753F6CCF}"/>
+              </a:ext>
+            </a:extLst>
+          </p:cNvPr>
+          <p:cNvPicPr>
+            <a:picLocks noChangeAspect="1"/>
+          </p:cNvPicPr>
+          <p:nvPr/>
+        </p:nvPicPr>
+        <p:blipFill>
+          <a:blip r:embed="rId3"/>
+          <a:stretch>
+            <a:fillRect/>
+          </a:stretch>
+        </p:blipFill>
+        <p:spPr>
+          <a:xfrm>
+            <a:off x="2689037" y="643467"/>
+            <a:ext cx="6813925" cy="5571066"/>
+          </a:xfrm>
+          <a:prstGeom prst="rect">
+            <a:avLst/>
+          </a:prstGeom>
+        </p:spPr>
+      </p:pic>
+      <p:sp>
+        <p:nvSpPr>
+          <p:cNvPr id="12" name="Rectangle 11">
+            <a:extLst>
+              <a:ext uri="{FF2B5EF4-FFF2-40B4-BE49-F238E27FC236}">
+                <a16:creationId xmlns:a16="http://schemas.microsoft.com/office/drawing/2014/main" id="{9A6C928E-4252-4F33-8C34-E50A12A3170B}"/>
+              </a:ext>
+              <a:ext uri="{C183D7F6-B498-43B3-948B-1728B52AA6E4}">
+                <adec:decorative xmlns:adec="http://schemas.microsoft.com/office/drawing/2017/decorative" val="1"/>
+              </a:ext>
+            </a:extLst>
+          </p:cNvPr>
+          <p:cNvSpPr>
+            <a:spLocks noGrp="1" noRot="1" noChangeAspect="1" noMove="1" noResize="1" noEditPoints="1" noAdjustHandles="1" noChangeArrowheads="1" noChangeShapeType="1" noTextEdit="1"/>
+          </p:cNvSpPr>
+          <p:nvPr>
+            <p:extLst>
+              <p:ext uri="{386F3935-93C4-4BCD-93E2-E3B085C9AB24}">
+                <p16:designElem xmlns:p16="http://schemas.microsoft.com/office/powerpoint/2015/main" val="1"/>
+              </p:ext>
+            </p:extLst>
+          </p:nvPr>
+        </p:nvSpPr>
+        <p:spPr>
+          <a:xfrm>
+            <a:off x="10437812" y="0"/>
+            <a:ext cx="685800" cy="1143000"/>
+          </a:xfrm>
+          <a:prstGeom prst="rect">
+            <a:avLst/>
+          </a:prstGeom>
+          <a:solidFill>
+            <a:schemeClr val="accent1"/>
+          </a:solidFill>
+          <a:ln>
+            <a:noFill/>
+          </a:ln>
+        </p:spPr>
+        <p:style>
+          <a:lnRef idx="1">
+            <a:schemeClr val="accent1"/>
+          </a:lnRef>
+          <a:fillRef idx="3">
+            <a:schemeClr val="accent1"/>
+          </a:fillRef>
+          <a:effectRef idx="2">
+            <a:schemeClr val="accent1"/>
+          </a:effectRef>
+          <a:fontRef idx="minor">
+            <a:schemeClr val="lt1"/>
+          </a:fontRef>
+        </p:style>
+      </p:sp>
+    </p:spTree>
+    <p:extLst>
+      <p:ext uri="{BB962C8B-B14F-4D97-AF65-F5344CB8AC3E}">
+        <p14:creationId xmlns:p14="http://schemas.microsoft.com/office/powerpoint/2010/main" val="2795745545"/>
+      </p:ext>
+    </p:extLst>
+  </p:cSld>
+  <p:clrMapOvr>
+    <a:masterClrMapping/>
+  </p:clrMapOvr>
+</p:sld>
+</file>
+
+<file path=ppt/slides/slide27.xml><?xml version="1.0" encoding="utf-8"?>
 <p:sld xmlns:a="http://schemas.openxmlformats.org/drawingml/2006/main" xmlns:r="http://schemas.openxmlformats.org/officeDocument/2006/relationships" xmlns:p="http://schemas.openxmlformats.org/presentationml/2006/main">
   <p:cSld>
     <p:spTree>
@@ -21668,10 +22367,10 @@
       </p:grpSpPr>
       <p:sp>
         <p:nvSpPr>
-          <p:cNvPr id="6" name="Title 5">
+          <p:cNvPr id="2" name="Title 1">
             <a:extLst>
               <a:ext uri="{FF2B5EF4-FFF2-40B4-BE49-F238E27FC236}">
-                <a16:creationId xmlns:a16="http://schemas.microsoft.com/office/drawing/2014/main" id="{92EA1792-7EFF-4F2D-A3D7-51C82E054268}"/>
+                <a16:creationId xmlns:a16="http://schemas.microsoft.com/office/drawing/2014/main" id="{3AD36FEC-F341-4865-8F71-BAF6C81C39E3}"/>
               </a:ext>
             </a:extLst>
           </p:cNvPr>
@@ -21689,7 +22388,7 @@
           <a:p>
             <a:r>
               <a:rPr lang="zh-CN" altLang="en-US" dirty="0"/>
-              <a:t>调试步骤</a:t>
+              <a:t>动态库调试</a:t>
             </a:r>
             <a:endParaRPr lang="en-US" dirty="0"/>
           </a:p>
@@ -21697,10 +22396,10 @@
       </p:sp>
       <p:sp>
         <p:nvSpPr>
-          <p:cNvPr id="7" name="Text Placeholder 6">
+          <p:cNvPr id="3" name="Content Placeholder 2">
             <a:extLst>
               <a:ext uri="{FF2B5EF4-FFF2-40B4-BE49-F238E27FC236}">
-                <a16:creationId xmlns:a16="http://schemas.microsoft.com/office/drawing/2014/main" id="{28305313-EDD5-4B99-BDD3-DB07ACB0E824}"/>
+                <a16:creationId xmlns:a16="http://schemas.microsoft.com/office/drawing/2014/main" id="{C74AF067-307B-4365-B38A-3146E05503D5}"/>
               </a:ext>
             </a:extLst>
           </p:cNvPr>
@@ -21708,7 +22407,7 @@
             <a:spLocks noGrp="1"/>
           </p:cNvSpPr>
           <p:nvPr>
-            <p:ph type="body" idx="1"/>
+            <p:ph idx="1"/>
           </p:nvPr>
         </p:nvSpPr>
         <p:spPr/>
@@ -21718,18 +22417,169 @@
           <a:p>
             <a:r>
               <a:rPr lang="zh-CN" altLang="en-US" dirty="0"/>
-              <a:t>生成动态库和可执行文件</a:t>
-            </a:r>
+              <a:t>动态库调试和普通程序的调试的步骤一样，唯一的问题就在于程序是否争取链接到动态库。该问题在调试动态库命令中 </a:t>
+            </a:r>
+            <a:r>
+              <a:rPr lang="en-US" altLang="zh-CN" dirty="0" err="1"/>
+              <a:t>ldd</a:t>
+            </a:r>
+            <a:r>
+              <a:rPr lang="en-US" altLang="zh-CN" dirty="0"/>
+              <a:t> </a:t>
+            </a:r>
+            <a:r>
+              <a:rPr lang="zh-CN" altLang="en-US" dirty="0"/>
+              <a:t>命令解决该问题。</a:t>
+            </a:r>
+            <a:endParaRPr lang="en-US" altLang="zh-CN" dirty="0"/>
+          </a:p>
+          <a:p>
+            <a:r>
+              <a:rPr lang="en-US" altLang="zh-CN" dirty="0"/>
+              <a:t>GDB </a:t>
+            </a:r>
+            <a:r>
+              <a:rPr lang="zh-CN" altLang="en-US" dirty="0"/>
+              <a:t>中可以使用 </a:t>
+            </a:r>
+            <a:r>
+              <a:rPr lang="en-US" altLang="zh-CN" dirty="0"/>
+              <a:t>catch load/unload </a:t>
+            </a:r>
+            <a:r>
+              <a:rPr lang="zh-CN" altLang="en-US" dirty="0"/>
+              <a:t>来捕获加载</a:t>
+            </a:r>
+            <a:r>
+              <a:rPr lang="en-US" altLang="zh-CN" dirty="0"/>
+              <a:t>/</a:t>
+            </a:r>
+            <a:r>
+              <a:rPr lang="zh-CN" altLang="en-US" dirty="0"/>
+              <a:t>卸载动态库的事件通知，以及在程序加载动态库后命令 </a:t>
+            </a:r>
+            <a:r>
+              <a:rPr lang="en-US" altLang="zh-CN" dirty="0"/>
+              <a:t>info </a:t>
+            </a:r>
+            <a:r>
+              <a:rPr lang="en-US" altLang="zh-CN" dirty="0" err="1"/>
+              <a:t>sharelibrary</a:t>
+            </a:r>
+            <a:r>
+              <a:rPr lang="en-US" altLang="zh-CN" dirty="0"/>
+              <a:t> </a:t>
+            </a:r>
+            <a:r>
+              <a:rPr lang="zh-CN" altLang="en-US" dirty="0"/>
+              <a:t>会有加载的动态库显示</a:t>
+            </a:r>
+            <a:endParaRPr lang="en-US" altLang="zh-CN" dirty="0"/>
+          </a:p>
+          <a:p>
+            <a:r>
+              <a:rPr lang="zh-CN" altLang="en-US" dirty="0"/>
+              <a:t>动态库使用需要注意以下问题：</a:t>
+            </a:r>
+            <a:endParaRPr lang="en-US" altLang="zh-CN" dirty="0"/>
+          </a:p>
+          <a:p>
+            <a:pPr lvl="1"/>
+            <a:r>
+              <a:rPr lang="zh-CN" altLang="en-US" dirty="0"/>
+              <a:t>如果想要进入到动态库函数中步进方式调试，必须加 </a:t>
+            </a:r>
+            <a:r>
+              <a:rPr lang="en-US" altLang="zh-CN" dirty="0"/>
+              <a:t>–g </a:t>
+            </a:r>
+            <a:r>
+              <a:rPr lang="zh-CN" altLang="en-US" dirty="0"/>
+              <a:t>参数，否则没有调试的符号表</a:t>
+            </a:r>
+            <a:endParaRPr lang="en-US" altLang="zh-CN" dirty="0"/>
+          </a:p>
+          <a:p>
+            <a:pPr lvl="1"/>
+            <a:r>
+              <a:rPr lang="zh-CN" altLang="en-US" dirty="0"/>
+              <a:t>可执行程序运行时找动态的路径不会包含当前文件夹，动态库寻找路径的四个方式：编译时指定，环境变量中指定的路径，配置文件</a:t>
+            </a:r>
+            <a:r>
+              <a:rPr lang="en-US" altLang="zh-CN" dirty="0"/>
+              <a:t>/</a:t>
+            </a:r>
+            <a:r>
+              <a:rPr lang="en-US" altLang="zh-CN" dirty="0" err="1"/>
+              <a:t>etc.ld.so.conf</a:t>
+            </a:r>
+            <a:r>
+              <a:rPr lang="en-US" altLang="zh-CN" dirty="0"/>
+              <a:t> </a:t>
+            </a:r>
+            <a:r>
+              <a:rPr lang="zh-CN" altLang="en-US" dirty="0"/>
+              <a:t>中记录的，默认的 </a:t>
+            </a:r>
+            <a:r>
+              <a:rPr lang="en-US" altLang="zh-CN" dirty="0"/>
+              <a:t>/</a:t>
+            </a:r>
+            <a:r>
+              <a:rPr lang="en-US" altLang="zh-CN" dirty="0" err="1"/>
+              <a:t>usr</a:t>
+            </a:r>
+            <a:r>
+              <a:rPr lang="en-US" altLang="zh-CN" dirty="0"/>
+              <a:t>/lib,/lib </a:t>
+            </a:r>
+            <a:r>
+              <a:rPr lang="zh-CN" altLang="en-US" dirty="0"/>
+              <a:t>目录</a:t>
+            </a:r>
+            <a:endParaRPr lang="en-US" dirty="0"/>
+          </a:p>
+          <a:p>
             <a:endParaRPr lang="en-US" dirty="0"/>
           </a:p>
         </p:txBody>
       </p:sp>
+    </p:spTree>
+    <p:extLst>
+      <p:ext uri="{BB962C8B-B14F-4D97-AF65-F5344CB8AC3E}">
+        <p14:creationId xmlns:p14="http://schemas.microsoft.com/office/powerpoint/2010/main" val="1070496261"/>
+      </p:ext>
+    </p:extLst>
+  </p:cSld>
+  <p:clrMapOvr>
+    <a:masterClrMapping/>
+  </p:clrMapOvr>
+</p:sld>
+</file>
+
+<file path=ppt/slides/slide28.xml><?xml version="1.0" encoding="utf-8"?>
+<p:sld xmlns:a="http://schemas.openxmlformats.org/drawingml/2006/main" xmlns:r="http://schemas.openxmlformats.org/officeDocument/2006/relationships" xmlns:p="http://schemas.openxmlformats.org/presentationml/2006/main">
+  <p:cSld>
+    <p:spTree>
+      <p:nvGrpSpPr>
+        <p:cNvPr id="1" name=""/>
+        <p:cNvGrpSpPr/>
+        <p:nvPr/>
+      </p:nvGrpSpPr>
+      <p:grpSpPr>
+        <a:xfrm>
+          <a:off x="0" y="0"/>
+          <a:ext cx="0" cy="0"/>
+          <a:chOff x="0" y="0"/>
+          <a:chExt cx="0" cy="0"/>
+        </a:xfrm>
+      </p:grpSpPr>
       <p:sp>
         <p:nvSpPr>
-          <p:cNvPr id="10" name="Picture Placeholder 9">
+          <p:cNvPr id="2" name="Title 1">
             <a:extLst>
               <a:ext uri="{FF2B5EF4-FFF2-40B4-BE49-F238E27FC236}">
-                <a16:creationId xmlns:a16="http://schemas.microsoft.com/office/drawing/2014/main" id="{272B591D-8651-4F77-9882-A5D34CE858BA}"/>
+                <a16:creationId xmlns:a16="http://schemas.microsoft.com/office/drawing/2014/main" id="{6767A099-7034-46DF-A80B-259378136718}"/>
               </a:ext>
             </a:extLst>
           </p:cNvPr>
@@ -21737,17 +22587,28 @@
             <a:spLocks noGrp="1"/>
           </p:cNvSpPr>
           <p:nvPr>
-            <p:ph type="pic" idx="15"/>
+            <p:ph type="title"/>
           </p:nvPr>
         </p:nvSpPr>
         <p:spPr/>
+        <p:txBody>
+          <a:bodyPr/>
+          <a:lstStyle/>
+          <a:p>
+            <a:r>
+              <a:rPr lang="zh-CN" altLang="en-US" dirty="0"/>
+              <a:t>多线程的调试（死锁）</a:t>
+            </a:r>
+            <a:endParaRPr lang="en-US" dirty="0"/>
+          </a:p>
+        </p:txBody>
       </p:sp>
       <p:sp>
         <p:nvSpPr>
-          <p:cNvPr id="11" name="Text Placeholder 10">
+          <p:cNvPr id="3" name="Content Placeholder 2">
             <a:extLst>
               <a:ext uri="{FF2B5EF4-FFF2-40B4-BE49-F238E27FC236}">
-                <a16:creationId xmlns:a16="http://schemas.microsoft.com/office/drawing/2014/main" id="{3CA22FF8-268E-4B1D-89BD-C7C627E70D07}"/>
+                <a16:creationId xmlns:a16="http://schemas.microsoft.com/office/drawing/2014/main" id="{BC8F1D2B-F24B-4290-A95F-176F61A1CE92}"/>
               </a:ext>
             </a:extLst>
           </p:cNvPr>
@@ -21755,13 +22616,1131 @@
             <a:spLocks noGrp="1"/>
           </p:cNvSpPr>
           <p:nvPr>
-            <p:ph type="body" sz="half" idx="18"/>
+            <p:ph idx="1"/>
+          </p:nvPr>
+        </p:nvSpPr>
+        <p:spPr/>
+        <p:txBody>
+          <a:bodyPr/>
+          <a:lstStyle/>
+          <a:p>
+            <a:r>
+              <a:rPr lang="zh-CN" altLang="en-US" dirty="0"/>
+              <a:t>判断出现死锁的现象</a:t>
+            </a:r>
+            <a:endParaRPr lang="en-US" altLang="zh-CN" dirty="0"/>
+          </a:p>
+          <a:p>
+            <a:pPr lvl="1"/>
+            <a:r>
+              <a:rPr lang="zh-CN" altLang="en-US" dirty="0"/>
+              <a:t>运行的程序是多线程的</a:t>
+            </a:r>
+            <a:r>
+              <a:rPr lang="en-US" altLang="zh-CN" dirty="0"/>
+              <a:t>		</a:t>
+            </a:r>
+          </a:p>
+          <a:p>
+            <a:pPr lvl="1"/>
+            <a:r>
+              <a:rPr lang="zh-CN" altLang="en-US" dirty="0"/>
+              <a:t>程序没有运行结束，或者没有在指定的位置中阻塞，或者程序运行正常，但是期待的数据一直没有出现</a:t>
+            </a:r>
+            <a:endParaRPr lang="en-US" altLang="zh-CN" dirty="0"/>
+          </a:p>
+          <a:p>
+            <a:r>
+              <a:rPr lang="zh-CN" altLang="en-US" dirty="0"/>
+              <a:t>调试步骤</a:t>
+            </a:r>
+            <a:endParaRPr lang="en-US" altLang="zh-CN" dirty="0"/>
+          </a:p>
+          <a:p>
+            <a:pPr marL="800100" lvl="1" indent="-342900">
+              <a:buFont typeface="+mj-lt"/>
+              <a:buAutoNum type="arabicPeriod"/>
+            </a:pPr>
+            <a:r>
+              <a:rPr lang="en-US" altLang="zh-CN" dirty="0"/>
+              <a:t>GDB</a:t>
+            </a:r>
+            <a:r>
+              <a:rPr lang="zh-CN" altLang="en-US" dirty="0"/>
+              <a:t>启动后，直接执行 </a:t>
+            </a:r>
+            <a:r>
+              <a:rPr lang="en-US" altLang="zh-CN" dirty="0"/>
+              <a:t>run </a:t>
+            </a:r>
+            <a:r>
+              <a:rPr lang="zh-CN" altLang="en-US" dirty="0"/>
+              <a:t>命令，等待程序阻塞到某个点，</a:t>
+            </a:r>
+            <a:r>
+              <a:rPr lang="en-US" altLang="zh-CN" dirty="0" err="1"/>
+              <a:t>Ctrl+C</a:t>
+            </a:r>
+            <a:r>
+              <a:rPr lang="zh-CN" altLang="en-US" dirty="0"/>
+              <a:t>中断程序</a:t>
+            </a:r>
+            <a:endParaRPr lang="en-US" altLang="zh-CN" dirty="0"/>
+          </a:p>
+          <a:p>
+            <a:pPr marL="800100" lvl="1" indent="-342900">
+              <a:buFont typeface="+mj-lt"/>
+              <a:buAutoNum type="arabicPeriod"/>
+            </a:pPr>
+            <a:r>
+              <a:rPr lang="zh-CN" altLang="en-US" dirty="0"/>
+              <a:t>查看当前运行的线程</a:t>
+            </a:r>
+            <a:endParaRPr lang="en-US" altLang="zh-CN" dirty="0"/>
+          </a:p>
+          <a:p>
+            <a:pPr marL="800100" lvl="1" indent="-342900">
+              <a:buFont typeface="+mj-lt"/>
+              <a:buAutoNum type="arabicPeriod"/>
+            </a:pPr>
+            <a:r>
+              <a:rPr lang="zh-CN" altLang="en-US" dirty="0"/>
+              <a:t>一一切换到这些线程中，查看阻塞处的代码，是否有加锁的代码</a:t>
+            </a:r>
+            <a:endParaRPr lang="en-US" dirty="0"/>
+          </a:p>
+        </p:txBody>
+      </p:sp>
+    </p:spTree>
+    <p:extLst>
+      <p:ext uri="{BB962C8B-B14F-4D97-AF65-F5344CB8AC3E}">
+        <p14:creationId xmlns:p14="http://schemas.microsoft.com/office/powerpoint/2010/main" val="2614821609"/>
+      </p:ext>
+    </p:extLst>
+  </p:cSld>
+  <p:clrMapOvr>
+    <a:masterClrMapping/>
+  </p:clrMapOvr>
+</p:sld>
+</file>
+
+<file path=ppt/slides/slide29.xml><?xml version="1.0" encoding="utf-8"?>
+<p:sld xmlns:a="http://schemas.openxmlformats.org/drawingml/2006/main" xmlns:r="http://schemas.openxmlformats.org/officeDocument/2006/relationships" xmlns:p="http://schemas.openxmlformats.org/presentationml/2006/main">
+  <p:cSld>
+    <p:bg>
+      <p:bgPr>
+        <a:solidFill>
+          <a:schemeClr val="bg1"/>
+        </a:solidFill>
+        <a:effectLst/>
+      </p:bgPr>
+    </p:bg>
+    <p:spTree>
+      <p:nvGrpSpPr>
+        <p:cNvPr id="1" name=""/>
+        <p:cNvGrpSpPr/>
+        <p:nvPr/>
+      </p:nvGrpSpPr>
+      <p:grpSpPr>
+        <a:xfrm>
+          <a:off x="0" y="0"/>
+          <a:ext cx="0" cy="0"/>
+          <a:chOff x="0" y="0"/>
+          <a:chExt cx="0" cy="0"/>
+        </a:xfrm>
+      </p:grpSpPr>
+      <p:sp>
+        <p:nvSpPr>
+          <p:cNvPr id="36" name="Rectangle 17">
+            <a:extLst>
+              <a:ext uri="{FF2B5EF4-FFF2-40B4-BE49-F238E27FC236}">
+                <a16:creationId xmlns:a16="http://schemas.microsoft.com/office/drawing/2014/main" id="{5F3FC718-FDE3-4EF7-921E-A5F374EAF824}"/>
+              </a:ext>
+              <a:ext uri="{C183D7F6-B498-43B3-948B-1728B52AA6E4}">
+                <adec:decorative xmlns:adec="http://schemas.microsoft.com/office/drawing/2017/decorative" val="1"/>
+              </a:ext>
+            </a:extLst>
+          </p:cNvPr>
+          <p:cNvSpPr>
+            <a:spLocks noGrp="1" noRot="1" noChangeAspect="1" noMove="1" noResize="1" noEditPoints="1" noAdjustHandles="1" noChangeArrowheads="1" noChangeShapeType="1" noTextEdit="1"/>
+          </p:cNvSpPr>
+          <p:nvPr>
+            <p:extLst>
+              <p:ext uri="{386F3935-93C4-4BCD-93E2-E3B085C9AB24}">
+                <p16:designElem xmlns:p16="http://schemas.microsoft.com/office/powerpoint/2015/main" val="1"/>
+              </p:ext>
+            </p:extLst>
           </p:nvPr>
         </p:nvSpPr>
         <p:spPr>
           <a:xfrm>
-            <a:off x="652463" y="4827211"/>
-            <a:ext cx="2930759" cy="1351167"/>
+            <a:off x="0" y="0"/>
+            <a:ext cx="12192000" cy="6858000"/>
+          </a:xfrm>
+          <a:prstGeom prst="rect">
+            <a:avLst/>
+          </a:prstGeom>
+          <a:ln>
+            <a:noFill/>
+          </a:ln>
+        </p:spPr>
+        <p:style>
+          <a:lnRef idx="2">
+            <a:schemeClr val="accent1">
+              <a:shade val="50000"/>
+            </a:schemeClr>
+          </a:lnRef>
+          <a:fillRef idx="1003">
+            <a:schemeClr val="dk2"/>
+          </a:fillRef>
+          <a:effectRef idx="0">
+            <a:schemeClr val="accent1"/>
+          </a:effectRef>
+          <a:fontRef idx="minor">
+            <a:schemeClr val="lt1"/>
+          </a:fontRef>
+        </p:style>
+        <p:txBody>
+          <a:bodyPr rtlCol="0" anchor="ctr"/>
+          <a:lstStyle/>
+          <a:p>
+            <a:pPr algn="ctr"/>
+            <a:endParaRPr lang="en-US"/>
+          </a:p>
+        </p:txBody>
+      </p:sp>
+      <p:sp>
+        <p:nvSpPr>
+          <p:cNvPr id="4" name="Title 3">
+            <a:extLst>
+              <a:ext uri="{FF2B5EF4-FFF2-40B4-BE49-F238E27FC236}">
+                <a16:creationId xmlns:a16="http://schemas.microsoft.com/office/drawing/2014/main" id="{D81C928C-CE2E-47C0-99E3-F93EB4EEE75C}"/>
+              </a:ext>
+            </a:extLst>
+          </p:cNvPr>
+          <p:cNvSpPr>
+            <a:spLocks noGrp="1"/>
+          </p:cNvSpPr>
+          <p:nvPr>
+            <p:ph type="title"/>
+          </p:nvPr>
+        </p:nvSpPr>
+        <p:spPr>
+          <a:xfrm>
+            <a:off x="643855" y="1447799"/>
+            <a:ext cx="3108626" cy="1444752"/>
+          </a:xfrm>
+        </p:spPr>
+        <p:txBody>
+          <a:bodyPr anchor="b">
+            <a:normAutofit/>
+          </a:bodyPr>
+          <a:lstStyle/>
+          <a:p>
+            <a:r>
+              <a:rPr lang="zh-CN" altLang="en-US" sz="3200" dirty="0">
+                <a:solidFill>
+                  <a:srgbClr val="EBEBEB"/>
+                </a:solidFill>
+              </a:rPr>
+              <a:t>死锁调试</a:t>
+            </a:r>
+            <a:endParaRPr lang="en-US" sz="3200" dirty="0">
+              <a:solidFill>
+                <a:srgbClr val="EBEBEB"/>
+              </a:solidFill>
+            </a:endParaRPr>
+          </a:p>
+        </p:txBody>
+      </p:sp>
+      <p:sp>
+        <p:nvSpPr>
+          <p:cNvPr id="37" name="Freeform 11">
+            <a:extLst>
+              <a:ext uri="{FF2B5EF4-FFF2-40B4-BE49-F238E27FC236}">
+                <a16:creationId xmlns:a16="http://schemas.microsoft.com/office/drawing/2014/main" id="{FAA0F719-3DC8-4F08-AD8F-5A845658CB9D}"/>
+              </a:ext>
+              <a:ext uri="{C183D7F6-B498-43B3-948B-1728B52AA6E4}">
+                <adec:decorative xmlns:adec="http://schemas.microsoft.com/office/drawing/2017/decorative" val="1"/>
+              </a:ext>
+            </a:extLst>
+          </p:cNvPr>
+          <p:cNvSpPr>
+            <a:spLocks noGrp="1" noRot="1" noChangeAspect="1" noMove="1" noResize="1" noEditPoints="1" noAdjustHandles="1" noChangeArrowheads="1" noChangeShapeType="1" noTextEdit="1"/>
+          </p:cNvSpPr>
+          <p:nvPr>
+            <p:extLst>
+              <p:ext uri="{386F3935-93C4-4BCD-93E2-E3B085C9AB24}">
+                <p16:designElem xmlns:p16="http://schemas.microsoft.com/office/powerpoint/2015/main" val="1"/>
+              </p:ext>
+            </p:extLst>
+          </p:nvPr>
+        </p:nvSpPr>
+        <p:spPr>
+          <a:xfrm>
+            <a:off x="3948110" y="-1"/>
+            <a:ext cx="559472" cy="3709642"/>
+          </a:xfrm>
+          <a:custGeom>
+            <a:avLst/>
+            <a:gdLst>
+              <a:gd name="connsiteX0" fmla="*/ 0 w 559472"/>
+              <a:gd name="connsiteY0" fmla="*/ 0 h 3709642"/>
+              <a:gd name="connsiteX1" fmla="*/ 473952 w 559472"/>
+              <a:gd name="connsiteY1" fmla="*/ 0 h 3709642"/>
+              <a:gd name="connsiteX2" fmla="*/ 485840 w 559472"/>
+              <a:gd name="connsiteY2" fmla="*/ 161194 h 3709642"/>
+              <a:gd name="connsiteX3" fmla="*/ 523949 w 559472"/>
+              <a:gd name="connsiteY3" fmla="*/ 3672197 h 3709642"/>
+              <a:gd name="connsiteX4" fmla="*/ 454748 w 559472"/>
+              <a:gd name="connsiteY4" fmla="*/ 3709642 h 3709642"/>
+              <a:gd name="connsiteX5" fmla="*/ 448224 w 559472"/>
+              <a:gd name="connsiteY5" fmla="*/ 3510471 h 3709642"/>
+              <a:gd name="connsiteX6" fmla="*/ 443564 w 559472"/>
+              <a:gd name="connsiteY6" fmla="*/ 3408563 h 3709642"/>
+              <a:gd name="connsiteX7" fmla="*/ 438902 w 559472"/>
+              <a:gd name="connsiteY7" fmla="*/ 3304407 h 3709642"/>
+              <a:gd name="connsiteX8" fmla="*/ 433941 w 559472"/>
+              <a:gd name="connsiteY8" fmla="*/ 3198777 h 3709642"/>
+              <a:gd name="connsiteX9" fmla="*/ 427584 w 559472"/>
+              <a:gd name="connsiteY9" fmla="*/ 3092510 h 3709642"/>
+              <a:gd name="connsiteX10" fmla="*/ 420988 w 559472"/>
+              <a:gd name="connsiteY10" fmla="*/ 2984390 h 3709642"/>
+              <a:gd name="connsiteX11" fmla="*/ 414330 w 559472"/>
+              <a:gd name="connsiteY11" fmla="*/ 2874401 h 3709642"/>
+              <a:gd name="connsiteX12" fmla="*/ 406840 w 559472"/>
+              <a:gd name="connsiteY12" fmla="*/ 2762980 h 3709642"/>
+              <a:gd name="connsiteX13" fmla="*/ 397745 w 559472"/>
+              <a:gd name="connsiteY13" fmla="*/ 2650566 h 3709642"/>
+              <a:gd name="connsiteX14" fmla="*/ 389154 w 559472"/>
+              <a:gd name="connsiteY14" fmla="*/ 2536612 h 3709642"/>
+              <a:gd name="connsiteX15" fmla="*/ 379225 w 559472"/>
+              <a:gd name="connsiteY15" fmla="*/ 2421642 h 3709642"/>
+              <a:gd name="connsiteX16" fmla="*/ 368316 w 559472"/>
+              <a:gd name="connsiteY16" fmla="*/ 2305627 h 3709642"/>
+              <a:gd name="connsiteX17" fmla="*/ 357466 w 559472"/>
+              <a:gd name="connsiteY17" fmla="*/ 2189233 h 3709642"/>
+              <a:gd name="connsiteX18" fmla="*/ 344982 w 559472"/>
+              <a:gd name="connsiteY18" fmla="*/ 2071473 h 3709642"/>
+              <a:gd name="connsiteX19" fmla="*/ 332466 w 559472"/>
+              <a:gd name="connsiteY19" fmla="*/ 1952216 h 3709642"/>
+              <a:gd name="connsiteX20" fmla="*/ 319121 w 559472"/>
+              <a:gd name="connsiteY20" fmla="*/ 1833776 h 3709642"/>
+              <a:gd name="connsiteX21" fmla="*/ 304408 w 559472"/>
+              <a:gd name="connsiteY21" fmla="*/ 1713948 h 3709642"/>
+              <a:gd name="connsiteX22" fmla="*/ 288685 w 559472"/>
+              <a:gd name="connsiteY22" fmla="*/ 1592703 h 3709642"/>
+              <a:gd name="connsiteX23" fmla="*/ 273050 w 559472"/>
+              <a:gd name="connsiteY23" fmla="*/ 1471451 h 3709642"/>
+              <a:gd name="connsiteX24" fmla="*/ 255813 w 559472"/>
+              <a:gd name="connsiteY24" fmla="*/ 1350328 h 3709642"/>
+              <a:gd name="connsiteX25" fmla="*/ 237060 w 559472"/>
+              <a:gd name="connsiteY25" fmla="*/ 1227080 h 3709642"/>
+              <a:gd name="connsiteX26" fmla="*/ 218488 w 559472"/>
+              <a:gd name="connsiteY26" fmla="*/ 1106065 h 3709642"/>
+              <a:gd name="connsiteX27" fmla="*/ 198221 w 559472"/>
+              <a:gd name="connsiteY27" fmla="*/ 982940 h 3709642"/>
+              <a:gd name="connsiteX28" fmla="*/ 177152 w 559472"/>
+              <a:gd name="connsiteY28" fmla="*/ 858755 h 3709642"/>
+              <a:gd name="connsiteX29" fmla="*/ 155551 w 559472"/>
+              <a:gd name="connsiteY29" fmla="*/ 736861 h 3709642"/>
+              <a:gd name="connsiteX30" fmla="*/ 131782 w 559472"/>
+              <a:gd name="connsiteY30" fmla="*/ 613645 h 3709642"/>
+              <a:gd name="connsiteX31" fmla="*/ 107123 w 559472"/>
+              <a:gd name="connsiteY31" fmla="*/ 490500 h 3709642"/>
+              <a:gd name="connsiteX32" fmla="*/ 82552 w 559472"/>
+              <a:gd name="connsiteY32" fmla="*/ 367348 h 3709642"/>
+              <a:gd name="connsiteX33" fmla="*/ 55608 w 559472"/>
+              <a:gd name="connsiteY33" fmla="*/ 244762 h 3709642"/>
+              <a:gd name="connsiteX34" fmla="*/ 28130 w 559472"/>
+              <a:gd name="connsiteY34" fmla="*/ 122220 h 3709642"/>
+              <a:gd name="connsiteX35" fmla="*/ 0 w 559472"/>
+              <a:gd name="connsiteY35" fmla="*/ 0 h 3709642"/>
+            </a:gdLst>
+            <a:ahLst/>
+            <a:cxnLst>
+              <a:cxn ang="0">
+                <a:pos x="connsiteX0" y="connsiteY0"/>
+              </a:cxn>
+              <a:cxn ang="0">
+                <a:pos x="connsiteX1" y="connsiteY1"/>
+              </a:cxn>
+              <a:cxn ang="0">
+                <a:pos x="connsiteX2" y="connsiteY2"/>
+              </a:cxn>
+              <a:cxn ang="0">
+                <a:pos x="connsiteX3" y="connsiteY3"/>
+              </a:cxn>
+              <a:cxn ang="0">
+                <a:pos x="connsiteX4" y="connsiteY4"/>
+              </a:cxn>
+              <a:cxn ang="0">
+                <a:pos x="connsiteX5" y="connsiteY5"/>
+              </a:cxn>
+              <a:cxn ang="0">
+                <a:pos x="connsiteX6" y="connsiteY6"/>
+              </a:cxn>
+              <a:cxn ang="0">
+                <a:pos x="connsiteX7" y="connsiteY7"/>
+              </a:cxn>
+              <a:cxn ang="0">
+                <a:pos x="connsiteX8" y="connsiteY8"/>
+              </a:cxn>
+              <a:cxn ang="0">
+                <a:pos x="connsiteX9" y="connsiteY9"/>
+              </a:cxn>
+              <a:cxn ang="0">
+                <a:pos x="connsiteX10" y="connsiteY10"/>
+              </a:cxn>
+              <a:cxn ang="0">
+                <a:pos x="connsiteX11" y="connsiteY11"/>
+              </a:cxn>
+              <a:cxn ang="0">
+                <a:pos x="connsiteX12" y="connsiteY12"/>
+              </a:cxn>
+              <a:cxn ang="0">
+                <a:pos x="connsiteX13" y="connsiteY13"/>
+              </a:cxn>
+              <a:cxn ang="0">
+                <a:pos x="connsiteX14" y="connsiteY14"/>
+              </a:cxn>
+              <a:cxn ang="0">
+                <a:pos x="connsiteX15" y="connsiteY15"/>
+              </a:cxn>
+              <a:cxn ang="0">
+                <a:pos x="connsiteX16" y="connsiteY16"/>
+              </a:cxn>
+              <a:cxn ang="0">
+                <a:pos x="connsiteX17" y="connsiteY17"/>
+              </a:cxn>
+              <a:cxn ang="0">
+                <a:pos x="connsiteX18" y="connsiteY18"/>
+              </a:cxn>
+              <a:cxn ang="0">
+                <a:pos x="connsiteX19" y="connsiteY19"/>
+              </a:cxn>
+              <a:cxn ang="0">
+                <a:pos x="connsiteX20" y="connsiteY20"/>
+              </a:cxn>
+              <a:cxn ang="0">
+                <a:pos x="connsiteX21" y="connsiteY21"/>
+              </a:cxn>
+              <a:cxn ang="0">
+                <a:pos x="connsiteX22" y="connsiteY22"/>
+              </a:cxn>
+              <a:cxn ang="0">
+                <a:pos x="connsiteX23" y="connsiteY23"/>
+              </a:cxn>
+              <a:cxn ang="0">
+                <a:pos x="connsiteX24" y="connsiteY24"/>
+              </a:cxn>
+              <a:cxn ang="0">
+                <a:pos x="connsiteX25" y="connsiteY25"/>
+              </a:cxn>
+              <a:cxn ang="0">
+                <a:pos x="connsiteX26" y="connsiteY26"/>
+              </a:cxn>
+              <a:cxn ang="0">
+                <a:pos x="connsiteX27" y="connsiteY27"/>
+              </a:cxn>
+              <a:cxn ang="0">
+                <a:pos x="connsiteX28" y="connsiteY28"/>
+              </a:cxn>
+              <a:cxn ang="0">
+                <a:pos x="connsiteX29" y="connsiteY29"/>
+              </a:cxn>
+              <a:cxn ang="0">
+                <a:pos x="connsiteX30" y="connsiteY30"/>
+              </a:cxn>
+              <a:cxn ang="0">
+                <a:pos x="connsiteX31" y="connsiteY31"/>
+              </a:cxn>
+              <a:cxn ang="0">
+                <a:pos x="connsiteX32" y="connsiteY32"/>
+              </a:cxn>
+              <a:cxn ang="0">
+                <a:pos x="connsiteX33" y="connsiteY33"/>
+              </a:cxn>
+              <a:cxn ang="0">
+                <a:pos x="connsiteX34" y="connsiteY34"/>
+              </a:cxn>
+              <a:cxn ang="0">
+                <a:pos x="connsiteX35" y="connsiteY35"/>
+              </a:cxn>
+            </a:cxnLst>
+            <a:rect l="l" t="t" r="r" b="b"/>
+            <a:pathLst>
+              <a:path w="559472" h="3709642">
+                <a:moveTo>
+                  <a:pt x="0" y="0"/>
+                </a:moveTo>
+                <a:lnTo>
+                  <a:pt x="473952" y="0"/>
+                </a:lnTo>
+                <a:lnTo>
+                  <a:pt x="485840" y="161194"/>
+                </a:lnTo>
+                <a:cubicBezTo>
+                  <a:pt x="552063" y="1147770"/>
+                  <a:pt x="592441" y="3086737"/>
+                  <a:pt x="523949" y="3672197"/>
+                </a:cubicBezTo>
+                <a:cubicBezTo>
+                  <a:pt x="500842" y="3684557"/>
+                  <a:pt x="477855" y="3697282"/>
+                  <a:pt x="454748" y="3709642"/>
+                </a:cubicBezTo>
+                <a:lnTo>
+                  <a:pt x="448224" y="3510471"/>
+                </a:lnTo>
+                <a:lnTo>
+                  <a:pt x="443564" y="3408563"/>
+                </a:lnTo>
+                <a:lnTo>
+                  <a:pt x="438902" y="3304407"/>
+                </a:lnTo>
+                <a:lnTo>
+                  <a:pt x="433941" y="3198777"/>
+                </a:lnTo>
+                <a:lnTo>
+                  <a:pt x="427584" y="3092510"/>
+                </a:lnTo>
+                <a:lnTo>
+                  <a:pt x="420988" y="2984390"/>
+                </a:lnTo>
+                <a:lnTo>
+                  <a:pt x="414330" y="2874401"/>
+                </a:lnTo>
+                <a:lnTo>
+                  <a:pt x="406840" y="2762980"/>
+                </a:lnTo>
+                <a:lnTo>
+                  <a:pt x="397745" y="2650566"/>
+                </a:lnTo>
+                <a:lnTo>
+                  <a:pt x="389154" y="2536612"/>
+                </a:lnTo>
+                <a:lnTo>
+                  <a:pt x="379225" y="2421642"/>
+                </a:lnTo>
+                <a:lnTo>
+                  <a:pt x="368316" y="2305627"/>
+                </a:lnTo>
+                <a:lnTo>
+                  <a:pt x="357466" y="2189233"/>
+                </a:lnTo>
+                <a:lnTo>
+                  <a:pt x="344982" y="2071473"/>
+                </a:lnTo>
+                <a:lnTo>
+                  <a:pt x="332466" y="1952216"/>
+                </a:lnTo>
+                <a:lnTo>
+                  <a:pt x="319121" y="1833776"/>
+                </a:lnTo>
+                <a:lnTo>
+                  <a:pt x="304408" y="1713948"/>
+                </a:lnTo>
+                <a:lnTo>
+                  <a:pt x="288685" y="1592703"/>
+                </a:lnTo>
+                <a:lnTo>
+                  <a:pt x="273050" y="1471451"/>
+                </a:lnTo>
+                <a:lnTo>
+                  <a:pt x="255813" y="1350328"/>
+                </a:lnTo>
+                <a:lnTo>
+                  <a:pt x="237060" y="1227080"/>
+                </a:lnTo>
+                <a:lnTo>
+                  <a:pt x="218488" y="1106065"/>
+                </a:lnTo>
+                <a:lnTo>
+                  <a:pt x="198221" y="982940"/>
+                </a:lnTo>
+                <a:lnTo>
+                  <a:pt x="177152" y="858755"/>
+                </a:lnTo>
+                <a:lnTo>
+                  <a:pt x="155551" y="736861"/>
+                </a:lnTo>
+                <a:lnTo>
+                  <a:pt x="131782" y="613645"/>
+                </a:lnTo>
+                <a:lnTo>
+                  <a:pt x="107123" y="490500"/>
+                </a:lnTo>
+                <a:lnTo>
+                  <a:pt x="82552" y="367348"/>
+                </a:lnTo>
+                <a:lnTo>
+                  <a:pt x="55608" y="244762"/>
+                </a:lnTo>
+                <a:lnTo>
+                  <a:pt x="28130" y="122220"/>
+                </a:lnTo>
+                <a:lnTo>
+                  <a:pt x="0" y="0"/>
+                </a:lnTo>
+                <a:close/>
+              </a:path>
+            </a:pathLst>
+          </a:custGeom>
+          <a:solidFill>
+            <a:schemeClr val="bg1">
+              <a:alpha val="20000"/>
+            </a:schemeClr>
+          </a:solidFill>
+          <a:ln>
+            <a:noFill/>
+          </a:ln>
+        </p:spPr>
+        <p:txBody>
+          <a:bodyPr rtlCol="0" anchor="ctr"/>
+          <a:lstStyle/>
+          <a:p>
+            <a:pPr algn="ctr"/>
+            <a:endParaRPr lang="en-US"/>
+          </a:p>
+        </p:txBody>
+      </p:sp>
+      <p:sp useBgFill="1">
+        <p:nvSpPr>
+          <p:cNvPr id="38" name="Freeform: Shape 21">
+            <a:extLst>
+              <a:ext uri="{FF2B5EF4-FFF2-40B4-BE49-F238E27FC236}">
+                <a16:creationId xmlns:a16="http://schemas.microsoft.com/office/drawing/2014/main" id="{7DCB61BE-FA0F-4EFB-BE0E-268BAD8E30D6}"/>
+              </a:ext>
+              <a:ext uri="{C183D7F6-B498-43B3-948B-1728B52AA6E4}">
+                <adec:decorative xmlns:adec="http://schemas.microsoft.com/office/drawing/2017/decorative" val="1"/>
+              </a:ext>
+            </a:extLst>
+          </p:cNvPr>
+          <p:cNvSpPr>
+            <a:spLocks noGrp="1" noRot="1" noChangeAspect="1" noMove="1" noResize="1" noEditPoints="1" noAdjustHandles="1" noChangeArrowheads="1" noChangeShapeType="1" noTextEdit="1"/>
+          </p:cNvSpPr>
+          <p:nvPr>
+            <p:extLst>
+              <p:ext uri="{386F3935-93C4-4BCD-93E2-E3B085C9AB24}">
+                <p16:designElem xmlns:p16="http://schemas.microsoft.com/office/powerpoint/2015/main" val="1"/>
+              </p:ext>
+            </p:extLst>
+          </p:nvPr>
+        </p:nvSpPr>
+        <p:spPr bwMode="gray">
+          <a:xfrm rot="16200000">
+            <a:off x="4747655" y="-586345"/>
+            <a:ext cx="6858001" cy="8030691"/>
+          </a:xfrm>
+          <a:custGeom>
+            <a:avLst/>
+            <a:gdLst>
+              <a:gd name="connsiteX0" fmla="*/ 6858001 w 6858001"/>
+              <a:gd name="connsiteY0" fmla="*/ 1177 h 8030691"/>
+              <a:gd name="connsiteX1" fmla="*/ 6858001 w 6858001"/>
+              <a:gd name="connsiteY1" fmla="*/ 1344715 h 8030691"/>
+              <a:gd name="connsiteX2" fmla="*/ 6858000 w 6858001"/>
+              <a:gd name="connsiteY2" fmla="*/ 1344715 h 8030691"/>
+              <a:gd name="connsiteX3" fmla="*/ 6858000 w 6858001"/>
+              <a:gd name="connsiteY3" fmla="*/ 8030691 h 8030691"/>
+              <a:gd name="connsiteX4" fmla="*/ 0 w 6858001"/>
+              <a:gd name="connsiteY4" fmla="*/ 8030690 h 8030691"/>
+              <a:gd name="connsiteX5" fmla="*/ 0 w 6858001"/>
+              <a:gd name="connsiteY5" fmla="*/ 477747 h 8030691"/>
+              <a:gd name="connsiteX6" fmla="*/ 1 w 6858001"/>
+              <a:gd name="connsiteY6" fmla="*/ 477747 h 8030691"/>
+              <a:gd name="connsiteX7" fmla="*/ 1 w 6858001"/>
+              <a:gd name="connsiteY7" fmla="*/ 0 h 8030691"/>
+              <a:gd name="connsiteX8" fmla="*/ 40463 w 6858001"/>
+              <a:gd name="connsiteY8" fmla="*/ 5883 h 8030691"/>
+              <a:gd name="connsiteX9" fmla="*/ 159107 w 6858001"/>
+              <a:gd name="connsiteY9" fmla="*/ 23196 h 8030691"/>
+              <a:gd name="connsiteX10" fmla="*/ 245518 w 6858001"/>
+              <a:gd name="connsiteY10" fmla="*/ 35299 h 8030691"/>
+              <a:gd name="connsiteX11" fmla="*/ 348388 w 6858001"/>
+              <a:gd name="connsiteY11" fmla="*/ 48074 h 8030691"/>
+              <a:gd name="connsiteX12" fmla="*/ 470460 w 6858001"/>
+              <a:gd name="connsiteY12" fmla="*/ 63370 h 8030691"/>
+              <a:gd name="connsiteX13" fmla="*/ 605563 w 6858001"/>
+              <a:gd name="connsiteY13" fmla="*/ 79507 h 8030691"/>
+              <a:gd name="connsiteX14" fmla="*/ 757810 w 6858001"/>
+              <a:gd name="connsiteY14" fmla="*/ 96484 h 8030691"/>
+              <a:gd name="connsiteX15" fmla="*/ 923774 w 6858001"/>
+              <a:gd name="connsiteY15" fmla="*/ 114469 h 8030691"/>
+              <a:gd name="connsiteX16" fmla="*/ 1104139 w 6858001"/>
+              <a:gd name="connsiteY16" fmla="*/ 132455 h 8030691"/>
+              <a:gd name="connsiteX17" fmla="*/ 1296163 w 6858001"/>
+              <a:gd name="connsiteY17" fmla="*/ 150776 h 8030691"/>
+              <a:gd name="connsiteX18" fmla="*/ 1503275 w 6858001"/>
+              <a:gd name="connsiteY18" fmla="*/ 167753 h 8030691"/>
+              <a:gd name="connsiteX19" fmla="*/ 1719988 w 6858001"/>
+              <a:gd name="connsiteY19" fmla="*/ 184058 h 8030691"/>
+              <a:gd name="connsiteX20" fmla="*/ 1949045 w 6858001"/>
+              <a:gd name="connsiteY20" fmla="*/ 198850 h 8030691"/>
+              <a:gd name="connsiteX21" fmla="*/ 2187703 w 6858001"/>
+              <a:gd name="connsiteY21" fmla="*/ 212969 h 8030691"/>
+              <a:gd name="connsiteX22" fmla="*/ 2436649 w 6858001"/>
+              <a:gd name="connsiteY22" fmla="*/ 226249 h 8030691"/>
+              <a:gd name="connsiteX23" fmla="*/ 2564208 w 6858001"/>
+              <a:gd name="connsiteY23" fmla="*/ 230955 h 8030691"/>
+              <a:gd name="connsiteX24" fmla="*/ 2694509 w 6858001"/>
+              <a:gd name="connsiteY24" fmla="*/ 236166 h 8030691"/>
+              <a:gd name="connsiteX25" fmla="*/ 2826869 w 6858001"/>
+              <a:gd name="connsiteY25" fmla="*/ 241040 h 8030691"/>
+              <a:gd name="connsiteX26" fmla="*/ 2959914 w 6858001"/>
+              <a:gd name="connsiteY26" fmla="*/ 244234 h 8030691"/>
+              <a:gd name="connsiteX27" fmla="*/ 3095702 w 6858001"/>
+              <a:gd name="connsiteY27" fmla="*/ 247092 h 8030691"/>
+              <a:gd name="connsiteX28" fmla="*/ 3232862 w 6858001"/>
+              <a:gd name="connsiteY28" fmla="*/ 250117 h 8030691"/>
+              <a:gd name="connsiteX29" fmla="*/ 3372766 w 6858001"/>
+              <a:gd name="connsiteY29" fmla="*/ 252134 h 8030691"/>
+              <a:gd name="connsiteX30" fmla="*/ 3514040 w 6858001"/>
+              <a:gd name="connsiteY30" fmla="*/ 252134 h 8030691"/>
+              <a:gd name="connsiteX31" fmla="*/ 3656686 w 6858001"/>
+              <a:gd name="connsiteY31" fmla="*/ 253143 h 8030691"/>
+              <a:gd name="connsiteX32" fmla="*/ 3800705 w 6858001"/>
+              <a:gd name="connsiteY32" fmla="*/ 252134 h 8030691"/>
+              <a:gd name="connsiteX33" fmla="*/ 3946780 w 6858001"/>
+              <a:gd name="connsiteY33" fmla="*/ 250117 h 8030691"/>
+              <a:gd name="connsiteX34" fmla="*/ 4092856 w 6858001"/>
+              <a:gd name="connsiteY34" fmla="*/ 248268 h 8030691"/>
+              <a:gd name="connsiteX35" fmla="*/ 4240988 w 6858001"/>
+              <a:gd name="connsiteY35" fmla="*/ 244234 h 8030691"/>
+              <a:gd name="connsiteX36" fmla="*/ 4390492 w 6858001"/>
+              <a:gd name="connsiteY36" fmla="*/ 240032 h 8030691"/>
+              <a:gd name="connsiteX37" fmla="*/ 4539997 w 6858001"/>
+              <a:gd name="connsiteY37" fmla="*/ 235157 h 8030691"/>
+              <a:gd name="connsiteX38" fmla="*/ 4690873 w 6858001"/>
+              <a:gd name="connsiteY38" fmla="*/ 228266 h 8030691"/>
+              <a:gd name="connsiteX39" fmla="*/ 4843120 w 6858001"/>
+              <a:gd name="connsiteY39" fmla="*/ 220029 h 8030691"/>
+              <a:gd name="connsiteX40" fmla="*/ 4996054 w 6858001"/>
+              <a:gd name="connsiteY40" fmla="*/ 212129 h 8030691"/>
+              <a:gd name="connsiteX41" fmla="*/ 5148987 w 6858001"/>
+              <a:gd name="connsiteY41" fmla="*/ 202044 h 8030691"/>
+              <a:gd name="connsiteX42" fmla="*/ 5303978 w 6858001"/>
+              <a:gd name="connsiteY42" fmla="*/ 189941 h 8030691"/>
+              <a:gd name="connsiteX43" fmla="*/ 5456911 w 6858001"/>
+              <a:gd name="connsiteY43" fmla="*/ 177839 h 8030691"/>
+              <a:gd name="connsiteX44" fmla="*/ 5612588 w 6858001"/>
+              <a:gd name="connsiteY44" fmla="*/ 163887 h 8030691"/>
+              <a:gd name="connsiteX45" fmla="*/ 5768950 w 6858001"/>
+              <a:gd name="connsiteY45" fmla="*/ 148591 h 8030691"/>
+              <a:gd name="connsiteX46" fmla="*/ 5923255 w 6858001"/>
+              <a:gd name="connsiteY46" fmla="*/ 132455 h 8030691"/>
+              <a:gd name="connsiteX47" fmla="*/ 6079618 w 6858001"/>
+              <a:gd name="connsiteY47" fmla="*/ 113629 h 8030691"/>
+              <a:gd name="connsiteX48" fmla="*/ 6235294 w 6858001"/>
+              <a:gd name="connsiteY48" fmla="*/ 93458 h 8030691"/>
+              <a:gd name="connsiteX49" fmla="*/ 6391657 w 6858001"/>
+              <a:gd name="connsiteY49" fmla="*/ 73455 h 8030691"/>
+              <a:gd name="connsiteX50" fmla="*/ 6547333 w 6858001"/>
+              <a:gd name="connsiteY50" fmla="*/ 50091 h 8030691"/>
+              <a:gd name="connsiteX51" fmla="*/ 6702324 w 6858001"/>
+              <a:gd name="connsiteY51" fmla="*/ 26222 h 8030691"/>
+            </a:gdLst>
+            <a:ahLst/>
+            <a:cxnLst>
+              <a:cxn ang="0">
+                <a:pos x="connsiteX0" y="connsiteY0"/>
+              </a:cxn>
+              <a:cxn ang="0">
+                <a:pos x="connsiteX1" y="connsiteY1"/>
+              </a:cxn>
+              <a:cxn ang="0">
+                <a:pos x="connsiteX2" y="connsiteY2"/>
+              </a:cxn>
+              <a:cxn ang="0">
+                <a:pos x="connsiteX3" y="connsiteY3"/>
+              </a:cxn>
+              <a:cxn ang="0">
+                <a:pos x="connsiteX4" y="connsiteY4"/>
+              </a:cxn>
+              <a:cxn ang="0">
+                <a:pos x="connsiteX5" y="connsiteY5"/>
+              </a:cxn>
+              <a:cxn ang="0">
+                <a:pos x="connsiteX6" y="connsiteY6"/>
+              </a:cxn>
+              <a:cxn ang="0">
+                <a:pos x="connsiteX7" y="connsiteY7"/>
+              </a:cxn>
+              <a:cxn ang="0">
+                <a:pos x="connsiteX8" y="connsiteY8"/>
+              </a:cxn>
+              <a:cxn ang="0">
+                <a:pos x="connsiteX9" y="connsiteY9"/>
+              </a:cxn>
+              <a:cxn ang="0">
+                <a:pos x="connsiteX10" y="connsiteY10"/>
+              </a:cxn>
+              <a:cxn ang="0">
+                <a:pos x="connsiteX11" y="connsiteY11"/>
+              </a:cxn>
+              <a:cxn ang="0">
+                <a:pos x="connsiteX12" y="connsiteY12"/>
+              </a:cxn>
+              <a:cxn ang="0">
+                <a:pos x="connsiteX13" y="connsiteY13"/>
+              </a:cxn>
+              <a:cxn ang="0">
+                <a:pos x="connsiteX14" y="connsiteY14"/>
+              </a:cxn>
+              <a:cxn ang="0">
+                <a:pos x="connsiteX15" y="connsiteY15"/>
+              </a:cxn>
+              <a:cxn ang="0">
+                <a:pos x="connsiteX16" y="connsiteY16"/>
+              </a:cxn>
+              <a:cxn ang="0">
+                <a:pos x="connsiteX17" y="connsiteY17"/>
+              </a:cxn>
+              <a:cxn ang="0">
+                <a:pos x="connsiteX18" y="connsiteY18"/>
+              </a:cxn>
+              <a:cxn ang="0">
+                <a:pos x="connsiteX19" y="connsiteY19"/>
+              </a:cxn>
+              <a:cxn ang="0">
+                <a:pos x="connsiteX20" y="connsiteY20"/>
+              </a:cxn>
+              <a:cxn ang="0">
+                <a:pos x="connsiteX21" y="connsiteY21"/>
+              </a:cxn>
+              <a:cxn ang="0">
+                <a:pos x="connsiteX22" y="connsiteY22"/>
+              </a:cxn>
+              <a:cxn ang="0">
+                <a:pos x="connsiteX23" y="connsiteY23"/>
+              </a:cxn>
+              <a:cxn ang="0">
+                <a:pos x="connsiteX24" y="connsiteY24"/>
+              </a:cxn>
+              <a:cxn ang="0">
+                <a:pos x="connsiteX25" y="connsiteY25"/>
+              </a:cxn>
+              <a:cxn ang="0">
+                <a:pos x="connsiteX26" y="connsiteY26"/>
+              </a:cxn>
+              <a:cxn ang="0">
+                <a:pos x="connsiteX27" y="connsiteY27"/>
+              </a:cxn>
+              <a:cxn ang="0">
+                <a:pos x="connsiteX28" y="connsiteY28"/>
+              </a:cxn>
+              <a:cxn ang="0">
+                <a:pos x="connsiteX29" y="connsiteY29"/>
+              </a:cxn>
+              <a:cxn ang="0">
+                <a:pos x="connsiteX30" y="connsiteY30"/>
+              </a:cxn>
+              <a:cxn ang="0">
+                <a:pos x="connsiteX31" y="connsiteY31"/>
+              </a:cxn>
+              <a:cxn ang="0">
+                <a:pos x="connsiteX32" y="connsiteY32"/>
+              </a:cxn>
+              <a:cxn ang="0">
+                <a:pos x="connsiteX33" y="connsiteY33"/>
+              </a:cxn>
+              <a:cxn ang="0">
+                <a:pos x="connsiteX34" y="connsiteY34"/>
+              </a:cxn>
+              <a:cxn ang="0">
+                <a:pos x="connsiteX35" y="connsiteY35"/>
+              </a:cxn>
+              <a:cxn ang="0">
+                <a:pos x="connsiteX36" y="connsiteY36"/>
+              </a:cxn>
+              <a:cxn ang="0">
+                <a:pos x="connsiteX37" y="connsiteY37"/>
+              </a:cxn>
+              <a:cxn ang="0">
+                <a:pos x="connsiteX38" y="connsiteY38"/>
+              </a:cxn>
+              <a:cxn ang="0">
+                <a:pos x="connsiteX39" y="connsiteY39"/>
+              </a:cxn>
+              <a:cxn ang="0">
+                <a:pos x="connsiteX40" y="connsiteY40"/>
+              </a:cxn>
+              <a:cxn ang="0">
+                <a:pos x="connsiteX41" y="connsiteY41"/>
+              </a:cxn>
+              <a:cxn ang="0">
+                <a:pos x="connsiteX42" y="connsiteY42"/>
+              </a:cxn>
+              <a:cxn ang="0">
+                <a:pos x="connsiteX43" y="connsiteY43"/>
+              </a:cxn>
+              <a:cxn ang="0">
+                <a:pos x="connsiteX44" y="connsiteY44"/>
+              </a:cxn>
+              <a:cxn ang="0">
+                <a:pos x="connsiteX45" y="connsiteY45"/>
+              </a:cxn>
+              <a:cxn ang="0">
+                <a:pos x="connsiteX46" y="connsiteY46"/>
+              </a:cxn>
+              <a:cxn ang="0">
+                <a:pos x="connsiteX47" y="connsiteY47"/>
+              </a:cxn>
+              <a:cxn ang="0">
+                <a:pos x="connsiteX48" y="connsiteY48"/>
+              </a:cxn>
+              <a:cxn ang="0">
+                <a:pos x="connsiteX49" y="connsiteY49"/>
+              </a:cxn>
+              <a:cxn ang="0">
+                <a:pos x="connsiteX50" y="connsiteY50"/>
+              </a:cxn>
+              <a:cxn ang="0">
+                <a:pos x="connsiteX51" y="connsiteY51"/>
+              </a:cxn>
+            </a:cxnLst>
+            <a:rect l="l" t="t" r="r" b="b"/>
+            <a:pathLst>
+              <a:path w="6858001" h="8030691">
+                <a:moveTo>
+                  <a:pt x="6858001" y="1177"/>
+                </a:moveTo>
+                <a:lnTo>
+                  <a:pt x="6858001" y="1344715"/>
+                </a:lnTo>
+                <a:lnTo>
+                  <a:pt x="6858000" y="1344715"/>
+                </a:lnTo>
+                <a:lnTo>
+                  <a:pt x="6858000" y="8030691"/>
+                </a:lnTo>
+                <a:lnTo>
+                  <a:pt x="0" y="8030690"/>
+                </a:lnTo>
+                <a:lnTo>
+                  <a:pt x="0" y="477747"/>
+                </a:lnTo>
+                <a:lnTo>
+                  <a:pt x="1" y="477747"/>
+                </a:lnTo>
+                <a:lnTo>
+                  <a:pt x="1" y="0"/>
+                </a:lnTo>
+                <a:lnTo>
+                  <a:pt x="40463" y="5883"/>
+                </a:lnTo>
+                <a:lnTo>
+                  <a:pt x="159107" y="23196"/>
+                </a:lnTo>
+                <a:lnTo>
+                  <a:pt x="245518" y="35299"/>
+                </a:lnTo>
+                <a:lnTo>
+                  <a:pt x="348388" y="48074"/>
+                </a:lnTo>
+                <a:lnTo>
+                  <a:pt x="470460" y="63370"/>
+                </a:lnTo>
+                <a:lnTo>
+                  <a:pt x="605563" y="79507"/>
+                </a:lnTo>
+                <a:lnTo>
+                  <a:pt x="757810" y="96484"/>
+                </a:lnTo>
+                <a:lnTo>
+                  <a:pt x="923774" y="114469"/>
+                </a:lnTo>
+                <a:lnTo>
+                  <a:pt x="1104139" y="132455"/>
+                </a:lnTo>
+                <a:lnTo>
+                  <a:pt x="1296163" y="150776"/>
+                </a:lnTo>
+                <a:lnTo>
+                  <a:pt x="1503275" y="167753"/>
+                </a:lnTo>
+                <a:lnTo>
+                  <a:pt x="1719988" y="184058"/>
+                </a:lnTo>
+                <a:lnTo>
+                  <a:pt x="1949045" y="198850"/>
+                </a:lnTo>
+                <a:lnTo>
+                  <a:pt x="2187703" y="212969"/>
+                </a:lnTo>
+                <a:lnTo>
+                  <a:pt x="2436649" y="226249"/>
+                </a:lnTo>
+                <a:lnTo>
+                  <a:pt x="2564208" y="230955"/>
+                </a:lnTo>
+                <a:lnTo>
+                  <a:pt x="2694509" y="236166"/>
+                </a:lnTo>
+                <a:lnTo>
+                  <a:pt x="2826869" y="241040"/>
+                </a:lnTo>
+                <a:lnTo>
+                  <a:pt x="2959914" y="244234"/>
+                </a:lnTo>
+                <a:lnTo>
+                  <a:pt x="3095702" y="247092"/>
+                </a:lnTo>
+                <a:lnTo>
+                  <a:pt x="3232862" y="250117"/>
+                </a:lnTo>
+                <a:lnTo>
+                  <a:pt x="3372766" y="252134"/>
+                </a:lnTo>
+                <a:lnTo>
+                  <a:pt x="3514040" y="252134"/>
+                </a:lnTo>
+                <a:lnTo>
+                  <a:pt x="3656686" y="253143"/>
+                </a:lnTo>
+                <a:lnTo>
+                  <a:pt x="3800705" y="252134"/>
+                </a:lnTo>
+                <a:lnTo>
+                  <a:pt x="3946780" y="250117"/>
+                </a:lnTo>
+                <a:lnTo>
+                  <a:pt x="4092856" y="248268"/>
+                </a:lnTo>
+                <a:lnTo>
+                  <a:pt x="4240988" y="244234"/>
+                </a:lnTo>
+                <a:lnTo>
+                  <a:pt x="4390492" y="240032"/>
+                </a:lnTo>
+                <a:lnTo>
+                  <a:pt x="4539997" y="235157"/>
+                </a:lnTo>
+                <a:lnTo>
+                  <a:pt x="4690873" y="228266"/>
+                </a:lnTo>
+                <a:lnTo>
+                  <a:pt x="4843120" y="220029"/>
+                </a:lnTo>
+                <a:lnTo>
+                  <a:pt x="4996054" y="212129"/>
+                </a:lnTo>
+                <a:lnTo>
+                  <a:pt x="5148987" y="202044"/>
+                </a:lnTo>
+                <a:lnTo>
+                  <a:pt x="5303978" y="189941"/>
+                </a:lnTo>
+                <a:lnTo>
+                  <a:pt x="5456911" y="177839"/>
+                </a:lnTo>
+                <a:lnTo>
+                  <a:pt x="5612588" y="163887"/>
+                </a:lnTo>
+                <a:lnTo>
+                  <a:pt x="5768950" y="148591"/>
+                </a:lnTo>
+                <a:lnTo>
+                  <a:pt x="5923255" y="132455"/>
+                </a:lnTo>
+                <a:lnTo>
+                  <a:pt x="6079618" y="113629"/>
+                </a:lnTo>
+                <a:lnTo>
+                  <a:pt x="6235294" y="93458"/>
+                </a:lnTo>
+                <a:lnTo>
+                  <a:pt x="6391657" y="73455"/>
+                </a:lnTo>
+                <a:lnTo>
+                  <a:pt x="6547333" y="50091"/>
+                </a:lnTo>
+                <a:lnTo>
+                  <a:pt x="6702324" y="26222"/>
+                </a:lnTo>
+                <a:close/>
+              </a:path>
+            </a:pathLst>
+          </a:custGeom>
+          <a:ln>
+            <a:noFill/>
+          </a:ln>
+        </p:spPr>
+      </p:sp>
+      <p:sp>
+        <p:nvSpPr>
+          <p:cNvPr id="39" name="Rectangle 23">
+            <a:extLst>
+              <a:ext uri="{FF2B5EF4-FFF2-40B4-BE49-F238E27FC236}">
+                <a16:creationId xmlns:a16="http://schemas.microsoft.com/office/drawing/2014/main" id="{A4B31EAA-7423-46F7-9B90-4AB2B09C35C4}"/>
+              </a:ext>
+              <a:ext uri="{C183D7F6-B498-43B3-948B-1728B52AA6E4}">
+                <adec:decorative xmlns:adec="http://schemas.microsoft.com/office/drawing/2017/decorative" val="1"/>
+              </a:ext>
+            </a:extLst>
+          </p:cNvPr>
+          <p:cNvSpPr>
+            <a:spLocks noGrp="1" noRot="1" noChangeAspect="1" noMove="1" noResize="1" noEditPoints="1" noAdjustHandles="1" noChangeArrowheads="1" noChangeShapeType="1" noTextEdit="1"/>
+          </p:cNvSpPr>
+          <p:nvPr>
+            <p:extLst>
+              <p:ext uri="{386F3935-93C4-4BCD-93E2-E3B085C9AB24}">
+                <p16:designElem xmlns:p16="http://schemas.microsoft.com/office/powerpoint/2015/main" val="1"/>
+              </p:ext>
+            </p:extLst>
+          </p:nvPr>
+        </p:nvSpPr>
+        <p:spPr>
+          <a:xfrm>
+            <a:off x="10437812" y="0"/>
+            <a:ext cx="685800" cy="1143000"/>
+          </a:xfrm>
+          <a:prstGeom prst="rect">
+            <a:avLst/>
+          </a:prstGeom>
+          <a:solidFill>
+            <a:schemeClr val="accent1"/>
+          </a:solidFill>
+          <a:ln>
+            <a:noFill/>
+          </a:ln>
+        </p:spPr>
+        <p:style>
+          <a:lnRef idx="1">
+            <a:schemeClr val="accent1"/>
+          </a:lnRef>
+          <a:fillRef idx="3">
+            <a:schemeClr val="accent1"/>
+          </a:fillRef>
+          <a:effectRef idx="2">
+            <a:schemeClr val="accent1"/>
+          </a:effectRef>
+          <a:fontRef idx="minor">
+            <a:schemeClr val="lt1"/>
+          </a:fontRef>
+        </p:style>
+      </p:sp>
+      <p:sp>
+        <p:nvSpPr>
+          <p:cNvPr id="15" name="Content Placeholder 14">
+            <a:extLst>
+              <a:ext uri="{FF2B5EF4-FFF2-40B4-BE49-F238E27FC236}">
+                <a16:creationId xmlns:a16="http://schemas.microsoft.com/office/drawing/2014/main" id="{821213CC-2955-6999-80AD-0F71749989FA}"/>
+              </a:ext>
+            </a:extLst>
+          </p:cNvPr>
+          <p:cNvSpPr>
+            <a:spLocks noGrp="1"/>
+          </p:cNvSpPr>
+          <p:nvPr>
+            <p:ph idx="1"/>
+          </p:nvPr>
+        </p:nvSpPr>
+        <p:spPr>
+          <a:xfrm>
+            <a:off x="643855" y="3072385"/>
+            <a:ext cx="3108057" cy="2947415"/>
           </a:xfrm>
         </p:spPr>
         <p:txBody>
@@ -21771,195 +23750,129 @@
           <a:lstStyle/>
           <a:p>
             <a:r>
-              <a:rPr lang="en-US" dirty="0"/>
-              <a:t>g++ animal.cpp shared.cpp -</a:t>
-            </a:r>
-            <a:r>
-              <a:rPr lang="en-US" dirty="0" err="1"/>
-              <a:t>fPIC</a:t>
-            </a:r>
-            <a:r>
-              <a:rPr lang="en-US" dirty="0"/>
-              <a:t> -shared -o libshare.so</a:t>
-            </a:r>
-          </a:p>
-          <a:p>
-            <a:r>
-              <a:rPr lang="en-US" dirty="0"/>
-              <a:t>g++ main.cpp -o main -</a:t>
-            </a:r>
-            <a:r>
-              <a:rPr lang="en-US" dirty="0" err="1"/>
-              <a:t>lshare</a:t>
-            </a:r>
-            <a:r>
-              <a:rPr lang="en-US" dirty="0"/>
-              <a:t> -</a:t>
-            </a:r>
-            <a:r>
-              <a:rPr lang="en-US" dirty="0" err="1"/>
-              <a:t>Wl</a:t>
-            </a:r>
-            <a:r>
-              <a:rPr lang="en-US" dirty="0"/>
-              <a:t>,-</a:t>
-            </a:r>
-            <a:r>
-              <a:rPr lang="en-US" dirty="0" err="1"/>
-              <a:t>rpath</a:t>
-            </a:r>
-            <a:r>
-              <a:rPr lang="en-US" dirty="0"/>
-              <a:t>,./ -L ./</a:t>
-            </a:r>
+              <a:rPr lang="en-US" altLang="zh-CN" sz="1400" dirty="0" err="1">
+                <a:solidFill>
+                  <a:srgbClr val="FFFFFF"/>
+                </a:solidFill>
+              </a:rPr>
+              <a:t>gdb</a:t>
+            </a:r>
+            <a:r>
+              <a:rPr lang="en-US" altLang="zh-CN" sz="1400" dirty="0">
+                <a:solidFill>
+                  <a:srgbClr val="FFFFFF"/>
+                </a:solidFill>
+              </a:rPr>
+              <a:t> </a:t>
+            </a:r>
+            <a:r>
+              <a:rPr lang="zh-CN" altLang="en-US" sz="1400" dirty="0">
+                <a:solidFill>
+                  <a:srgbClr val="FFFFFF"/>
+                </a:solidFill>
+              </a:rPr>
+              <a:t>启动程序</a:t>
+            </a:r>
+            <a:endParaRPr lang="en-US" altLang="zh-CN" sz="1400" dirty="0">
+              <a:solidFill>
+                <a:srgbClr val="FFFFFF"/>
+              </a:solidFill>
+            </a:endParaRPr>
+          </a:p>
+          <a:p>
+            <a:r>
+              <a:rPr lang="en-US" altLang="zh-CN" sz="1400" dirty="0">
+                <a:solidFill>
+                  <a:srgbClr val="FFFFFF"/>
+                </a:solidFill>
+              </a:rPr>
+              <a:t>run </a:t>
+            </a:r>
+            <a:r>
+              <a:rPr lang="zh-CN" altLang="en-US" sz="1400" dirty="0">
+                <a:solidFill>
+                  <a:srgbClr val="FFFFFF"/>
+                </a:solidFill>
+              </a:rPr>
+              <a:t>运行</a:t>
+            </a:r>
+            <a:endParaRPr lang="en-US" altLang="zh-CN" sz="1400" dirty="0">
+              <a:solidFill>
+                <a:srgbClr val="FFFFFF"/>
+              </a:solidFill>
+            </a:endParaRPr>
+          </a:p>
+          <a:p>
+            <a:r>
+              <a:rPr lang="en-US" altLang="zh-CN" sz="1400" dirty="0" err="1">
+                <a:solidFill>
+                  <a:srgbClr val="FFFFFF"/>
+                </a:solidFill>
+              </a:rPr>
+              <a:t>ctrl+c</a:t>
+            </a:r>
+            <a:r>
+              <a:rPr lang="zh-CN" altLang="en-US" sz="1400" dirty="0">
+                <a:solidFill>
+                  <a:srgbClr val="FFFFFF"/>
+                </a:solidFill>
+              </a:rPr>
+              <a:t>中断</a:t>
+            </a:r>
+            <a:endParaRPr lang="en-US" sz="1400" dirty="0">
+              <a:solidFill>
+                <a:srgbClr val="FFFFFF"/>
+              </a:solidFill>
+            </a:endParaRPr>
           </a:p>
         </p:txBody>
       </p:sp>
-      <p:sp>
-        <p:nvSpPr>
-          <p:cNvPr id="8" name="Text Placeholder 7">
+      <p:pic>
+        <p:nvPicPr>
+          <p:cNvPr id="11" name="Content Placeholder 10" descr="A picture containing night sky&#10;&#10;Description automatically generated">
             <a:extLst>
               <a:ext uri="{FF2B5EF4-FFF2-40B4-BE49-F238E27FC236}">
-                <a16:creationId xmlns:a16="http://schemas.microsoft.com/office/drawing/2014/main" id="{21639395-B086-4614-87B2-7A187F91E5A9}"/>
+                <a16:creationId xmlns:a16="http://schemas.microsoft.com/office/drawing/2014/main" id="{DDFF0D2B-63A6-4D5C-A381-88238A5929A1}"/>
               </a:ext>
             </a:extLst>
           </p:cNvPr>
-          <p:cNvSpPr>
-            <a:spLocks noGrp="1"/>
-          </p:cNvSpPr>
-          <p:nvPr>
-            <p:ph type="body" sz="quarter" idx="3"/>
-          </p:nvPr>
-        </p:nvSpPr>
-        <p:spPr/>
-        <p:txBody>
-          <a:bodyPr/>
-          <a:lstStyle/>
-          <a:p>
-            <a:endParaRPr lang="en-US"/>
-          </a:p>
-        </p:txBody>
-      </p:sp>
-      <p:sp>
-        <p:nvSpPr>
-          <p:cNvPr id="14" name="Picture Placeholder 13">
+          <p:cNvPicPr>
+            <a:picLocks noChangeAspect="1"/>
+          </p:cNvPicPr>
+          <p:nvPr/>
+        </p:nvPicPr>
+        <p:blipFill>
+          <a:blip r:embed="rId3">
             <a:extLst>
-              <a:ext uri="{FF2B5EF4-FFF2-40B4-BE49-F238E27FC236}">
-                <a16:creationId xmlns:a16="http://schemas.microsoft.com/office/drawing/2014/main" id="{E96285CA-2F31-4E23-986A-F95778E46265}"/>
+              <a:ext uri="{28A0092B-C50C-407E-A947-70E740481C1C}">
+                <a14:useLocalDpi xmlns:a14="http://schemas.microsoft.com/office/drawing/2010/main" val="0"/>
               </a:ext>
             </a:extLst>
-          </p:cNvPr>
-          <p:cNvSpPr>
-            <a:spLocks noGrp="1"/>
-          </p:cNvSpPr>
-          <p:nvPr>
-            <p:ph type="pic" idx="21"/>
-          </p:nvPr>
-        </p:nvSpPr>
-        <p:spPr/>
-      </p:sp>
-      <p:sp>
-        <p:nvSpPr>
-          <p:cNvPr id="12" name="Text Placeholder 11">
-            <a:extLst>
-              <a:ext uri="{FF2B5EF4-FFF2-40B4-BE49-F238E27FC236}">
-                <a16:creationId xmlns:a16="http://schemas.microsoft.com/office/drawing/2014/main" id="{9D0BEE79-F657-4363-8AD5-68E0FF2CC34C}"/>
-              </a:ext>
-            </a:extLst>
-          </p:cNvPr>
-          <p:cNvSpPr>
-            <a:spLocks noGrp="1"/>
-          </p:cNvSpPr>
-          <p:nvPr>
-            <p:ph type="body" sz="half" idx="19"/>
-          </p:nvPr>
-        </p:nvSpPr>
-        <p:spPr/>
-        <p:txBody>
-          <a:bodyPr/>
-          <a:lstStyle/>
-          <a:p>
-            <a:endParaRPr lang="en-US"/>
-          </a:p>
-        </p:txBody>
-      </p:sp>
-      <p:sp>
-        <p:nvSpPr>
-          <p:cNvPr id="9" name="Text Placeholder 8">
-            <a:extLst>
-              <a:ext uri="{FF2B5EF4-FFF2-40B4-BE49-F238E27FC236}">
-                <a16:creationId xmlns:a16="http://schemas.microsoft.com/office/drawing/2014/main" id="{04227533-565E-4DCC-B28F-4CDA0D673165}"/>
-              </a:ext>
-            </a:extLst>
-          </p:cNvPr>
-          <p:cNvSpPr>
-            <a:spLocks noGrp="1"/>
-          </p:cNvSpPr>
-          <p:nvPr>
-            <p:ph type="body" sz="quarter" idx="13"/>
-          </p:nvPr>
-        </p:nvSpPr>
-        <p:spPr/>
-        <p:txBody>
-          <a:bodyPr/>
-          <a:lstStyle/>
-          <a:p>
-            <a:endParaRPr lang="en-US"/>
-          </a:p>
-        </p:txBody>
-      </p:sp>
-      <p:sp>
-        <p:nvSpPr>
-          <p:cNvPr id="15" name="Picture Placeholder 14">
-            <a:extLst>
-              <a:ext uri="{FF2B5EF4-FFF2-40B4-BE49-F238E27FC236}">
-                <a16:creationId xmlns:a16="http://schemas.microsoft.com/office/drawing/2014/main" id="{A339AC5D-6E30-4CFA-9A21-BA888567A540}"/>
-              </a:ext>
-            </a:extLst>
-          </p:cNvPr>
-          <p:cNvSpPr>
-            <a:spLocks noGrp="1"/>
-          </p:cNvSpPr>
-          <p:nvPr>
-            <p:ph type="pic" idx="22"/>
-          </p:nvPr>
-        </p:nvSpPr>
-        <p:spPr/>
-      </p:sp>
-      <p:sp>
-        <p:nvSpPr>
-          <p:cNvPr id="13" name="Text Placeholder 12">
-            <a:extLst>
-              <a:ext uri="{FF2B5EF4-FFF2-40B4-BE49-F238E27FC236}">
-                <a16:creationId xmlns:a16="http://schemas.microsoft.com/office/drawing/2014/main" id="{120FEB0A-1DE8-4CB6-971C-6154AEAC36A5}"/>
-              </a:ext>
-            </a:extLst>
-          </p:cNvPr>
-          <p:cNvSpPr>
-            <a:spLocks noGrp="1"/>
-          </p:cNvSpPr>
-          <p:nvPr>
-            <p:ph type="body" sz="half" idx="20"/>
-          </p:nvPr>
-        </p:nvSpPr>
-        <p:spPr/>
-        <p:txBody>
-          <a:bodyPr/>
-          <a:lstStyle/>
-          <a:p>
-            <a:endParaRPr lang="en-US"/>
-          </a:p>
-        </p:txBody>
-      </p:sp>
+          </a:blip>
+          <a:stretch>
+            <a:fillRect/>
+          </a:stretch>
+        </p:blipFill>
+        <p:spPr>
+          <a:xfrm>
+            <a:off x="5048451" y="1525211"/>
+            <a:ext cx="6495847" cy="4417176"/>
+          </a:xfrm>
+          <a:prstGeom prst="rect">
+            <a:avLst/>
+          </a:prstGeom>
+          <a:effectLst/>
+        </p:spPr>
+      </p:pic>
     </p:spTree>
     <p:extLst>
       <p:ext uri="{BB962C8B-B14F-4D97-AF65-F5344CB8AC3E}">
-        <p14:creationId xmlns:p14="http://schemas.microsoft.com/office/powerpoint/2010/main" val="1072192210"/>
+        <p14:creationId xmlns:p14="http://schemas.microsoft.com/office/powerpoint/2010/main" val="3633583427"/>
       </p:ext>
     </p:extLst>
   </p:cSld>
   <p:clrMapOvr>
-    <a:masterClrMapping/>
+    <a:overrideClrMapping bg1="lt1" tx1="dk1" bg2="lt2" tx2="dk2" accent1="accent1" accent2="accent2" accent3="accent3" accent4="accent4" accent5="accent5" accent6="accent6" hlink="hlink" folHlink="folHlink"/>
   </p:clrMapOvr>
 </p:sld>
 </file>
@@ -22331,6 +24244,2820 @@
   </p:cSld>
   <p:clrMapOvr>
     <a:overrideClrMapping bg1="lt1" tx1="dk1" bg2="lt2" tx2="dk2" accent1="accent1" accent2="accent2" accent3="accent3" accent4="accent4" accent5="accent5" accent6="accent6" hlink="hlink" folHlink="folHlink"/>
+  </p:clrMapOvr>
+</p:sld>
+</file>
+
+<file path=ppt/slides/slide30.xml><?xml version="1.0" encoding="utf-8"?>
+<p:sld xmlns:a="http://schemas.openxmlformats.org/drawingml/2006/main" xmlns:r="http://schemas.openxmlformats.org/officeDocument/2006/relationships" xmlns:p="http://schemas.openxmlformats.org/presentationml/2006/main">
+  <p:cSld>
+    <p:bg>
+      <p:bgPr>
+        <a:solidFill>
+          <a:schemeClr val="bg1"/>
+        </a:solidFill>
+        <a:effectLst/>
+      </p:bgPr>
+    </p:bg>
+    <p:spTree>
+      <p:nvGrpSpPr>
+        <p:cNvPr id="1" name=""/>
+        <p:cNvGrpSpPr/>
+        <p:nvPr/>
+      </p:nvGrpSpPr>
+      <p:grpSpPr>
+        <a:xfrm>
+          <a:off x="0" y="0"/>
+          <a:ext cx="0" cy="0"/>
+          <a:chOff x="0" y="0"/>
+          <a:chExt cx="0" cy="0"/>
+        </a:xfrm>
+      </p:grpSpPr>
+      <p:sp>
+        <p:nvSpPr>
+          <p:cNvPr id="28" name="Rectangle 19">
+            <a:extLst>
+              <a:ext uri="{FF2B5EF4-FFF2-40B4-BE49-F238E27FC236}">
+                <a16:creationId xmlns:a16="http://schemas.microsoft.com/office/drawing/2014/main" id="{49076D5E-68ED-4CD1-A04F-E7934EBFAAD9}"/>
+              </a:ext>
+              <a:ext uri="{C183D7F6-B498-43B3-948B-1728B52AA6E4}">
+                <adec:decorative xmlns:adec="http://schemas.microsoft.com/office/drawing/2017/decorative" val="1"/>
+              </a:ext>
+            </a:extLst>
+          </p:cNvPr>
+          <p:cNvSpPr>
+            <a:spLocks noGrp="1" noRot="1" noChangeAspect="1" noMove="1" noResize="1" noEditPoints="1" noAdjustHandles="1" noChangeArrowheads="1" noChangeShapeType="1" noTextEdit="1"/>
+          </p:cNvSpPr>
+          <p:nvPr>
+            <p:extLst>
+              <p:ext uri="{386F3935-93C4-4BCD-93E2-E3B085C9AB24}">
+                <p16:designElem xmlns:p16="http://schemas.microsoft.com/office/powerpoint/2015/main" val="1"/>
+              </p:ext>
+            </p:extLst>
+          </p:nvPr>
+        </p:nvSpPr>
+        <p:spPr>
+          <a:xfrm>
+            <a:off x="0" y="0"/>
+            <a:ext cx="12192000" cy="6858000"/>
+          </a:xfrm>
+          <a:prstGeom prst="rect">
+            <a:avLst/>
+          </a:prstGeom>
+          <a:ln>
+            <a:noFill/>
+          </a:ln>
+        </p:spPr>
+        <p:style>
+          <a:lnRef idx="2">
+            <a:schemeClr val="accent1">
+              <a:shade val="50000"/>
+            </a:schemeClr>
+          </a:lnRef>
+          <a:fillRef idx="1003">
+            <a:schemeClr val="dk2"/>
+          </a:fillRef>
+          <a:effectRef idx="0">
+            <a:schemeClr val="accent1"/>
+          </a:effectRef>
+          <a:fontRef idx="minor">
+            <a:schemeClr val="lt1"/>
+          </a:fontRef>
+        </p:style>
+        <p:txBody>
+          <a:bodyPr rtlCol="0" anchor="ctr"/>
+          <a:lstStyle/>
+          <a:p>
+            <a:pPr algn="ctr"/>
+            <a:endParaRPr lang="en-US"/>
+          </a:p>
+        </p:txBody>
+      </p:sp>
+      <p:sp>
+        <p:nvSpPr>
+          <p:cNvPr id="4" name="Title 3">
+            <a:extLst>
+              <a:ext uri="{FF2B5EF4-FFF2-40B4-BE49-F238E27FC236}">
+                <a16:creationId xmlns:a16="http://schemas.microsoft.com/office/drawing/2014/main" id="{D81C928C-CE2E-47C0-99E3-F93EB4EEE75C}"/>
+              </a:ext>
+            </a:extLst>
+          </p:cNvPr>
+          <p:cNvSpPr>
+            <a:spLocks noGrp="1"/>
+          </p:cNvSpPr>
+          <p:nvPr>
+            <p:ph type="title"/>
+          </p:nvPr>
+        </p:nvSpPr>
+        <p:spPr>
+          <a:xfrm>
+            <a:off x="648929" y="629266"/>
+            <a:ext cx="3505495" cy="1622321"/>
+          </a:xfrm>
+        </p:spPr>
+        <p:txBody>
+          <a:bodyPr>
+            <a:normAutofit/>
+          </a:bodyPr>
+          <a:lstStyle/>
+          <a:p>
+            <a:r>
+              <a:rPr lang="zh-CN" altLang="en-US">
+                <a:solidFill>
+                  <a:srgbClr val="EBEBEB"/>
+                </a:solidFill>
+              </a:rPr>
+              <a:t>死锁调试</a:t>
+            </a:r>
+            <a:endParaRPr lang="en-US">
+              <a:solidFill>
+                <a:srgbClr val="EBEBEB"/>
+              </a:solidFill>
+            </a:endParaRPr>
+          </a:p>
+        </p:txBody>
+      </p:sp>
+      <p:sp>
+        <p:nvSpPr>
+          <p:cNvPr id="29" name="Rectangle 21">
+            <a:extLst>
+              <a:ext uri="{FF2B5EF4-FFF2-40B4-BE49-F238E27FC236}">
+                <a16:creationId xmlns:a16="http://schemas.microsoft.com/office/drawing/2014/main" id="{21BE0A6B-EBF8-4301-B1AE-F6A1C4003E2A}"/>
+              </a:ext>
+              <a:ext uri="{C183D7F6-B498-43B3-948B-1728B52AA6E4}">
+                <adec:decorative xmlns:adec="http://schemas.microsoft.com/office/drawing/2017/decorative" val="1"/>
+              </a:ext>
+            </a:extLst>
+          </p:cNvPr>
+          <p:cNvSpPr>
+            <a:spLocks noGrp="1" noRot="1" noChangeAspect="1" noMove="1" noResize="1" noEditPoints="1" noAdjustHandles="1" noChangeArrowheads="1" noChangeShapeType="1" noTextEdit="1"/>
+          </p:cNvSpPr>
+          <p:nvPr>
+            <p:extLst>
+              <p:ext uri="{386F3935-93C4-4BCD-93E2-E3B085C9AB24}">
+                <p16:designElem xmlns:p16="http://schemas.microsoft.com/office/powerpoint/2015/main" val="1"/>
+              </p:ext>
+            </p:extLst>
+          </p:nvPr>
+        </p:nvSpPr>
+        <p:spPr>
+          <a:xfrm>
+            <a:off x="4639056" y="0"/>
+            <a:ext cx="7552944" cy="6858000"/>
+          </a:xfrm>
+          <a:prstGeom prst="rect">
+            <a:avLst/>
+          </a:prstGeom>
+          <a:solidFill>
+            <a:srgbClr val="FFFFFF"/>
+          </a:solidFill>
+          <a:ln>
+            <a:noFill/>
+          </a:ln>
+        </p:spPr>
+        <p:style>
+          <a:lnRef idx="2">
+            <a:schemeClr val="accent1">
+              <a:shade val="50000"/>
+            </a:schemeClr>
+          </a:lnRef>
+          <a:fillRef idx="1">
+            <a:schemeClr val="accent1"/>
+          </a:fillRef>
+          <a:effectRef idx="0">
+            <a:schemeClr val="accent1"/>
+          </a:effectRef>
+          <a:fontRef idx="minor">
+            <a:schemeClr val="lt1"/>
+          </a:fontRef>
+        </p:style>
+        <p:txBody>
+          <a:bodyPr rtlCol="0" anchor="ctr"/>
+          <a:lstStyle/>
+          <a:p>
+            <a:pPr algn="ctr"/>
+            <a:endParaRPr lang="en-US"/>
+          </a:p>
+        </p:txBody>
+      </p:sp>
+      <p:sp useBgFill="1">
+        <p:nvSpPr>
+          <p:cNvPr id="30" name="Rounded Rectangle 9">
+            <a:extLst>
+              <a:ext uri="{FF2B5EF4-FFF2-40B4-BE49-F238E27FC236}">
+                <a16:creationId xmlns:a16="http://schemas.microsoft.com/office/drawing/2014/main" id="{03C06118-B3FE-4B51-80A1-B82C2E9FF970}"/>
+              </a:ext>
+              <a:ext uri="{C183D7F6-B498-43B3-948B-1728B52AA6E4}">
+                <adec:decorative xmlns:adec="http://schemas.microsoft.com/office/drawing/2017/decorative" val="1"/>
+              </a:ext>
+            </a:extLst>
+          </p:cNvPr>
+          <p:cNvSpPr>
+            <a:spLocks noGrp="1" noRot="1" noChangeAspect="1" noMove="1" noResize="1" noEditPoints="1" noAdjustHandles="1" noChangeArrowheads="1" noChangeShapeType="1" noTextEdit="1"/>
+          </p:cNvSpPr>
+          <p:nvPr>
+            <p:extLst>
+              <p:ext uri="{386F3935-93C4-4BCD-93E2-E3B085C9AB24}">
+                <p16:designElem xmlns:p16="http://schemas.microsoft.com/office/powerpoint/2015/main" val="1"/>
+              </p:ext>
+            </p:extLst>
+          </p:nvPr>
+        </p:nvSpPr>
+        <p:spPr>
+          <a:xfrm>
+            <a:off x="5123688" y="484632"/>
+            <a:ext cx="6584098" cy="5739187"/>
+          </a:xfrm>
+          <a:prstGeom prst="roundRect">
+            <a:avLst>
+              <a:gd name="adj" fmla="val 0"/>
+            </a:avLst>
+          </a:prstGeom>
+          <a:ln w="12700">
+            <a:solidFill>
+              <a:schemeClr val="bg2"/>
+            </a:solidFill>
+          </a:ln>
+          <a:effectLst>
+            <a:outerShdw blurRad="50800" dist="50800" dir="5400000" algn="tl" rotWithShape="0">
+              <a:srgbClr val="000000">
+                <a:alpha val="43000"/>
+              </a:srgbClr>
+            </a:outerShdw>
+          </a:effectLst>
+        </p:spPr>
+        <p:style>
+          <a:lnRef idx="2">
+            <a:schemeClr val="accent1">
+              <a:shade val="50000"/>
+            </a:schemeClr>
+          </a:lnRef>
+          <a:fillRef idx="1">
+            <a:schemeClr val="accent1"/>
+          </a:fillRef>
+          <a:effectRef idx="0">
+            <a:schemeClr val="accent1"/>
+          </a:effectRef>
+          <a:fontRef idx="minor">
+            <a:schemeClr val="lt1"/>
+          </a:fontRef>
+        </p:style>
+        <p:txBody>
+          <a:bodyPr rtlCol="0" anchor="ctr"/>
+          <a:lstStyle/>
+          <a:p>
+            <a:pPr algn="ctr"/>
+            <a:endParaRPr lang="en-US"/>
+          </a:p>
+        </p:txBody>
+      </p:sp>
+      <p:pic>
+        <p:nvPicPr>
+          <p:cNvPr id="3" name="Picture 2">
+            <a:extLst>
+              <a:ext uri="{FF2B5EF4-FFF2-40B4-BE49-F238E27FC236}">
+                <a16:creationId xmlns:a16="http://schemas.microsoft.com/office/drawing/2014/main" id="{2FB2FC00-20DF-4B5C-879D-C448E93B0FA9}"/>
+              </a:ext>
+            </a:extLst>
+          </p:cNvPr>
+          <p:cNvPicPr>
+            <a:picLocks noChangeAspect="1"/>
+          </p:cNvPicPr>
+          <p:nvPr/>
+        </p:nvPicPr>
+        <p:blipFill>
+          <a:blip r:embed="rId3"/>
+          <a:stretch>
+            <a:fillRect/>
+          </a:stretch>
+        </p:blipFill>
+        <p:spPr>
+          <a:xfrm>
+            <a:off x="5608319" y="2262460"/>
+            <a:ext cx="5614835" cy="2179860"/>
+          </a:xfrm>
+          <a:prstGeom prst="rect">
+            <a:avLst/>
+          </a:prstGeom>
+          <a:effectLst/>
+        </p:spPr>
+      </p:pic>
+      <p:sp>
+        <p:nvSpPr>
+          <p:cNvPr id="31" name="Rectangle 25">
+            <a:extLst>
+              <a:ext uri="{FF2B5EF4-FFF2-40B4-BE49-F238E27FC236}">
+                <a16:creationId xmlns:a16="http://schemas.microsoft.com/office/drawing/2014/main" id="{172BE3F8-96D6-4535-9AE4-694DC4F5B13F}"/>
+              </a:ext>
+              <a:ext uri="{C183D7F6-B498-43B3-948B-1728B52AA6E4}">
+                <adec:decorative xmlns:adec="http://schemas.microsoft.com/office/drawing/2017/decorative" val="1"/>
+              </a:ext>
+            </a:extLst>
+          </p:cNvPr>
+          <p:cNvSpPr>
+            <a:spLocks noGrp="1" noRot="1" noChangeAspect="1" noMove="1" noResize="1" noEditPoints="1" noAdjustHandles="1" noChangeArrowheads="1" noChangeShapeType="1" noTextEdit="1"/>
+          </p:cNvSpPr>
+          <p:nvPr>
+            <p:extLst>
+              <p:ext uri="{386F3935-93C4-4BCD-93E2-E3B085C9AB24}">
+                <p16:designElem xmlns:p16="http://schemas.microsoft.com/office/powerpoint/2015/main" val="1"/>
+              </p:ext>
+            </p:extLst>
+          </p:nvPr>
+        </p:nvSpPr>
+        <p:spPr>
+          <a:xfrm>
+            <a:off x="10442448" y="0"/>
+            <a:ext cx="685800" cy="1143000"/>
+          </a:xfrm>
+          <a:prstGeom prst="rect">
+            <a:avLst/>
+          </a:prstGeom>
+          <a:solidFill>
+            <a:schemeClr val="accent1"/>
+          </a:solidFill>
+          <a:ln>
+            <a:noFill/>
+          </a:ln>
+        </p:spPr>
+        <p:style>
+          <a:lnRef idx="1">
+            <a:schemeClr val="accent1"/>
+          </a:lnRef>
+          <a:fillRef idx="3">
+            <a:schemeClr val="accent1"/>
+          </a:fillRef>
+          <a:effectRef idx="2">
+            <a:schemeClr val="accent1"/>
+          </a:effectRef>
+          <a:fontRef idx="minor">
+            <a:schemeClr val="lt1"/>
+          </a:fontRef>
+        </p:style>
+      </p:sp>
+      <p:sp>
+        <p:nvSpPr>
+          <p:cNvPr id="15" name="Content Placeholder 14">
+            <a:extLst>
+              <a:ext uri="{FF2B5EF4-FFF2-40B4-BE49-F238E27FC236}">
+                <a16:creationId xmlns:a16="http://schemas.microsoft.com/office/drawing/2014/main" id="{821213CC-2955-6999-80AD-0F71749989FA}"/>
+              </a:ext>
+            </a:extLst>
+          </p:cNvPr>
+          <p:cNvSpPr>
+            <a:spLocks noGrp="1"/>
+          </p:cNvSpPr>
+          <p:nvPr>
+            <p:ph idx="1"/>
+          </p:nvPr>
+        </p:nvSpPr>
+        <p:spPr>
+          <a:xfrm>
+            <a:off x="648931" y="2438400"/>
+            <a:ext cx="3505494" cy="3785419"/>
+          </a:xfrm>
+        </p:spPr>
+        <p:txBody>
+          <a:bodyPr>
+            <a:normAutofit/>
+          </a:bodyPr>
+          <a:lstStyle/>
+          <a:p>
+            <a:r>
+              <a:rPr lang="zh-CN" altLang="en-US" dirty="0">
+                <a:solidFill>
+                  <a:srgbClr val="FFFFFF"/>
+                </a:solidFill>
+              </a:rPr>
+              <a:t>查看线程</a:t>
+            </a:r>
+            <a:endParaRPr lang="en-US" altLang="zh-CN" dirty="0">
+              <a:solidFill>
+                <a:srgbClr val="FFFFFF"/>
+              </a:solidFill>
+            </a:endParaRPr>
+          </a:p>
+          <a:p>
+            <a:pPr lvl="1">
+              <a:buFont typeface="+mj-lt"/>
+              <a:buAutoNum type="arabicPeriod"/>
+            </a:pPr>
+            <a:r>
+              <a:rPr lang="zh-CN" altLang="en-US" dirty="0">
+                <a:solidFill>
+                  <a:srgbClr val="FFFFFF"/>
+                </a:solidFill>
+              </a:rPr>
+              <a:t>线程</a:t>
+            </a:r>
+            <a:r>
+              <a:rPr lang="en-US" altLang="zh-CN" dirty="0">
+                <a:solidFill>
+                  <a:srgbClr val="FFFFFF"/>
+                </a:solidFill>
+              </a:rPr>
+              <a:t>1</a:t>
+            </a:r>
+            <a:r>
+              <a:rPr lang="zh-CN" altLang="en-US" dirty="0">
+                <a:solidFill>
+                  <a:srgbClr val="FFFFFF"/>
+                </a:solidFill>
+              </a:rPr>
+              <a:t>运行到 </a:t>
+            </a:r>
+            <a:r>
+              <a:rPr lang="en-US" altLang="zh-CN" dirty="0">
+                <a:solidFill>
+                  <a:srgbClr val="FFFFFF"/>
+                </a:solidFill>
+              </a:rPr>
+              <a:t>pthread_join.c:90</a:t>
+            </a:r>
+            <a:r>
+              <a:rPr lang="zh-CN" altLang="en-US" dirty="0">
+                <a:solidFill>
+                  <a:srgbClr val="FFFFFF"/>
+                </a:solidFill>
+              </a:rPr>
+              <a:t>行</a:t>
+            </a:r>
+            <a:endParaRPr lang="en-US" altLang="zh-CN" dirty="0">
+              <a:solidFill>
+                <a:srgbClr val="FFFFFF"/>
+              </a:solidFill>
+            </a:endParaRPr>
+          </a:p>
+          <a:p>
+            <a:pPr lvl="1">
+              <a:buFont typeface="+mj-lt"/>
+              <a:buAutoNum type="arabicPeriod"/>
+            </a:pPr>
+            <a:r>
+              <a:rPr lang="zh-CN" altLang="en-US" dirty="0">
+                <a:solidFill>
+                  <a:srgbClr val="FFFFFF"/>
+                </a:solidFill>
+              </a:rPr>
+              <a:t>线程</a:t>
+            </a:r>
+            <a:r>
+              <a:rPr lang="en-US" altLang="zh-CN" dirty="0">
+                <a:solidFill>
+                  <a:srgbClr val="FFFFFF"/>
+                </a:solidFill>
+              </a:rPr>
+              <a:t>2</a:t>
+            </a:r>
+            <a:r>
+              <a:rPr lang="zh-CN" altLang="en-US" dirty="0">
+                <a:solidFill>
+                  <a:srgbClr val="FFFFFF"/>
+                </a:solidFill>
+              </a:rPr>
+              <a:t>和线程</a:t>
+            </a:r>
+            <a:r>
+              <a:rPr lang="en-US" altLang="zh-CN" dirty="0">
+                <a:solidFill>
+                  <a:srgbClr val="FFFFFF"/>
+                </a:solidFill>
+              </a:rPr>
+              <a:t>3</a:t>
+            </a:r>
+            <a:r>
+              <a:rPr lang="zh-CN" altLang="en-US" dirty="0">
+                <a:solidFill>
+                  <a:srgbClr val="FFFFFF"/>
+                </a:solidFill>
+              </a:rPr>
+              <a:t>都运行到类似于 </a:t>
+            </a:r>
+            <a:r>
+              <a:rPr lang="en-US" altLang="zh-CN" dirty="0">
+                <a:solidFill>
+                  <a:srgbClr val="FFFFFF"/>
+                </a:solidFill>
+              </a:rPr>
+              <a:t>_</a:t>
+            </a:r>
+            <a:r>
+              <a:rPr lang="en-US" altLang="zh-CN" dirty="0" err="1">
+                <a:solidFill>
+                  <a:srgbClr val="FFFFFF"/>
+                </a:solidFill>
+              </a:rPr>
+              <a:t>lock_wait</a:t>
+            </a:r>
+            <a:r>
+              <a:rPr lang="en-US" altLang="zh-CN" dirty="0">
+                <a:solidFill>
+                  <a:srgbClr val="FFFFFF"/>
+                </a:solidFill>
+              </a:rPr>
+              <a:t>() </a:t>
+            </a:r>
+            <a:r>
+              <a:rPr lang="zh-CN" altLang="en-US" dirty="0">
+                <a:solidFill>
+                  <a:srgbClr val="FFFFFF"/>
+                </a:solidFill>
+              </a:rPr>
+              <a:t>函数处</a:t>
+            </a:r>
+            <a:endParaRPr lang="en-US" altLang="zh-CN" dirty="0">
+              <a:solidFill>
+                <a:srgbClr val="FFFFFF"/>
+              </a:solidFill>
+            </a:endParaRPr>
+          </a:p>
+          <a:p>
+            <a:pPr lvl="1">
+              <a:buFont typeface="+mj-lt"/>
+              <a:buAutoNum type="arabicPeriod"/>
+            </a:pPr>
+            <a:r>
+              <a:rPr lang="zh-CN" altLang="en-US" dirty="0">
+                <a:solidFill>
+                  <a:srgbClr val="FFFFFF"/>
+                </a:solidFill>
+              </a:rPr>
+              <a:t>当前追踪的是线程</a:t>
+            </a:r>
+            <a:r>
+              <a:rPr lang="en-US" altLang="zh-CN" dirty="0">
+                <a:solidFill>
+                  <a:srgbClr val="FFFFFF"/>
+                </a:solidFill>
+              </a:rPr>
+              <a:t>1</a:t>
+            </a:r>
+            <a:endParaRPr lang="en-US" dirty="0">
+              <a:solidFill>
+                <a:srgbClr val="FFFFFF"/>
+              </a:solidFill>
+            </a:endParaRPr>
+          </a:p>
+        </p:txBody>
+      </p:sp>
+    </p:spTree>
+    <p:extLst>
+      <p:ext uri="{BB962C8B-B14F-4D97-AF65-F5344CB8AC3E}">
+        <p14:creationId xmlns:p14="http://schemas.microsoft.com/office/powerpoint/2010/main" val="605714406"/>
+      </p:ext>
+    </p:extLst>
+  </p:cSld>
+  <p:clrMapOvr>
+    <a:overrideClrMapping bg1="lt1" tx1="dk1" bg2="lt2" tx2="dk2" accent1="accent1" accent2="accent2" accent3="accent3" accent4="accent4" accent5="accent5" accent6="accent6" hlink="hlink" folHlink="folHlink"/>
+  </p:clrMapOvr>
+</p:sld>
+</file>
+
+<file path=ppt/slides/slide31.xml><?xml version="1.0" encoding="utf-8"?>
+<p:sld xmlns:a="http://schemas.openxmlformats.org/drawingml/2006/main" xmlns:r="http://schemas.openxmlformats.org/officeDocument/2006/relationships" xmlns:p="http://schemas.openxmlformats.org/presentationml/2006/main">
+  <p:cSld>
+    <p:bg>
+      <p:bgPr>
+        <a:solidFill>
+          <a:schemeClr val="bg1"/>
+        </a:solidFill>
+        <a:effectLst/>
+      </p:bgPr>
+    </p:bg>
+    <p:spTree>
+      <p:nvGrpSpPr>
+        <p:cNvPr id="1" name=""/>
+        <p:cNvGrpSpPr/>
+        <p:nvPr/>
+      </p:nvGrpSpPr>
+      <p:grpSpPr>
+        <a:xfrm>
+          <a:off x="0" y="0"/>
+          <a:ext cx="0" cy="0"/>
+          <a:chOff x="0" y="0"/>
+          <a:chExt cx="0" cy="0"/>
+        </a:xfrm>
+      </p:grpSpPr>
+      <p:pic>
+        <p:nvPicPr>
+          <p:cNvPr id="10" name="Picture 9">
+            <a:extLst>
+              <a:ext uri="{FF2B5EF4-FFF2-40B4-BE49-F238E27FC236}">
+                <a16:creationId xmlns:a16="http://schemas.microsoft.com/office/drawing/2014/main" id="{41B68C77-138E-4BF7-A276-BD0C78A4219F}"/>
+              </a:ext>
+              <a:ext uri="{C183D7F6-B498-43B3-948B-1728B52AA6E4}">
+                <adec:decorative xmlns:adec="http://schemas.microsoft.com/office/drawing/2017/decorative" val="1"/>
+              </a:ext>
+            </a:extLst>
+          </p:cNvPr>
+          <p:cNvPicPr>
+            <a:picLocks noGrp="1" noRot="1" noChangeAspect="1" noMove="1" noResize="1" noEditPoints="1" noAdjustHandles="1" noChangeArrowheads="1" noChangeShapeType="1" noCrop="1"/>
+          </p:cNvPicPr>
+          <p:nvPr>
+            <p:extLst>
+              <p:ext uri="{386F3935-93C4-4BCD-93E2-E3B085C9AB24}">
+                <p16:designElem xmlns:p16="http://schemas.microsoft.com/office/powerpoint/2015/main" val="1"/>
+              </p:ext>
+            </p:extLst>
+          </p:nvPr>
+        </p:nvPicPr>
+        <p:blipFill rotWithShape="1">
+          <a:blip r:embed="rId2">
+            <a:extLst>
+              <a:ext uri="{28A0092B-C50C-407E-A947-70E740481C1C}">
+                <a14:useLocalDpi xmlns:a14="http://schemas.microsoft.com/office/drawing/2010/main" val="0"/>
+              </a:ext>
+            </a:extLst>
+          </a:blip>
+          <a:srcRect l="3613"/>
+          <a:stretch/>
+        </p:blipFill>
+        <p:spPr>
+          <a:xfrm>
+            <a:off x="0" y="2669685"/>
+            <a:ext cx="4037012" cy="4188315"/>
+          </a:xfrm>
+          <a:prstGeom prst="rect">
+            <a:avLst/>
+          </a:prstGeom>
+        </p:spPr>
+      </p:pic>
+      <p:pic>
+        <p:nvPicPr>
+          <p:cNvPr id="12" name="Picture 11">
+            <a:extLst>
+              <a:ext uri="{FF2B5EF4-FFF2-40B4-BE49-F238E27FC236}">
+                <a16:creationId xmlns:a16="http://schemas.microsoft.com/office/drawing/2014/main" id="{7C268552-D473-46ED-B1B8-422042C4DEF1}"/>
+              </a:ext>
+              <a:ext uri="{C183D7F6-B498-43B3-948B-1728B52AA6E4}">
+                <adec:decorative xmlns:adec="http://schemas.microsoft.com/office/drawing/2017/decorative" val="1"/>
+              </a:ext>
+            </a:extLst>
+          </p:cNvPr>
+          <p:cNvPicPr>
+            <a:picLocks noGrp="1" noRot="1" noChangeAspect="1" noMove="1" noResize="1" noEditPoints="1" noAdjustHandles="1" noChangeArrowheads="1" noChangeShapeType="1" noCrop="1"/>
+          </p:cNvPicPr>
+          <p:nvPr>
+            <p:extLst>
+              <p:ext uri="{386F3935-93C4-4BCD-93E2-E3B085C9AB24}">
+                <p16:designElem xmlns:p16="http://schemas.microsoft.com/office/powerpoint/2015/main" val="1"/>
+              </p:ext>
+            </p:extLst>
+          </p:nvPr>
+        </p:nvPicPr>
+        <p:blipFill rotWithShape="1">
+          <a:blip r:embed="rId3">
+            <a:extLst>
+              <a:ext uri="{28A0092B-C50C-407E-A947-70E740481C1C}">
+                <a14:useLocalDpi xmlns:a14="http://schemas.microsoft.com/office/drawing/2010/main" val="0"/>
+              </a:ext>
+            </a:extLst>
+          </a:blip>
+          <a:srcRect l="35640"/>
+          <a:stretch/>
+        </p:blipFill>
+        <p:spPr>
+          <a:xfrm>
+            <a:off x="0" y="2892347"/>
+            <a:ext cx="1522412" cy="2365453"/>
+          </a:xfrm>
+          <a:prstGeom prst="rect">
+            <a:avLst/>
+          </a:prstGeom>
+        </p:spPr>
+      </p:pic>
+      <p:sp>
+        <p:nvSpPr>
+          <p:cNvPr id="14" name="Oval 13">
+            <a:extLst>
+              <a:ext uri="{FF2B5EF4-FFF2-40B4-BE49-F238E27FC236}">
+                <a16:creationId xmlns:a16="http://schemas.microsoft.com/office/drawing/2014/main" id="{4AC0CD9D-7610-4620-93B4-798CCD9AB581}"/>
+              </a:ext>
+              <a:ext uri="{C183D7F6-B498-43B3-948B-1728B52AA6E4}">
+                <adec:decorative xmlns:adec="http://schemas.microsoft.com/office/drawing/2017/decorative" val="1"/>
+              </a:ext>
+            </a:extLst>
+          </p:cNvPr>
+          <p:cNvSpPr>
+            <a:spLocks noGrp="1" noRot="1" noChangeAspect="1" noMove="1" noResize="1" noEditPoints="1" noAdjustHandles="1" noChangeArrowheads="1" noChangeShapeType="1" noTextEdit="1"/>
+          </p:cNvSpPr>
+          <p:nvPr>
+            <p:extLst>
+              <p:ext uri="{386F3935-93C4-4BCD-93E2-E3B085C9AB24}">
+                <p16:designElem xmlns:p16="http://schemas.microsoft.com/office/powerpoint/2015/main" val="1"/>
+              </p:ext>
+            </p:extLst>
+          </p:nvPr>
+        </p:nvSpPr>
+        <p:spPr>
+          <a:xfrm>
+            <a:off x="8609012" y="1676400"/>
+            <a:ext cx="2819400" cy="2819400"/>
+          </a:xfrm>
+          <a:prstGeom prst="ellipse">
+            <a:avLst/>
+          </a:prstGeom>
+          <a:gradFill flip="none" rotWithShape="1">
+            <a:gsLst>
+              <a:gs pos="0">
+                <a:schemeClr val="bg2">
+                  <a:lumMod val="60000"/>
+                  <a:lumOff val="40000"/>
+                  <a:alpha val="7000"/>
+                </a:schemeClr>
+              </a:gs>
+              <a:gs pos="69000">
+                <a:schemeClr val="bg2">
+                  <a:lumMod val="60000"/>
+                  <a:lumOff val="40000"/>
+                  <a:alpha val="0"/>
+                </a:schemeClr>
+              </a:gs>
+              <a:gs pos="36000">
+                <a:schemeClr val="bg2">
+                  <a:lumMod val="60000"/>
+                  <a:lumOff val="40000"/>
+                  <a:alpha val="6000"/>
+                </a:schemeClr>
+              </a:gs>
+            </a:gsLst>
+            <a:path path="circle">
+              <a:fillToRect l="50000" t="50000" r="50000" b="50000"/>
+            </a:path>
+            <a:tileRect/>
+          </a:gradFill>
+          <a:ln>
+            <a:noFill/>
+          </a:ln>
+          <a:effectLst/>
+        </p:spPr>
+        <p:style>
+          <a:lnRef idx="1">
+            <a:schemeClr val="accent1"/>
+          </a:lnRef>
+          <a:fillRef idx="3">
+            <a:schemeClr val="accent1"/>
+          </a:fillRef>
+          <a:effectRef idx="2">
+            <a:schemeClr val="accent1"/>
+          </a:effectRef>
+          <a:fontRef idx="minor">
+            <a:schemeClr val="lt1"/>
+          </a:fontRef>
+        </p:style>
+      </p:sp>
+      <p:pic>
+        <p:nvPicPr>
+          <p:cNvPr id="16" name="Picture 15">
+            <a:extLst>
+              <a:ext uri="{FF2B5EF4-FFF2-40B4-BE49-F238E27FC236}">
+                <a16:creationId xmlns:a16="http://schemas.microsoft.com/office/drawing/2014/main" id="{B9238B3E-24AA-439A-B527-6C5DF6D72145}"/>
+              </a:ext>
+              <a:ext uri="{C183D7F6-B498-43B3-948B-1728B52AA6E4}">
+                <adec:decorative xmlns:adec="http://schemas.microsoft.com/office/drawing/2017/decorative" val="1"/>
+              </a:ext>
+            </a:extLst>
+          </p:cNvPr>
+          <p:cNvPicPr>
+            <a:picLocks noGrp="1" noRot="1" noChangeAspect="1" noMove="1" noResize="1" noEditPoints="1" noAdjustHandles="1" noChangeArrowheads="1" noChangeShapeType="1" noCrop="1"/>
+          </p:cNvPicPr>
+          <p:nvPr>
+            <p:extLst>
+              <p:ext uri="{386F3935-93C4-4BCD-93E2-E3B085C9AB24}">
+                <p16:designElem xmlns:p16="http://schemas.microsoft.com/office/powerpoint/2015/main" val="1"/>
+              </p:ext>
+            </p:extLst>
+          </p:nvPr>
+        </p:nvPicPr>
+        <p:blipFill rotWithShape="1">
+          <a:blip r:embed="rId4">
+            <a:extLst>
+              <a:ext uri="{28A0092B-C50C-407E-A947-70E740481C1C}">
+                <a14:useLocalDpi xmlns:a14="http://schemas.microsoft.com/office/drawing/2010/main" val="0"/>
+              </a:ext>
+            </a:extLst>
+          </a:blip>
+          <a:srcRect t="28813"/>
+          <a:stretch/>
+        </p:blipFill>
+        <p:spPr>
+          <a:xfrm>
+            <a:off x="7999412" y="0"/>
+            <a:ext cx="1603387" cy="1141407"/>
+          </a:xfrm>
+          <a:prstGeom prst="rect">
+            <a:avLst/>
+          </a:prstGeom>
+        </p:spPr>
+      </p:pic>
+      <p:pic>
+        <p:nvPicPr>
+          <p:cNvPr id="18" name="Picture 17">
+            <a:extLst>
+              <a:ext uri="{FF2B5EF4-FFF2-40B4-BE49-F238E27FC236}">
+                <a16:creationId xmlns:a16="http://schemas.microsoft.com/office/drawing/2014/main" id="{69F01145-BEA3-4CBF-AA21-10077B948CA8}"/>
+              </a:ext>
+              <a:ext uri="{C183D7F6-B498-43B3-948B-1728B52AA6E4}">
+                <adec:decorative xmlns:adec="http://schemas.microsoft.com/office/drawing/2017/decorative" val="1"/>
+              </a:ext>
+            </a:extLst>
+          </p:cNvPr>
+          <p:cNvPicPr>
+            <a:picLocks noGrp="1" noRot="1" noChangeAspect="1" noMove="1" noResize="1" noEditPoints="1" noAdjustHandles="1" noChangeArrowheads="1" noChangeShapeType="1" noCrop="1"/>
+          </p:cNvPicPr>
+          <p:nvPr>
+            <p:extLst>
+              <p:ext uri="{386F3935-93C4-4BCD-93E2-E3B085C9AB24}">
+                <p16:designElem xmlns:p16="http://schemas.microsoft.com/office/powerpoint/2015/main" val="1"/>
+              </p:ext>
+            </p:extLst>
+          </p:nvPr>
+        </p:nvPicPr>
+        <p:blipFill rotWithShape="1">
+          <a:blip r:embed="rId5">
+            <a:extLst>
+              <a:ext uri="{28A0092B-C50C-407E-A947-70E740481C1C}">
+                <a14:useLocalDpi xmlns:a14="http://schemas.microsoft.com/office/drawing/2010/main" val="0"/>
+              </a:ext>
+            </a:extLst>
+          </a:blip>
+          <a:srcRect b="23320"/>
+          <a:stretch/>
+        </p:blipFill>
+        <p:spPr>
+          <a:xfrm>
+            <a:off x="8605878" y="6096000"/>
+            <a:ext cx="993734" cy="762000"/>
+          </a:xfrm>
+          <a:prstGeom prst="rect">
+            <a:avLst/>
+          </a:prstGeom>
+        </p:spPr>
+      </p:pic>
+      <p:sp>
+        <p:nvSpPr>
+          <p:cNvPr id="20" name="Rectangle 19">
+            <a:extLst>
+              <a:ext uri="{FF2B5EF4-FFF2-40B4-BE49-F238E27FC236}">
+                <a16:creationId xmlns:a16="http://schemas.microsoft.com/office/drawing/2014/main" id="{DE4D62F9-188E-4530-84C2-24BDEE4BEB82}"/>
+              </a:ext>
+              <a:ext uri="{C183D7F6-B498-43B3-948B-1728B52AA6E4}">
+                <adec:decorative xmlns:adec="http://schemas.microsoft.com/office/drawing/2017/decorative" val="1"/>
+              </a:ext>
+            </a:extLst>
+          </p:cNvPr>
+          <p:cNvSpPr>
+            <a:spLocks noGrp="1" noRot="1" noChangeAspect="1" noMove="1" noResize="1" noEditPoints="1" noAdjustHandles="1" noChangeArrowheads="1" noChangeShapeType="1" noTextEdit="1"/>
+          </p:cNvSpPr>
+          <p:nvPr>
+            <p:extLst>
+              <p:ext uri="{386F3935-93C4-4BCD-93E2-E3B085C9AB24}">
+                <p16:designElem xmlns:p16="http://schemas.microsoft.com/office/powerpoint/2015/main" val="1"/>
+              </p:ext>
+            </p:extLst>
+          </p:nvPr>
+        </p:nvSpPr>
+        <p:spPr>
+          <a:xfrm>
+            <a:off x="10437812" y="0"/>
+            <a:ext cx="685800" cy="1143000"/>
+          </a:xfrm>
+          <a:prstGeom prst="rect">
+            <a:avLst/>
+          </a:prstGeom>
+          <a:solidFill>
+            <a:schemeClr val="accent1"/>
+          </a:solidFill>
+          <a:ln>
+            <a:noFill/>
+          </a:ln>
+        </p:spPr>
+        <p:style>
+          <a:lnRef idx="1">
+            <a:schemeClr val="accent1"/>
+          </a:lnRef>
+          <a:fillRef idx="3">
+            <a:schemeClr val="accent1"/>
+          </a:fillRef>
+          <a:effectRef idx="2">
+            <a:schemeClr val="accent1"/>
+          </a:effectRef>
+          <a:fontRef idx="minor">
+            <a:schemeClr val="lt1"/>
+          </a:fontRef>
+        </p:style>
+      </p:sp>
+      <p:sp useBgFill="1">
+        <p:nvSpPr>
+          <p:cNvPr id="22" name="Rectangle 21">
+            <a:extLst>
+              <a:ext uri="{FF2B5EF4-FFF2-40B4-BE49-F238E27FC236}">
+                <a16:creationId xmlns:a16="http://schemas.microsoft.com/office/drawing/2014/main" id="{D27CF008-4B18-436D-B2D5-C1346C12438E}"/>
+              </a:ext>
+              <a:ext uri="{C183D7F6-B498-43B3-948B-1728B52AA6E4}">
+                <adec:decorative xmlns:adec="http://schemas.microsoft.com/office/drawing/2017/decorative" val="1"/>
+              </a:ext>
+            </a:extLst>
+          </p:cNvPr>
+          <p:cNvSpPr>
+            <a:spLocks noGrp="1" noRot="1" noChangeAspect="1" noMove="1" noResize="1" noEditPoints="1" noAdjustHandles="1" noChangeArrowheads="1" noChangeShapeType="1" noTextEdit="1"/>
+          </p:cNvSpPr>
+          <p:nvPr>
+            <p:extLst>
+              <p:ext uri="{386F3935-93C4-4BCD-93E2-E3B085C9AB24}">
+                <p16:designElem xmlns:p16="http://schemas.microsoft.com/office/powerpoint/2015/main" val="1"/>
+              </p:ext>
+            </p:extLst>
+          </p:nvPr>
+        </p:nvSpPr>
+        <p:spPr>
+          <a:xfrm>
+            <a:off x="0" y="-5"/>
+            <a:ext cx="12191695" cy="4730744"/>
+          </a:xfrm>
+          <a:prstGeom prst="rect">
+            <a:avLst/>
+          </a:prstGeom>
+          <a:ln>
+            <a:noFill/>
+          </a:ln>
+        </p:spPr>
+        <p:style>
+          <a:lnRef idx="2">
+            <a:schemeClr val="accent1">
+              <a:shade val="50000"/>
+            </a:schemeClr>
+          </a:lnRef>
+          <a:fillRef idx="1">
+            <a:schemeClr val="accent1"/>
+          </a:fillRef>
+          <a:effectRef idx="0">
+            <a:schemeClr val="accent1"/>
+          </a:effectRef>
+          <a:fontRef idx="minor">
+            <a:schemeClr val="lt1"/>
+          </a:fontRef>
+        </p:style>
+        <p:txBody>
+          <a:bodyPr rtlCol="0" anchor="ctr"/>
+          <a:lstStyle/>
+          <a:p>
+            <a:pPr algn="ctr"/>
+            <a:endParaRPr lang="en-US"/>
+          </a:p>
+        </p:txBody>
+      </p:sp>
+      <p:sp>
+        <p:nvSpPr>
+          <p:cNvPr id="24" name="Rectangle 23">
+            <a:extLst>
+              <a:ext uri="{FF2B5EF4-FFF2-40B4-BE49-F238E27FC236}">
+                <a16:creationId xmlns:a16="http://schemas.microsoft.com/office/drawing/2014/main" id="{CE22DAD8-5F67-4B73-ADA9-06EF381F7AD6}"/>
+              </a:ext>
+              <a:ext uri="{C183D7F6-B498-43B3-948B-1728B52AA6E4}">
+                <adec:decorative xmlns:adec="http://schemas.microsoft.com/office/drawing/2017/decorative" val="1"/>
+              </a:ext>
+            </a:extLst>
+          </p:cNvPr>
+          <p:cNvSpPr>
+            <a:spLocks noGrp="1" noRot="1" noChangeAspect="1" noMove="1" noResize="1" noEditPoints="1" noAdjustHandles="1" noChangeArrowheads="1" noChangeShapeType="1" noTextEdit="1"/>
+          </p:cNvSpPr>
+          <p:nvPr>
+            <p:extLst>
+              <p:ext uri="{386F3935-93C4-4BCD-93E2-E3B085C9AB24}">
+                <p16:designElem xmlns:p16="http://schemas.microsoft.com/office/powerpoint/2015/main" val="1"/>
+              </p:ext>
+            </p:extLst>
+          </p:nvPr>
+        </p:nvSpPr>
+        <p:spPr>
+          <a:xfrm>
+            <a:off x="10437812" y="0"/>
+            <a:ext cx="685800" cy="1143000"/>
+          </a:xfrm>
+          <a:prstGeom prst="rect">
+            <a:avLst/>
+          </a:prstGeom>
+          <a:solidFill>
+            <a:schemeClr val="accent1"/>
+          </a:solidFill>
+          <a:ln>
+            <a:noFill/>
+          </a:ln>
+        </p:spPr>
+        <p:style>
+          <a:lnRef idx="1">
+            <a:schemeClr val="accent1"/>
+          </a:lnRef>
+          <a:fillRef idx="3">
+            <a:schemeClr val="accent1"/>
+          </a:fillRef>
+          <a:effectRef idx="2">
+            <a:schemeClr val="accent1"/>
+          </a:effectRef>
+          <a:fontRef idx="minor">
+            <a:schemeClr val="lt1"/>
+          </a:fontRef>
+        </p:style>
+      </p:sp>
+      <p:sp>
+        <p:nvSpPr>
+          <p:cNvPr id="26" name="Freeform 16">
+            <a:extLst>
+              <a:ext uri="{FF2B5EF4-FFF2-40B4-BE49-F238E27FC236}">
+                <a16:creationId xmlns:a16="http://schemas.microsoft.com/office/drawing/2014/main" id="{E4F17063-EDA4-417B-946F-BA357F3B390D}"/>
+              </a:ext>
+              <a:ext uri="{C183D7F6-B498-43B3-948B-1728B52AA6E4}">
+                <adec:decorative xmlns:adec="http://schemas.microsoft.com/office/drawing/2017/decorative" val="1"/>
+              </a:ext>
+            </a:extLst>
+          </p:cNvPr>
+          <p:cNvSpPr>
+            <a:spLocks noGrp="1" noRot="1" noChangeAspect="1" noMove="1" noResize="1" noEditPoints="1" noAdjustHandles="1" noChangeArrowheads="1" noChangeShapeType="1" noTextEdit="1"/>
+          </p:cNvSpPr>
+          <p:nvPr>
+            <p:extLst>
+              <p:ext uri="{386F3935-93C4-4BCD-93E2-E3B085C9AB24}">
+                <p16:designElem xmlns:p16="http://schemas.microsoft.com/office/powerpoint/2015/main" val="1"/>
+              </p:ext>
+            </p:extLst>
+          </p:nvPr>
+        </p:nvSpPr>
+        <p:spPr>
+          <a:xfrm>
+            <a:off x="8719939" y="3753695"/>
+            <a:ext cx="3472060" cy="825932"/>
+          </a:xfrm>
+          <a:custGeom>
+            <a:avLst/>
+            <a:gdLst>
+              <a:gd name="connsiteX0" fmla="*/ 3470310 w 3472060"/>
+              <a:gd name="connsiteY0" fmla="*/ 0 h 825932"/>
+              <a:gd name="connsiteX1" fmla="*/ 3472060 w 3472060"/>
+              <a:gd name="connsiteY1" fmla="*/ 12850 h 825932"/>
+              <a:gd name="connsiteX2" fmla="*/ 3472060 w 3472060"/>
+              <a:gd name="connsiteY2" fmla="*/ 480529 h 825932"/>
+              <a:gd name="connsiteX3" fmla="*/ 3363699 w 3472060"/>
+              <a:gd name="connsiteY3" fmla="*/ 498471 h 825932"/>
+              <a:gd name="connsiteX4" fmla="*/ 42060 w 3472060"/>
+              <a:gd name="connsiteY4" fmla="*/ 824486 h 825932"/>
+              <a:gd name="connsiteX5" fmla="*/ 0 w 3472060"/>
+              <a:gd name="connsiteY5" fmla="*/ 758452 h 825932"/>
+              <a:gd name="connsiteX6" fmla="*/ 188014 w 3472060"/>
+              <a:gd name="connsiteY6" fmla="*/ 735602 h 825932"/>
+              <a:gd name="connsiteX7" fmla="*/ 284087 w 3472060"/>
+              <a:gd name="connsiteY7" fmla="*/ 722590 h 825932"/>
+              <a:gd name="connsiteX8" fmla="*/ 382288 w 3472060"/>
+              <a:gd name="connsiteY8" fmla="*/ 709392 h 825932"/>
+              <a:gd name="connsiteX9" fmla="*/ 481858 w 3472060"/>
+              <a:gd name="connsiteY9" fmla="*/ 695774 h 825932"/>
+              <a:gd name="connsiteX10" fmla="*/ 581897 w 3472060"/>
+              <a:gd name="connsiteY10" fmla="*/ 680711 h 825932"/>
+              <a:gd name="connsiteX11" fmla="*/ 683670 w 3472060"/>
+              <a:gd name="connsiteY11" fmla="*/ 665256 h 825932"/>
+              <a:gd name="connsiteX12" fmla="*/ 787206 w 3472060"/>
+              <a:gd name="connsiteY12" fmla="*/ 649587 h 825932"/>
+              <a:gd name="connsiteX13" fmla="*/ 892019 w 3472060"/>
+              <a:gd name="connsiteY13" fmla="*/ 632968 h 825932"/>
+              <a:gd name="connsiteX14" fmla="*/ 997620 w 3472060"/>
+              <a:gd name="connsiteY14" fmla="*/ 614667 h 825932"/>
+              <a:gd name="connsiteX15" fmla="*/ 1104727 w 3472060"/>
+              <a:gd name="connsiteY15" fmla="*/ 596741 h 825932"/>
+              <a:gd name="connsiteX16" fmla="*/ 1212669 w 3472060"/>
+              <a:gd name="connsiteY16" fmla="*/ 577397 h 825932"/>
+              <a:gd name="connsiteX17" fmla="*/ 1321506 w 3472060"/>
+              <a:gd name="connsiteY17" fmla="*/ 556988 h 825932"/>
+              <a:gd name="connsiteX18" fmla="*/ 1430709 w 3472060"/>
+              <a:gd name="connsiteY18" fmla="*/ 536607 h 825932"/>
+              <a:gd name="connsiteX19" fmla="*/ 1541050 w 3472060"/>
+              <a:gd name="connsiteY19" fmla="*/ 514481 h 825932"/>
+              <a:gd name="connsiteX20" fmla="*/ 1652805 w 3472060"/>
+              <a:gd name="connsiteY20" fmla="*/ 492202 h 825932"/>
+              <a:gd name="connsiteX21" fmla="*/ 1763708 w 3472060"/>
+              <a:gd name="connsiteY21" fmla="*/ 469161 h 825932"/>
+              <a:gd name="connsiteX22" fmla="*/ 1875795 w 3472060"/>
+              <a:gd name="connsiteY22" fmla="*/ 444641 h 825932"/>
+              <a:gd name="connsiteX23" fmla="*/ 1989128 w 3472060"/>
+              <a:gd name="connsiteY23" fmla="*/ 418995 h 825932"/>
+              <a:gd name="connsiteX24" fmla="*/ 2102476 w 3472060"/>
+              <a:gd name="connsiteY24" fmla="*/ 393438 h 825932"/>
+              <a:gd name="connsiteX25" fmla="*/ 2215549 w 3472060"/>
+              <a:gd name="connsiteY25" fmla="*/ 366291 h 825932"/>
+              <a:gd name="connsiteX26" fmla="*/ 2330490 w 3472060"/>
+              <a:gd name="connsiteY26" fmla="*/ 337455 h 825932"/>
+              <a:gd name="connsiteX27" fmla="*/ 2443333 w 3472060"/>
+              <a:gd name="connsiteY27" fmla="*/ 308983 h 825932"/>
+              <a:gd name="connsiteX28" fmla="*/ 2558014 w 3472060"/>
+              <a:gd name="connsiteY28" fmla="*/ 278646 h 825932"/>
+              <a:gd name="connsiteX29" fmla="*/ 2673621 w 3472060"/>
+              <a:gd name="connsiteY29" fmla="*/ 247421 h 825932"/>
+              <a:gd name="connsiteX30" fmla="*/ 2787008 w 3472060"/>
+              <a:gd name="connsiteY30" fmla="*/ 215853 h 825932"/>
+              <a:gd name="connsiteX31" fmla="*/ 2901442 w 3472060"/>
+              <a:gd name="connsiteY31" fmla="*/ 182011 h 825932"/>
+              <a:gd name="connsiteX32" fmla="*/ 3015722 w 3472060"/>
+              <a:gd name="connsiteY32" fmla="*/ 147286 h 825932"/>
+              <a:gd name="connsiteX33" fmla="*/ 3130018 w 3472060"/>
+              <a:gd name="connsiteY33" fmla="*/ 112649 h 825932"/>
+              <a:gd name="connsiteX34" fmla="*/ 3243551 w 3472060"/>
+              <a:gd name="connsiteY34" fmla="*/ 75688 h 825932"/>
+              <a:gd name="connsiteX35" fmla="*/ 3356992 w 3472060"/>
+              <a:gd name="connsiteY35" fmla="*/ 38197 h 825932"/>
+              <a:gd name="connsiteX36" fmla="*/ 3470310 w 3472060"/>
+              <a:gd name="connsiteY36" fmla="*/ 0 h 825932"/>
+            </a:gdLst>
+            <a:ahLst/>
+            <a:cxnLst>
+              <a:cxn ang="0">
+                <a:pos x="connsiteX0" y="connsiteY0"/>
+              </a:cxn>
+              <a:cxn ang="0">
+                <a:pos x="connsiteX1" y="connsiteY1"/>
+              </a:cxn>
+              <a:cxn ang="0">
+                <a:pos x="connsiteX2" y="connsiteY2"/>
+              </a:cxn>
+              <a:cxn ang="0">
+                <a:pos x="connsiteX3" y="connsiteY3"/>
+              </a:cxn>
+              <a:cxn ang="0">
+                <a:pos x="connsiteX4" y="connsiteY4"/>
+              </a:cxn>
+              <a:cxn ang="0">
+                <a:pos x="connsiteX5" y="connsiteY5"/>
+              </a:cxn>
+              <a:cxn ang="0">
+                <a:pos x="connsiteX6" y="connsiteY6"/>
+              </a:cxn>
+              <a:cxn ang="0">
+                <a:pos x="connsiteX7" y="connsiteY7"/>
+              </a:cxn>
+              <a:cxn ang="0">
+                <a:pos x="connsiteX8" y="connsiteY8"/>
+              </a:cxn>
+              <a:cxn ang="0">
+                <a:pos x="connsiteX9" y="connsiteY9"/>
+              </a:cxn>
+              <a:cxn ang="0">
+                <a:pos x="connsiteX10" y="connsiteY10"/>
+              </a:cxn>
+              <a:cxn ang="0">
+                <a:pos x="connsiteX11" y="connsiteY11"/>
+              </a:cxn>
+              <a:cxn ang="0">
+                <a:pos x="connsiteX12" y="connsiteY12"/>
+              </a:cxn>
+              <a:cxn ang="0">
+                <a:pos x="connsiteX13" y="connsiteY13"/>
+              </a:cxn>
+              <a:cxn ang="0">
+                <a:pos x="connsiteX14" y="connsiteY14"/>
+              </a:cxn>
+              <a:cxn ang="0">
+                <a:pos x="connsiteX15" y="connsiteY15"/>
+              </a:cxn>
+              <a:cxn ang="0">
+                <a:pos x="connsiteX16" y="connsiteY16"/>
+              </a:cxn>
+              <a:cxn ang="0">
+                <a:pos x="connsiteX17" y="connsiteY17"/>
+              </a:cxn>
+              <a:cxn ang="0">
+                <a:pos x="connsiteX18" y="connsiteY18"/>
+              </a:cxn>
+              <a:cxn ang="0">
+                <a:pos x="connsiteX19" y="connsiteY19"/>
+              </a:cxn>
+              <a:cxn ang="0">
+                <a:pos x="connsiteX20" y="connsiteY20"/>
+              </a:cxn>
+              <a:cxn ang="0">
+                <a:pos x="connsiteX21" y="connsiteY21"/>
+              </a:cxn>
+              <a:cxn ang="0">
+                <a:pos x="connsiteX22" y="connsiteY22"/>
+              </a:cxn>
+              <a:cxn ang="0">
+                <a:pos x="connsiteX23" y="connsiteY23"/>
+              </a:cxn>
+              <a:cxn ang="0">
+                <a:pos x="connsiteX24" y="connsiteY24"/>
+              </a:cxn>
+              <a:cxn ang="0">
+                <a:pos x="connsiteX25" y="connsiteY25"/>
+              </a:cxn>
+              <a:cxn ang="0">
+                <a:pos x="connsiteX26" y="connsiteY26"/>
+              </a:cxn>
+              <a:cxn ang="0">
+                <a:pos x="connsiteX27" y="connsiteY27"/>
+              </a:cxn>
+              <a:cxn ang="0">
+                <a:pos x="connsiteX28" y="connsiteY28"/>
+              </a:cxn>
+              <a:cxn ang="0">
+                <a:pos x="connsiteX29" y="connsiteY29"/>
+              </a:cxn>
+              <a:cxn ang="0">
+                <a:pos x="connsiteX30" y="connsiteY30"/>
+              </a:cxn>
+              <a:cxn ang="0">
+                <a:pos x="connsiteX31" y="connsiteY31"/>
+              </a:cxn>
+              <a:cxn ang="0">
+                <a:pos x="connsiteX32" y="connsiteY32"/>
+              </a:cxn>
+              <a:cxn ang="0">
+                <a:pos x="connsiteX33" y="connsiteY33"/>
+              </a:cxn>
+              <a:cxn ang="0">
+                <a:pos x="connsiteX34" y="connsiteY34"/>
+              </a:cxn>
+              <a:cxn ang="0">
+                <a:pos x="connsiteX35" y="connsiteY35"/>
+              </a:cxn>
+              <a:cxn ang="0">
+                <a:pos x="connsiteX36" y="connsiteY36"/>
+              </a:cxn>
+            </a:cxnLst>
+            <a:rect l="l" t="t" r="r" b="b"/>
+            <a:pathLst>
+              <a:path w="3472060" h="825932">
+                <a:moveTo>
+                  <a:pt x="3470310" y="0"/>
+                </a:moveTo>
+                <a:lnTo>
+                  <a:pt x="3472060" y="12850"/>
+                </a:lnTo>
+                <a:lnTo>
+                  <a:pt x="3472060" y="480529"/>
+                </a:lnTo>
+                <a:lnTo>
+                  <a:pt x="3363699" y="498471"/>
+                </a:lnTo>
+                <a:cubicBezTo>
+                  <a:pt x="2435623" y="645518"/>
+                  <a:pt x="603076" y="844866"/>
+                  <a:pt x="42060" y="824486"/>
+                </a:cubicBezTo>
+                <a:cubicBezTo>
+                  <a:pt x="28151" y="802425"/>
+                  <a:pt x="13909" y="780513"/>
+                  <a:pt x="0" y="758452"/>
+                </a:cubicBezTo>
+                <a:lnTo>
+                  <a:pt x="188014" y="735602"/>
+                </a:lnTo>
+                <a:lnTo>
+                  <a:pt x="284087" y="722590"/>
+                </a:lnTo>
+                <a:lnTo>
+                  <a:pt x="382288" y="709392"/>
+                </a:lnTo>
+                <a:lnTo>
+                  <a:pt x="481858" y="695774"/>
+                </a:lnTo>
+                <a:lnTo>
+                  <a:pt x="581897" y="680711"/>
+                </a:lnTo>
+                <a:lnTo>
+                  <a:pt x="683670" y="665256"/>
+                </a:lnTo>
+                <a:lnTo>
+                  <a:pt x="787206" y="649587"/>
+                </a:lnTo>
+                <a:lnTo>
+                  <a:pt x="892019" y="632968"/>
+                </a:lnTo>
+                <a:lnTo>
+                  <a:pt x="997620" y="614667"/>
+                </a:lnTo>
+                <a:lnTo>
+                  <a:pt x="1104727" y="596741"/>
+                </a:lnTo>
+                <a:lnTo>
+                  <a:pt x="1212669" y="577397"/>
+                </a:lnTo>
+                <a:lnTo>
+                  <a:pt x="1321506" y="556988"/>
+                </a:lnTo>
+                <a:lnTo>
+                  <a:pt x="1430709" y="536607"/>
+                </a:lnTo>
+                <a:lnTo>
+                  <a:pt x="1541050" y="514481"/>
+                </a:lnTo>
+                <a:lnTo>
+                  <a:pt x="1652805" y="492202"/>
+                </a:lnTo>
+                <a:lnTo>
+                  <a:pt x="1763708" y="469161"/>
+                </a:lnTo>
+                <a:lnTo>
+                  <a:pt x="1875795" y="444641"/>
+                </a:lnTo>
+                <a:lnTo>
+                  <a:pt x="1989128" y="418995"/>
+                </a:lnTo>
+                <a:lnTo>
+                  <a:pt x="2102476" y="393438"/>
+                </a:lnTo>
+                <a:lnTo>
+                  <a:pt x="2215549" y="366291"/>
+                </a:lnTo>
+                <a:lnTo>
+                  <a:pt x="2330490" y="337455"/>
+                </a:lnTo>
+                <a:lnTo>
+                  <a:pt x="2443333" y="308983"/>
+                </a:lnTo>
+                <a:lnTo>
+                  <a:pt x="2558014" y="278646"/>
+                </a:lnTo>
+                <a:lnTo>
+                  <a:pt x="2673621" y="247421"/>
+                </a:lnTo>
+                <a:lnTo>
+                  <a:pt x="2787008" y="215853"/>
+                </a:lnTo>
+                <a:lnTo>
+                  <a:pt x="2901442" y="182011"/>
+                </a:lnTo>
+                <a:lnTo>
+                  <a:pt x="3015722" y="147286"/>
+                </a:lnTo>
+                <a:lnTo>
+                  <a:pt x="3130018" y="112649"/>
+                </a:lnTo>
+                <a:lnTo>
+                  <a:pt x="3243551" y="75688"/>
+                </a:lnTo>
+                <a:lnTo>
+                  <a:pt x="3356992" y="38197"/>
+                </a:lnTo>
+                <a:lnTo>
+                  <a:pt x="3470310" y="0"/>
+                </a:lnTo>
+                <a:close/>
+              </a:path>
+            </a:pathLst>
+          </a:custGeom>
+          <a:solidFill>
+            <a:schemeClr val="tx2">
+              <a:alpha val="20000"/>
+            </a:schemeClr>
+          </a:solidFill>
+          <a:ln>
+            <a:noFill/>
+          </a:ln>
+        </p:spPr>
+        <p:txBody>
+          <a:bodyPr rtlCol="0" anchor="ctr"/>
+          <a:lstStyle/>
+          <a:p>
+            <a:pPr algn="ctr"/>
+            <a:endParaRPr lang="en-US">
+              <a:solidFill>
+                <a:schemeClr val="tx1"/>
+              </a:solidFill>
+            </a:endParaRPr>
+          </a:p>
+        </p:txBody>
+      </p:sp>
+      <p:pic>
+        <p:nvPicPr>
+          <p:cNvPr id="5" name="Content Placeholder 4" descr="A picture containing background pattern&#10;&#10;Description automatically generated">
+            <a:extLst>
+              <a:ext uri="{FF2B5EF4-FFF2-40B4-BE49-F238E27FC236}">
+                <a16:creationId xmlns:a16="http://schemas.microsoft.com/office/drawing/2014/main" id="{C819676A-DF8E-451D-B47E-7574BAB6C6F4}"/>
+              </a:ext>
+            </a:extLst>
+          </p:cNvPr>
+          <p:cNvPicPr>
+            <a:picLocks noGrp="1" noChangeAspect="1"/>
+          </p:cNvPicPr>
+          <p:nvPr>
+            <p:ph idx="1"/>
+          </p:nvPr>
+        </p:nvPicPr>
+        <p:blipFill>
+          <a:blip r:embed="rId6">
+            <a:extLst>
+              <a:ext uri="{28A0092B-C50C-407E-A947-70E740481C1C}">
+                <a14:useLocalDpi xmlns:a14="http://schemas.microsoft.com/office/drawing/2010/main" val="0"/>
+              </a:ext>
+            </a:extLst>
+          </a:blip>
+          <a:stretch>
+            <a:fillRect/>
+          </a:stretch>
+        </p:blipFill>
+        <p:spPr>
+          <a:xfrm>
+            <a:off x="635458" y="640081"/>
+            <a:ext cx="7439194" cy="3291844"/>
+          </a:xfrm>
+          <a:prstGeom prst="rect">
+            <a:avLst/>
+          </a:prstGeom>
+          <a:effectLst/>
+        </p:spPr>
+      </p:pic>
+      <p:sp>
+        <p:nvSpPr>
+          <p:cNvPr id="28" name="Freeform: Shape 27">
+            <a:extLst>
+              <a:ext uri="{FF2B5EF4-FFF2-40B4-BE49-F238E27FC236}">
+                <a16:creationId xmlns:a16="http://schemas.microsoft.com/office/drawing/2014/main" id="{D36F3EEA-55D4-4677-80E7-92D00B8F343B}"/>
+              </a:ext>
+              <a:ext uri="{C183D7F6-B498-43B3-948B-1728B52AA6E4}">
+                <adec:decorative xmlns:adec="http://schemas.microsoft.com/office/drawing/2017/decorative" val="1"/>
+              </a:ext>
+            </a:extLst>
+          </p:cNvPr>
+          <p:cNvSpPr>
+            <a:spLocks noGrp="1" noRot="1" noChangeAspect="1" noMove="1" noResize="1" noEditPoints="1" noAdjustHandles="1" noChangeArrowheads="1" noChangeShapeType="1" noTextEdit="1"/>
+          </p:cNvSpPr>
+          <p:nvPr>
+            <p:extLst>
+              <p:ext uri="{386F3935-93C4-4BCD-93E2-E3B085C9AB24}">
+                <p16:designElem xmlns:p16="http://schemas.microsoft.com/office/powerpoint/2015/main" val="1"/>
+              </p:ext>
+            </p:extLst>
+          </p:nvPr>
+        </p:nvSpPr>
+        <p:spPr>
+          <a:xfrm>
+            <a:off x="0" y="4055533"/>
+            <a:ext cx="12192000" cy="2802467"/>
+          </a:xfrm>
+          <a:custGeom>
+            <a:avLst/>
+            <a:gdLst>
+              <a:gd name="connsiteX0" fmla="*/ 1 w 12192000"/>
+              <a:gd name="connsiteY0" fmla="*/ 0 h 2802467"/>
+              <a:gd name="connsiteX1" fmla="*/ 71932 w 12192000"/>
+              <a:gd name="connsiteY1" fmla="*/ 12261 h 2802467"/>
+              <a:gd name="connsiteX2" fmla="*/ 282848 w 12192000"/>
+              <a:gd name="connsiteY2" fmla="*/ 48342 h 2802467"/>
+              <a:gd name="connsiteX3" fmla="*/ 436464 w 12192000"/>
+              <a:gd name="connsiteY3" fmla="*/ 73565 h 2802467"/>
+              <a:gd name="connsiteX4" fmla="*/ 619339 w 12192000"/>
+              <a:gd name="connsiteY4" fmla="*/ 100188 h 2802467"/>
+              <a:gd name="connsiteX5" fmla="*/ 836351 w 12192000"/>
+              <a:gd name="connsiteY5" fmla="*/ 132066 h 2802467"/>
+              <a:gd name="connsiteX6" fmla="*/ 1076528 w 12192000"/>
+              <a:gd name="connsiteY6" fmla="*/ 165696 h 2802467"/>
+              <a:gd name="connsiteX7" fmla="*/ 1347183 w 12192000"/>
+              <a:gd name="connsiteY7" fmla="*/ 201077 h 2802467"/>
+              <a:gd name="connsiteX8" fmla="*/ 1642223 w 12192000"/>
+              <a:gd name="connsiteY8" fmla="*/ 238560 h 2802467"/>
+              <a:gd name="connsiteX9" fmla="*/ 1962864 w 12192000"/>
+              <a:gd name="connsiteY9" fmla="*/ 276043 h 2802467"/>
+              <a:gd name="connsiteX10" fmla="*/ 2304232 w 12192000"/>
+              <a:gd name="connsiteY10" fmla="*/ 314226 h 2802467"/>
+              <a:gd name="connsiteX11" fmla="*/ 2672421 w 12192000"/>
+              <a:gd name="connsiteY11" fmla="*/ 349608 h 2802467"/>
+              <a:gd name="connsiteX12" fmla="*/ 3057678 w 12192000"/>
+              <a:gd name="connsiteY12" fmla="*/ 383587 h 2802467"/>
+              <a:gd name="connsiteX13" fmla="*/ 3464881 w 12192000"/>
+              <a:gd name="connsiteY13" fmla="*/ 414415 h 2802467"/>
+              <a:gd name="connsiteX14" fmla="*/ 3889152 w 12192000"/>
+              <a:gd name="connsiteY14" fmla="*/ 443840 h 2802467"/>
+              <a:gd name="connsiteX15" fmla="*/ 4331710 w 12192000"/>
+              <a:gd name="connsiteY15" fmla="*/ 471515 h 2802467"/>
+              <a:gd name="connsiteX16" fmla="*/ 4558476 w 12192000"/>
+              <a:gd name="connsiteY16" fmla="*/ 481323 h 2802467"/>
+              <a:gd name="connsiteX17" fmla="*/ 4790118 w 12192000"/>
+              <a:gd name="connsiteY17" fmla="*/ 492183 h 2802467"/>
+              <a:gd name="connsiteX18" fmla="*/ 5025418 w 12192000"/>
+              <a:gd name="connsiteY18" fmla="*/ 502342 h 2802467"/>
+              <a:gd name="connsiteX19" fmla="*/ 5261937 w 12192000"/>
+              <a:gd name="connsiteY19" fmla="*/ 508998 h 2802467"/>
+              <a:gd name="connsiteX20" fmla="*/ 5503332 w 12192000"/>
+              <a:gd name="connsiteY20" fmla="*/ 514953 h 2802467"/>
+              <a:gd name="connsiteX21" fmla="*/ 5747166 w 12192000"/>
+              <a:gd name="connsiteY21" fmla="*/ 521259 h 2802467"/>
+              <a:gd name="connsiteX22" fmla="*/ 5995877 w 12192000"/>
+              <a:gd name="connsiteY22" fmla="*/ 525462 h 2802467"/>
+              <a:gd name="connsiteX23" fmla="*/ 6247026 w 12192000"/>
+              <a:gd name="connsiteY23" fmla="*/ 525462 h 2802467"/>
+              <a:gd name="connsiteX24" fmla="*/ 6500613 w 12192000"/>
+              <a:gd name="connsiteY24" fmla="*/ 527564 h 2802467"/>
+              <a:gd name="connsiteX25" fmla="*/ 6756639 w 12192000"/>
+              <a:gd name="connsiteY25" fmla="*/ 525462 h 2802467"/>
+              <a:gd name="connsiteX26" fmla="*/ 7016322 w 12192000"/>
+              <a:gd name="connsiteY26" fmla="*/ 521259 h 2802467"/>
+              <a:gd name="connsiteX27" fmla="*/ 7276005 w 12192000"/>
+              <a:gd name="connsiteY27" fmla="*/ 517405 h 2802467"/>
+              <a:gd name="connsiteX28" fmla="*/ 7539345 w 12192000"/>
+              <a:gd name="connsiteY28" fmla="*/ 508998 h 2802467"/>
+              <a:gd name="connsiteX29" fmla="*/ 7805124 w 12192000"/>
+              <a:gd name="connsiteY29" fmla="*/ 500240 h 2802467"/>
+              <a:gd name="connsiteX30" fmla="*/ 8070903 w 12192000"/>
+              <a:gd name="connsiteY30" fmla="*/ 490081 h 2802467"/>
+              <a:gd name="connsiteX31" fmla="*/ 8339121 w 12192000"/>
+              <a:gd name="connsiteY31" fmla="*/ 475719 h 2802467"/>
+              <a:gd name="connsiteX32" fmla="*/ 8609776 w 12192000"/>
+              <a:gd name="connsiteY32" fmla="*/ 458553 h 2802467"/>
+              <a:gd name="connsiteX33" fmla="*/ 8881651 w 12192000"/>
+              <a:gd name="connsiteY33" fmla="*/ 442089 h 2802467"/>
+              <a:gd name="connsiteX34" fmla="*/ 9153526 w 12192000"/>
+              <a:gd name="connsiteY34" fmla="*/ 421070 h 2802467"/>
+              <a:gd name="connsiteX35" fmla="*/ 9429058 w 12192000"/>
+              <a:gd name="connsiteY35" fmla="*/ 395848 h 2802467"/>
+              <a:gd name="connsiteX36" fmla="*/ 9700933 w 12192000"/>
+              <a:gd name="connsiteY36" fmla="*/ 370626 h 2802467"/>
+              <a:gd name="connsiteX37" fmla="*/ 9977684 w 12192000"/>
+              <a:gd name="connsiteY37" fmla="*/ 341550 h 2802467"/>
+              <a:gd name="connsiteX38" fmla="*/ 10255655 w 12192000"/>
+              <a:gd name="connsiteY38" fmla="*/ 309672 h 2802467"/>
+              <a:gd name="connsiteX39" fmla="*/ 10529968 w 12192000"/>
+              <a:gd name="connsiteY39" fmla="*/ 276043 h 2802467"/>
+              <a:gd name="connsiteX40" fmla="*/ 10807939 w 12192000"/>
+              <a:gd name="connsiteY40" fmla="*/ 236808 h 2802467"/>
+              <a:gd name="connsiteX41" fmla="*/ 11084690 w 12192000"/>
+              <a:gd name="connsiteY41" fmla="*/ 194771 h 2802467"/>
+              <a:gd name="connsiteX42" fmla="*/ 11362661 w 12192000"/>
+              <a:gd name="connsiteY42" fmla="*/ 153085 h 2802467"/>
+              <a:gd name="connsiteX43" fmla="*/ 11639412 w 12192000"/>
+              <a:gd name="connsiteY43" fmla="*/ 104392 h 2802467"/>
+              <a:gd name="connsiteX44" fmla="*/ 11914945 w 12192000"/>
+              <a:gd name="connsiteY44" fmla="*/ 54648 h 2802467"/>
+              <a:gd name="connsiteX45" fmla="*/ 12191696 w 12192000"/>
+              <a:gd name="connsiteY45" fmla="*/ 2452 h 2802467"/>
+              <a:gd name="connsiteX46" fmla="*/ 12191696 w 12192000"/>
+              <a:gd name="connsiteY46" fmla="*/ 2236410 h 2802467"/>
+              <a:gd name="connsiteX47" fmla="*/ 12192000 w 12192000"/>
+              <a:gd name="connsiteY47" fmla="*/ 2236410 h 2802467"/>
+              <a:gd name="connsiteX48" fmla="*/ 12192000 w 12192000"/>
+              <a:gd name="connsiteY48" fmla="*/ 2802467 h 2802467"/>
+              <a:gd name="connsiteX49" fmla="*/ 12191696 w 12192000"/>
+              <a:gd name="connsiteY49" fmla="*/ 2802467 h 2802467"/>
+              <a:gd name="connsiteX50" fmla="*/ 0 w 12192000"/>
+              <a:gd name="connsiteY50" fmla="*/ 2802467 h 2802467"/>
+              <a:gd name="connsiteX51" fmla="*/ 0 w 12192000"/>
+              <a:gd name="connsiteY51" fmla="*/ 2236410 h 2802467"/>
+              <a:gd name="connsiteX52" fmla="*/ 1 w 12192000"/>
+              <a:gd name="connsiteY52" fmla="*/ 2236410 h 2802467"/>
+            </a:gdLst>
+            <a:ahLst/>
+            <a:cxnLst>
+              <a:cxn ang="0">
+                <a:pos x="connsiteX0" y="connsiteY0"/>
+              </a:cxn>
+              <a:cxn ang="0">
+                <a:pos x="connsiteX1" y="connsiteY1"/>
+              </a:cxn>
+              <a:cxn ang="0">
+                <a:pos x="connsiteX2" y="connsiteY2"/>
+              </a:cxn>
+              <a:cxn ang="0">
+                <a:pos x="connsiteX3" y="connsiteY3"/>
+              </a:cxn>
+              <a:cxn ang="0">
+                <a:pos x="connsiteX4" y="connsiteY4"/>
+              </a:cxn>
+              <a:cxn ang="0">
+                <a:pos x="connsiteX5" y="connsiteY5"/>
+              </a:cxn>
+              <a:cxn ang="0">
+                <a:pos x="connsiteX6" y="connsiteY6"/>
+              </a:cxn>
+              <a:cxn ang="0">
+                <a:pos x="connsiteX7" y="connsiteY7"/>
+              </a:cxn>
+              <a:cxn ang="0">
+                <a:pos x="connsiteX8" y="connsiteY8"/>
+              </a:cxn>
+              <a:cxn ang="0">
+                <a:pos x="connsiteX9" y="connsiteY9"/>
+              </a:cxn>
+              <a:cxn ang="0">
+                <a:pos x="connsiteX10" y="connsiteY10"/>
+              </a:cxn>
+              <a:cxn ang="0">
+                <a:pos x="connsiteX11" y="connsiteY11"/>
+              </a:cxn>
+              <a:cxn ang="0">
+                <a:pos x="connsiteX12" y="connsiteY12"/>
+              </a:cxn>
+              <a:cxn ang="0">
+                <a:pos x="connsiteX13" y="connsiteY13"/>
+              </a:cxn>
+              <a:cxn ang="0">
+                <a:pos x="connsiteX14" y="connsiteY14"/>
+              </a:cxn>
+              <a:cxn ang="0">
+                <a:pos x="connsiteX15" y="connsiteY15"/>
+              </a:cxn>
+              <a:cxn ang="0">
+                <a:pos x="connsiteX16" y="connsiteY16"/>
+              </a:cxn>
+              <a:cxn ang="0">
+                <a:pos x="connsiteX17" y="connsiteY17"/>
+              </a:cxn>
+              <a:cxn ang="0">
+                <a:pos x="connsiteX18" y="connsiteY18"/>
+              </a:cxn>
+              <a:cxn ang="0">
+                <a:pos x="connsiteX19" y="connsiteY19"/>
+              </a:cxn>
+              <a:cxn ang="0">
+                <a:pos x="connsiteX20" y="connsiteY20"/>
+              </a:cxn>
+              <a:cxn ang="0">
+                <a:pos x="connsiteX21" y="connsiteY21"/>
+              </a:cxn>
+              <a:cxn ang="0">
+                <a:pos x="connsiteX22" y="connsiteY22"/>
+              </a:cxn>
+              <a:cxn ang="0">
+                <a:pos x="connsiteX23" y="connsiteY23"/>
+              </a:cxn>
+              <a:cxn ang="0">
+                <a:pos x="connsiteX24" y="connsiteY24"/>
+              </a:cxn>
+              <a:cxn ang="0">
+                <a:pos x="connsiteX25" y="connsiteY25"/>
+              </a:cxn>
+              <a:cxn ang="0">
+                <a:pos x="connsiteX26" y="connsiteY26"/>
+              </a:cxn>
+              <a:cxn ang="0">
+                <a:pos x="connsiteX27" y="connsiteY27"/>
+              </a:cxn>
+              <a:cxn ang="0">
+                <a:pos x="connsiteX28" y="connsiteY28"/>
+              </a:cxn>
+              <a:cxn ang="0">
+                <a:pos x="connsiteX29" y="connsiteY29"/>
+              </a:cxn>
+              <a:cxn ang="0">
+                <a:pos x="connsiteX30" y="connsiteY30"/>
+              </a:cxn>
+              <a:cxn ang="0">
+                <a:pos x="connsiteX31" y="connsiteY31"/>
+              </a:cxn>
+              <a:cxn ang="0">
+                <a:pos x="connsiteX32" y="connsiteY32"/>
+              </a:cxn>
+              <a:cxn ang="0">
+                <a:pos x="connsiteX33" y="connsiteY33"/>
+              </a:cxn>
+              <a:cxn ang="0">
+                <a:pos x="connsiteX34" y="connsiteY34"/>
+              </a:cxn>
+              <a:cxn ang="0">
+                <a:pos x="connsiteX35" y="connsiteY35"/>
+              </a:cxn>
+              <a:cxn ang="0">
+                <a:pos x="connsiteX36" y="connsiteY36"/>
+              </a:cxn>
+              <a:cxn ang="0">
+                <a:pos x="connsiteX37" y="connsiteY37"/>
+              </a:cxn>
+              <a:cxn ang="0">
+                <a:pos x="connsiteX38" y="connsiteY38"/>
+              </a:cxn>
+              <a:cxn ang="0">
+                <a:pos x="connsiteX39" y="connsiteY39"/>
+              </a:cxn>
+              <a:cxn ang="0">
+                <a:pos x="connsiteX40" y="connsiteY40"/>
+              </a:cxn>
+              <a:cxn ang="0">
+                <a:pos x="connsiteX41" y="connsiteY41"/>
+              </a:cxn>
+              <a:cxn ang="0">
+                <a:pos x="connsiteX42" y="connsiteY42"/>
+              </a:cxn>
+              <a:cxn ang="0">
+                <a:pos x="connsiteX43" y="connsiteY43"/>
+              </a:cxn>
+              <a:cxn ang="0">
+                <a:pos x="connsiteX44" y="connsiteY44"/>
+              </a:cxn>
+              <a:cxn ang="0">
+                <a:pos x="connsiteX45" y="connsiteY45"/>
+              </a:cxn>
+              <a:cxn ang="0">
+                <a:pos x="connsiteX46" y="connsiteY46"/>
+              </a:cxn>
+              <a:cxn ang="0">
+                <a:pos x="connsiteX47" y="connsiteY47"/>
+              </a:cxn>
+              <a:cxn ang="0">
+                <a:pos x="connsiteX48" y="connsiteY48"/>
+              </a:cxn>
+              <a:cxn ang="0">
+                <a:pos x="connsiteX49" y="connsiteY49"/>
+              </a:cxn>
+              <a:cxn ang="0">
+                <a:pos x="connsiteX50" y="connsiteY50"/>
+              </a:cxn>
+              <a:cxn ang="0">
+                <a:pos x="connsiteX51" y="connsiteY51"/>
+              </a:cxn>
+              <a:cxn ang="0">
+                <a:pos x="connsiteX52" y="connsiteY52"/>
+              </a:cxn>
+            </a:cxnLst>
+            <a:rect l="l" t="t" r="r" b="b"/>
+            <a:pathLst>
+              <a:path w="12192000" h="2802467">
+                <a:moveTo>
+                  <a:pt x="1" y="0"/>
+                </a:moveTo>
+                <a:lnTo>
+                  <a:pt x="71932" y="12261"/>
+                </a:lnTo>
+                <a:lnTo>
+                  <a:pt x="282848" y="48342"/>
+                </a:lnTo>
+                <a:lnTo>
+                  <a:pt x="436464" y="73565"/>
+                </a:lnTo>
+                <a:lnTo>
+                  <a:pt x="619339" y="100188"/>
+                </a:lnTo>
+                <a:lnTo>
+                  <a:pt x="836351" y="132066"/>
+                </a:lnTo>
+                <a:lnTo>
+                  <a:pt x="1076528" y="165696"/>
+                </a:lnTo>
+                <a:lnTo>
+                  <a:pt x="1347183" y="201077"/>
+                </a:lnTo>
+                <a:lnTo>
+                  <a:pt x="1642223" y="238560"/>
+                </a:lnTo>
+                <a:lnTo>
+                  <a:pt x="1962864" y="276043"/>
+                </a:lnTo>
+                <a:lnTo>
+                  <a:pt x="2304232" y="314226"/>
+                </a:lnTo>
+                <a:lnTo>
+                  <a:pt x="2672421" y="349608"/>
+                </a:lnTo>
+                <a:lnTo>
+                  <a:pt x="3057678" y="383587"/>
+                </a:lnTo>
+                <a:lnTo>
+                  <a:pt x="3464881" y="414415"/>
+                </a:lnTo>
+                <a:lnTo>
+                  <a:pt x="3889152" y="443840"/>
+                </a:lnTo>
+                <a:lnTo>
+                  <a:pt x="4331710" y="471515"/>
+                </a:lnTo>
+                <a:lnTo>
+                  <a:pt x="4558476" y="481323"/>
+                </a:lnTo>
+                <a:lnTo>
+                  <a:pt x="4790118" y="492183"/>
+                </a:lnTo>
+                <a:lnTo>
+                  <a:pt x="5025418" y="502342"/>
+                </a:lnTo>
+                <a:lnTo>
+                  <a:pt x="5261937" y="508998"/>
+                </a:lnTo>
+                <a:lnTo>
+                  <a:pt x="5503332" y="514953"/>
+                </a:lnTo>
+                <a:lnTo>
+                  <a:pt x="5747166" y="521259"/>
+                </a:lnTo>
+                <a:lnTo>
+                  <a:pt x="5995877" y="525462"/>
+                </a:lnTo>
+                <a:lnTo>
+                  <a:pt x="6247026" y="525462"/>
+                </a:lnTo>
+                <a:lnTo>
+                  <a:pt x="6500613" y="527564"/>
+                </a:lnTo>
+                <a:lnTo>
+                  <a:pt x="6756639" y="525462"/>
+                </a:lnTo>
+                <a:lnTo>
+                  <a:pt x="7016322" y="521259"/>
+                </a:lnTo>
+                <a:lnTo>
+                  <a:pt x="7276005" y="517405"/>
+                </a:lnTo>
+                <a:lnTo>
+                  <a:pt x="7539345" y="508998"/>
+                </a:lnTo>
+                <a:lnTo>
+                  <a:pt x="7805124" y="500240"/>
+                </a:lnTo>
+                <a:lnTo>
+                  <a:pt x="8070903" y="490081"/>
+                </a:lnTo>
+                <a:lnTo>
+                  <a:pt x="8339121" y="475719"/>
+                </a:lnTo>
+                <a:lnTo>
+                  <a:pt x="8609776" y="458553"/>
+                </a:lnTo>
+                <a:lnTo>
+                  <a:pt x="8881651" y="442089"/>
+                </a:lnTo>
+                <a:lnTo>
+                  <a:pt x="9153526" y="421070"/>
+                </a:lnTo>
+                <a:lnTo>
+                  <a:pt x="9429058" y="395848"/>
+                </a:lnTo>
+                <a:lnTo>
+                  <a:pt x="9700933" y="370626"/>
+                </a:lnTo>
+                <a:lnTo>
+                  <a:pt x="9977684" y="341550"/>
+                </a:lnTo>
+                <a:lnTo>
+                  <a:pt x="10255655" y="309672"/>
+                </a:lnTo>
+                <a:lnTo>
+                  <a:pt x="10529968" y="276043"/>
+                </a:lnTo>
+                <a:lnTo>
+                  <a:pt x="10807939" y="236808"/>
+                </a:lnTo>
+                <a:lnTo>
+                  <a:pt x="11084690" y="194771"/>
+                </a:lnTo>
+                <a:lnTo>
+                  <a:pt x="11362661" y="153085"/>
+                </a:lnTo>
+                <a:lnTo>
+                  <a:pt x="11639412" y="104392"/>
+                </a:lnTo>
+                <a:lnTo>
+                  <a:pt x="11914945" y="54648"/>
+                </a:lnTo>
+                <a:lnTo>
+                  <a:pt x="12191696" y="2452"/>
+                </a:lnTo>
+                <a:lnTo>
+                  <a:pt x="12191696" y="2236410"/>
+                </a:lnTo>
+                <a:lnTo>
+                  <a:pt x="12192000" y="2236410"/>
+                </a:lnTo>
+                <a:lnTo>
+                  <a:pt x="12192000" y="2802467"/>
+                </a:lnTo>
+                <a:lnTo>
+                  <a:pt x="12191696" y="2802467"/>
+                </a:lnTo>
+                <a:lnTo>
+                  <a:pt x="0" y="2802467"/>
+                </a:lnTo>
+                <a:lnTo>
+                  <a:pt x="0" y="2236410"/>
+                </a:lnTo>
+                <a:lnTo>
+                  <a:pt x="1" y="2236410"/>
+                </a:lnTo>
+                <a:close/>
+              </a:path>
+            </a:pathLst>
+          </a:custGeom>
+          <a:ln>
+            <a:noFill/>
+          </a:ln>
+        </p:spPr>
+        <p:style>
+          <a:lnRef idx="2">
+            <a:schemeClr val="accent1">
+              <a:shade val="50000"/>
+            </a:schemeClr>
+          </a:lnRef>
+          <a:fillRef idx="1003">
+            <a:schemeClr val="dk2"/>
+          </a:fillRef>
+          <a:effectRef idx="0">
+            <a:schemeClr val="accent1"/>
+          </a:effectRef>
+          <a:fontRef idx="minor">
+            <a:schemeClr val="lt1"/>
+          </a:fontRef>
+        </p:style>
+        <p:txBody>
+          <a:bodyPr rtlCol="0" anchor="ctr"/>
+          <a:lstStyle/>
+          <a:p>
+            <a:pPr algn="ctr"/>
+            <a:endParaRPr lang="en-US"/>
+          </a:p>
+        </p:txBody>
+      </p:sp>
+      <p:sp>
+        <p:nvSpPr>
+          <p:cNvPr id="2" name="Title 1">
+            <a:extLst>
+              <a:ext uri="{FF2B5EF4-FFF2-40B4-BE49-F238E27FC236}">
+                <a16:creationId xmlns:a16="http://schemas.microsoft.com/office/drawing/2014/main" id="{797D4455-590D-4860-B791-DB62F5BB5DBE}"/>
+              </a:ext>
+            </a:extLst>
+          </p:cNvPr>
+          <p:cNvSpPr>
+            <a:spLocks noGrp="1"/>
+          </p:cNvSpPr>
+          <p:nvPr>
+            <p:ph type="title"/>
+          </p:nvPr>
+        </p:nvSpPr>
+        <p:spPr>
+          <a:xfrm>
+            <a:off x="636916" y="4854346"/>
+            <a:ext cx="9149350" cy="868026"/>
+          </a:xfrm>
+        </p:spPr>
+        <p:txBody>
+          <a:bodyPr vert="horz" lIns="91440" tIns="45720" rIns="91440" bIns="45720" rtlCol="0" anchor="b">
+            <a:normAutofit/>
+          </a:bodyPr>
+          <a:lstStyle/>
+          <a:p>
+            <a:r>
+              <a:rPr lang="zh-CN" altLang="en-US" sz="4800" b="0" i="0" kern="1200">
+                <a:solidFill>
+                  <a:srgbClr val="EBEBEB"/>
+                </a:solidFill>
+                <a:latin typeface="+mj-lt"/>
+                <a:ea typeface="+mj-ea"/>
+                <a:cs typeface="+mj-cs"/>
+              </a:rPr>
+              <a:t>调试线程</a:t>
+            </a:r>
+            <a:r>
+              <a:rPr lang="en-US" altLang="zh-CN" sz="4800" b="0" i="0" kern="1200">
+                <a:solidFill>
+                  <a:srgbClr val="EBEBEB"/>
+                </a:solidFill>
+                <a:latin typeface="+mj-lt"/>
+                <a:ea typeface="+mj-ea"/>
+                <a:cs typeface="+mj-cs"/>
+              </a:rPr>
+              <a:t>1</a:t>
+            </a:r>
+            <a:endParaRPr lang="en-US" sz="4800" b="0" i="0" kern="1200">
+              <a:solidFill>
+                <a:srgbClr val="EBEBEB"/>
+              </a:solidFill>
+              <a:latin typeface="+mj-lt"/>
+              <a:ea typeface="+mj-ea"/>
+              <a:cs typeface="+mj-cs"/>
+            </a:endParaRPr>
+          </a:p>
+        </p:txBody>
+      </p:sp>
+    </p:spTree>
+    <p:extLst>
+      <p:ext uri="{BB962C8B-B14F-4D97-AF65-F5344CB8AC3E}">
+        <p14:creationId xmlns:p14="http://schemas.microsoft.com/office/powerpoint/2010/main" val="2638362659"/>
+      </p:ext>
+    </p:extLst>
+  </p:cSld>
+  <p:clrMapOvr>
+    <a:overrideClrMapping bg1="lt1" tx1="dk1" bg2="lt2" tx2="dk2" accent1="accent1" accent2="accent2" accent3="accent3" accent4="accent4" accent5="accent5" accent6="accent6" hlink="hlink" folHlink="folHlink"/>
+  </p:clrMapOvr>
+</p:sld>
+</file>
+
+<file path=ppt/slides/slide32.xml><?xml version="1.0" encoding="utf-8"?>
+<p:sld xmlns:a="http://schemas.openxmlformats.org/drawingml/2006/main" xmlns:r="http://schemas.openxmlformats.org/officeDocument/2006/relationships" xmlns:p="http://schemas.openxmlformats.org/presentationml/2006/main">
+  <p:cSld>
+    <p:bg>
+      <p:bgPr>
+        <a:solidFill>
+          <a:schemeClr val="bg1"/>
+        </a:solidFill>
+        <a:effectLst/>
+      </p:bgPr>
+    </p:bg>
+    <p:spTree>
+      <p:nvGrpSpPr>
+        <p:cNvPr id="1" name=""/>
+        <p:cNvGrpSpPr/>
+        <p:nvPr/>
+      </p:nvGrpSpPr>
+      <p:grpSpPr>
+        <a:xfrm>
+          <a:off x="0" y="0"/>
+          <a:ext cx="0" cy="0"/>
+          <a:chOff x="0" y="0"/>
+          <a:chExt cx="0" cy="0"/>
+        </a:xfrm>
+      </p:grpSpPr>
+      <p:pic>
+        <p:nvPicPr>
+          <p:cNvPr id="10" name="Picture 9">
+            <a:extLst>
+              <a:ext uri="{FF2B5EF4-FFF2-40B4-BE49-F238E27FC236}">
+                <a16:creationId xmlns:a16="http://schemas.microsoft.com/office/drawing/2014/main" id="{41B68C77-138E-4BF7-A276-BD0C78A4219F}"/>
+              </a:ext>
+              <a:ext uri="{C183D7F6-B498-43B3-948B-1728B52AA6E4}">
+                <adec:decorative xmlns:adec="http://schemas.microsoft.com/office/drawing/2017/decorative" val="1"/>
+              </a:ext>
+            </a:extLst>
+          </p:cNvPr>
+          <p:cNvPicPr>
+            <a:picLocks noGrp="1" noRot="1" noChangeAspect="1" noMove="1" noResize="1" noEditPoints="1" noAdjustHandles="1" noChangeArrowheads="1" noChangeShapeType="1" noCrop="1"/>
+          </p:cNvPicPr>
+          <p:nvPr>
+            <p:extLst>
+              <p:ext uri="{386F3935-93C4-4BCD-93E2-E3B085C9AB24}">
+                <p16:designElem xmlns:p16="http://schemas.microsoft.com/office/powerpoint/2015/main" val="1"/>
+              </p:ext>
+            </p:extLst>
+          </p:nvPr>
+        </p:nvPicPr>
+        <p:blipFill rotWithShape="1">
+          <a:blip r:embed="rId2">
+            <a:extLst>
+              <a:ext uri="{28A0092B-C50C-407E-A947-70E740481C1C}">
+                <a14:useLocalDpi xmlns:a14="http://schemas.microsoft.com/office/drawing/2010/main" val="0"/>
+              </a:ext>
+            </a:extLst>
+          </a:blip>
+          <a:srcRect l="3613"/>
+          <a:stretch/>
+        </p:blipFill>
+        <p:spPr>
+          <a:xfrm>
+            <a:off x="0" y="2669685"/>
+            <a:ext cx="4037012" cy="4188315"/>
+          </a:xfrm>
+          <a:prstGeom prst="rect">
+            <a:avLst/>
+          </a:prstGeom>
+        </p:spPr>
+      </p:pic>
+      <p:pic>
+        <p:nvPicPr>
+          <p:cNvPr id="12" name="Picture 11">
+            <a:extLst>
+              <a:ext uri="{FF2B5EF4-FFF2-40B4-BE49-F238E27FC236}">
+                <a16:creationId xmlns:a16="http://schemas.microsoft.com/office/drawing/2014/main" id="{7C268552-D473-46ED-B1B8-422042C4DEF1}"/>
+              </a:ext>
+              <a:ext uri="{C183D7F6-B498-43B3-948B-1728B52AA6E4}">
+                <adec:decorative xmlns:adec="http://schemas.microsoft.com/office/drawing/2017/decorative" val="1"/>
+              </a:ext>
+            </a:extLst>
+          </p:cNvPr>
+          <p:cNvPicPr>
+            <a:picLocks noGrp="1" noRot="1" noChangeAspect="1" noMove="1" noResize="1" noEditPoints="1" noAdjustHandles="1" noChangeArrowheads="1" noChangeShapeType="1" noCrop="1"/>
+          </p:cNvPicPr>
+          <p:nvPr>
+            <p:extLst>
+              <p:ext uri="{386F3935-93C4-4BCD-93E2-E3B085C9AB24}">
+                <p16:designElem xmlns:p16="http://schemas.microsoft.com/office/powerpoint/2015/main" val="1"/>
+              </p:ext>
+            </p:extLst>
+          </p:nvPr>
+        </p:nvPicPr>
+        <p:blipFill rotWithShape="1">
+          <a:blip r:embed="rId3">
+            <a:extLst>
+              <a:ext uri="{28A0092B-C50C-407E-A947-70E740481C1C}">
+                <a14:useLocalDpi xmlns:a14="http://schemas.microsoft.com/office/drawing/2010/main" val="0"/>
+              </a:ext>
+            </a:extLst>
+          </a:blip>
+          <a:srcRect l="35640"/>
+          <a:stretch/>
+        </p:blipFill>
+        <p:spPr>
+          <a:xfrm>
+            <a:off x="0" y="2892347"/>
+            <a:ext cx="1522412" cy="2365453"/>
+          </a:xfrm>
+          <a:prstGeom prst="rect">
+            <a:avLst/>
+          </a:prstGeom>
+        </p:spPr>
+      </p:pic>
+      <p:sp>
+        <p:nvSpPr>
+          <p:cNvPr id="14" name="Oval 13">
+            <a:extLst>
+              <a:ext uri="{FF2B5EF4-FFF2-40B4-BE49-F238E27FC236}">
+                <a16:creationId xmlns:a16="http://schemas.microsoft.com/office/drawing/2014/main" id="{4AC0CD9D-7610-4620-93B4-798CCD9AB581}"/>
+              </a:ext>
+              <a:ext uri="{C183D7F6-B498-43B3-948B-1728B52AA6E4}">
+                <adec:decorative xmlns:adec="http://schemas.microsoft.com/office/drawing/2017/decorative" val="1"/>
+              </a:ext>
+            </a:extLst>
+          </p:cNvPr>
+          <p:cNvSpPr>
+            <a:spLocks noGrp="1" noRot="1" noChangeAspect="1" noMove="1" noResize="1" noEditPoints="1" noAdjustHandles="1" noChangeArrowheads="1" noChangeShapeType="1" noTextEdit="1"/>
+          </p:cNvSpPr>
+          <p:nvPr>
+            <p:extLst>
+              <p:ext uri="{386F3935-93C4-4BCD-93E2-E3B085C9AB24}">
+                <p16:designElem xmlns:p16="http://schemas.microsoft.com/office/powerpoint/2015/main" val="1"/>
+              </p:ext>
+            </p:extLst>
+          </p:nvPr>
+        </p:nvSpPr>
+        <p:spPr>
+          <a:xfrm>
+            <a:off x="8609012" y="1676400"/>
+            <a:ext cx="2819400" cy="2819400"/>
+          </a:xfrm>
+          <a:prstGeom prst="ellipse">
+            <a:avLst/>
+          </a:prstGeom>
+          <a:gradFill flip="none" rotWithShape="1">
+            <a:gsLst>
+              <a:gs pos="0">
+                <a:schemeClr val="bg2">
+                  <a:lumMod val="60000"/>
+                  <a:lumOff val="40000"/>
+                  <a:alpha val="7000"/>
+                </a:schemeClr>
+              </a:gs>
+              <a:gs pos="69000">
+                <a:schemeClr val="bg2">
+                  <a:lumMod val="60000"/>
+                  <a:lumOff val="40000"/>
+                  <a:alpha val="0"/>
+                </a:schemeClr>
+              </a:gs>
+              <a:gs pos="36000">
+                <a:schemeClr val="bg2">
+                  <a:lumMod val="60000"/>
+                  <a:lumOff val="40000"/>
+                  <a:alpha val="6000"/>
+                </a:schemeClr>
+              </a:gs>
+            </a:gsLst>
+            <a:path path="circle">
+              <a:fillToRect l="50000" t="50000" r="50000" b="50000"/>
+            </a:path>
+            <a:tileRect/>
+          </a:gradFill>
+          <a:ln>
+            <a:noFill/>
+          </a:ln>
+          <a:effectLst/>
+        </p:spPr>
+        <p:style>
+          <a:lnRef idx="1">
+            <a:schemeClr val="accent1"/>
+          </a:lnRef>
+          <a:fillRef idx="3">
+            <a:schemeClr val="accent1"/>
+          </a:fillRef>
+          <a:effectRef idx="2">
+            <a:schemeClr val="accent1"/>
+          </a:effectRef>
+          <a:fontRef idx="minor">
+            <a:schemeClr val="lt1"/>
+          </a:fontRef>
+        </p:style>
+      </p:sp>
+      <p:pic>
+        <p:nvPicPr>
+          <p:cNvPr id="16" name="Picture 15">
+            <a:extLst>
+              <a:ext uri="{FF2B5EF4-FFF2-40B4-BE49-F238E27FC236}">
+                <a16:creationId xmlns:a16="http://schemas.microsoft.com/office/drawing/2014/main" id="{B9238B3E-24AA-439A-B527-6C5DF6D72145}"/>
+              </a:ext>
+              <a:ext uri="{C183D7F6-B498-43B3-948B-1728B52AA6E4}">
+                <adec:decorative xmlns:adec="http://schemas.microsoft.com/office/drawing/2017/decorative" val="1"/>
+              </a:ext>
+            </a:extLst>
+          </p:cNvPr>
+          <p:cNvPicPr>
+            <a:picLocks noGrp="1" noRot="1" noChangeAspect="1" noMove="1" noResize="1" noEditPoints="1" noAdjustHandles="1" noChangeArrowheads="1" noChangeShapeType="1" noCrop="1"/>
+          </p:cNvPicPr>
+          <p:nvPr>
+            <p:extLst>
+              <p:ext uri="{386F3935-93C4-4BCD-93E2-E3B085C9AB24}">
+                <p16:designElem xmlns:p16="http://schemas.microsoft.com/office/powerpoint/2015/main" val="1"/>
+              </p:ext>
+            </p:extLst>
+          </p:nvPr>
+        </p:nvPicPr>
+        <p:blipFill rotWithShape="1">
+          <a:blip r:embed="rId4">
+            <a:extLst>
+              <a:ext uri="{28A0092B-C50C-407E-A947-70E740481C1C}">
+                <a14:useLocalDpi xmlns:a14="http://schemas.microsoft.com/office/drawing/2010/main" val="0"/>
+              </a:ext>
+            </a:extLst>
+          </a:blip>
+          <a:srcRect t="28813"/>
+          <a:stretch/>
+        </p:blipFill>
+        <p:spPr>
+          <a:xfrm>
+            <a:off x="7999412" y="0"/>
+            <a:ext cx="1603387" cy="1141407"/>
+          </a:xfrm>
+          <a:prstGeom prst="rect">
+            <a:avLst/>
+          </a:prstGeom>
+        </p:spPr>
+      </p:pic>
+      <p:pic>
+        <p:nvPicPr>
+          <p:cNvPr id="18" name="Picture 17">
+            <a:extLst>
+              <a:ext uri="{FF2B5EF4-FFF2-40B4-BE49-F238E27FC236}">
+                <a16:creationId xmlns:a16="http://schemas.microsoft.com/office/drawing/2014/main" id="{69F01145-BEA3-4CBF-AA21-10077B948CA8}"/>
+              </a:ext>
+              <a:ext uri="{C183D7F6-B498-43B3-948B-1728B52AA6E4}">
+                <adec:decorative xmlns:adec="http://schemas.microsoft.com/office/drawing/2017/decorative" val="1"/>
+              </a:ext>
+            </a:extLst>
+          </p:cNvPr>
+          <p:cNvPicPr>
+            <a:picLocks noGrp="1" noRot="1" noChangeAspect="1" noMove="1" noResize="1" noEditPoints="1" noAdjustHandles="1" noChangeArrowheads="1" noChangeShapeType="1" noCrop="1"/>
+          </p:cNvPicPr>
+          <p:nvPr>
+            <p:extLst>
+              <p:ext uri="{386F3935-93C4-4BCD-93E2-E3B085C9AB24}">
+                <p16:designElem xmlns:p16="http://schemas.microsoft.com/office/powerpoint/2015/main" val="1"/>
+              </p:ext>
+            </p:extLst>
+          </p:nvPr>
+        </p:nvPicPr>
+        <p:blipFill rotWithShape="1">
+          <a:blip r:embed="rId5">
+            <a:extLst>
+              <a:ext uri="{28A0092B-C50C-407E-A947-70E740481C1C}">
+                <a14:useLocalDpi xmlns:a14="http://schemas.microsoft.com/office/drawing/2010/main" val="0"/>
+              </a:ext>
+            </a:extLst>
+          </a:blip>
+          <a:srcRect b="23320"/>
+          <a:stretch/>
+        </p:blipFill>
+        <p:spPr>
+          <a:xfrm>
+            <a:off x="8605878" y="6096000"/>
+            <a:ext cx="993734" cy="762000"/>
+          </a:xfrm>
+          <a:prstGeom prst="rect">
+            <a:avLst/>
+          </a:prstGeom>
+        </p:spPr>
+      </p:pic>
+      <p:sp>
+        <p:nvSpPr>
+          <p:cNvPr id="20" name="Rectangle 19">
+            <a:extLst>
+              <a:ext uri="{FF2B5EF4-FFF2-40B4-BE49-F238E27FC236}">
+                <a16:creationId xmlns:a16="http://schemas.microsoft.com/office/drawing/2014/main" id="{DE4D62F9-188E-4530-84C2-24BDEE4BEB82}"/>
+              </a:ext>
+              <a:ext uri="{C183D7F6-B498-43B3-948B-1728B52AA6E4}">
+                <adec:decorative xmlns:adec="http://schemas.microsoft.com/office/drawing/2017/decorative" val="1"/>
+              </a:ext>
+            </a:extLst>
+          </p:cNvPr>
+          <p:cNvSpPr>
+            <a:spLocks noGrp="1" noRot="1" noChangeAspect="1" noMove="1" noResize="1" noEditPoints="1" noAdjustHandles="1" noChangeArrowheads="1" noChangeShapeType="1" noTextEdit="1"/>
+          </p:cNvSpPr>
+          <p:nvPr>
+            <p:extLst>
+              <p:ext uri="{386F3935-93C4-4BCD-93E2-E3B085C9AB24}">
+                <p16:designElem xmlns:p16="http://schemas.microsoft.com/office/powerpoint/2015/main" val="1"/>
+              </p:ext>
+            </p:extLst>
+          </p:nvPr>
+        </p:nvSpPr>
+        <p:spPr>
+          <a:xfrm>
+            <a:off x="10437812" y="0"/>
+            <a:ext cx="685800" cy="1143000"/>
+          </a:xfrm>
+          <a:prstGeom prst="rect">
+            <a:avLst/>
+          </a:prstGeom>
+          <a:solidFill>
+            <a:schemeClr val="accent1"/>
+          </a:solidFill>
+          <a:ln>
+            <a:noFill/>
+          </a:ln>
+        </p:spPr>
+        <p:style>
+          <a:lnRef idx="1">
+            <a:schemeClr val="accent1"/>
+          </a:lnRef>
+          <a:fillRef idx="3">
+            <a:schemeClr val="accent1"/>
+          </a:fillRef>
+          <a:effectRef idx="2">
+            <a:schemeClr val="accent1"/>
+          </a:effectRef>
+          <a:fontRef idx="minor">
+            <a:schemeClr val="lt1"/>
+          </a:fontRef>
+        </p:style>
+      </p:sp>
+      <p:sp>
+        <p:nvSpPr>
+          <p:cNvPr id="22" name="Rectangle 21">
+            <a:extLst>
+              <a:ext uri="{FF2B5EF4-FFF2-40B4-BE49-F238E27FC236}">
+                <a16:creationId xmlns:a16="http://schemas.microsoft.com/office/drawing/2014/main" id="{D67CA421-FA2B-47ED-A101-F8BBEBB2976B}"/>
+              </a:ext>
+              <a:ext uri="{C183D7F6-B498-43B3-948B-1728B52AA6E4}">
+                <adec:decorative xmlns:adec="http://schemas.microsoft.com/office/drawing/2017/decorative" val="1"/>
+              </a:ext>
+            </a:extLst>
+          </p:cNvPr>
+          <p:cNvSpPr>
+            <a:spLocks noGrp="1" noRot="1" noChangeAspect="1" noMove="1" noResize="1" noEditPoints="1" noAdjustHandles="1" noChangeArrowheads="1" noChangeShapeType="1" noTextEdit="1"/>
+          </p:cNvSpPr>
+          <p:nvPr>
+            <p:extLst>
+              <p:ext uri="{386F3935-93C4-4BCD-93E2-E3B085C9AB24}">
+                <p16:designElem xmlns:p16="http://schemas.microsoft.com/office/powerpoint/2015/main" val="1"/>
+              </p:ext>
+            </p:extLst>
+          </p:nvPr>
+        </p:nvSpPr>
+        <p:spPr>
+          <a:xfrm>
+            <a:off x="0" y="0"/>
+            <a:ext cx="12192000" cy="6858000"/>
+          </a:xfrm>
+          <a:prstGeom prst="rect">
+            <a:avLst/>
+          </a:prstGeom>
+          <a:ln>
+            <a:noFill/>
+          </a:ln>
+        </p:spPr>
+        <p:style>
+          <a:lnRef idx="2">
+            <a:schemeClr val="accent1">
+              <a:shade val="50000"/>
+            </a:schemeClr>
+          </a:lnRef>
+          <a:fillRef idx="1003">
+            <a:schemeClr val="dk2"/>
+          </a:fillRef>
+          <a:effectRef idx="0">
+            <a:schemeClr val="accent1"/>
+          </a:effectRef>
+          <a:fontRef idx="minor">
+            <a:schemeClr val="lt1"/>
+          </a:fontRef>
+        </p:style>
+        <p:txBody>
+          <a:bodyPr rtlCol="0" anchor="ctr"/>
+          <a:lstStyle/>
+          <a:p>
+            <a:pPr algn="ctr"/>
+            <a:endParaRPr lang="en-US"/>
+          </a:p>
+        </p:txBody>
+      </p:sp>
+      <p:sp>
+        <p:nvSpPr>
+          <p:cNvPr id="2" name="Title 1">
+            <a:extLst>
+              <a:ext uri="{FF2B5EF4-FFF2-40B4-BE49-F238E27FC236}">
+                <a16:creationId xmlns:a16="http://schemas.microsoft.com/office/drawing/2014/main" id="{5554DED8-34E6-4FE4-8FAD-A87CD31AC42B}"/>
+              </a:ext>
+            </a:extLst>
+          </p:cNvPr>
+          <p:cNvSpPr>
+            <a:spLocks noGrp="1"/>
+          </p:cNvSpPr>
+          <p:nvPr>
+            <p:ph type="title"/>
+          </p:nvPr>
+        </p:nvSpPr>
+        <p:spPr>
+          <a:xfrm>
+            <a:off x="8200279" y="1325880"/>
+            <a:ext cx="3344020" cy="3066507"/>
+          </a:xfrm>
+        </p:spPr>
+        <p:txBody>
+          <a:bodyPr vert="horz" lIns="91440" tIns="45720" rIns="91440" bIns="45720" rtlCol="0" anchor="b">
+            <a:normAutofit/>
+          </a:bodyPr>
+          <a:lstStyle/>
+          <a:p>
+            <a:r>
+              <a:rPr lang="zh-CN" altLang="en-US" sz="5400" b="0" i="0" kern="1200">
+                <a:solidFill>
+                  <a:srgbClr val="EBEBEB"/>
+                </a:solidFill>
+                <a:latin typeface="+mj-lt"/>
+                <a:ea typeface="+mj-ea"/>
+                <a:cs typeface="+mj-cs"/>
+              </a:rPr>
+              <a:t>调试线程</a:t>
+            </a:r>
+            <a:r>
+              <a:rPr lang="en-US" altLang="zh-CN" sz="5400" b="0" i="0" kern="1200">
+                <a:solidFill>
+                  <a:srgbClr val="EBEBEB"/>
+                </a:solidFill>
+                <a:latin typeface="+mj-lt"/>
+                <a:ea typeface="+mj-ea"/>
+                <a:cs typeface="+mj-cs"/>
+              </a:rPr>
+              <a:t>2</a:t>
+            </a:r>
+            <a:endParaRPr lang="en-US" sz="5400" b="0" i="0" kern="1200">
+              <a:solidFill>
+                <a:srgbClr val="EBEBEB"/>
+              </a:solidFill>
+              <a:latin typeface="+mj-lt"/>
+              <a:ea typeface="+mj-ea"/>
+              <a:cs typeface="+mj-cs"/>
+            </a:endParaRPr>
+          </a:p>
+        </p:txBody>
+      </p:sp>
+      <p:sp useBgFill="1">
+        <p:nvSpPr>
+          <p:cNvPr id="24" name="Rectangle 23">
+            <a:extLst>
+              <a:ext uri="{FF2B5EF4-FFF2-40B4-BE49-F238E27FC236}">
+                <a16:creationId xmlns:a16="http://schemas.microsoft.com/office/drawing/2014/main" id="{12425D82-CD5E-45A4-9542-70951E59F2D1}"/>
+              </a:ext>
+              <a:ext uri="{C183D7F6-B498-43B3-948B-1728B52AA6E4}">
+                <adec:decorative xmlns:adec="http://schemas.microsoft.com/office/drawing/2017/decorative" val="1"/>
+              </a:ext>
+            </a:extLst>
+          </p:cNvPr>
+          <p:cNvSpPr>
+            <a:spLocks noGrp="1" noRot="1" noChangeAspect="1" noMove="1" noResize="1" noEditPoints="1" noAdjustHandles="1" noChangeArrowheads="1" noChangeShapeType="1" noTextEdit="1"/>
+          </p:cNvSpPr>
+          <p:nvPr>
+            <p:extLst>
+              <p:ext uri="{386F3935-93C4-4BCD-93E2-E3B085C9AB24}">
+                <p16:designElem xmlns:p16="http://schemas.microsoft.com/office/powerpoint/2015/main" val="1"/>
+              </p:ext>
+            </p:extLst>
+          </p:nvPr>
+        </p:nvSpPr>
+        <p:spPr>
+          <a:xfrm>
+            <a:off x="636914" y="639905"/>
+            <a:ext cx="6915664" cy="5578188"/>
+          </a:xfrm>
+          <a:prstGeom prst="rect">
+            <a:avLst/>
+          </a:prstGeom>
+          <a:ln>
+            <a:noFill/>
+          </a:ln>
+        </p:spPr>
+        <p:style>
+          <a:lnRef idx="2">
+            <a:schemeClr val="accent1">
+              <a:shade val="50000"/>
+            </a:schemeClr>
+          </a:lnRef>
+          <a:fillRef idx="1">
+            <a:schemeClr val="accent1"/>
+          </a:fillRef>
+          <a:effectRef idx="0">
+            <a:schemeClr val="accent1"/>
+          </a:effectRef>
+          <a:fontRef idx="minor">
+            <a:schemeClr val="lt1"/>
+          </a:fontRef>
+        </p:style>
+        <p:txBody>
+          <a:bodyPr rtlCol="0" anchor="ctr"/>
+          <a:lstStyle/>
+          <a:p>
+            <a:pPr algn="ctr"/>
+            <a:endParaRPr lang="en-US"/>
+          </a:p>
+        </p:txBody>
+      </p:sp>
+      <p:sp>
+        <p:nvSpPr>
+          <p:cNvPr id="26" name="Rectangle 25">
+            <a:extLst>
+              <a:ext uri="{FF2B5EF4-FFF2-40B4-BE49-F238E27FC236}">
+                <a16:creationId xmlns:a16="http://schemas.microsoft.com/office/drawing/2014/main" id="{221DB897-A621-4D5F-AC81-91199AC4370E}"/>
+              </a:ext>
+              <a:ext uri="{C183D7F6-B498-43B3-948B-1728B52AA6E4}">
+                <adec:decorative xmlns:adec="http://schemas.microsoft.com/office/drawing/2017/decorative" val="1"/>
+              </a:ext>
+            </a:extLst>
+          </p:cNvPr>
+          <p:cNvSpPr>
+            <a:spLocks noGrp="1" noRot="1" noChangeAspect="1" noMove="1" noResize="1" noEditPoints="1" noAdjustHandles="1" noChangeArrowheads="1" noChangeShapeType="1" noTextEdit="1"/>
+          </p:cNvSpPr>
+          <p:nvPr>
+            <p:extLst>
+              <p:ext uri="{386F3935-93C4-4BCD-93E2-E3B085C9AB24}">
+                <p16:designElem xmlns:p16="http://schemas.microsoft.com/office/powerpoint/2015/main" val="1"/>
+              </p:ext>
+            </p:extLst>
+          </p:nvPr>
+        </p:nvSpPr>
+        <p:spPr>
+          <a:xfrm>
+            <a:off x="10437812" y="0"/>
+            <a:ext cx="685800" cy="1143000"/>
+          </a:xfrm>
+          <a:prstGeom prst="rect">
+            <a:avLst/>
+          </a:prstGeom>
+          <a:solidFill>
+            <a:schemeClr val="accent1"/>
+          </a:solidFill>
+          <a:ln>
+            <a:noFill/>
+          </a:ln>
+        </p:spPr>
+        <p:style>
+          <a:lnRef idx="1">
+            <a:schemeClr val="accent1"/>
+          </a:lnRef>
+          <a:fillRef idx="3">
+            <a:schemeClr val="accent1"/>
+          </a:fillRef>
+          <a:effectRef idx="2">
+            <a:schemeClr val="accent1"/>
+          </a:effectRef>
+          <a:fontRef idx="minor">
+            <a:schemeClr val="lt1"/>
+          </a:fontRef>
+        </p:style>
+      </p:sp>
+      <p:pic>
+        <p:nvPicPr>
+          <p:cNvPr id="5" name="Content Placeholder 4" descr="A picture containing night sky&#10;&#10;Description automatically generated">
+            <a:extLst>
+              <a:ext uri="{FF2B5EF4-FFF2-40B4-BE49-F238E27FC236}">
+                <a16:creationId xmlns:a16="http://schemas.microsoft.com/office/drawing/2014/main" id="{42EB628D-A172-4B3C-B086-536C21116B59}"/>
+              </a:ext>
+            </a:extLst>
+          </p:cNvPr>
+          <p:cNvPicPr>
+            <a:picLocks noGrp="1" noChangeAspect="1"/>
+          </p:cNvPicPr>
+          <p:nvPr>
+            <p:ph idx="1"/>
+          </p:nvPr>
+        </p:nvPicPr>
+        <p:blipFill>
+          <a:blip r:embed="rId6">
+            <a:extLst>
+              <a:ext uri="{28A0092B-C50C-407E-A947-70E740481C1C}">
+                <a14:useLocalDpi xmlns:a14="http://schemas.microsoft.com/office/drawing/2010/main" val="0"/>
+              </a:ext>
+            </a:extLst>
+          </a:blip>
+          <a:stretch>
+            <a:fillRect/>
+          </a:stretch>
+        </p:blipFill>
+        <p:spPr>
+          <a:xfrm>
+            <a:off x="955392" y="1188075"/>
+            <a:ext cx="6275584" cy="4487043"/>
+          </a:xfrm>
+          <a:prstGeom prst="rect">
+            <a:avLst/>
+          </a:prstGeom>
+          <a:effectLst/>
+        </p:spPr>
+      </p:pic>
+    </p:spTree>
+    <p:extLst>
+      <p:ext uri="{BB962C8B-B14F-4D97-AF65-F5344CB8AC3E}">
+        <p14:creationId xmlns:p14="http://schemas.microsoft.com/office/powerpoint/2010/main" val="4158647230"/>
+      </p:ext>
+    </p:extLst>
+  </p:cSld>
+  <p:clrMapOvr>
+    <a:overrideClrMapping bg1="lt1" tx1="dk1" bg2="lt2" tx2="dk2" accent1="accent1" accent2="accent2" accent3="accent3" accent4="accent4" accent5="accent5" accent6="accent6" hlink="hlink" folHlink="folHlink"/>
+  </p:clrMapOvr>
+</p:sld>
+</file>
+
+<file path=ppt/slides/slide33.xml><?xml version="1.0" encoding="utf-8"?>
+<p:sld xmlns:a="http://schemas.openxmlformats.org/drawingml/2006/main" xmlns:r="http://schemas.openxmlformats.org/officeDocument/2006/relationships" xmlns:p="http://schemas.openxmlformats.org/presentationml/2006/main">
+  <p:cSld>
+    <p:spTree>
+      <p:nvGrpSpPr>
+        <p:cNvPr id="1" name=""/>
+        <p:cNvGrpSpPr/>
+        <p:nvPr/>
+      </p:nvGrpSpPr>
+      <p:grpSpPr>
+        <a:xfrm>
+          <a:off x="0" y="0"/>
+          <a:ext cx="0" cy="0"/>
+          <a:chOff x="0" y="0"/>
+          <a:chExt cx="0" cy="0"/>
+        </a:xfrm>
+      </p:grpSpPr>
+      <p:sp>
+        <p:nvSpPr>
+          <p:cNvPr id="2" name="Title 1">
+            <a:extLst>
+              <a:ext uri="{FF2B5EF4-FFF2-40B4-BE49-F238E27FC236}">
+                <a16:creationId xmlns:a16="http://schemas.microsoft.com/office/drawing/2014/main" id="{48D9086A-7967-460F-A4FE-5650E27DA348}"/>
+              </a:ext>
+            </a:extLst>
+          </p:cNvPr>
+          <p:cNvSpPr>
+            <a:spLocks noGrp="1"/>
+          </p:cNvSpPr>
+          <p:nvPr>
+            <p:ph type="title"/>
+          </p:nvPr>
+        </p:nvSpPr>
+        <p:spPr/>
+        <p:txBody>
+          <a:bodyPr/>
+          <a:lstStyle/>
+          <a:p>
+            <a:r>
+              <a:rPr lang="zh-CN" altLang="en-US" dirty="0"/>
+              <a:t>转储文件的调试</a:t>
+            </a:r>
+            <a:endParaRPr lang="en-US" dirty="0"/>
+          </a:p>
+        </p:txBody>
+      </p:sp>
+      <p:sp>
+        <p:nvSpPr>
+          <p:cNvPr id="3" name="Content Placeholder 2">
+            <a:extLst>
+              <a:ext uri="{FF2B5EF4-FFF2-40B4-BE49-F238E27FC236}">
+                <a16:creationId xmlns:a16="http://schemas.microsoft.com/office/drawing/2014/main" id="{75F8D862-8232-49AF-A7AC-8D4588FCCA32}"/>
+              </a:ext>
+            </a:extLst>
+          </p:cNvPr>
+          <p:cNvSpPr>
+            <a:spLocks noGrp="1"/>
+          </p:cNvSpPr>
+          <p:nvPr>
+            <p:ph idx="1"/>
+          </p:nvPr>
+        </p:nvSpPr>
+        <p:spPr/>
+        <p:txBody>
+          <a:bodyPr/>
+          <a:lstStyle/>
+          <a:p>
+            <a:r>
+              <a:rPr lang="zh-CN" altLang="en-US" dirty="0"/>
+              <a:t>转储文件的生成</a:t>
+            </a:r>
+            <a:endParaRPr lang="en-US" altLang="zh-CN" dirty="0"/>
+          </a:p>
+          <a:p>
+            <a:pPr lvl="1"/>
+            <a:r>
+              <a:rPr lang="zh-CN" altLang="en-US" dirty="0"/>
+              <a:t>使用 </a:t>
+            </a:r>
+            <a:r>
+              <a:rPr lang="en-US" altLang="zh-CN" dirty="0" err="1"/>
+              <a:t>gcore</a:t>
+            </a:r>
+            <a:r>
+              <a:rPr lang="en-US" altLang="zh-CN" dirty="0"/>
+              <a:t> </a:t>
+            </a:r>
+            <a:r>
+              <a:rPr lang="zh-CN" altLang="en-US" dirty="0"/>
+              <a:t>命令主动生成转储文件</a:t>
+            </a:r>
+            <a:endParaRPr lang="en-US" altLang="zh-CN" dirty="0"/>
+          </a:p>
+          <a:p>
+            <a:pPr lvl="1"/>
+            <a:r>
+              <a:rPr lang="zh-CN" altLang="en-US" dirty="0"/>
+              <a:t>设置配置为崩溃程序生成转储文件</a:t>
+            </a:r>
+            <a:endParaRPr lang="en-US" altLang="zh-CN" dirty="0"/>
+          </a:p>
+          <a:p>
+            <a:r>
+              <a:rPr lang="zh-CN" altLang="en-US" dirty="0"/>
+              <a:t>转储文件的调试</a:t>
+            </a:r>
+            <a:endParaRPr lang="en-US" dirty="0"/>
+          </a:p>
+        </p:txBody>
+      </p:sp>
+    </p:spTree>
+    <p:extLst>
+      <p:ext uri="{BB962C8B-B14F-4D97-AF65-F5344CB8AC3E}">
+        <p14:creationId xmlns:p14="http://schemas.microsoft.com/office/powerpoint/2010/main" val="789925126"/>
+      </p:ext>
+    </p:extLst>
+  </p:cSld>
+  <p:clrMapOvr>
+    <a:masterClrMapping/>
+  </p:clrMapOvr>
+</p:sld>
+</file>
+
+<file path=ppt/slides/slide34.xml><?xml version="1.0" encoding="utf-8"?>
+<p:sld xmlns:a="http://schemas.openxmlformats.org/drawingml/2006/main" xmlns:r="http://schemas.openxmlformats.org/officeDocument/2006/relationships" xmlns:p="http://schemas.openxmlformats.org/presentationml/2006/main">
+  <p:cSld>
+    <p:spTree>
+      <p:nvGrpSpPr>
+        <p:cNvPr id="1" name=""/>
+        <p:cNvGrpSpPr/>
+        <p:nvPr/>
+      </p:nvGrpSpPr>
+      <p:grpSpPr>
+        <a:xfrm>
+          <a:off x="0" y="0"/>
+          <a:ext cx="0" cy="0"/>
+          <a:chOff x="0" y="0"/>
+          <a:chExt cx="0" cy="0"/>
+        </a:xfrm>
+      </p:grpSpPr>
+      <p:sp>
+        <p:nvSpPr>
+          <p:cNvPr id="2" name="Title 1">
+            <a:extLst>
+              <a:ext uri="{FF2B5EF4-FFF2-40B4-BE49-F238E27FC236}">
+                <a16:creationId xmlns:a16="http://schemas.microsoft.com/office/drawing/2014/main" id="{3CA89BCD-637B-4E08-A4AC-2E12740B4B91}"/>
+              </a:ext>
+            </a:extLst>
+          </p:cNvPr>
+          <p:cNvSpPr>
+            <a:spLocks noGrp="1"/>
+          </p:cNvSpPr>
+          <p:nvPr>
+            <p:ph type="title"/>
+          </p:nvPr>
+        </p:nvSpPr>
+        <p:spPr/>
+        <p:txBody>
+          <a:bodyPr/>
+          <a:lstStyle/>
+          <a:p>
+            <a:r>
+              <a:rPr lang="zh-CN" altLang="en-US" dirty="0"/>
+              <a:t>转储文件的调试</a:t>
+            </a:r>
+            <a:br>
+              <a:rPr lang="en-US" dirty="0"/>
+            </a:br>
+            <a:endParaRPr lang="en-US" dirty="0"/>
+          </a:p>
+        </p:txBody>
+      </p:sp>
+      <p:sp>
+        <p:nvSpPr>
+          <p:cNvPr id="3" name="Content Placeholder 2">
+            <a:extLst>
+              <a:ext uri="{FF2B5EF4-FFF2-40B4-BE49-F238E27FC236}">
+                <a16:creationId xmlns:a16="http://schemas.microsoft.com/office/drawing/2014/main" id="{0F1EDA00-381C-4091-A352-A072FAEBDD2F}"/>
+              </a:ext>
+            </a:extLst>
+          </p:cNvPr>
+          <p:cNvSpPr>
+            <a:spLocks noGrp="1"/>
+          </p:cNvSpPr>
+          <p:nvPr>
+            <p:ph idx="1"/>
+          </p:nvPr>
+        </p:nvSpPr>
+        <p:spPr/>
+        <p:txBody>
+          <a:bodyPr/>
+          <a:lstStyle/>
+          <a:p>
+            <a:endParaRPr lang="en-US" dirty="0"/>
+          </a:p>
+        </p:txBody>
+      </p:sp>
+    </p:spTree>
+    <p:extLst>
+      <p:ext uri="{BB962C8B-B14F-4D97-AF65-F5344CB8AC3E}">
+        <p14:creationId xmlns:p14="http://schemas.microsoft.com/office/powerpoint/2010/main" val="3565004166"/>
+      </p:ext>
+    </p:extLst>
+  </p:cSld>
+  <p:clrMapOvr>
+    <a:masterClrMapping/>
   </p:clrMapOvr>
 </p:sld>
 </file>

--- a/ProgramDebug.pptx
+++ b/ProgramDebug.pptx
@@ -5,7 +5,7 @@
     <p:sldMasterId id="2147483660" r:id="rId1"/>
   </p:sldMasterIdLst>
   <p:notesMasterIdLst>
-    <p:notesMasterId r:id="rId36"/>
+    <p:notesMasterId r:id="rId42"/>
   </p:notesMasterIdLst>
   <p:sldIdLst>
     <p:sldId id="256" r:id="rId2"/>
@@ -42,6 +42,12 @@
     <p:sldId id="293" r:id="rId33"/>
     <p:sldId id="294" r:id="rId34"/>
     <p:sldId id="295" r:id="rId35"/>
+    <p:sldId id="296" r:id="rId36"/>
+    <p:sldId id="297" r:id="rId37"/>
+    <p:sldId id="298" r:id="rId38"/>
+    <p:sldId id="299" r:id="rId39"/>
+    <p:sldId id="300" r:id="rId40"/>
+    <p:sldId id="301" r:id="rId41"/>
   </p:sldIdLst>
   <p:sldSz cx="12192000" cy="6858000"/>
   <p:notesSz cx="6858000" cy="9144000"/>
@@ -199,6 +205,24 @@
           <p14:sldIdLst>
             <p14:sldId id="294"/>
             <p14:sldId id="295"/>
+            <p14:sldId id="296"/>
+            <p14:sldId id="297"/>
+            <p14:sldId id="298"/>
+          </p14:sldIdLst>
+        </p14:section>
+        <p14:section name="内存相关的调试" id="{E6526B82-BA19-4FDC-9435-529E255F91BA}">
+          <p14:sldIdLst>
+            <p14:sldId id="299"/>
+          </p14:sldIdLst>
+        </p14:section>
+        <p14:section name="release版本程序的调试" id="{004DB7AB-4630-463A-9CD6-99B515406291}">
+          <p14:sldIdLst>
+            <p14:sldId id="300"/>
+          </p14:sldIdLst>
+        </p14:section>
+        <p14:section name="End" id="{47EB4892-8453-487A-9BF6-FCDE6557AD0E}">
+          <p14:sldIdLst>
+            <p14:sldId id="301"/>
           </p14:sldIdLst>
         </p14:section>
       </p14:sectionLst>
@@ -9228,7 +9252,7 @@
           <a:p>
             <a:fld id="{DAFB8C4B-6E57-4DEA-AB0A-14F0AE31B47A}" type="datetimeFigureOut">
               <a:rPr lang="en-US" smtClean="0"/>
-              <a:t>3/23/2023</a:t>
+              <a:t>3/24/2023</a:t>
             </a:fld>
             <a:endParaRPr lang="en-US"/>
           </a:p>
@@ -9679,6 +9703,105 @@
 </p:notes>
 </file>
 
+<file path=ppt/notesSlides/notesSlide11.xml><?xml version="1.0" encoding="utf-8"?>
+<p:notes xmlns:a="http://schemas.openxmlformats.org/drawingml/2006/main" xmlns:r="http://schemas.openxmlformats.org/officeDocument/2006/relationships" xmlns:p="http://schemas.openxmlformats.org/presentationml/2006/main">
+  <p:cSld>
+    <p:spTree>
+      <p:nvGrpSpPr>
+        <p:cNvPr id="1" name=""/>
+        <p:cNvGrpSpPr/>
+        <p:nvPr/>
+      </p:nvGrpSpPr>
+      <p:grpSpPr>
+        <a:xfrm>
+          <a:off x="0" y="0"/>
+          <a:ext cx="0" cy="0"/>
+          <a:chOff x="0" y="0"/>
+          <a:chExt cx="0" cy="0"/>
+        </a:xfrm>
+      </p:grpSpPr>
+      <p:sp>
+        <p:nvSpPr>
+          <p:cNvPr id="2" name="Slide Image Placeholder 1"/>
+          <p:cNvSpPr>
+            <a:spLocks noGrp="1" noRot="1" noChangeAspect="1"/>
+          </p:cNvSpPr>
+          <p:nvPr>
+            <p:ph type="sldImg"/>
+          </p:nvPr>
+        </p:nvSpPr>
+        <p:spPr/>
+      </p:sp>
+      <p:sp>
+        <p:nvSpPr>
+          <p:cNvPr id="3" name="Notes Placeholder 2"/>
+          <p:cNvSpPr>
+            <a:spLocks noGrp="1"/>
+          </p:cNvSpPr>
+          <p:nvPr>
+            <p:ph type="body" idx="1"/>
+          </p:nvPr>
+        </p:nvSpPr>
+        <p:spPr/>
+        <p:txBody>
+          <a:bodyPr/>
+          <a:lstStyle/>
+          <a:p>
+            <a:r>
+              <a:rPr lang="zh-CN" altLang="en-US" dirty="0"/>
+              <a:t>源码位于 </a:t>
+            </a:r>
+            <a:r>
+              <a:rPr lang="en-US" dirty="0"/>
+              <a:t>code\</a:t>
+            </a:r>
+            <a:r>
+              <a:rPr lang="en-US" dirty="0" err="1"/>
+              <a:t>Traning</a:t>
+            </a:r>
+            <a:r>
+              <a:rPr lang="en-US" dirty="0"/>
+              <a:t>\memory\globalMemoryLeak.cpp</a:t>
+            </a:r>
+          </a:p>
+        </p:txBody>
+      </p:sp>
+      <p:sp>
+        <p:nvSpPr>
+          <p:cNvPr id="4" name="Slide Number Placeholder 3"/>
+          <p:cNvSpPr>
+            <a:spLocks noGrp="1"/>
+          </p:cNvSpPr>
+          <p:nvPr>
+            <p:ph type="sldNum" sz="quarter" idx="5"/>
+          </p:nvPr>
+        </p:nvSpPr>
+        <p:spPr/>
+        <p:txBody>
+          <a:bodyPr/>
+          <a:lstStyle/>
+          <a:p>
+            <a:fld id="{F986C81F-36CA-4360-AC9F-C00DD2329B9F}" type="slidenum">
+              <a:rPr lang="en-US" smtClean="0"/>
+              <a:t>38</a:t>
+            </a:fld>
+            <a:endParaRPr lang="en-US"/>
+          </a:p>
+        </p:txBody>
+      </p:sp>
+    </p:spTree>
+    <p:extLst>
+      <p:ext uri="{BB962C8B-B14F-4D97-AF65-F5344CB8AC3E}">
+        <p14:creationId xmlns:p14="http://schemas.microsoft.com/office/powerpoint/2010/main" val="1069463529"/>
+      </p:ext>
+    </p:extLst>
+  </p:cSld>
+  <p:clrMapOvr>
+    <a:masterClrMapping/>
+  </p:clrMapOvr>
+</p:notes>
+</file>
+
 <file path=ppt/notesSlides/notesSlide2.xml><?xml version="1.0" encoding="utf-8"?>
 <p:notes xmlns:a="http://schemas.openxmlformats.org/drawingml/2006/main" xmlns:r="http://schemas.openxmlformats.org/officeDocument/2006/relationships" xmlns:p="http://schemas.openxmlformats.org/presentationml/2006/main">
   <p:cSld>
@@ -10585,7 +10708,7 @@
           <a:p>
             <a:fld id="{3B41B58A-62D8-46A8-9E3B-A7A6BA48D6F2}" type="datetimeFigureOut">
               <a:rPr lang="en-US" smtClean="0"/>
-              <a:t>3/23/2023</a:t>
+              <a:t>3/24/2023</a:t>
             </a:fld>
             <a:endParaRPr lang="en-US"/>
           </a:p>
@@ -10860,7 +10983,7 @@
           <a:p>
             <a:fld id="{3B41B58A-62D8-46A8-9E3B-A7A6BA48D6F2}" type="datetimeFigureOut">
               <a:rPr lang="en-US" smtClean="0"/>
-              <a:t>3/23/2023</a:t>
+              <a:t>3/24/2023</a:t>
             </a:fld>
             <a:endParaRPr lang="en-US"/>
           </a:p>
@@ -11054,7 +11177,7 @@
           <a:p>
             <a:fld id="{3B41B58A-62D8-46A8-9E3B-A7A6BA48D6F2}" type="datetimeFigureOut">
               <a:rPr lang="en-US" smtClean="0"/>
-              <a:t>3/23/2023</a:t>
+              <a:t>3/24/2023</a:t>
             </a:fld>
             <a:endParaRPr lang="en-US"/>
           </a:p>
@@ -11327,7 +11450,7 @@
           <a:p>
             <a:fld id="{3B41B58A-62D8-46A8-9E3B-A7A6BA48D6F2}" type="datetimeFigureOut">
               <a:rPr lang="en-US" smtClean="0"/>
-              <a:t>3/23/2023</a:t>
+              <a:t>3/24/2023</a:t>
             </a:fld>
             <a:endParaRPr lang="en-US"/>
           </a:p>
@@ -11668,7 +11791,7 @@
           <a:p>
             <a:fld id="{3B41B58A-62D8-46A8-9E3B-A7A6BA48D6F2}" type="datetimeFigureOut">
               <a:rPr lang="en-US" smtClean="0"/>
-              <a:t>3/23/2023</a:t>
+              <a:t>3/24/2023</a:t>
             </a:fld>
             <a:endParaRPr lang="en-US"/>
           </a:p>
@@ -12291,7 +12414,7 @@
           <a:p>
             <a:fld id="{3B41B58A-62D8-46A8-9E3B-A7A6BA48D6F2}" type="datetimeFigureOut">
               <a:rPr lang="en-US" smtClean="0"/>
-              <a:t>3/23/2023</a:t>
+              <a:t>3/24/2023</a:t>
             </a:fld>
             <a:endParaRPr lang="en-US"/>
           </a:p>
@@ -13151,7 +13274,7 @@
           <a:p>
             <a:fld id="{3B41B58A-62D8-46A8-9E3B-A7A6BA48D6F2}" type="datetimeFigureOut">
               <a:rPr lang="en-US" smtClean="0"/>
-              <a:t>3/23/2023</a:t>
+              <a:t>3/24/2023</a:t>
             </a:fld>
             <a:endParaRPr lang="en-US"/>
           </a:p>
@@ -13321,7 +13444,7 @@
           <a:p>
             <a:fld id="{3B41B58A-62D8-46A8-9E3B-A7A6BA48D6F2}" type="datetimeFigureOut">
               <a:rPr lang="en-US" smtClean="0"/>
-              <a:t>3/23/2023</a:t>
+              <a:t>3/24/2023</a:t>
             </a:fld>
             <a:endParaRPr lang="en-US"/>
           </a:p>
@@ -13501,7 +13624,7 @@
           <a:p>
             <a:fld id="{3B41B58A-62D8-46A8-9E3B-A7A6BA48D6F2}" type="datetimeFigureOut">
               <a:rPr lang="en-US" smtClean="0"/>
-              <a:t>3/23/2023</a:t>
+              <a:t>3/24/2023</a:t>
             </a:fld>
             <a:endParaRPr lang="en-US"/>
           </a:p>
@@ -13671,7 +13794,7 @@
           <a:p>
             <a:fld id="{3B41B58A-62D8-46A8-9E3B-A7A6BA48D6F2}" type="datetimeFigureOut">
               <a:rPr lang="en-US" smtClean="0"/>
-              <a:t>3/23/2023</a:t>
+              <a:t>3/24/2023</a:t>
             </a:fld>
             <a:endParaRPr lang="en-US"/>
           </a:p>
@@ -13918,7 +14041,7 @@
           <a:p>
             <a:fld id="{3B41B58A-62D8-46A8-9E3B-A7A6BA48D6F2}" type="datetimeFigureOut">
               <a:rPr lang="en-US" smtClean="0"/>
-              <a:t>3/23/2023</a:t>
+              <a:t>3/24/2023</a:t>
             </a:fld>
             <a:endParaRPr lang="en-US"/>
           </a:p>
@@ -14210,7 +14333,7 @@
           <a:p>
             <a:fld id="{3B41B58A-62D8-46A8-9E3B-A7A6BA48D6F2}" type="datetimeFigureOut">
               <a:rPr lang="en-US" smtClean="0"/>
-              <a:t>3/23/2023</a:t>
+              <a:t>3/24/2023</a:t>
             </a:fld>
             <a:endParaRPr lang="en-US"/>
           </a:p>
@@ -14654,7 +14777,7 @@
           <a:p>
             <a:fld id="{3B41B58A-62D8-46A8-9E3B-A7A6BA48D6F2}" type="datetimeFigureOut">
               <a:rPr lang="en-US" smtClean="0"/>
-              <a:t>3/23/2023</a:t>
+              <a:t>3/24/2023</a:t>
             </a:fld>
             <a:endParaRPr lang="en-US"/>
           </a:p>
@@ -14772,7 +14895,7 @@
           <a:p>
             <a:fld id="{3B41B58A-62D8-46A8-9E3B-A7A6BA48D6F2}" type="datetimeFigureOut">
               <a:rPr lang="en-US" smtClean="0"/>
-              <a:t>3/23/2023</a:t>
+              <a:t>3/24/2023</a:t>
             </a:fld>
             <a:endParaRPr lang="en-US"/>
           </a:p>
@@ -14867,7 +14990,7 @@
           <a:p>
             <a:fld id="{3B41B58A-62D8-46A8-9E3B-A7A6BA48D6F2}" type="datetimeFigureOut">
               <a:rPr lang="en-US" smtClean="0"/>
-              <a:t>3/23/2023</a:t>
+              <a:t>3/24/2023</a:t>
             </a:fld>
             <a:endParaRPr lang="en-US"/>
           </a:p>
@@ -15146,7 +15269,7 @@
           <a:p>
             <a:fld id="{3B41B58A-62D8-46A8-9E3B-A7A6BA48D6F2}" type="datetimeFigureOut">
               <a:rPr lang="en-US" smtClean="0"/>
-              <a:t>3/23/2023</a:t>
+              <a:t>3/24/2023</a:t>
             </a:fld>
             <a:endParaRPr lang="en-US"/>
           </a:p>
@@ -15421,7 +15544,7 @@
           <a:p>
             <a:fld id="{3B41B58A-62D8-46A8-9E3B-A7A6BA48D6F2}" type="datetimeFigureOut">
               <a:rPr lang="en-US" smtClean="0"/>
-              <a:t>3/23/2023</a:t>
+              <a:t>3/24/2023</a:t>
             </a:fld>
             <a:endParaRPr lang="en-US"/>
           </a:p>
@@ -15850,7 +15973,7 @@
           <a:p>
             <a:fld id="{3B41B58A-62D8-46A8-9E3B-A7A6BA48D6F2}" type="datetimeFigureOut">
               <a:rPr lang="en-US" smtClean="0"/>
-              <a:t>3/23/2023</a:t>
+              <a:t>3/24/2023</a:t>
             </a:fld>
             <a:endParaRPr lang="en-US"/>
           </a:p>
@@ -26921,7 +27044,7 @@
           <a:p>
             <a:r>
               <a:rPr lang="zh-CN" altLang="en-US" dirty="0"/>
-              <a:t>转储文件的生成</a:t>
+              <a:t>调试正常运行的程序</a:t>
             </a:r>
             <a:endParaRPr lang="en-US" altLang="zh-CN" dirty="0"/>
           </a:p>
@@ -26929,19 +27052,15 @@
             <a:pPr lvl="1"/>
             <a:r>
               <a:rPr lang="zh-CN" altLang="en-US" dirty="0"/>
-              <a:t>使用 </a:t>
-            </a:r>
-            <a:r>
-              <a:rPr lang="en-US" altLang="zh-CN" dirty="0" err="1"/>
-              <a:t>gcore</a:t>
+              <a:t>生成 </a:t>
             </a:r>
             <a:r>
               <a:rPr lang="en-US" altLang="zh-CN" dirty="0"/>
-              <a:t> </a:t>
+              <a:t>core </a:t>
             </a:r>
             <a:r>
               <a:rPr lang="zh-CN" altLang="en-US" dirty="0"/>
-              <a:t>命令主动生成转储文件</a:t>
+              <a:t>文件</a:t>
             </a:r>
             <a:endParaRPr lang="en-US" altLang="zh-CN" dirty="0"/>
           </a:p>
@@ -26949,14 +27068,54 @@
             <a:pPr lvl="1"/>
             <a:r>
               <a:rPr lang="zh-CN" altLang="en-US" dirty="0"/>
-              <a:t>设置配置为崩溃程序生成转储文件</a:t>
+              <a:t>调试 </a:t>
+            </a:r>
+            <a:r>
+              <a:rPr lang="en-US" altLang="zh-CN" dirty="0"/>
+              <a:t>core </a:t>
+            </a:r>
+            <a:r>
+              <a:rPr lang="zh-CN" altLang="en-US" dirty="0"/>
+              <a:t>文件</a:t>
             </a:r>
             <a:endParaRPr lang="en-US" altLang="zh-CN" dirty="0"/>
           </a:p>
           <a:p>
             <a:r>
               <a:rPr lang="zh-CN" altLang="en-US" dirty="0"/>
-              <a:t>转储文件的调试</a:t>
+              <a:t>调试崩溃的程序</a:t>
+            </a:r>
+            <a:endParaRPr lang="en-US" altLang="zh-CN" dirty="0"/>
+          </a:p>
+          <a:p>
+            <a:pPr lvl="1"/>
+            <a:r>
+              <a:rPr lang="zh-CN" altLang="en-US" dirty="0"/>
+              <a:t>生成 </a:t>
+            </a:r>
+            <a:r>
+              <a:rPr lang="en-US" altLang="zh-CN" dirty="0"/>
+              <a:t>core </a:t>
+            </a:r>
+            <a:r>
+              <a:rPr lang="zh-CN" altLang="en-US" dirty="0"/>
+              <a:t>文件</a:t>
+            </a:r>
+            <a:endParaRPr lang="en-US" altLang="zh-CN" dirty="0"/>
+          </a:p>
+          <a:p>
+            <a:pPr lvl="1"/>
+            <a:r>
+              <a:rPr lang="zh-CN" altLang="en-US" dirty="0"/>
+              <a:t>调试 </a:t>
+            </a:r>
+            <a:r>
+              <a:rPr lang="en-US" altLang="zh-CN" dirty="0"/>
+              <a:t>core </a:t>
+            </a:r>
+            <a:r>
+              <a:rPr lang="zh-CN" altLang="en-US" dirty="0"/>
+              <a:t>文件</a:t>
             </a:r>
             <a:endParaRPr lang="en-US" dirty="0"/>
           </a:p>
@@ -26976,6 +27135,1053 @@
 </file>
 
 <file path=ppt/slides/slide34.xml><?xml version="1.0" encoding="utf-8"?>
+<p:sld xmlns:a="http://schemas.openxmlformats.org/drawingml/2006/main" xmlns:r="http://schemas.openxmlformats.org/officeDocument/2006/relationships" xmlns:p="http://schemas.openxmlformats.org/presentationml/2006/main">
+  <p:cSld>
+    <p:bg>
+      <p:bgPr>
+        <a:solidFill>
+          <a:schemeClr val="bg1"/>
+        </a:solidFill>
+        <a:effectLst/>
+      </p:bgPr>
+    </p:bg>
+    <p:spTree>
+      <p:nvGrpSpPr>
+        <p:cNvPr id="1" name=""/>
+        <p:cNvGrpSpPr/>
+        <p:nvPr/>
+      </p:nvGrpSpPr>
+      <p:grpSpPr>
+        <a:xfrm>
+          <a:off x="0" y="0"/>
+          <a:ext cx="0" cy="0"/>
+          <a:chOff x="0" y="0"/>
+          <a:chExt cx="0" cy="0"/>
+        </a:xfrm>
+      </p:grpSpPr>
+      <p:sp>
+        <p:nvSpPr>
+          <p:cNvPr id="14" name="Rectangle 13">
+            <a:extLst>
+              <a:ext uri="{FF2B5EF4-FFF2-40B4-BE49-F238E27FC236}">
+                <a16:creationId xmlns:a16="http://schemas.microsoft.com/office/drawing/2014/main" id="{49076D5E-68ED-4CD1-A04F-E7934EBFAAD9}"/>
+              </a:ext>
+              <a:ext uri="{C183D7F6-B498-43B3-948B-1728B52AA6E4}">
+                <adec:decorative xmlns:adec="http://schemas.microsoft.com/office/drawing/2017/decorative" val="1"/>
+              </a:ext>
+            </a:extLst>
+          </p:cNvPr>
+          <p:cNvSpPr>
+            <a:spLocks noGrp="1" noRot="1" noChangeAspect="1" noMove="1" noResize="1" noEditPoints="1" noAdjustHandles="1" noChangeArrowheads="1" noChangeShapeType="1" noTextEdit="1"/>
+          </p:cNvSpPr>
+          <p:nvPr>
+            <p:extLst>
+              <p:ext uri="{386F3935-93C4-4BCD-93E2-E3B085C9AB24}">
+                <p16:designElem xmlns:p16="http://schemas.microsoft.com/office/powerpoint/2015/main" val="1"/>
+              </p:ext>
+            </p:extLst>
+          </p:nvPr>
+        </p:nvSpPr>
+        <p:spPr>
+          <a:xfrm>
+            <a:off x="0" y="0"/>
+            <a:ext cx="12192000" cy="6858000"/>
+          </a:xfrm>
+          <a:prstGeom prst="rect">
+            <a:avLst/>
+          </a:prstGeom>
+          <a:ln>
+            <a:noFill/>
+          </a:ln>
+        </p:spPr>
+        <p:style>
+          <a:lnRef idx="2">
+            <a:schemeClr val="accent1">
+              <a:shade val="50000"/>
+            </a:schemeClr>
+          </a:lnRef>
+          <a:fillRef idx="1003">
+            <a:schemeClr val="dk2"/>
+          </a:fillRef>
+          <a:effectRef idx="0">
+            <a:schemeClr val="accent1"/>
+          </a:effectRef>
+          <a:fontRef idx="minor">
+            <a:schemeClr val="lt1"/>
+          </a:fontRef>
+        </p:style>
+        <p:txBody>
+          <a:bodyPr rtlCol="0" anchor="ctr"/>
+          <a:lstStyle/>
+          <a:p>
+            <a:pPr algn="ctr"/>
+            <a:endParaRPr lang="en-US"/>
+          </a:p>
+        </p:txBody>
+      </p:sp>
+      <p:sp>
+        <p:nvSpPr>
+          <p:cNvPr id="2" name="Title 1">
+            <a:extLst>
+              <a:ext uri="{FF2B5EF4-FFF2-40B4-BE49-F238E27FC236}">
+                <a16:creationId xmlns:a16="http://schemas.microsoft.com/office/drawing/2014/main" id="{3CA89BCD-637B-4E08-A4AC-2E12740B4B91}"/>
+              </a:ext>
+            </a:extLst>
+          </p:cNvPr>
+          <p:cNvSpPr>
+            <a:spLocks noGrp="1"/>
+          </p:cNvSpPr>
+          <p:nvPr>
+            <p:ph type="title"/>
+          </p:nvPr>
+        </p:nvSpPr>
+        <p:spPr>
+          <a:xfrm>
+            <a:off x="648929" y="629266"/>
+            <a:ext cx="3505495" cy="1622321"/>
+          </a:xfrm>
+        </p:spPr>
+        <p:txBody>
+          <a:bodyPr>
+            <a:normAutofit/>
+          </a:bodyPr>
+          <a:lstStyle/>
+          <a:p>
+            <a:pPr>
+              <a:lnSpc>
+                <a:spcPct val="90000"/>
+              </a:lnSpc>
+            </a:pPr>
+            <a:r>
+              <a:rPr lang="zh-CN" altLang="en-US" sz="3600">
+                <a:solidFill>
+                  <a:srgbClr val="EBEBEB"/>
+                </a:solidFill>
+              </a:rPr>
+              <a:t>正常运行程序的调试</a:t>
+            </a:r>
+            <a:br>
+              <a:rPr lang="en-US" sz="3600">
+                <a:solidFill>
+                  <a:srgbClr val="EBEBEB"/>
+                </a:solidFill>
+              </a:rPr>
+            </a:br>
+            <a:endParaRPr lang="en-US" sz="3600">
+              <a:solidFill>
+                <a:srgbClr val="EBEBEB"/>
+              </a:solidFill>
+            </a:endParaRPr>
+          </a:p>
+        </p:txBody>
+      </p:sp>
+      <p:sp>
+        <p:nvSpPr>
+          <p:cNvPr id="16" name="Rectangle 15">
+            <a:extLst>
+              <a:ext uri="{FF2B5EF4-FFF2-40B4-BE49-F238E27FC236}">
+                <a16:creationId xmlns:a16="http://schemas.microsoft.com/office/drawing/2014/main" id="{21BE0A6B-EBF8-4301-B1AE-F6A1C4003E2A}"/>
+              </a:ext>
+              <a:ext uri="{C183D7F6-B498-43B3-948B-1728B52AA6E4}">
+                <adec:decorative xmlns:adec="http://schemas.microsoft.com/office/drawing/2017/decorative" val="1"/>
+              </a:ext>
+            </a:extLst>
+          </p:cNvPr>
+          <p:cNvSpPr>
+            <a:spLocks noGrp="1" noRot="1" noChangeAspect="1" noMove="1" noResize="1" noEditPoints="1" noAdjustHandles="1" noChangeArrowheads="1" noChangeShapeType="1" noTextEdit="1"/>
+          </p:cNvSpPr>
+          <p:nvPr>
+            <p:extLst>
+              <p:ext uri="{386F3935-93C4-4BCD-93E2-E3B085C9AB24}">
+                <p16:designElem xmlns:p16="http://schemas.microsoft.com/office/powerpoint/2015/main" val="1"/>
+              </p:ext>
+            </p:extLst>
+          </p:nvPr>
+        </p:nvSpPr>
+        <p:spPr>
+          <a:xfrm>
+            <a:off x="4639056" y="0"/>
+            <a:ext cx="7552944" cy="6858000"/>
+          </a:xfrm>
+          <a:prstGeom prst="rect">
+            <a:avLst/>
+          </a:prstGeom>
+          <a:solidFill>
+            <a:srgbClr val="FFFFFF"/>
+          </a:solidFill>
+          <a:ln>
+            <a:noFill/>
+          </a:ln>
+        </p:spPr>
+        <p:style>
+          <a:lnRef idx="2">
+            <a:schemeClr val="accent1">
+              <a:shade val="50000"/>
+            </a:schemeClr>
+          </a:lnRef>
+          <a:fillRef idx="1">
+            <a:schemeClr val="accent1"/>
+          </a:fillRef>
+          <a:effectRef idx="0">
+            <a:schemeClr val="accent1"/>
+          </a:effectRef>
+          <a:fontRef idx="minor">
+            <a:schemeClr val="lt1"/>
+          </a:fontRef>
+        </p:style>
+        <p:txBody>
+          <a:bodyPr rtlCol="0" anchor="ctr"/>
+          <a:lstStyle/>
+          <a:p>
+            <a:pPr algn="ctr"/>
+            <a:endParaRPr lang="en-US"/>
+          </a:p>
+        </p:txBody>
+      </p:sp>
+      <p:sp useBgFill="1">
+        <p:nvSpPr>
+          <p:cNvPr id="18" name="Rounded Rectangle 9">
+            <a:extLst>
+              <a:ext uri="{FF2B5EF4-FFF2-40B4-BE49-F238E27FC236}">
+                <a16:creationId xmlns:a16="http://schemas.microsoft.com/office/drawing/2014/main" id="{03C06118-B3FE-4B51-80A1-B82C2E9FF970}"/>
+              </a:ext>
+              <a:ext uri="{C183D7F6-B498-43B3-948B-1728B52AA6E4}">
+                <adec:decorative xmlns:adec="http://schemas.microsoft.com/office/drawing/2017/decorative" val="1"/>
+              </a:ext>
+            </a:extLst>
+          </p:cNvPr>
+          <p:cNvSpPr>
+            <a:spLocks noGrp="1" noRot="1" noChangeAspect="1" noMove="1" noResize="1" noEditPoints="1" noAdjustHandles="1" noChangeArrowheads="1" noChangeShapeType="1" noTextEdit="1"/>
+          </p:cNvSpPr>
+          <p:nvPr>
+            <p:extLst>
+              <p:ext uri="{386F3935-93C4-4BCD-93E2-E3B085C9AB24}">
+                <p16:designElem xmlns:p16="http://schemas.microsoft.com/office/powerpoint/2015/main" val="1"/>
+              </p:ext>
+            </p:extLst>
+          </p:nvPr>
+        </p:nvSpPr>
+        <p:spPr>
+          <a:xfrm>
+            <a:off x="5123688" y="484632"/>
+            <a:ext cx="6584098" cy="5739187"/>
+          </a:xfrm>
+          <a:prstGeom prst="roundRect">
+            <a:avLst>
+              <a:gd name="adj" fmla="val 0"/>
+            </a:avLst>
+          </a:prstGeom>
+          <a:ln w="12700">
+            <a:solidFill>
+              <a:schemeClr val="bg2"/>
+            </a:solidFill>
+          </a:ln>
+          <a:effectLst>
+            <a:outerShdw blurRad="50800" dist="50800" dir="5400000" algn="tl" rotWithShape="0">
+              <a:srgbClr val="000000">
+                <a:alpha val="43000"/>
+              </a:srgbClr>
+            </a:outerShdw>
+          </a:effectLst>
+        </p:spPr>
+        <p:style>
+          <a:lnRef idx="2">
+            <a:schemeClr val="accent1">
+              <a:shade val="50000"/>
+            </a:schemeClr>
+          </a:lnRef>
+          <a:fillRef idx="1">
+            <a:schemeClr val="accent1"/>
+          </a:fillRef>
+          <a:effectRef idx="0">
+            <a:schemeClr val="accent1"/>
+          </a:effectRef>
+          <a:fontRef idx="minor">
+            <a:schemeClr val="lt1"/>
+          </a:fontRef>
+        </p:style>
+        <p:txBody>
+          <a:bodyPr rtlCol="0" anchor="ctr"/>
+          <a:lstStyle/>
+          <a:p>
+            <a:pPr algn="ctr"/>
+            <a:endParaRPr lang="en-US"/>
+          </a:p>
+        </p:txBody>
+      </p:sp>
+      <p:pic>
+        <p:nvPicPr>
+          <p:cNvPr id="9" name="Content Placeholder 8" descr="A picture containing night sky&#10;&#10;Description automatically generated">
+            <a:extLst>
+              <a:ext uri="{FF2B5EF4-FFF2-40B4-BE49-F238E27FC236}">
+                <a16:creationId xmlns:a16="http://schemas.microsoft.com/office/drawing/2014/main" id="{AF589281-23A6-47E7-B606-B23AA0485E76}"/>
+              </a:ext>
+            </a:extLst>
+          </p:cNvPr>
+          <p:cNvPicPr>
+            <a:picLocks noGrp="1" noChangeAspect="1"/>
+          </p:cNvPicPr>
+          <p:nvPr>
+            <p:ph idx="1"/>
+          </p:nvPr>
+        </p:nvPicPr>
+        <p:blipFill>
+          <a:blip r:embed="rId2">
+            <a:extLst>
+              <a:ext uri="{28A0092B-C50C-407E-A947-70E740481C1C}">
+                <a14:useLocalDpi xmlns:a14="http://schemas.microsoft.com/office/drawing/2010/main" val="0"/>
+              </a:ext>
+            </a:extLst>
+          </a:blip>
+          <a:stretch>
+            <a:fillRect/>
+          </a:stretch>
+        </p:blipFill>
+        <p:spPr>
+          <a:xfrm>
+            <a:off x="5608319" y="1583718"/>
+            <a:ext cx="5614835" cy="3537345"/>
+          </a:xfrm>
+          <a:prstGeom prst="rect">
+            <a:avLst/>
+          </a:prstGeom>
+          <a:effectLst/>
+        </p:spPr>
+      </p:pic>
+      <p:sp>
+        <p:nvSpPr>
+          <p:cNvPr id="20" name="Rectangle 19">
+            <a:extLst>
+              <a:ext uri="{FF2B5EF4-FFF2-40B4-BE49-F238E27FC236}">
+                <a16:creationId xmlns:a16="http://schemas.microsoft.com/office/drawing/2014/main" id="{172BE3F8-96D6-4535-9AE4-694DC4F5B13F}"/>
+              </a:ext>
+              <a:ext uri="{C183D7F6-B498-43B3-948B-1728B52AA6E4}">
+                <adec:decorative xmlns:adec="http://schemas.microsoft.com/office/drawing/2017/decorative" val="1"/>
+              </a:ext>
+            </a:extLst>
+          </p:cNvPr>
+          <p:cNvSpPr>
+            <a:spLocks noGrp="1" noRot="1" noChangeAspect="1" noMove="1" noResize="1" noEditPoints="1" noAdjustHandles="1" noChangeArrowheads="1" noChangeShapeType="1" noTextEdit="1"/>
+          </p:cNvSpPr>
+          <p:nvPr>
+            <p:extLst>
+              <p:ext uri="{386F3935-93C4-4BCD-93E2-E3B085C9AB24}">
+                <p16:designElem xmlns:p16="http://schemas.microsoft.com/office/powerpoint/2015/main" val="1"/>
+              </p:ext>
+            </p:extLst>
+          </p:nvPr>
+        </p:nvSpPr>
+        <p:spPr>
+          <a:xfrm>
+            <a:off x="10442448" y="0"/>
+            <a:ext cx="685800" cy="1143000"/>
+          </a:xfrm>
+          <a:prstGeom prst="rect">
+            <a:avLst/>
+          </a:prstGeom>
+          <a:solidFill>
+            <a:schemeClr val="accent1"/>
+          </a:solidFill>
+          <a:ln>
+            <a:noFill/>
+          </a:ln>
+        </p:spPr>
+        <p:style>
+          <a:lnRef idx="1">
+            <a:schemeClr val="accent1"/>
+          </a:lnRef>
+          <a:fillRef idx="3">
+            <a:schemeClr val="accent1"/>
+          </a:fillRef>
+          <a:effectRef idx="2">
+            <a:schemeClr val="accent1"/>
+          </a:effectRef>
+          <a:fontRef idx="minor">
+            <a:schemeClr val="lt1"/>
+          </a:fontRef>
+        </p:style>
+      </p:sp>
+      <p:sp>
+        <p:nvSpPr>
+          <p:cNvPr id="4" name="Text Placeholder 3">
+            <a:extLst>
+              <a:ext uri="{FF2B5EF4-FFF2-40B4-BE49-F238E27FC236}">
+                <a16:creationId xmlns:a16="http://schemas.microsoft.com/office/drawing/2014/main" id="{FA672E6F-DFEE-4B18-8A92-5136F20B1F9C}"/>
+              </a:ext>
+            </a:extLst>
+          </p:cNvPr>
+          <p:cNvSpPr>
+            <a:spLocks noGrp="1"/>
+          </p:cNvSpPr>
+          <p:nvPr>
+            <p:ph type="body" idx="4294967295"/>
+          </p:nvPr>
+        </p:nvSpPr>
+        <p:spPr>
+          <a:xfrm>
+            <a:off x="648931" y="2438400"/>
+            <a:ext cx="3505494" cy="3785419"/>
+          </a:xfrm>
+        </p:spPr>
+        <p:txBody>
+          <a:bodyPr>
+            <a:normAutofit/>
+          </a:bodyPr>
+          <a:lstStyle/>
+          <a:p>
+            <a:r>
+              <a:rPr lang="zh-CN" altLang="en-US" dirty="0">
+                <a:solidFill>
+                  <a:srgbClr val="FFFFFF"/>
+                </a:solidFill>
+              </a:rPr>
+              <a:t>生成</a:t>
+            </a:r>
+            <a:r>
+              <a:rPr lang="en-US" altLang="zh-CN" dirty="0">
+                <a:solidFill>
+                  <a:srgbClr val="FFFFFF"/>
+                </a:solidFill>
+              </a:rPr>
+              <a:t>core</a:t>
+            </a:r>
+            <a:r>
+              <a:rPr lang="zh-CN" altLang="en-US" dirty="0">
+                <a:solidFill>
+                  <a:srgbClr val="FFFFFF"/>
+                </a:solidFill>
+              </a:rPr>
+              <a:t>文件</a:t>
+            </a:r>
+            <a:endParaRPr lang="en-US" altLang="zh-CN" dirty="0">
+              <a:solidFill>
+                <a:srgbClr val="FFFFFF"/>
+              </a:solidFill>
+            </a:endParaRPr>
+          </a:p>
+          <a:p>
+            <a:pPr marL="800100" lvl="1" indent="-342900">
+              <a:buFont typeface="+mj-lt"/>
+              <a:buAutoNum type="arabicPeriod"/>
+            </a:pPr>
+            <a:r>
+              <a:rPr lang="zh-CN" altLang="en-US" dirty="0">
+                <a:solidFill>
+                  <a:srgbClr val="FFFFFF"/>
+                </a:solidFill>
+              </a:rPr>
+              <a:t>启动</a:t>
+            </a:r>
+            <a:r>
+              <a:rPr lang="en-US" altLang="zh-CN" dirty="0" err="1">
+                <a:solidFill>
+                  <a:srgbClr val="FFFFFF"/>
+                </a:solidFill>
+              </a:rPr>
+              <a:t>gdb</a:t>
+            </a:r>
+            <a:endParaRPr lang="en-US" altLang="zh-CN" dirty="0">
+              <a:solidFill>
+                <a:srgbClr val="FFFFFF"/>
+              </a:solidFill>
+            </a:endParaRPr>
+          </a:p>
+          <a:p>
+            <a:pPr marL="800100" lvl="1" indent="-342900">
+              <a:buFont typeface="+mj-lt"/>
+              <a:buAutoNum type="arabicPeriod"/>
+            </a:pPr>
+            <a:r>
+              <a:rPr lang="en-US" altLang="zh-CN" dirty="0">
+                <a:solidFill>
+                  <a:srgbClr val="FFFFFF"/>
+                </a:solidFill>
+              </a:rPr>
+              <a:t>attach [</a:t>
+            </a:r>
+            <a:r>
+              <a:rPr lang="en-US" altLang="zh-CN" dirty="0" err="1">
+                <a:solidFill>
+                  <a:srgbClr val="FFFFFF"/>
+                </a:solidFill>
+              </a:rPr>
+              <a:t>process_id</a:t>
+            </a:r>
+            <a:r>
+              <a:rPr lang="en-US" altLang="zh-CN" dirty="0">
+                <a:solidFill>
+                  <a:srgbClr val="FFFFFF"/>
+                </a:solidFill>
+              </a:rPr>
+              <a:t>]</a:t>
+            </a:r>
+          </a:p>
+          <a:p>
+            <a:pPr marL="800100" lvl="1" indent="-342900">
+              <a:buFont typeface="+mj-lt"/>
+              <a:buAutoNum type="arabicPeriod"/>
+            </a:pPr>
+            <a:r>
+              <a:rPr lang="en-US" dirty="0">
+                <a:solidFill>
+                  <a:srgbClr val="FFFFFF"/>
+                </a:solidFill>
+              </a:rPr>
+              <a:t>run</a:t>
+            </a:r>
+          </a:p>
+          <a:p>
+            <a:pPr marL="800100" lvl="1" indent="-342900">
+              <a:buFont typeface="+mj-lt"/>
+              <a:buAutoNum type="arabicPeriod"/>
+            </a:pPr>
+            <a:r>
+              <a:rPr lang="en-US" dirty="0" err="1">
+                <a:solidFill>
+                  <a:srgbClr val="FFFFFF"/>
+                </a:solidFill>
+              </a:rPr>
+              <a:t>gcore</a:t>
+            </a:r>
+            <a:r>
+              <a:rPr lang="en-US" dirty="0">
+                <a:solidFill>
+                  <a:srgbClr val="FFFFFF"/>
+                </a:solidFill>
+              </a:rPr>
+              <a:t> [</a:t>
+            </a:r>
+            <a:r>
+              <a:rPr lang="en-US" dirty="0" err="1">
+                <a:solidFill>
+                  <a:srgbClr val="FFFFFF"/>
+                </a:solidFill>
+              </a:rPr>
+              <a:t>core_file_name</a:t>
+            </a:r>
+            <a:r>
+              <a:rPr lang="en-US" dirty="0">
+                <a:solidFill>
+                  <a:srgbClr val="FFFFFF"/>
+                </a:solidFill>
+              </a:rPr>
+              <a:t>]</a:t>
+            </a:r>
+          </a:p>
+        </p:txBody>
+      </p:sp>
+    </p:spTree>
+    <p:extLst>
+      <p:ext uri="{BB962C8B-B14F-4D97-AF65-F5344CB8AC3E}">
+        <p14:creationId xmlns:p14="http://schemas.microsoft.com/office/powerpoint/2010/main" val="3565004166"/>
+      </p:ext>
+    </p:extLst>
+  </p:cSld>
+  <p:clrMapOvr>
+    <a:overrideClrMapping bg1="lt1" tx1="dk1" bg2="lt2" tx2="dk2" accent1="accent1" accent2="accent2" accent3="accent3" accent4="accent4" accent5="accent5" accent6="accent6" hlink="hlink" folHlink="folHlink"/>
+  </p:clrMapOvr>
+</p:sld>
+</file>
+
+<file path=ppt/slides/slide35.xml><?xml version="1.0" encoding="utf-8"?>
+<p:sld xmlns:a="http://schemas.openxmlformats.org/drawingml/2006/main" xmlns:r="http://schemas.openxmlformats.org/officeDocument/2006/relationships" xmlns:p="http://schemas.openxmlformats.org/presentationml/2006/main">
+  <p:cSld>
+    <p:bg>
+      <p:bgPr>
+        <a:solidFill>
+          <a:schemeClr val="bg1"/>
+        </a:solidFill>
+        <a:effectLst/>
+      </p:bgPr>
+    </p:bg>
+    <p:spTree>
+      <p:nvGrpSpPr>
+        <p:cNvPr id="1" name=""/>
+        <p:cNvGrpSpPr/>
+        <p:nvPr/>
+      </p:nvGrpSpPr>
+      <p:grpSpPr>
+        <a:xfrm>
+          <a:off x="0" y="0"/>
+          <a:ext cx="0" cy="0"/>
+          <a:chOff x="0" y="0"/>
+          <a:chExt cx="0" cy="0"/>
+        </a:xfrm>
+      </p:grpSpPr>
+      <p:sp>
+        <p:nvSpPr>
+          <p:cNvPr id="12" name="Rectangle 11">
+            <a:extLst>
+              <a:ext uri="{FF2B5EF4-FFF2-40B4-BE49-F238E27FC236}">
+                <a16:creationId xmlns:a16="http://schemas.microsoft.com/office/drawing/2014/main" id="{49076D5E-68ED-4CD1-A04F-E7934EBFAAD9}"/>
+              </a:ext>
+              <a:ext uri="{C183D7F6-B498-43B3-948B-1728B52AA6E4}">
+                <adec:decorative xmlns:adec="http://schemas.microsoft.com/office/drawing/2017/decorative" val="1"/>
+              </a:ext>
+            </a:extLst>
+          </p:cNvPr>
+          <p:cNvSpPr>
+            <a:spLocks noGrp="1" noRot="1" noChangeAspect="1" noMove="1" noResize="1" noEditPoints="1" noAdjustHandles="1" noChangeArrowheads="1" noChangeShapeType="1" noTextEdit="1"/>
+          </p:cNvSpPr>
+          <p:nvPr>
+            <p:extLst>
+              <p:ext uri="{386F3935-93C4-4BCD-93E2-E3B085C9AB24}">
+                <p16:designElem xmlns:p16="http://schemas.microsoft.com/office/powerpoint/2015/main" val="1"/>
+              </p:ext>
+            </p:extLst>
+          </p:nvPr>
+        </p:nvSpPr>
+        <p:spPr>
+          <a:xfrm>
+            <a:off x="0" y="0"/>
+            <a:ext cx="12192000" cy="6858000"/>
+          </a:xfrm>
+          <a:prstGeom prst="rect">
+            <a:avLst/>
+          </a:prstGeom>
+          <a:ln>
+            <a:noFill/>
+          </a:ln>
+        </p:spPr>
+        <p:style>
+          <a:lnRef idx="2">
+            <a:schemeClr val="accent1">
+              <a:shade val="50000"/>
+            </a:schemeClr>
+          </a:lnRef>
+          <a:fillRef idx="1003">
+            <a:schemeClr val="dk2"/>
+          </a:fillRef>
+          <a:effectRef idx="0">
+            <a:schemeClr val="accent1"/>
+          </a:effectRef>
+          <a:fontRef idx="minor">
+            <a:schemeClr val="lt1"/>
+          </a:fontRef>
+        </p:style>
+        <p:txBody>
+          <a:bodyPr rtlCol="0" anchor="ctr"/>
+          <a:lstStyle/>
+          <a:p>
+            <a:pPr algn="ctr"/>
+            <a:endParaRPr lang="en-US"/>
+          </a:p>
+        </p:txBody>
+      </p:sp>
+      <p:sp>
+        <p:nvSpPr>
+          <p:cNvPr id="2" name="Title 1">
+            <a:extLst>
+              <a:ext uri="{FF2B5EF4-FFF2-40B4-BE49-F238E27FC236}">
+                <a16:creationId xmlns:a16="http://schemas.microsoft.com/office/drawing/2014/main" id="{3CA89BCD-637B-4E08-A4AC-2E12740B4B91}"/>
+              </a:ext>
+            </a:extLst>
+          </p:cNvPr>
+          <p:cNvSpPr>
+            <a:spLocks noGrp="1"/>
+          </p:cNvSpPr>
+          <p:nvPr>
+            <p:ph type="title"/>
+          </p:nvPr>
+        </p:nvSpPr>
+        <p:spPr>
+          <a:xfrm>
+            <a:off x="648929" y="629266"/>
+            <a:ext cx="3505495" cy="1622321"/>
+          </a:xfrm>
+        </p:spPr>
+        <p:txBody>
+          <a:bodyPr>
+            <a:normAutofit/>
+          </a:bodyPr>
+          <a:lstStyle/>
+          <a:p>
+            <a:pPr>
+              <a:lnSpc>
+                <a:spcPct val="90000"/>
+              </a:lnSpc>
+            </a:pPr>
+            <a:r>
+              <a:rPr lang="zh-CN" altLang="en-US" sz="3600">
+                <a:solidFill>
+                  <a:srgbClr val="EBEBEB"/>
+                </a:solidFill>
+              </a:rPr>
+              <a:t>正常运行程序的调试</a:t>
+            </a:r>
+            <a:br>
+              <a:rPr lang="en-US" sz="3600">
+                <a:solidFill>
+                  <a:srgbClr val="EBEBEB"/>
+                </a:solidFill>
+              </a:rPr>
+            </a:br>
+            <a:endParaRPr lang="en-US" sz="3600">
+              <a:solidFill>
+                <a:srgbClr val="EBEBEB"/>
+              </a:solidFill>
+            </a:endParaRPr>
+          </a:p>
+        </p:txBody>
+      </p:sp>
+      <p:sp>
+        <p:nvSpPr>
+          <p:cNvPr id="14" name="Rectangle 13">
+            <a:extLst>
+              <a:ext uri="{FF2B5EF4-FFF2-40B4-BE49-F238E27FC236}">
+                <a16:creationId xmlns:a16="http://schemas.microsoft.com/office/drawing/2014/main" id="{21BE0A6B-EBF8-4301-B1AE-F6A1C4003E2A}"/>
+              </a:ext>
+              <a:ext uri="{C183D7F6-B498-43B3-948B-1728B52AA6E4}">
+                <adec:decorative xmlns:adec="http://schemas.microsoft.com/office/drawing/2017/decorative" val="1"/>
+              </a:ext>
+            </a:extLst>
+          </p:cNvPr>
+          <p:cNvSpPr>
+            <a:spLocks noGrp="1" noRot="1" noChangeAspect="1" noMove="1" noResize="1" noEditPoints="1" noAdjustHandles="1" noChangeArrowheads="1" noChangeShapeType="1" noTextEdit="1"/>
+          </p:cNvSpPr>
+          <p:nvPr>
+            <p:extLst>
+              <p:ext uri="{386F3935-93C4-4BCD-93E2-E3B085C9AB24}">
+                <p16:designElem xmlns:p16="http://schemas.microsoft.com/office/powerpoint/2015/main" val="1"/>
+              </p:ext>
+            </p:extLst>
+          </p:nvPr>
+        </p:nvSpPr>
+        <p:spPr>
+          <a:xfrm>
+            <a:off x="4639056" y="0"/>
+            <a:ext cx="7552944" cy="6858000"/>
+          </a:xfrm>
+          <a:prstGeom prst="rect">
+            <a:avLst/>
+          </a:prstGeom>
+          <a:solidFill>
+            <a:srgbClr val="FFFFFF"/>
+          </a:solidFill>
+          <a:ln>
+            <a:noFill/>
+          </a:ln>
+        </p:spPr>
+        <p:style>
+          <a:lnRef idx="2">
+            <a:schemeClr val="accent1">
+              <a:shade val="50000"/>
+            </a:schemeClr>
+          </a:lnRef>
+          <a:fillRef idx="1">
+            <a:schemeClr val="accent1"/>
+          </a:fillRef>
+          <a:effectRef idx="0">
+            <a:schemeClr val="accent1"/>
+          </a:effectRef>
+          <a:fontRef idx="minor">
+            <a:schemeClr val="lt1"/>
+          </a:fontRef>
+        </p:style>
+        <p:txBody>
+          <a:bodyPr rtlCol="0" anchor="ctr"/>
+          <a:lstStyle/>
+          <a:p>
+            <a:pPr algn="ctr"/>
+            <a:endParaRPr lang="en-US"/>
+          </a:p>
+        </p:txBody>
+      </p:sp>
+      <p:sp useBgFill="1">
+        <p:nvSpPr>
+          <p:cNvPr id="16" name="Rounded Rectangle 9">
+            <a:extLst>
+              <a:ext uri="{FF2B5EF4-FFF2-40B4-BE49-F238E27FC236}">
+                <a16:creationId xmlns:a16="http://schemas.microsoft.com/office/drawing/2014/main" id="{03C06118-B3FE-4B51-80A1-B82C2E9FF970}"/>
+              </a:ext>
+              <a:ext uri="{C183D7F6-B498-43B3-948B-1728B52AA6E4}">
+                <adec:decorative xmlns:adec="http://schemas.microsoft.com/office/drawing/2017/decorative" val="1"/>
+              </a:ext>
+            </a:extLst>
+          </p:cNvPr>
+          <p:cNvSpPr>
+            <a:spLocks noGrp="1" noRot="1" noChangeAspect="1" noMove="1" noResize="1" noEditPoints="1" noAdjustHandles="1" noChangeArrowheads="1" noChangeShapeType="1" noTextEdit="1"/>
+          </p:cNvSpPr>
+          <p:nvPr>
+            <p:extLst>
+              <p:ext uri="{386F3935-93C4-4BCD-93E2-E3B085C9AB24}">
+                <p16:designElem xmlns:p16="http://schemas.microsoft.com/office/powerpoint/2015/main" val="1"/>
+              </p:ext>
+            </p:extLst>
+          </p:nvPr>
+        </p:nvSpPr>
+        <p:spPr>
+          <a:xfrm>
+            <a:off x="5123688" y="484632"/>
+            <a:ext cx="6584098" cy="5739187"/>
+          </a:xfrm>
+          <a:prstGeom prst="roundRect">
+            <a:avLst>
+              <a:gd name="adj" fmla="val 0"/>
+            </a:avLst>
+          </a:prstGeom>
+          <a:ln w="12700">
+            <a:solidFill>
+              <a:schemeClr val="bg2"/>
+            </a:solidFill>
+          </a:ln>
+          <a:effectLst>
+            <a:outerShdw blurRad="50800" dist="50800" dir="5400000" algn="tl" rotWithShape="0">
+              <a:srgbClr val="000000">
+                <a:alpha val="43000"/>
+              </a:srgbClr>
+            </a:outerShdw>
+          </a:effectLst>
+        </p:spPr>
+        <p:style>
+          <a:lnRef idx="2">
+            <a:schemeClr val="accent1">
+              <a:shade val="50000"/>
+            </a:schemeClr>
+          </a:lnRef>
+          <a:fillRef idx="1">
+            <a:schemeClr val="accent1"/>
+          </a:fillRef>
+          <a:effectRef idx="0">
+            <a:schemeClr val="accent1"/>
+          </a:effectRef>
+          <a:fontRef idx="minor">
+            <a:schemeClr val="lt1"/>
+          </a:fontRef>
+        </p:style>
+        <p:txBody>
+          <a:bodyPr rtlCol="0" anchor="ctr"/>
+          <a:lstStyle/>
+          <a:p>
+            <a:pPr algn="ctr"/>
+            <a:endParaRPr lang="en-US"/>
+          </a:p>
+        </p:txBody>
+      </p:sp>
+      <p:pic>
+        <p:nvPicPr>
+          <p:cNvPr id="7" name="Content Placeholder 6" descr="A picture containing night sky&#10;&#10;Description automatically generated">
+            <a:extLst>
+              <a:ext uri="{FF2B5EF4-FFF2-40B4-BE49-F238E27FC236}">
+                <a16:creationId xmlns:a16="http://schemas.microsoft.com/office/drawing/2014/main" id="{44281396-FF17-4F04-BCB9-71E4A5952AE7}"/>
+              </a:ext>
+            </a:extLst>
+          </p:cNvPr>
+          <p:cNvPicPr>
+            <a:picLocks noGrp="1" noChangeAspect="1"/>
+          </p:cNvPicPr>
+          <p:nvPr>
+            <p:ph idx="1"/>
+          </p:nvPr>
+        </p:nvPicPr>
+        <p:blipFill>
+          <a:blip r:embed="rId2">
+            <a:extLst>
+              <a:ext uri="{28A0092B-C50C-407E-A947-70E740481C1C}">
+                <a14:useLocalDpi xmlns:a14="http://schemas.microsoft.com/office/drawing/2010/main" val="0"/>
+              </a:ext>
+            </a:extLst>
+          </a:blip>
+          <a:stretch>
+            <a:fillRect/>
+          </a:stretch>
+        </p:blipFill>
+        <p:spPr>
+          <a:xfrm>
+            <a:off x="6160214" y="965595"/>
+            <a:ext cx="4511044" cy="4773591"/>
+          </a:xfrm>
+          <a:prstGeom prst="rect">
+            <a:avLst/>
+          </a:prstGeom>
+          <a:effectLst/>
+        </p:spPr>
+      </p:pic>
+      <p:sp>
+        <p:nvSpPr>
+          <p:cNvPr id="18" name="Rectangle 17">
+            <a:extLst>
+              <a:ext uri="{FF2B5EF4-FFF2-40B4-BE49-F238E27FC236}">
+                <a16:creationId xmlns:a16="http://schemas.microsoft.com/office/drawing/2014/main" id="{172BE3F8-96D6-4535-9AE4-694DC4F5B13F}"/>
+              </a:ext>
+              <a:ext uri="{C183D7F6-B498-43B3-948B-1728B52AA6E4}">
+                <adec:decorative xmlns:adec="http://schemas.microsoft.com/office/drawing/2017/decorative" val="1"/>
+              </a:ext>
+            </a:extLst>
+          </p:cNvPr>
+          <p:cNvSpPr>
+            <a:spLocks noGrp="1" noRot="1" noChangeAspect="1" noMove="1" noResize="1" noEditPoints="1" noAdjustHandles="1" noChangeArrowheads="1" noChangeShapeType="1" noTextEdit="1"/>
+          </p:cNvSpPr>
+          <p:nvPr>
+            <p:extLst>
+              <p:ext uri="{386F3935-93C4-4BCD-93E2-E3B085C9AB24}">
+                <p16:designElem xmlns:p16="http://schemas.microsoft.com/office/powerpoint/2015/main" val="1"/>
+              </p:ext>
+            </p:extLst>
+          </p:nvPr>
+        </p:nvSpPr>
+        <p:spPr>
+          <a:xfrm>
+            <a:off x="10442448" y="0"/>
+            <a:ext cx="685800" cy="1143000"/>
+          </a:xfrm>
+          <a:prstGeom prst="rect">
+            <a:avLst/>
+          </a:prstGeom>
+          <a:solidFill>
+            <a:schemeClr val="accent1"/>
+          </a:solidFill>
+          <a:ln>
+            <a:noFill/>
+          </a:ln>
+        </p:spPr>
+        <p:style>
+          <a:lnRef idx="1">
+            <a:schemeClr val="accent1"/>
+          </a:lnRef>
+          <a:fillRef idx="3">
+            <a:schemeClr val="accent1"/>
+          </a:fillRef>
+          <a:effectRef idx="2">
+            <a:schemeClr val="accent1"/>
+          </a:effectRef>
+          <a:fontRef idx="minor">
+            <a:schemeClr val="lt1"/>
+          </a:fontRef>
+        </p:style>
+      </p:sp>
+      <p:sp>
+        <p:nvSpPr>
+          <p:cNvPr id="4" name="Text Placeholder 3">
+            <a:extLst>
+              <a:ext uri="{FF2B5EF4-FFF2-40B4-BE49-F238E27FC236}">
+                <a16:creationId xmlns:a16="http://schemas.microsoft.com/office/drawing/2014/main" id="{FA672E6F-DFEE-4B18-8A92-5136F20B1F9C}"/>
+              </a:ext>
+            </a:extLst>
+          </p:cNvPr>
+          <p:cNvSpPr>
+            <a:spLocks noGrp="1"/>
+          </p:cNvSpPr>
+          <p:nvPr>
+            <p:ph type="body" idx="4294967295"/>
+          </p:nvPr>
+        </p:nvSpPr>
+        <p:spPr>
+          <a:xfrm>
+            <a:off x="648931" y="2438400"/>
+            <a:ext cx="3505494" cy="3785419"/>
+          </a:xfrm>
+        </p:spPr>
+        <p:txBody>
+          <a:bodyPr>
+            <a:normAutofit/>
+          </a:bodyPr>
+          <a:lstStyle/>
+          <a:p>
+            <a:r>
+              <a:rPr lang="zh-CN" altLang="en-US" dirty="0">
+                <a:solidFill>
+                  <a:srgbClr val="FFFFFF"/>
+                </a:solidFill>
+              </a:rPr>
+              <a:t>调试</a:t>
+            </a:r>
+            <a:r>
+              <a:rPr lang="en-US" altLang="zh-CN" dirty="0">
+                <a:solidFill>
+                  <a:srgbClr val="FFFFFF"/>
+                </a:solidFill>
+              </a:rPr>
+              <a:t>core</a:t>
+            </a:r>
+            <a:r>
+              <a:rPr lang="zh-CN" altLang="en-US" dirty="0">
+                <a:solidFill>
+                  <a:srgbClr val="FFFFFF"/>
+                </a:solidFill>
+              </a:rPr>
+              <a:t>文件</a:t>
+            </a:r>
+            <a:endParaRPr lang="en-US" altLang="zh-CN" dirty="0">
+              <a:solidFill>
+                <a:srgbClr val="FFFFFF"/>
+              </a:solidFill>
+            </a:endParaRPr>
+          </a:p>
+          <a:p>
+            <a:pPr marL="800100" lvl="1" indent="-342900">
+              <a:buFont typeface="+mj-lt"/>
+              <a:buAutoNum type="arabicPeriod"/>
+            </a:pPr>
+            <a:r>
+              <a:rPr lang="zh-CN" altLang="en-US" dirty="0">
+                <a:solidFill>
+                  <a:srgbClr val="FFFFFF"/>
+                </a:solidFill>
+              </a:rPr>
+              <a:t>启动</a:t>
+            </a:r>
+            <a:r>
+              <a:rPr lang="en-US" altLang="zh-CN">
+                <a:solidFill>
+                  <a:srgbClr val="FFFFFF"/>
+                </a:solidFill>
+              </a:rPr>
+              <a:t>gdb</a:t>
+            </a:r>
+            <a:r>
+              <a:rPr lang="en-US" altLang="zh-CN" dirty="0">
+                <a:solidFill>
+                  <a:srgbClr val="FFFFFF"/>
+                </a:solidFill>
+              </a:rPr>
+              <a:t> [program]</a:t>
+            </a:r>
+          </a:p>
+          <a:p>
+            <a:pPr marL="800100" lvl="1" indent="-342900">
+              <a:buFont typeface="+mj-lt"/>
+              <a:buAutoNum type="arabicPeriod"/>
+            </a:pPr>
+            <a:r>
+              <a:rPr lang="en-US" altLang="zh-CN" dirty="0">
+                <a:solidFill>
+                  <a:srgbClr val="FFFFFF"/>
+                </a:solidFill>
+              </a:rPr>
+              <a:t>core [core file]</a:t>
+            </a:r>
+          </a:p>
+          <a:p>
+            <a:pPr marL="800100" lvl="1" indent="-342900">
+              <a:buFont typeface="+mj-lt"/>
+              <a:buAutoNum type="arabicPeriod"/>
+            </a:pPr>
+            <a:r>
+              <a:rPr lang="en-US" altLang="zh-CN" dirty="0">
+                <a:solidFill>
+                  <a:srgbClr val="FFFFFF"/>
+                </a:solidFill>
+              </a:rPr>
+              <a:t>debug</a:t>
+            </a:r>
+          </a:p>
+        </p:txBody>
+      </p:sp>
+    </p:spTree>
+    <p:extLst>
+      <p:ext uri="{BB962C8B-B14F-4D97-AF65-F5344CB8AC3E}">
+        <p14:creationId xmlns:p14="http://schemas.microsoft.com/office/powerpoint/2010/main" val="826967038"/>
+      </p:ext>
+    </p:extLst>
+  </p:cSld>
+  <p:clrMapOvr>
+    <a:overrideClrMapping bg1="lt1" tx1="dk1" bg2="lt2" tx2="dk2" accent1="accent1" accent2="accent2" accent3="accent3" accent4="accent4" accent5="accent5" accent6="accent6" hlink="hlink" folHlink="folHlink"/>
+  </p:clrMapOvr>
+</p:sld>
+</file>
+
+<file path=ppt/slides/slide36.xml><?xml version="1.0" encoding="utf-8"?>
 <p:sld xmlns:a="http://schemas.openxmlformats.org/drawingml/2006/main" xmlns:r="http://schemas.openxmlformats.org/officeDocument/2006/relationships" xmlns:p="http://schemas.openxmlformats.org/presentationml/2006/main">
   <p:cSld>
     <p:spTree>
@@ -26997,7 +28203,7 @@
           <p:cNvPr id="2" name="Title 1">
             <a:extLst>
               <a:ext uri="{FF2B5EF4-FFF2-40B4-BE49-F238E27FC236}">
-                <a16:creationId xmlns:a16="http://schemas.microsoft.com/office/drawing/2014/main" id="{3CA89BCD-637B-4E08-A4AC-2E12740B4B91}"/>
+                <a16:creationId xmlns:a16="http://schemas.microsoft.com/office/drawing/2014/main" id="{378BBC2E-4A1A-43A6-8FD1-0CC5ACE195A3}"/>
               </a:ext>
             </a:extLst>
           </p:cNvPr>
@@ -27015,11 +28221,61 @@
           <a:p>
             <a:r>
               <a:rPr lang="zh-CN" altLang="en-US" dirty="0"/>
-              <a:t>转储文件的调试</a:t>
-            </a:r>
-            <a:br>
-              <a:rPr lang="en-US" dirty="0"/>
-            </a:br>
+              <a:t>崩溃程序的</a:t>
+            </a:r>
+            <a:r>
+              <a:rPr lang="en-US" altLang="zh-CN" dirty="0"/>
+              <a:t>core</a:t>
+            </a:r>
+            <a:r>
+              <a:rPr lang="zh-CN" altLang="en-US" dirty="0"/>
+              <a:t>文件调试</a:t>
+            </a:r>
+            <a:endParaRPr lang="en-US" dirty="0"/>
+          </a:p>
+        </p:txBody>
+      </p:sp>
+      <p:sp>
+        <p:nvSpPr>
+          <p:cNvPr id="4" name="Text Placeholder 3">
+            <a:extLst>
+              <a:ext uri="{FF2B5EF4-FFF2-40B4-BE49-F238E27FC236}">
+                <a16:creationId xmlns:a16="http://schemas.microsoft.com/office/drawing/2014/main" id="{241BEF05-42D9-40DE-8C81-D937E870D903}"/>
+              </a:ext>
+            </a:extLst>
+          </p:cNvPr>
+          <p:cNvSpPr>
+            <a:spLocks noGrp="1"/>
+          </p:cNvSpPr>
+          <p:nvPr>
+            <p:ph type="body" idx="1"/>
+          </p:nvPr>
+        </p:nvSpPr>
+        <p:spPr/>
+        <p:txBody>
+          <a:bodyPr/>
+          <a:lstStyle/>
+          <a:p>
+            <a:r>
+              <a:rPr lang="zh-CN" altLang="en-US" dirty="0"/>
+              <a:t>生成</a:t>
+            </a:r>
+            <a:r>
+              <a:rPr lang="en-US" altLang="zh-CN" dirty="0"/>
+              <a:t>core</a:t>
+            </a:r>
+            <a:r>
+              <a:rPr lang="zh-CN" altLang="en-US" dirty="0"/>
+              <a:t>文件</a:t>
+            </a:r>
+            <a:r>
+              <a:rPr lang="en-US" altLang="zh-CN" dirty="0"/>
+              <a:t>-</a:t>
+            </a:r>
+            <a:r>
+              <a:rPr lang="zh-CN" altLang="en-US" dirty="0"/>
+              <a:t>临时生效</a:t>
+            </a:r>
             <a:endParaRPr lang="en-US" dirty="0"/>
           </a:p>
         </p:txBody>
@@ -27029,7 +28285,2986 @@
           <p:cNvPr id="3" name="Content Placeholder 2">
             <a:extLst>
               <a:ext uri="{FF2B5EF4-FFF2-40B4-BE49-F238E27FC236}">
-                <a16:creationId xmlns:a16="http://schemas.microsoft.com/office/drawing/2014/main" id="{0F1EDA00-381C-4091-A352-A072FAEBDD2F}"/>
+                <a16:creationId xmlns:a16="http://schemas.microsoft.com/office/drawing/2014/main" id="{0F1FC516-5AC3-404A-B5CE-F399908F060F}"/>
+              </a:ext>
+            </a:extLst>
+          </p:cNvPr>
+          <p:cNvSpPr>
+            <a:spLocks noGrp="1"/>
+          </p:cNvSpPr>
+          <p:nvPr>
+            <p:ph sz="half" idx="2"/>
+          </p:nvPr>
+        </p:nvSpPr>
+        <p:spPr/>
+        <p:txBody>
+          <a:bodyPr/>
+          <a:lstStyle/>
+          <a:p>
+            <a:r>
+              <a:rPr lang="en-US" altLang="zh-CN" dirty="0" err="1"/>
+              <a:t>ulimit</a:t>
+            </a:r>
+            <a:r>
+              <a:rPr lang="en-US" altLang="zh-CN" dirty="0"/>
+              <a:t> –c unlimited\[</a:t>
+            </a:r>
+            <a:r>
+              <a:rPr lang="en-US" altLang="zh-CN" dirty="0" err="1"/>
+              <a:t>number_size</a:t>
+            </a:r>
+            <a:r>
+              <a:rPr lang="en-US" altLang="zh-CN" dirty="0"/>
+              <a:t>]</a:t>
+            </a:r>
+          </a:p>
+          <a:p>
+            <a:r>
+              <a:rPr lang="en-US" dirty="0"/>
+              <a:t>echo “</a:t>
+            </a:r>
+            <a:r>
+              <a:rPr lang="en-US" dirty="0" err="1"/>
+              <a:t>folder_path</a:t>
+            </a:r>
+            <a:r>
+              <a:rPr lang="en-US" dirty="0"/>
+              <a:t>/core-%e-%p-%t” &gt; /proc/sys/kernel/</a:t>
+            </a:r>
+            <a:r>
+              <a:rPr lang="en-US" dirty="0" err="1"/>
+              <a:t>core_pattern</a:t>
+            </a:r>
+            <a:endParaRPr lang="en-US" dirty="0"/>
+          </a:p>
+          <a:p>
+            <a:pPr marL="800100" lvl="1" indent="-342900">
+              <a:buFont typeface="+mj-lt"/>
+              <a:buAutoNum type="arabicPeriod"/>
+            </a:pPr>
+            <a:r>
+              <a:rPr lang="en-US" dirty="0"/>
+              <a:t>%p: </a:t>
+            </a:r>
+            <a:r>
+              <a:rPr lang="zh-CN" altLang="en-US" dirty="0"/>
+              <a:t>添加进程号</a:t>
+            </a:r>
+            <a:endParaRPr lang="en-US" altLang="zh-CN" dirty="0"/>
+          </a:p>
+          <a:p>
+            <a:pPr marL="800100" lvl="1" indent="-342900">
+              <a:buFont typeface="+mj-lt"/>
+              <a:buAutoNum type="arabicPeriod"/>
+            </a:pPr>
+            <a:r>
+              <a:rPr lang="en-US" altLang="zh-CN" dirty="0"/>
+              <a:t>%e: </a:t>
+            </a:r>
+            <a:r>
+              <a:rPr lang="zh-CN" altLang="en-US" dirty="0"/>
+              <a:t>添加导致产生</a:t>
+            </a:r>
+            <a:r>
+              <a:rPr lang="en-US" altLang="zh-CN" dirty="0"/>
+              <a:t>core</a:t>
+            </a:r>
+            <a:r>
+              <a:rPr lang="zh-CN" altLang="en-US" dirty="0"/>
+              <a:t>文件命令名（程序名）</a:t>
+            </a:r>
+            <a:endParaRPr lang="en-US" altLang="zh-CN" dirty="0"/>
+          </a:p>
+          <a:p>
+            <a:pPr marL="800100" lvl="1" indent="-342900">
+              <a:buFont typeface="+mj-lt"/>
+              <a:buAutoNum type="arabicPeriod"/>
+            </a:pPr>
+            <a:r>
+              <a:rPr lang="en-US" dirty="0"/>
+              <a:t>%t: </a:t>
+            </a:r>
+            <a:r>
+              <a:rPr lang="zh-CN" altLang="en-US" dirty="0"/>
+              <a:t>添加</a:t>
+            </a:r>
+            <a:r>
+              <a:rPr lang="en-US" altLang="zh-CN" dirty="0"/>
+              <a:t>core</a:t>
+            </a:r>
+            <a:r>
+              <a:rPr lang="zh-CN" altLang="en-US" dirty="0"/>
+              <a:t>文件产生的时间</a:t>
+            </a:r>
+            <a:endParaRPr lang="en-US" altLang="zh-CN" dirty="0"/>
+          </a:p>
+          <a:p>
+            <a:pPr marL="800100" lvl="1" indent="-342900">
+              <a:buFont typeface="+mj-lt"/>
+              <a:buAutoNum type="arabicPeriod"/>
+            </a:pPr>
+            <a:r>
+              <a:rPr lang="en-US" altLang="zh-CN" dirty="0" err="1"/>
+              <a:t>folder_path</a:t>
+            </a:r>
+            <a:r>
+              <a:rPr lang="en-US" altLang="zh-CN" dirty="0"/>
+              <a:t> </a:t>
+            </a:r>
+            <a:r>
+              <a:rPr lang="zh-CN" altLang="en-US" dirty="0"/>
+              <a:t>必须已经存在</a:t>
+            </a:r>
+            <a:endParaRPr lang="en-US" altLang="zh-CN" dirty="0"/>
+          </a:p>
+        </p:txBody>
+      </p:sp>
+      <p:sp>
+        <p:nvSpPr>
+          <p:cNvPr id="5" name="Text Placeholder 4">
+            <a:extLst>
+              <a:ext uri="{FF2B5EF4-FFF2-40B4-BE49-F238E27FC236}">
+                <a16:creationId xmlns:a16="http://schemas.microsoft.com/office/drawing/2014/main" id="{4B58BBDE-DA44-460F-B03A-5F828F5FD069}"/>
+              </a:ext>
+            </a:extLst>
+          </p:cNvPr>
+          <p:cNvSpPr>
+            <a:spLocks noGrp="1"/>
+          </p:cNvSpPr>
+          <p:nvPr>
+            <p:ph type="body" sz="quarter" idx="3"/>
+          </p:nvPr>
+        </p:nvSpPr>
+        <p:spPr/>
+        <p:txBody>
+          <a:bodyPr/>
+          <a:lstStyle/>
+          <a:p>
+            <a:r>
+              <a:rPr lang="zh-CN" altLang="en-US" dirty="0"/>
+              <a:t>生成</a:t>
+            </a:r>
+            <a:r>
+              <a:rPr lang="en-US" altLang="zh-CN" dirty="0"/>
+              <a:t>core</a:t>
+            </a:r>
+            <a:r>
+              <a:rPr lang="zh-CN" altLang="en-US" dirty="0"/>
+              <a:t>文件</a:t>
+            </a:r>
+            <a:r>
+              <a:rPr lang="en-US" altLang="zh-CN" dirty="0"/>
+              <a:t>-</a:t>
+            </a:r>
+            <a:r>
+              <a:rPr lang="zh-CN" altLang="en-US" dirty="0"/>
+              <a:t>永久生效</a:t>
+            </a:r>
+            <a:endParaRPr lang="en-US" dirty="0"/>
+          </a:p>
+        </p:txBody>
+      </p:sp>
+      <p:sp>
+        <p:nvSpPr>
+          <p:cNvPr id="6" name="Content Placeholder 5">
+            <a:extLst>
+              <a:ext uri="{FF2B5EF4-FFF2-40B4-BE49-F238E27FC236}">
+                <a16:creationId xmlns:a16="http://schemas.microsoft.com/office/drawing/2014/main" id="{C46FC48F-6B21-48A0-ABB1-9AF71DBF0DDE}"/>
+              </a:ext>
+            </a:extLst>
+          </p:cNvPr>
+          <p:cNvSpPr>
+            <a:spLocks noGrp="1"/>
+          </p:cNvSpPr>
+          <p:nvPr>
+            <p:ph sz="quarter" idx="4"/>
+          </p:nvPr>
+        </p:nvSpPr>
+        <p:spPr/>
+        <p:txBody>
+          <a:bodyPr/>
+          <a:lstStyle/>
+          <a:p>
+            <a:r>
+              <a:rPr lang="zh-CN" altLang="en-US" dirty="0"/>
+              <a:t>在系统配置文件 </a:t>
+            </a:r>
+            <a:r>
+              <a:rPr lang="en-US" altLang="zh-CN" dirty="0"/>
+              <a:t>/</a:t>
+            </a:r>
+            <a:r>
+              <a:rPr lang="en-US" altLang="zh-CN" dirty="0" err="1"/>
+              <a:t>etc</a:t>
+            </a:r>
+            <a:r>
+              <a:rPr lang="en-US" altLang="zh-CN" dirty="0"/>
+              <a:t>/</a:t>
+            </a:r>
+            <a:r>
+              <a:rPr lang="en-US" altLang="zh-CN" dirty="0" err="1"/>
+              <a:t>sysctl.conf</a:t>
+            </a:r>
+            <a:r>
+              <a:rPr lang="en-US" altLang="zh-CN" dirty="0"/>
+              <a:t> </a:t>
+            </a:r>
+            <a:r>
+              <a:rPr lang="zh-CN" altLang="en-US" dirty="0"/>
+              <a:t>文件中添加</a:t>
+            </a:r>
+            <a:endParaRPr lang="en-US" altLang="zh-CN" dirty="0"/>
+          </a:p>
+          <a:p>
+            <a:pPr lvl="1"/>
+            <a:r>
+              <a:rPr lang="en-US" altLang="zh-CN" dirty="0" err="1"/>
+              <a:t>kernel.core_uses_pid</a:t>
+            </a:r>
+            <a:r>
+              <a:rPr lang="en-US" altLang="zh-CN" dirty="0"/>
+              <a:t> = 1</a:t>
+            </a:r>
+          </a:p>
+          <a:p>
+            <a:pPr lvl="1"/>
+            <a:r>
+              <a:rPr lang="en-US" dirty="0" err="1"/>
+              <a:t>kernel.core_pattern</a:t>
+            </a:r>
+            <a:r>
+              <a:rPr lang="en-US" dirty="0"/>
+              <a:t> = ./core-%e-%p-%t</a:t>
+            </a:r>
+          </a:p>
+          <a:p>
+            <a:pPr lvl="1"/>
+            <a:r>
+              <a:rPr lang="en-US" dirty="0" err="1"/>
+              <a:t>sysctl</a:t>
+            </a:r>
+            <a:r>
+              <a:rPr lang="en-US" dirty="0"/>
+              <a:t> </a:t>
+            </a:r>
+            <a:r>
+              <a:rPr lang="en-US" altLang="zh-CN" dirty="0"/>
+              <a:t>–p </a:t>
+            </a:r>
+            <a:r>
+              <a:rPr lang="zh-CN" altLang="en-US" dirty="0"/>
+              <a:t>查看是否生效</a:t>
+            </a:r>
+            <a:endParaRPr lang="en-US" dirty="0"/>
+          </a:p>
+          <a:p>
+            <a:r>
+              <a:rPr lang="zh-CN" altLang="en-US" dirty="0"/>
+              <a:t>在个人配置文件 </a:t>
+            </a:r>
+            <a:r>
+              <a:rPr lang="en-US" altLang="zh-CN" dirty="0"/>
+              <a:t>~./</a:t>
+            </a:r>
+            <a:r>
+              <a:rPr lang="en-US" altLang="zh-CN" dirty="0" err="1"/>
+              <a:t>bashrc</a:t>
+            </a:r>
+            <a:r>
+              <a:rPr lang="en-US" altLang="zh-CN" dirty="0"/>
+              <a:t> </a:t>
+            </a:r>
+            <a:r>
+              <a:rPr lang="zh-CN" altLang="en-US" dirty="0"/>
+              <a:t>或者 </a:t>
+            </a:r>
+            <a:r>
+              <a:rPr lang="en-US" altLang="zh-CN" dirty="0"/>
+              <a:t>/</a:t>
+            </a:r>
+            <a:r>
+              <a:rPr lang="en-US" altLang="zh-CN" dirty="0" err="1"/>
+              <a:t>etc</a:t>
+            </a:r>
+            <a:r>
+              <a:rPr lang="en-US" altLang="zh-CN" dirty="0"/>
+              <a:t>/profile </a:t>
+            </a:r>
+            <a:r>
+              <a:rPr lang="zh-CN" altLang="en-US" dirty="0"/>
+              <a:t>中添加</a:t>
+            </a:r>
+            <a:endParaRPr lang="en-US" altLang="zh-CN" dirty="0"/>
+          </a:p>
+          <a:p>
+            <a:pPr lvl="1"/>
+            <a:r>
+              <a:rPr lang="en-US" altLang="zh-CN" dirty="0" err="1"/>
+              <a:t>ulimit</a:t>
+            </a:r>
+            <a:r>
+              <a:rPr lang="en-US" altLang="zh-CN" dirty="0"/>
+              <a:t> –c unlimited\[</a:t>
+            </a:r>
+            <a:r>
+              <a:rPr lang="en-US" altLang="zh-CN" dirty="0" err="1"/>
+              <a:t>number_size</a:t>
+            </a:r>
+            <a:r>
+              <a:rPr lang="en-US" altLang="zh-CN" dirty="0"/>
+              <a:t>]</a:t>
+            </a:r>
+          </a:p>
+          <a:p>
+            <a:pPr lvl="1"/>
+            <a:r>
+              <a:rPr lang="en-US" altLang="zh-CN" dirty="0" err="1"/>
+              <a:t>ulimit</a:t>
+            </a:r>
+            <a:r>
+              <a:rPr lang="en-US" altLang="zh-CN" dirty="0"/>
+              <a:t> –a </a:t>
+            </a:r>
+            <a:r>
+              <a:rPr lang="zh-CN" altLang="en-US" dirty="0"/>
+              <a:t>查看是否生效</a:t>
+            </a:r>
+            <a:endParaRPr lang="en-US" altLang="zh-CN" dirty="0"/>
+          </a:p>
+        </p:txBody>
+      </p:sp>
+    </p:spTree>
+    <p:extLst>
+      <p:ext uri="{BB962C8B-B14F-4D97-AF65-F5344CB8AC3E}">
+        <p14:creationId xmlns:p14="http://schemas.microsoft.com/office/powerpoint/2010/main" val="791358009"/>
+      </p:ext>
+    </p:extLst>
+  </p:cSld>
+  <p:clrMapOvr>
+    <a:masterClrMapping/>
+  </p:clrMapOvr>
+</p:sld>
+</file>
+
+<file path=ppt/slides/slide37.xml><?xml version="1.0" encoding="utf-8"?>
+<p:sld xmlns:a="http://schemas.openxmlformats.org/drawingml/2006/main" xmlns:r="http://schemas.openxmlformats.org/officeDocument/2006/relationships" xmlns:p="http://schemas.openxmlformats.org/presentationml/2006/main">
+  <p:cSld>
+    <p:bg>
+      <p:bgPr>
+        <a:solidFill>
+          <a:schemeClr val="bg1"/>
+        </a:solidFill>
+        <a:effectLst/>
+      </p:bgPr>
+    </p:bg>
+    <p:spTree>
+      <p:nvGrpSpPr>
+        <p:cNvPr id="1" name=""/>
+        <p:cNvGrpSpPr/>
+        <p:nvPr/>
+      </p:nvGrpSpPr>
+      <p:grpSpPr>
+        <a:xfrm>
+          <a:off x="0" y="0"/>
+          <a:ext cx="0" cy="0"/>
+          <a:chOff x="0" y="0"/>
+          <a:chExt cx="0" cy="0"/>
+        </a:xfrm>
+      </p:grpSpPr>
+      <p:pic>
+        <p:nvPicPr>
+          <p:cNvPr id="23" name="Picture 22">
+            <a:extLst>
+              <a:ext uri="{FF2B5EF4-FFF2-40B4-BE49-F238E27FC236}">
+                <a16:creationId xmlns:a16="http://schemas.microsoft.com/office/drawing/2014/main" id="{41B68C77-138E-4BF7-A276-BD0C78A4219F}"/>
+              </a:ext>
+              <a:ext uri="{C183D7F6-B498-43B3-948B-1728B52AA6E4}">
+                <adec:decorative xmlns:adec="http://schemas.microsoft.com/office/drawing/2017/decorative" val="1"/>
+              </a:ext>
+            </a:extLst>
+          </p:cNvPr>
+          <p:cNvPicPr>
+            <a:picLocks noGrp="1" noRot="1" noChangeAspect="1" noMove="1" noResize="1" noEditPoints="1" noAdjustHandles="1" noChangeArrowheads="1" noChangeShapeType="1" noCrop="1"/>
+          </p:cNvPicPr>
+          <p:nvPr>
+            <p:extLst>
+              <p:ext uri="{386F3935-93C4-4BCD-93E2-E3B085C9AB24}">
+                <p16:designElem xmlns:p16="http://schemas.microsoft.com/office/powerpoint/2015/main" val="1"/>
+              </p:ext>
+            </p:extLst>
+          </p:nvPr>
+        </p:nvPicPr>
+        <p:blipFill rotWithShape="1">
+          <a:blip r:embed="rId2">
+            <a:extLst>
+              <a:ext uri="{28A0092B-C50C-407E-A947-70E740481C1C}">
+                <a14:useLocalDpi xmlns:a14="http://schemas.microsoft.com/office/drawing/2010/main" val="0"/>
+              </a:ext>
+            </a:extLst>
+          </a:blip>
+          <a:srcRect l="3613"/>
+          <a:stretch/>
+        </p:blipFill>
+        <p:spPr>
+          <a:xfrm>
+            <a:off x="0" y="2669685"/>
+            <a:ext cx="4037012" cy="4188315"/>
+          </a:xfrm>
+          <a:prstGeom prst="rect">
+            <a:avLst/>
+          </a:prstGeom>
+        </p:spPr>
+      </p:pic>
+      <p:pic>
+        <p:nvPicPr>
+          <p:cNvPr id="25" name="Picture 24">
+            <a:extLst>
+              <a:ext uri="{FF2B5EF4-FFF2-40B4-BE49-F238E27FC236}">
+                <a16:creationId xmlns:a16="http://schemas.microsoft.com/office/drawing/2014/main" id="{7C268552-D473-46ED-B1B8-422042C4DEF1}"/>
+              </a:ext>
+              <a:ext uri="{C183D7F6-B498-43B3-948B-1728B52AA6E4}">
+                <adec:decorative xmlns:adec="http://schemas.microsoft.com/office/drawing/2017/decorative" val="1"/>
+              </a:ext>
+            </a:extLst>
+          </p:cNvPr>
+          <p:cNvPicPr>
+            <a:picLocks noGrp="1" noRot="1" noChangeAspect="1" noMove="1" noResize="1" noEditPoints="1" noAdjustHandles="1" noChangeArrowheads="1" noChangeShapeType="1" noCrop="1"/>
+          </p:cNvPicPr>
+          <p:nvPr>
+            <p:extLst>
+              <p:ext uri="{386F3935-93C4-4BCD-93E2-E3B085C9AB24}">
+                <p16:designElem xmlns:p16="http://schemas.microsoft.com/office/powerpoint/2015/main" val="1"/>
+              </p:ext>
+            </p:extLst>
+          </p:nvPr>
+        </p:nvPicPr>
+        <p:blipFill rotWithShape="1">
+          <a:blip r:embed="rId3">
+            <a:extLst>
+              <a:ext uri="{28A0092B-C50C-407E-A947-70E740481C1C}">
+                <a14:useLocalDpi xmlns:a14="http://schemas.microsoft.com/office/drawing/2010/main" val="0"/>
+              </a:ext>
+            </a:extLst>
+          </a:blip>
+          <a:srcRect l="35640"/>
+          <a:stretch/>
+        </p:blipFill>
+        <p:spPr>
+          <a:xfrm>
+            <a:off x="0" y="2892347"/>
+            <a:ext cx="1522412" cy="2365453"/>
+          </a:xfrm>
+          <a:prstGeom prst="rect">
+            <a:avLst/>
+          </a:prstGeom>
+        </p:spPr>
+      </p:pic>
+      <p:sp>
+        <p:nvSpPr>
+          <p:cNvPr id="27" name="Oval 26">
+            <a:extLst>
+              <a:ext uri="{FF2B5EF4-FFF2-40B4-BE49-F238E27FC236}">
+                <a16:creationId xmlns:a16="http://schemas.microsoft.com/office/drawing/2014/main" id="{4AC0CD9D-7610-4620-93B4-798CCD9AB581}"/>
+              </a:ext>
+              <a:ext uri="{C183D7F6-B498-43B3-948B-1728B52AA6E4}">
+                <adec:decorative xmlns:adec="http://schemas.microsoft.com/office/drawing/2017/decorative" val="1"/>
+              </a:ext>
+            </a:extLst>
+          </p:cNvPr>
+          <p:cNvSpPr>
+            <a:spLocks noGrp="1" noRot="1" noChangeAspect="1" noMove="1" noResize="1" noEditPoints="1" noAdjustHandles="1" noChangeArrowheads="1" noChangeShapeType="1" noTextEdit="1"/>
+          </p:cNvSpPr>
+          <p:nvPr>
+            <p:extLst>
+              <p:ext uri="{386F3935-93C4-4BCD-93E2-E3B085C9AB24}">
+                <p16:designElem xmlns:p16="http://schemas.microsoft.com/office/powerpoint/2015/main" val="1"/>
+              </p:ext>
+            </p:extLst>
+          </p:nvPr>
+        </p:nvSpPr>
+        <p:spPr>
+          <a:xfrm>
+            <a:off x="8609012" y="1676400"/>
+            <a:ext cx="2819400" cy="2819400"/>
+          </a:xfrm>
+          <a:prstGeom prst="ellipse">
+            <a:avLst/>
+          </a:prstGeom>
+          <a:gradFill flip="none" rotWithShape="1">
+            <a:gsLst>
+              <a:gs pos="0">
+                <a:schemeClr val="bg2">
+                  <a:lumMod val="60000"/>
+                  <a:lumOff val="40000"/>
+                  <a:alpha val="7000"/>
+                </a:schemeClr>
+              </a:gs>
+              <a:gs pos="69000">
+                <a:schemeClr val="bg2">
+                  <a:lumMod val="60000"/>
+                  <a:lumOff val="40000"/>
+                  <a:alpha val="0"/>
+                </a:schemeClr>
+              </a:gs>
+              <a:gs pos="36000">
+                <a:schemeClr val="bg2">
+                  <a:lumMod val="60000"/>
+                  <a:lumOff val="40000"/>
+                  <a:alpha val="6000"/>
+                </a:schemeClr>
+              </a:gs>
+            </a:gsLst>
+            <a:path path="circle">
+              <a:fillToRect l="50000" t="50000" r="50000" b="50000"/>
+            </a:path>
+            <a:tileRect/>
+          </a:gradFill>
+          <a:ln>
+            <a:noFill/>
+          </a:ln>
+          <a:effectLst/>
+        </p:spPr>
+        <p:style>
+          <a:lnRef idx="1">
+            <a:schemeClr val="accent1"/>
+          </a:lnRef>
+          <a:fillRef idx="3">
+            <a:schemeClr val="accent1"/>
+          </a:fillRef>
+          <a:effectRef idx="2">
+            <a:schemeClr val="accent1"/>
+          </a:effectRef>
+          <a:fontRef idx="minor">
+            <a:schemeClr val="lt1"/>
+          </a:fontRef>
+        </p:style>
+      </p:sp>
+      <p:pic>
+        <p:nvPicPr>
+          <p:cNvPr id="29" name="Picture 28">
+            <a:extLst>
+              <a:ext uri="{FF2B5EF4-FFF2-40B4-BE49-F238E27FC236}">
+                <a16:creationId xmlns:a16="http://schemas.microsoft.com/office/drawing/2014/main" id="{B9238B3E-24AA-439A-B527-6C5DF6D72145}"/>
+              </a:ext>
+              <a:ext uri="{C183D7F6-B498-43B3-948B-1728B52AA6E4}">
+                <adec:decorative xmlns:adec="http://schemas.microsoft.com/office/drawing/2017/decorative" val="1"/>
+              </a:ext>
+            </a:extLst>
+          </p:cNvPr>
+          <p:cNvPicPr>
+            <a:picLocks noGrp="1" noRot="1" noChangeAspect="1" noMove="1" noResize="1" noEditPoints="1" noAdjustHandles="1" noChangeArrowheads="1" noChangeShapeType="1" noCrop="1"/>
+          </p:cNvPicPr>
+          <p:nvPr>
+            <p:extLst>
+              <p:ext uri="{386F3935-93C4-4BCD-93E2-E3B085C9AB24}">
+                <p16:designElem xmlns:p16="http://schemas.microsoft.com/office/powerpoint/2015/main" val="1"/>
+              </p:ext>
+            </p:extLst>
+          </p:nvPr>
+        </p:nvPicPr>
+        <p:blipFill rotWithShape="1">
+          <a:blip r:embed="rId4">
+            <a:extLst>
+              <a:ext uri="{28A0092B-C50C-407E-A947-70E740481C1C}">
+                <a14:useLocalDpi xmlns:a14="http://schemas.microsoft.com/office/drawing/2010/main" val="0"/>
+              </a:ext>
+            </a:extLst>
+          </a:blip>
+          <a:srcRect t="28813"/>
+          <a:stretch/>
+        </p:blipFill>
+        <p:spPr>
+          <a:xfrm>
+            <a:off x="7999412" y="0"/>
+            <a:ext cx="1603387" cy="1141407"/>
+          </a:xfrm>
+          <a:prstGeom prst="rect">
+            <a:avLst/>
+          </a:prstGeom>
+        </p:spPr>
+      </p:pic>
+      <p:pic>
+        <p:nvPicPr>
+          <p:cNvPr id="31" name="Picture 30">
+            <a:extLst>
+              <a:ext uri="{FF2B5EF4-FFF2-40B4-BE49-F238E27FC236}">
+                <a16:creationId xmlns:a16="http://schemas.microsoft.com/office/drawing/2014/main" id="{69F01145-BEA3-4CBF-AA21-10077B948CA8}"/>
+              </a:ext>
+              <a:ext uri="{C183D7F6-B498-43B3-948B-1728B52AA6E4}">
+                <adec:decorative xmlns:adec="http://schemas.microsoft.com/office/drawing/2017/decorative" val="1"/>
+              </a:ext>
+            </a:extLst>
+          </p:cNvPr>
+          <p:cNvPicPr>
+            <a:picLocks noGrp="1" noRot="1" noChangeAspect="1" noMove="1" noResize="1" noEditPoints="1" noAdjustHandles="1" noChangeArrowheads="1" noChangeShapeType="1" noCrop="1"/>
+          </p:cNvPicPr>
+          <p:nvPr>
+            <p:extLst>
+              <p:ext uri="{386F3935-93C4-4BCD-93E2-E3B085C9AB24}">
+                <p16:designElem xmlns:p16="http://schemas.microsoft.com/office/powerpoint/2015/main" val="1"/>
+              </p:ext>
+            </p:extLst>
+          </p:nvPr>
+        </p:nvPicPr>
+        <p:blipFill rotWithShape="1">
+          <a:blip r:embed="rId5">
+            <a:extLst>
+              <a:ext uri="{28A0092B-C50C-407E-A947-70E740481C1C}">
+                <a14:useLocalDpi xmlns:a14="http://schemas.microsoft.com/office/drawing/2010/main" val="0"/>
+              </a:ext>
+            </a:extLst>
+          </a:blip>
+          <a:srcRect b="23320"/>
+          <a:stretch/>
+        </p:blipFill>
+        <p:spPr>
+          <a:xfrm>
+            <a:off x="8605878" y="6096000"/>
+            <a:ext cx="993734" cy="762000"/>
+          </a:xfrm>
+          <a:prstGeom prst="rect">
+            <a:avLst/>
+          </a:prstGeom>
+        </p:spPr>
+      </p:pic>
+      <p:sp>
+        <p:nvSpPr>
+          <p:cNvPr id="33" name="Rectangle 32">
+            <a:extLst>
+              <a:ext uri="{FF2B5EF4-FFF2-40B4-BE49-F238E27FC236}">
+                <a16:creationId xmlns:a16="http://schemas.microsoft.com/office/drawing/2014/main" id="{DE4D62F9-188E-4530-84C2-24BDEE4BEB82}"/>
+              </a:ext>
+              <a:ext uri="{C183D7F6-B498-43B3-948B-1728B52AA6E4}">
+                <adec:decorative xmlns:adec="http://schemas.microsoft.com/office/drawing/2017/decorative" val="1"/>
+              </a:ext>
+            </a:extLst>
+          </p:cNvPr>
+          <p:cNvSpPr>
+            <a:spLocks noGrp="1" noRot="1" noChangeAspect="1" noMove="1" noResize="1" noEditPoints="1" noAdjustHandles="1" noChangeArrowheads="1" noChangeShapeType="1" noTextEdit="1"/>
+          </p:cNvSpPr>
+          <p:nvPr>
+            <p:extLst>
+              <p:ext uri="{386F3935-93C4-4BCD-93E2-E3B085C9AB24}">
+                <p16:designElem xmlns:p16="http://schemas.microsoft.com/office/powerpoint/2015/main" val="1"/>
+              </p:ext>
+            </p:extLst>
+          </p:nvPr>
+        </p:nvSpPr>
+        <p:spPr>
+          <a:xfrm>
+            <a:off x="10437812" y="0"/>
+            <a:ext cx="685800" cy="1143000"/>
+          </a:xfrm>
+          <a:prstGeom prst="rect">
+            <a:avLst/>
+          </a:prstGeom>
+          <a:solidFill>
+            <a:schemeClr val="accent1"/>
+          </a:solidFill>
+          <a:ln>
+            <a:noFill/>
+          </a:ln>
+        </p:spPr>
+        <p:style>
+          <a:lnRef idx="1">
+            <a:schemeClr val="accent1"/>
+          </a:lnRef>
+          <a:fillRef idx="3">
+            <a:schemeClr val="accent1"/>
+          </a:fillRef>
+          <a:effectRef idx="2">
+            <a:schemeClr val="accent1"/>
+          </a:effectRef>
+          <a:fontRef idx="minor">
+            <a:schemeClr val="lt1"/>
+          </a:fontRef>
+        </p:style>
+      </p:sp>
+      <p:sp>
+        <p:nvSpPr>
+          <p:cNvPr id="35" name="Rectangle 34">
+            <a:extLst>
+              <a:ext uri="{FF2B5EF4-FFF2-40B4-BE49-F238E27FC236}">
+                <a16:creationId xmlns:a16="http://schemas.microsoft.com/office/drawing/2014/main" id="{B4AAD3FD-83A5-4B89-9F8F-01B8870865BE}"/>
+              </a:ext>
+              <a:ext uri="{C183D7F6-B498-43B3-948B-1728B52AA6E4}">
+                <adec:decorative xmlns:adec="http://schemas.microsoft.com/office/drawing/2017/decorative" val="1"/>
+              </a:ext>
+            </a:extLst>
+          </p:cNvPr>
+          <p:cNvSpPr>
+            <a:spLocks noGrp="1" noRot="1" noChangeAspect="1" noMove="1" noResize="1" noEditPoints="1" noAdjustHandles="1" noChangeArrowheads="1" noChangeShapeType="1" noTextEdit="1"/>
+          </p:cNvSpPr>
+          <p:nvPr>
+            <p:extLst>
+              <p:ext uri="{386F3935-93C4-4BCD-93E2-E3B085C9AB24}">
+                <p16:designElem xmlns:p16="http://schemas.microsoft.com/office/powerpoint/2015/main" val="1"/>
+              </p:ext>
+            </p:extLst>
+          </p:nvPr>
+        </p:nvSpPr>
+        <p:spPr>
+          <a:xfrm>
+            <a:off x="0" y="0"/>
+            <a:ext cx="12192000" cy="6858000"/>
+          </a:xfrm>
+          <a:prstGeom prst="rect">
+            <a:avLst/>
+          </a:prstGeom>
+          <a:ln>
+            <a:noFill/>
+          </a:ln>
+        </p:spPr>
+        <p:style>
+          <a:lnRef idx="2">
+            <a:schemeClr val="accent1">
+              <a:shade val="50000"/>
+            </a:schemeClr>
+          </a:lnRef>
+          <a:fillRef idx="1003">
+            <a:schemeClr val="dk2"/>
+          </a:fillRef>
+          <a:effectRef idx="0">
+            <a:schemeClr val="accent1"/>
+          </a:effectRef>
+          <a:fontRef idx="minor">
+            <a:schemeClr val="lt1"/>
+          </a:fontRef>
+        </p:style>
+        <p:txBody>
+          <a:bodyPr rtlCol="0" anchor="ctr"/>
+          <a:lstStyle/>
+          <a:p>
+            <a:pPr algn="ctr"/>
+            <a:endParaRPr lang="en-US"/>
+          </a:p>
+        </p:txBody>
+      </p:sp>
+      <p:sp>
+        <p:nvSpPr>
+          <p:cNvPr id="7" name="Title 6">
+            <a:extLst>
+              <a:ext uri="{FF2B5EF4-FFF2-40B4-BE49-F238E27FC236}">
+                <a16:creationId xmlns:a16="http://schemas.microsoft.com/office/drawing/2014/main" id="{276BC0FD-9156-4D17-AD10-7ACBC6B032C6}"/>
+              </a:ext>
+            </a:extLst>
+          </p:cNvPr>
+          <p:cNvSpPr>
+            <a:spLocks noGrp="1"/>
+          </p:cNvSpPr>
+          <p:nvPr>
+            <p:ph type="title"/>
+          </p:nvPr>
+        </p:nvSpPr>
+        <p:spPr>
+          <a:xfrm>
+            <a:off x="648931" y="629266"/>
+            <a:ext cx="4166510" cy="1622321"/>
+          </a:xfrm>
+        </p:spPr>
+        <p:txBody>
+          <a:bodyPr vert="horz" lIns="91440" tIns="45720" rIns="91440" bIns="45720" rtlCol="0" anchor="t">
+            <a:normAutofit/>
+          </a:bodyPr>
+          <a:lstStyle/>
+          <a:p>
+            <a:r>
+              <a:rPr lang="zh-CN" altLang="en-US" sz="4200" b="0" i="0" kern="1200" dirty="0">
+                <a:solidFill>
+                  <a:srgbClr val="EBEBEB"/>
+                </a:solidFill>
+                <a:latin typeface="+mj-lt"/>
+                <a:ea typeface="+mj-ea"/>
+                <a:cs typeface="+mj-cs"/>
+              </a:rPr>
+              <a:t>调试步骤</a:t>
+            </a:r>
+            <a:endParaRPr lang="en-US" sz="4200" b="0" i="0" kern="1200" dirty="0">
+              <a:solidFill>
+                <a:srgbClr val="EBEBEB"/>
+              </a:solidFill>
+              <a:latin typeface="+mj-lt"/>
+              <a:ea typeface="+mj-ea"/>
+              <a:cs typeface="+mj-cs"/>
+            </a:endParaRPr>
+          </a:p>
+        </p:txBody>
+      </p:sp>
+      <p:sp>
+        <p:nvSpPr>
+          <p:cNvPr id="37" name="Freeform 31">
+            <a:extLst>
+              <a:ext uri="{FF2B5EF4-FFF2-40B4-BE49-F238E27FC236}">
+                <a16:creationId xmlns:a16="http://schemas.microsoft.com/office/drawing/2014/main" id="{61752F1D-FC0F-4103-9584-630E643CCDA6}"/>
+              </a:ext>
+              <a:ext uri="{C183D7F6-B498-43B3-948B-1728B52AA6E4}">
+                <adec:decorative xmlns:adec="http://schemas.microsoft.com/office/drawing/2017/decorative" val="1"/>
+              </a:ext>
+            </a:extLst>
+          </p:cNvPr>
+          <p:cNvSpPr>
+            <a:spLocks noGrp="1" noRot="1" noChangeAspect="1" noMove="1" noResize="1" noEditPoints="1" noAdjustHandles="1" noChangeArrowheads="1" noChangeShapeType="1" noTextEdit="1"/>
+          </p:cNvSpPr>
+          <p:nvPr>
+            <p:extLst>
+              <p:ext uri="{386F3935-93C4-4BCD-93E2-E3B085C9AB24}">
+                <p16:designElem xmlns:p16="http://schemas.microsoft.com/office/powerpoint/2015/main" val="1"/>
+              </p:ext>
+            </p:extLst>
+          </p:nvPr>
+        </p:nvSpPr>
+        <p:spPr>
+          <a:xfrm>
+            <a:off x="4994020" y="-1"/>
+            <a:ext cx="559472" cy="3709642"/>
+          </a:xfrm>
+          <a:custGeom>
+            <a:avLst/>
+            <a:gdLst>
+              <a:gd name="connsiteX0" fmla="*/ 0 w 559472"/>
+              <a:gd name="connsiteY0" fmla="*/ 0 h 3709642"/>
+              <a:gd name="connsiteX1" fmla="*/ 473952 w 559472"/>
+              <a:gd name="connsiteY1" fmla="*/ 0 h 3709642"/>
+              <a:gd name="connsiteX2" fmla="*/ 485840 w 559472"/>
+              <a:gd name="connsiteY2" fmla="*/ 161194 h 3709642"/>
+              <a:gd name="connsiteX3" fmla="*/ 523949 w 559472"/>
+              <a:gd name="connsiteY3" fmla="*/ 3672197 h 3709642"/>
+              <a:gd name="connsiteX4" fmla="*/ 454748 w 559472"/>
+              <a:gd name="connsiteY4" fmla="*/ 3709642 h 3709642"/>
+              <a:gd name="connsiteX5" fmla="*/ 448224 w 559472"/>
+              <a:gd name="connsiteY5" fmla="*/ 3510471 h 3709642"/>
+              <a:gd name="connsiteX6" fmla="*/ 443564 w 559472"/>
+              <a:gd name="connsiteY6" fmla="*/ 3408563 h 3709642"/>
+              <a:gd name="connsiteX7" fmla="*/ 438902 w 559472"/>
+              <a:gd name="connsiteY7" fmla="*/ 3304407 h 3709642"/>
+              <a:gd name="connsiteX8" fmla="*/ 433941 w 559472"/>
+              <a:gd name="connsiteY8" fmla="*/ 3198777 h 3709642"/>
+              <a:gd name="connsiteX9" fmla="*/ 427584 w 559472"/>
+              <a:gd name="connsiteY9" fmla="*/ 3092510 h 3709642"/>
+              <a:gd name="connsiteX10" fmla="*/ 420988 w 559472"/>
+              <a:gd name="connsiteY10" fmla="*/ 2984390 h 3709642"/>
+              <a:gd name="connsiteX11" fmla="*/ 414330 w 559472"/>
+              <a:gd name="connsiteY11" fmla="*/ 2874401 h 3709642"/>
+              <a:gd name="connsiteX12" fmla="*/ 406840 w 559472"/>
+              <a:gd name="connsiteY12" fmla="*/ 2762980 h 3709642"/>
+              <a:gd name="connsiteX13" fmla="*/ 397745 w 559472"/>
+              <a:gd name="connsiteY13" fmla="*/ 2650566 h 3709642"/>
+              <a:gd name="connsiteX14" fmla="*/ 389154 w 559472"/>
+              <a:gd name="connsiteY14" fmla="*/ 2536612 h 3709642"/>
+              <a:gd name="connsiteX15" fmla="*/ 379225 w 559472"/>
+              <a:gd name="connsiteY15" fmla="*/ 2421642 h 3709642"/>
+              <a:gd name="connsiteX16" fmla="*/ 368316 w 559472"/>
+              <a:gd name="connsiteY16" fmla="*/ 2305627 h 3709642"/>
+              <a:gd name="connsiteX17" fmla="*/ 357466 w 559472"/>
+              <a:gd name="connsiteY17" fmla="*/ 2189233 h 3709642"/>
+              <a:gd name="connsiteX18" fmla="*/ 344982 w 559472"/>
+              <a:gd name="connsiteY18" fmla="*/ 2071473 h 3709642"/>
+              <a:gd name="connsiteX19" fmla="*/ 332466 w 559472"/>
+              <a:gd name="connsiteY19" fmla="*/ 1952216 h 3709642"/>
+              <a:gd name="connsiteX20" fmla="*/ 319121 w 559472"/>
+              <a:gd name="connsiteY20" fmla="*/ 1833776 h 3709642"/>
+              <a:gd name="connsiteX21" fmla="*/ 304408 w 559472"/>
+              <a:gd name="connsiteY21" fmla="*/ 1713948 h 3709642"/>
+              <a:gd name="connsiteX22" fmla="*/ 288685 w 559472"/>
+              <a:gd name="connsiteY22" fmla="*/ 1592703 h 3709642"/>
+              <a:gd name="connsiteX23" fmla="*/ 273050 w 559472"/>
+              <a:gd name="connsiteY23" fmla="*/ 1471451 h 3709642"/>
+              <a:gd name="connsiteX24" fmla="*/ 255813 w 559472"/>
+              <a:gd name="connsiteY24" fmla="*/ 1350328 h 3709642"/>
+              <a:gd name="connsiteX25" fmla="*/ 237060 w 559472"/>
+              <a:gd name="connsiteY25" fmla="*/ 1227080 h 3709642"/>
+              <a:gd name="connsiteX26" fmla="*/ 218488 w 559472"/>
+              <a:gd name="connsiteY26" fmla="*/ 1106065 h 3709642"/>
+              <a:gd name="connsiteX27" fmla="*/ 198221 w 559472"/>
+              <a:gd name="connsiteY27" fmla="*/ 982940 h 3709642"/>
+              <a:gd name="connsiteX28" fmla="*/ 177152 w 559472"/>
+              <a:gd name="connsiteY28" fmla="*/ 858755 h 3709642"/>
+              <a:gd name="connsiteX29" fmla="*/ 155551 w 559472"/>
+              <a:gd name="connsiteY29" fmla="*/ 736861 h 3709642"/>
+              <a:gd name="connsiteX30" fmla="*/ 131782 w 559472"/>
+              <a:gd name="connsiteY30" fmla="*/ 613645 h 3709642"/>
+              <a:gd name="connsiteX31" fmla="*/ 107123 w 559472"/>
+              <a:gd name="connsiteY31" fmla="*/ 490500 h 3709642"/>
+              <a:gd name="connsiteX32" fmla="*/ 82552 w 559472"/>
+              <a:gd name="connsiteY32" fmla="*/ 367348 h 3709642"/>
+              <a:gd name="connsiteX33" fmla="*/ 55608 w 559472"/>
+              <a:gd name="connsiteY33" fmla="*/ 244762 h 3709642"/>
+              <a:gd name="connsiteX34" fmla="*/ 28130 w 559472"/>
+              <a:gd name="connsiteY34" fmla="*/ 122220 h 3709642"/>
+              <a:gd name="connsiteX35" fmla="*/ 0 w 559472"/>
+              <a:gd name="connsiteY35" fmla="*/ 0 h 3709642"/>
+            </a:gdLst>
+            <a:ahLst/>
+            <a:cxnLst>
+              <a:cxn ang="0">
+                <a:pos x="connsiteX0" y="connsiteY0"/>
+              </a:cxn>
+              <a:cxn ang="0">
+                <a:pos x="connsiteX1" y="connsiteY1"/>
+              </a:cxn>
+              <a:cxn ang="0">
+                <a:pos x="connsiteX2" y="connsiteY2"/>
+              </a:cxn>
+              <a:cxn ang="0">
+                <a:pos x="connsiteX3" y="connsiteY3"/>
+              </a:cxn>
+              <a:cxn ang="0">
+                <a:pos x="connsiteX4" y="connsiteY4"/>
+              </a:cxn>
+              <a:cxn ang="0">
+                <a:pos x="connsiteX5" y="connsiteY5"/>
+              </a:cxn>
+              <a:cxn ang="0">
+                <a:pos x="connsiteX6" y="connsiteY6"/>
+              </a:cxn>
+              <a:cxn ang="0">
+                <a:pos x="connsiteX7" y="connsiteY7"/>
+              </a:cxn>
+              <a:cxn ang="0">
+                <a:pos x="connsiteX8" y="connsiteY8"/>
+              </a:cxn>
+              <a:cxn ang="0">
+                <a:pos x="connsiteX9" y="connsiteY9"/>
+              </a:cxn>
+              <a:cxn ang="0">
+                <a:pos x="connsiteX10" y="connsiteY10"/>
+              </a:cxn>
+              <a:cxn ang="0">
+                <a:pos x="connsiteX11" y="connsiteY11"/>
+              </a:cxn>
+              <a:cxn ang="0">
+                <a:pos x="connsiteX12" y="connsiteY12"/>
+              </a:cxn>
+              <a:cxn ang="0">
+                <a:pos x="connsiteX13" y="connsiteY13"/>
+              </a:cxn>
+              <a:cxn ang="0">
+                <a:pos x="connsiteX14" y="connsiteY14"/>
+              </a:cxn>
+              <a:cxn ang="0">
+                <a:pos x="connsiteX15" y="connsiteY15"/>
+              </a:cxn>
+              <a:cxn ang="0">
+                <a:pos x="connsiteX16" y="connsiteY16"/>
+              </a:cxn>
+              <a:cxn ang="0">
+                <a:pos x="connsiteX17" y="connsiteY17"/>
+              </a:cxn>
+              <a:cxn ang="0">
+                <a:pos x="connsiteX18" y="connsiteY18"/>
+              </a:cxn>
+              <a:cxn ang="0">
+                <a:pos x="connsiteX19" y="connsiteY19"/>
+              </a:cxn>
+              <a:cxn ang="0">
+                <a:pos x="connsiteX20" y="connsiteY20"/>
+              </a:cxn>
+              <a:cxn ang="0">
+                <a:pos x="connsiteX21" y="connsiteY21"/>
+              </a:cxn>
+              <a:cxn ang="0">
+                <a:pos x="connsiteX22" y="connsiteY22"/>
+              </a:cxn>
+              <a:cxn ang="0">
+                <a:pos x="connsiteX23" y="connsiteY23"/>
+              </a:cxn>
+              <a:cxn ang="0">
+                <a:pos x="connsiteX24" y="connsiteY24"/>
+              </a:cxn>
+              <a:cxn ang="0">
+                <a:pos x="connsiteX25" y="connsiteY25"/>
+              </a:cxn>
+              <a:cxn ang="0">
+                <a:pos x="connsiteX26" y="connsiteY26"/>
+              </a:cxn>
+              <a:cxn ang="0">
+                <a:pos x="connsiteX27" y="connsiteY27"/>
+              </a:cxn>
+              <a:cxn ang="0">
+                <a:pos x="connsiteX28" y="connsiteY28"/>
+              </a:cxn>
+              <a:cxn ang="0">
+                <a:pos x="connsiteX29" y="connsiteY29"/>
+              </a:cxn>
+              <a:cxn ang="0">
+                <a:pos x="connsiteX30" y="connsiteY30"/>
+              </a:cxn>
+              <a:cxn ang="0">
+                <a:pos x="connsiteX31" y="connsiteY31"/>
+              </a:cxn>
+              <a:cxn ang="0">
+                <a:pos x="connsiteX32" y="connsiteY32"/>
+              </a:cxn>
+              <a:cxn ang="0">
+                <a:pos x="connsiteX33" y="connsiteY33"/>
+              </a:cxn>
+              <a:cxn ang="0">
+                <a:pos x="connsiteX34" y="connsiteY34"/>
+              </a:cxn>
+              <a:cxn ang="0">
+                <a:pos x="connsiteX35" y="connsiteY35"/>
+              </a:cxn>
+            </a:cxnLst>
+            <a:rect l="l" t="t" r="r" b="b"/>
+            <a:pathLst>
+              <a:path w="559472" h="3709642">
+                <a:moveTo>
+                  <a:pt x="0" y="0"/>
+                </a:moveTo>
+                <a:lnTo>
+                  <a:pt x="473952" y="0"/>
+                </a:lnTo>
+                <a:lnTo>
+                  <a:pt x="485840" y="161194"/>
+                </a:lnTo>
+                <a:cubicBezTo>
+                  <a:pt x="552063" y="1147770"/>
+                  <a:pt x="592441" y="3086737"/>
+                  <a:pt x="523949" y="3672197"/>
+                </a:cubicBezTo>
+                <a:cubicBezTo>
+                  <a:pt x="500842" y="3684557"/>
+                  <a:pt x="477855" y="3697282"/>
+                  <a:pt x="454748" y="3709642"/>
+                </a:cubicBezTo>
+                <a:lnTo>
+                  <a:pt x="448224" y="3510471"/>
+                </a:lnTo>
+                <a:lnTo>
+                  <a:pt x="443564" y="3408563"/>
+                </a:lnTo>
+                <a:lnTo>
+                  <a:pt x="438902" y="3304407"/>
+                </a:lnTo>
+                <a:lnTo>
+                  <a:pt x="433941" y="3198777"/>
+                </a:lnTo>
+                <a:lnTo>
+                  <a:pt x="427584" y="3092510"/>
+                </a:lnTo>
+                <a:lnTo>
+                  <a:pt x="420988" y="2984390"/>
+                </a:lnTo>
+                <a:lnTo>
+                  <a:pt x="414330" y="2874401"/>
+                </a:lnTo>
+                <a:lnTo>
+                  <a:pt x="406840" y="2762980"/>
+                </a:lnTo>
+                <a:lnTo>
+                  <a:pt x="397745" y="2650566"/>
+                </a:lnTo>
+                <a:lnTo>
+                  <a:pt x="389154" y="2536612"/>
+                </a:lnTo>
+                <a:lnTo>
+                  <a:pt x="379225" y="2421642"/>
+                </a:lnTo>
+                <a:lnTo>
+                  <a:pt x="368316" y="2305627"/>
+                </a:lnTo>
+                <a:lnTo>
+                  <a:pt x="357466" y="2189233"/>
+                </a:lnTo>
+                <a:lnTo>
+                  <a:pt x="344982" y="2071473"/>
+                </a:lnTo>
+                <a:lnTo>
+                  <a:pt x="332466" y="1952216"/>
+                </a:lnTo>
+                <a:lnTo>
+                  <a:pt x="319121" y="1833776"/>
+                </a:lnTo>
+                <a:lnTo>
+                  <a:pt x="304408" y="1713948"/>
+                </a:lnTo>
+                <a:lnTo>
+                  <a:pt x="288685" y="1592703"/>
+                </a:lnTo>
+                <a:lnTo>
+                  <a:pt x="273050" y="1471451"/>
+                </a:lnTo>
+                <a:lnTo>
+                  <a:pt x="255813" y="1350328"/>
+                </a:lnTo>
+                <a:lnTo>
+                  <a:pt x="237060" y="1227080"/>
+                </a:lnTo>
+                <a:lnTo>
+                  <a:pt x="218488" y="1106065"/>
+                </a:lnTo>
+                <a:lnTo>
+                  <a:pt x="198221" y="982940"/>
+                </a:lnTo>
+                <a:lnTo>
+                  <a:pt x="177152" y="858755"/>
+                </a:lnTo>
+                <a:lnTo>
+                  <a:pt x="155551" y="736861"/>
+                </a:lnTo>
+                <a:lnTo>
+                  <a:pt x="131782" y="613645"/>
+                </a:lnTo>
+                <a:lnTo>
+                  <a:pt x="107123" y="490500"/>
+                </a:lnTo>
+                <a:lnTo>
+                  <a:pt x="82552" y="367348"/>
+                </a:lnTo>
+                <a:lnTo>
+                  <a:pt x="55608" y="244762"/>
+                </a:lnTo>
+                <a:lnTo>
+                  <a:pt x="28130" y="122220"/>
+                </a:lnTo>
+                <a:lnTo>
+                  <a:pt x="0" y="0"/>
+                </a:lnTo>
+                <a:close/>
+              </a:path>
+            </a:pathLst>
+          </a:custGeom>
+          <a:solidFill>
+            <a:schemeClr val="bg1">
+              <a:alpha val="20000"/>
+            </a:schemeClr>
+          </a:solidFill>
+          <a:ln>
+            <a:noFill/>
+          </a:ln>
+        </p:spPr>
+        <p:txBody>
+          <a:bodyPr rtlCol="0" anchor="ctr"/>
+          <a:lstStyle/>
+          <a:p>
+            <a:pPr algn="ctr"/>
+            <a:endParaRPr lang="en-US"/>
+          </a:p>
+        </p:txBody>
+      </p:sp>
+      <p:sp useBgFill="1">
+        <p:nvSpPr>
+          <p:cNvPr id="39" name="Freeform: Shape 38">
+            <a:extLst>
+              <a:ext uri="{FF2B5EF4-FFF2-40B4-BE49-F238E27FC236}">
+                <a16:creationId xmlns:a16="http://schemas.microsoft.com/office/drawing/2014/main" id="{70151CB7-E7DE-4917-B831-01DF9CE01306}"/>
+              </a:ext>
+              <a:ext uri="{C183D7F6-B498-43B3-948B-1728B52AA6E4}">
+                <adec:decorative xmlns:adec="http://schemas.microsoft.com/office/drawing/2017/decorative" val="1"/>
+              </a:ext>
+            </a:extLst>
+          </p:cNvPr>
+          <p:cNvSpPr>
+            <a:spLocks noGrp="1" noRot="1" noChangeAspect="1" noMove="1" noResize="1" noEditPoints="1" noAdjustHandles="1" noChangeArrowheads="1" noChangeShapeType="1" noTextEdit="1"/>
+          </p:cNvSpPr>
+          <p:nvPr>
+            <p:extLst>
+              <p:ext uri="{386F3935-93C4-4BCD-93E2-E3B085C9AB24}">
+                <p16:designElem xmlns:p16="http://schemas.microsoft.com/office/powerpoint/2015/main" val="1"/>
+              </p:ext>
+            </p:extLst>
+          </p:nvPr>
+        </p:nvSpPr>
+        <p:spPr bwMode="gray">
+          <a:xfrm rot="16200000">
+            <a:off x="5270819" y="-63600"/>
+            <a:ext cx="6858001" cy="6985200"/>
+          </a:xfrm>
+          <a:custGeom>
+            <a:avLst/>
+            <a:gdLst>
+              <a:gd name="connsiteX0" fmla="*/ 6858001 w 6858001"/>
+              <a:gd name="connsiteY0" fmla="*/ 1177 h 6985200"/>
+              <a:gd name="connsiteX1" fmla="*/ 6858001 w 6858001"/>
+              <a:gd name="connsiteY1" fmla="*/ 1344715 h 6985200"/>
+              <a:gd name="connsiteX2" fmla="*/ 6858000 w 6858001"/>
+              <a:gd name="connsiteY2" fmla="*/ 1344715 h 6985200"/>
+              <a:gd name="connsiteX3" fmla="*/ 6858000 w 6858001"/>
+              <a:gd name="connsiteY3" fmla="*/ 6985200 h 6985200"/>
+              <a:gd name="connsiteX4" fmla="*/ 0 w 6858001"/>
+              <a:gd name="connsiteY4" fmla="*/ 6985199 h 6985200"/>
+              <a:gd name="connsiteX5" fmla="*/ 0 w 6858001"/>
+              <a:gd name="connsiteY5" fmla="*/ 886772 h 6985200"/>
+              <a:gd name="connsiteX6" fmla="*/ 1 w 6858001"/>
+              <a:gd name="connsiteY6" fmla="*/ 886772 h 6985200"/>
+              <a:gd name="connsiteX7" fmla="*/ 1 w 6858001"/>
+              <a:gd name="connsiteY7" fmla="*/ 0 h 6985200"/>
+              <a:gd name="connsiteX8" fmla="*/ 40463 w 6858001"/>
+              <a:gd name="connsiteY8" fmla="*/ 5883 h 6985200"/>
+              <a:gd name="connsiteX9" fmla="*/ 159107 w 6858001"/>
+              <a:gd name="connsiteY9" fmla="*/ 23196 h 6985200"/>
+              <a:gd name="connsiteX10" fmla="*/ 245518 w 6858001"/>
+              <a:gd name="connsiteY10" fmla="*/ 35299 h 6985200"/>
+              <a:gd name="connsiteX11" fmla="*/ 348388 w 6858001"/>
+              <a:gd name="connsiteY11" fmla="*/ 48073 h 6985200"/>
+              <a:gd name="connsiteX12" fmla="*/ 470460 w 6858001"/>
+              <a:gd name="connsiteY12" fmla="*/ 63369 h 6985200"/>
+              <a:gd name="connsiteX13" fmla="*/ 605563 w 6858001"/>
+              <a:gd name="connsiteY13" fmla="*/ 79506 h 6985200"/>
+              <a:gd name="connsiteX14" fmla="*/ 757810 w 6858001"/>
+              <a:gd name="connsiteY14" fmla="*/ 96483 h 6985200"/>
+              <a:gd name="connsiteX15" fmla="*/ 923774 w 6858001"/>
+              <a:gd name="connsiteY15" fmla="*/ 114469 h 6985200"/>
+              <a:gd name="connsiteX16" fmla="*/ 1104139 w 6858001"/>
+              <a:gd name="connsiteY16" fmla="*/ 132454 h 6985200"/>
+              <a:gd name="connsiteX17" fmla="*/ 1296163 w 6858001"/>
+              <a:gd name="connsiteY17" fmla="*/ 150776 h 6985200"/>
+              <a:gd name="connsiteX18" fmla="*/ 1503275 w 6858001"/>
+              <a:gd name="connsiteY18" fmla="*/ 167753 h 6985200"/>
+              <a:gd name="connsiteX19" fmla="*/ 1719988 w 6858001"/>
+              <a:gd name="connsiteY19" fmla="*/ 184058 h 6985200"/>
+              <a:gd name="connsiteX20" fmla="*/ 1949045 w 6858001"/>
+              <a:gd name="connsiteY20" fmla="*/ 198849 h 6985200"/>
+              <a:gd name="connsiteX21" fmla="*/ 2187703 w 6858001"/>
+              <a:gd name="connsiteY21" fmla="*/ 212969 h 6985200"/>
+              <a:gd name="connsiteX22" fmla="*/ 2436649 w 6858001"/>
+              <a:gd name="connsiteY22" fmla="*/ 226248 h 6985200"/>
+              <a:gd name="connsiteX23" fmla="*/ 2564208 w 6858001"/>
+              <a:gd name="connsiteY23" fmla="*/ 230955 h 6985200"/>
+              <a:gd name="connsiteX24" fmla="*/ 2694509 w 6858001"/>
+              <a:gd name="connsiteY24" fmla="*/ 236165 h 6985200"/>
+              <a:gd name="connsiteX25" fmla="*/ 2826869 w 6858001"/>
+              <a:gd name="connsiteY25" fmla="*/ 241040 h 6985200"/>
+              <a:gd name="connsiteX26" fmla="*/ 2959914 w 6858001"/>
+              <a:gd name="connsiteY26" fmla="*/ 244234 h 6985200"/>
+              <a:gd name="connsiteX27" fmla="*/ 3095702 w 6858001"/>
+              <a:gd name="connsiteY27" fmla="*/ 247091 h 6985200"/>
+              <a:gd name="connsiteX28" fmla="*/ 3232862 w 6858001"/>
+              <a:gd name="connsiteY28" fmla="*/ 250117 h 6985200"/>
+              <a:gd name="connsiteX29" fmla="*/ 3372766 w 6858001"/>
+              <a:gd name="connsiteY29" fmla="*/ 252134 h 6985200"/>
+              <a:gd name="connsiteX30" fmla="*/ 3514040 w 6858001"/>
+              <a:gd name="connsiteY30" fmla="*/ 252134 h 6985200"/>
+              <a:gd name="connsiteX31" fmla="*/ 3656686 w 6858001"/>
+              <a:gd name="connsiteY31" fmla="*/ 253142 h 6985200"/>
+              <a:gd name="connsiteX32" fmla="*/ 3800705 w 6858001"/>
+              <a:gd name="connsiteY32" fmla="*/ 252134 h 6985200"/>
+              <a:gd name="connsiteX33" fmla="*/ 3946780 w 6858001"/>
+              <a:gd name="connsiteY33" fmla="*/ 250117 h 6985200"/>
+              <a:gd name="connsiteX34" fmla="*/ 4092856 w 6858001"/>
+              <a:gd name="connsiteY34" fmla="*/ 248268 h 6985200"/>
+              <a:gd name="connsiteX35" fmla="*/ 4240988 w 6858001"/>
+              <a:gd name="connsiteY35" fmla="*/ 244234 h 6985200"/>
+              <a:gd name="connsiteX36" fmla="*/ 4390492 w 6858001"/>
+              <a:gd name="connsiteY36" fmla="*/ 240032 h 6985200"/>
+              <a:gd name="connsiteX37" fmla="*/ 4539997 w 6858001"/>
+              <a:gd name="connsiteY37" fmla="*/ 235157 h 6985200"/>
+              <a:gd name="connsiteX38" fmla="*/ 4690873 w 6858001"/>
+              <a:gd name="connsiteY38" fmla="*/ 228266 h 6985200"/>
+              <a:gd name="connsiteX39" fmla="*/ 4843120 w 6858001"/>
+              <a:gd name="connsiteY39" fmla="*/ 220029 h 6985200"/>
+              <a:gd name="connsiteX40" fmla="*/ 4996054 w 6858001"/>
+              <a:gd name="connsiteY40" fmla="*/ 212129 h 6985200"/>
+              <a:gd name="connsiteX41" fmla="*/ 5148987 w 6858001"/>
+              <a:gd name="connsiteY41" fmla="*/ 202044 h 6985200"/>
+              <a:gd name="connsiteX42" fmla="*/ 5303978 w 6858001"/>
+              <a:gd name="connsiteY42" fmla="*/ 189941 h 6985200"/>
+              <a:gd name="connsiteX43" fmla="*/ 5456911 w 6858001"/>
+              <a:gd name="connsiteY43" fmla="*/ 177839 h 6985200"/>
+              <a:gd name="connsiteX44" fmla="*/ 5612588 w 6858001"/>
+              <a:gd name="connsiteY44" fmla="*/ 163887 h 6985200"/>
+              <a:gd name="connsiteX45" fmla="*/ 5768950 w 6858001"/>
+              <a:gd name="connsiteY45" fmla="*/ 148591 h 6985200"/>
+              <a:gd name="connsiteX46" fmla="*/ 5923255 w 6858001"/>
+              <a:gd name="connsiteY46" fmla="*/ 132455 h 6985200"/>
+              <a:gd name="connsiteX47" fmla="*/ 6079618 w 6858001"/>
+              <a:gd name="connsiteY47" fmla="*/ 113629 h 6985200"/>
+              <a:gd name="connsiteX48" fmla="*/ 6235294 w 6858001"/>
+              <a:gd name="connsiteY48" fmla="*/ 93458 h 6985200"/>
+              <a:gd name="connsiteX49" fmla="*/ 6391657 w 6858001"/>
+              <a:gd name="connsiteY49" fmla="*/ 73455 h 6985200"/>
+              <a:gd name="connsiteX50" fmla="*/ 6547333 w 6858001"/>
+              <a:gd name="connsiteY50" fmla="*/ 50091 h 6985200"/>
+              <a:gd name="connsiteX51" fmla="*/ 6702324 w 6858001"/>
+              <a:gd name="connsiteY51" fmla="*/ 26222 h 6985200"/>
+            </a:gdLst>
+            <a:ahLst/>
+            <a:cxnLst>
+              <a:cxn ang="0">
+                <a:pos x="connsiteX0" y="connsiteY0"/>
+              </a:cxn>
+              <a:cxn ang="0">
+                <a:pos x="connsiteX1" y="connsiteY1"/>
+              </a:cxn>
+              <a:cxn ang="0">
+                <a:pos x="connsiteX2" y="connsiteY2"/>
+              </a:cxn>
+              <a:cxn ang="0">
+                <a:pos x="connsiteX3" y="connsiteY3"/>
+              </a:cxn>
+              <a:cxn ang="0">
+                <a:pos x="connsiteX4" y="connsiteY4"/>
+              </a:cxn>
+              <a:cxn ang="0">
+                <a:pos x="connsiteX5" y="connsiteY5"/>
+              </a:cxn>
+              <a:cxn ang="0">
+                <a:pos x="connsiteX6" y="connsiteY6"/>
+              </a:cxn>
+              <a:cxn ang="0">
+                <a:pos x="connsiteX7" y="connsiteY7"/>
+              </a:cxn>
+              <a:cxn ang="0">
+                <a:pos x="connsiteX8" y="connsiteY8"/>
+              </a:cxn>
+              <a:cxn ang="0">
+                <a:pos x="connsiteX9" y="connsiteY9"/>
+              </a:cxn>
+              <a:cxn ang="0">
+                <a:pos x="connsiteX10" y="connsiteY10"/>
+              </a:cxn>
+              <a:cxn ang="0">
+                <a:pos x="connsiteX11" y="connsiteY11"/>
+              </a:cxn>
+              <a:cxn ang="0">
+                <a:pos x="connsiteX12" y="connsiteY12"/>
+              </a:cxn>
+              <a:cxn ang="0">
+                <a:pos x="connsiteX13" y="connsiteY13"/>
+              </a:cxn>
+              <a:cxn ang="0">
+                <a:pos x="connsiteX14" y="connsiteY14"/>
+              </a:cxn>
+              <a:cxn ang="0">
+                <a:pos x="connsiteX15" y="connsiteY15"/>
+              </a:cxn>
+              <a:cxn ang="0">
+                <a:pos x="connsiteX16" y="connsiteY16"/>
+              </a:cxn>
+              <a:cxn ang="0">
+                <a:pos x="connsiteX17" y="connsiteY17"/>
+              </a:cxn>
+              <a:cxn ang="0">
+                <a:pos x="connsiteX18" y="connsiteY18"/>
+              </a:cxn>
+              <a:cxn ang="0">
+                <a:pos x="connsiteX19" y="connsiteY19"/>
+              </a:cxn>
+              <a:cxn ang="0">
+                <a:pos x="connsiteX20" y="connsiteY20"/>
+              </a:cxn>
+              <a:cxn ang="0">
+                <a:pos x="connsiteX21" y="connsiteY21"/>
+              </a:cxn>
+              <a:cxn ang="0">
+                <a:pos x="connsiteX22" y="connsiteY22"/>
+              </a:cxn>
+              <a:cxn ang="0">
+                <a:pos x="connsiteX23" y="connsiteY23"/>
+              </a:cxn>
+              <a:cxn ang="0">
+                <a:pos x="connsiteX24" y="connsiteY24"/>
+              </a:cxn>
+              <a:cxn ang="0">
+                <a:pos x="connsiteX25" y="connsiteY25"/>
+              </a:cxn>
+              <a:cxn ang="0">
+                <a:pos x="connsiteX26" y="connsiteY26"/>
+              </a:cxn>
+              <a:cxn ang="0">
+                <a:pos x="connsiteX27" y="connsiteY27"/>
+              </a:cxn>
+              <a:cxn ang="0">
+                <a:pos x="connsiteX28" y="connsiteY28"/>
+              </a:cxn>
+              <a:cxn ang="0">
+                <a:pos x="connsiteX29" y="connsiteY29"/>
+              </a:cxn>
+              <a:cxn ang="0">
+                <a:pos x="connsiteX30" y="connsiteY30"/>
+              </a:cxn>
+              <a:cxn ang="0">
+                <a:pos x="connsiteX31" y="connsiteY31"/>
+              </a:cxn>
+              <a:cxn ang="0">
+                <a:pos x="connsiteX32" y="connsiteY32"/>
+              </a:cxn>
+              <a:cxn ang="0">
+                <a:pos x="connsiteX33" y="connsiteY33"/>
+              </a:cxn>
+              <a:cxn ang="0">
+                <a:pos x="connsiteX34" y="connsiteY34"/>
+              </a:cxn>
+              <a:cxn ang="0">
+                <a:pos x="connsiteX35" y="connsiteY35"/>
+              </a:cxn>
+              <a:cxn ang="0">
+                <a:pos x="connsiteX36" y="connsiteY36"/>
+              </a:cxn>
+              <a:cxn ang="0">
+                <a:pos x="connsiteX37" y="connsiteY37"/>
+              </a:cxn>
+              <a:cxn ang="0">
+                <a:pos x="connsiteX38" y="connsiteY38"/>
+              </a:cxn>
+              <a:cxn ang="0">
+                <a:pos x="connsiteX39" y="connsiteY39"/>
+              </a:cxn>
+              <a:cxn ang="0">
+                <a:pos x="connsiteX40" y="connsiteY40"/>
+              </a:cxn>
+              <a:cxn ang="0">
+                <a:pos x="connsiteX41" y="connsiteY41"/>
+              </a:cxn>
+              <a:cxn ang="0">
+                <a:pos x="connsiteX42" y="connsiteY42"/>
+              </a:cxn>
+              <a:cxn ang="0">
+                <a:pos x="connsiteX43" y="connsiteY43"/>
+              </a:cxn>
+              <a:cxn ang="0">
+                <a:pos x="connsiteX44" y="connsiteY44"/>
+              </a:cxn>
+              <a:cxn ang="0">
+                <a:pos x="connsiteX45" y="connsiteY45"/>
+              </a:cxn>
+              <a:cxn ang="0">
+                <a:pos x="connsiteX46" y="connsiteY46"/>
+              </a:cxn>
+              <a:cxn ang="0">
+                <a:pos x="connsiteX47" y="connsiteY47"/>
+              </a:cxn>
+              <a:cxn ang="0">
+                <a:pos x="connsiteX48" y="connsiteY48"/>
+              </a:cxn>
+              <a:cxn ang="0">
+                <a:pos x="connsiteX49" y="connsiteY49"/>
+              </a:cxn>
+              <a:cxn ang="0">
+                <a:pos x="connsiteX50" y="connsiteY50"/>
+              </a:cxn>
+              <a:cxn ang="0">
+                <a:pos x="connsiteX51" y="connsiteY51"/>
+              </a:cxn>
+            </a:cxnLst>
+            <a:rect l="l" t="t" r="r" b="b"/>
+            <a:pathLst>
+              <a:path w="6858001" h="6985200">
+                <a:moveTo>
+                  <a:pt x="6858001" y="1177"/>
+                </a:moveTo>
+                <a:lnTo>
+                  <a:pt x="6858001" y="1344715"/>
+                </a:lnTo>
+                <a:lnTo>
+                  <a:pt x="6858000" y="1344715"/>
+                </a:lnTo>
+                <a:lnTo>
+                  <a:pt x="6858000" y="6985200"/>
+                </a:lnTo>
+                <a:lnTo>
+                  <a:pt x="0" y="6985199"/>
+                </a:lnTo>
+                <a:lnTo>
+                  <a:pt x="0" y="886772"/>
+                </a:lnTo>
+                <a:lnTo>
+                  <a:pt x="1" y="886772"/>
+                </a:lnTo>
+                <a:lnTo>
+                  <a:pt x="1" y="0"/>
+                </a:lnTo>
+                <a:lnTo>
+                  <a:pt x="40463" y="5883"/>
+                </a:lnTo>
+                <a:lnTo>
+                  <a:pt x="159107" y="23196"/>
+                </a:lnTo>
+                <a:lnTo>
+                  <a:pt x="245518" y="35299"/>
+                </a:lnTo>
+                <a:lnTo>
+                  <a:pt x="348388" y="48073"/>
+                </a:lnTo>
+                <a:lnTo>
+                  <a:pt x="470460" y="63369"/>
+                </a:lnTo>
+                <a:lnTo>
+                  <a:pt x="605563" y="79506"/>
+                </a:lnTo>
+                <a:lnTo>
+                  <a:pt x="757810" y="96483"/>
+                </a:lnTo>
+                <a:lnTo>
+                  <a:pt x="923774" y="114469"/>
+                </a:lnTo>
+                <a:lnTo>
+                  <a:pt x="1104139" y="132454"/>
+                </a:lnTo>
+                <a:lnTo>
+                  <a:pt x="1296163" y="150776"/>
+                </a:lnTo>
+                <a:lnTo>
+                  <a:pt x="1503275" y="167753"/>
+                </a:lnTo>
+                <a:lnTo>
+                  <a:pt x="1719988" y="184058"/>
+                </a:lnTo>
+                <a:lnTo>
+                  <a:pt x="1949045" y="198849"/>
+                </a:lnTo>
+                <a:lnTo>
+                  <a:pt x="2187703" y="212969"/>
+                </a:lnTo>
+                <a:lnTo>
+                  <a:pt x="2436649" y="226248"/>
+                </a:lnTo>
+                <a:lnTo>
+                  <a:pt x="2564208" y="230955"/>
+                </a:lnTo>
+                <a:lnTo>
+                  <a:pt x="2694509" y="236165"/>
+                </a:lnTo>
+                <a:lnTo>
+                  <a:pt x="2826869" y="241040"/>
+                </a:lnTo>
+                <a:lnTo>
+                  <a:pt x="2959914" y="244234"/>
+                </a:lnTo>
+                <a:lnTo>
+                  <a:pt x="3095702" y="247091"/>
+                </a:lnTo>
+                <a:lnTo>
+                  <a:pt x="3232862" y="250117"/>
+                </a:lnTo>
+                <a:lnTo>
+                  <a:pt x="3372766" y="252134"/>
+                </a:lnTo>
+                <a:lnTo>
+                  <a:pt x="3514040" y="252134"/>
+                </a:lnTo>
+                <a:lnTo>
+                  <a:pt x="3656686" y="253142"/>
+                </a:lnTo>
+                <a:lnTo>
+                  <a:pt x="3800705" y="252134"/>
+                </a:lnTo>
+                <a:lnTo>
+                  <a:pt x="3946780" y="250117"/>
+                </a:lnTo>
+                <a:lnTo>
+                  <a:pt x="4092856" y="248268"/>
+                </a:lnTo>
+                <a:lnTo>
+                  <a:pt x="4240988" y="244234"/>
+                </a:lnTo>
+                <a:lnTo>
+                  <a:pt x="4390492" y="240032"/>
+                </a:lnTo>
+                <a:lnTo>
+                  <a:pt x="4539997" y="235157"/>
+                </a:lnTo>
+                <a:lnTo>
+                  <a:pt x="4690873" y="228266"/>
+                </a:lnTo>
+                <a:lnTo>
+                  <a:pt x="4843120" y="220029"/>
+                </a:lnTo>
+                <a:lnTo>
+                  <a:pt x="4996054" y="212129"/>
+                </a:lnTo>
+                <a:lnTo>
+                  <a:pt x="5148987" y="202044"/>
+                </a:lnTo>
+                <a:lnTo>
+                  <a:pt x="5303978" y="189941"/>
+                </a:lnTo>
+                <a:lnTo>
+                  <a:pt x="5456911" y="177839"/>
+                </a:lnTo>
+                <a:lnTo>
+                  <a:pt x="5612588" y="163887"/>
+                </a:lnTo>
+                <a:lnTo>
+                  <a:pt x="5768950" y="148591"/>
+                </a:lnTo>
+                <a:lnTo>
+                  <a:pt x="5923255" y="132455"/>
+                </a:lnTo>
+                <a:lnTo>
+                  <a:pt x="6079618" y="113629"/>
+                </a:lnTo>
+                <a:lnTo>
+                  <a:pt x="6235294" y="93458"/>
+                </a:lnTo>
+                <a:lnTo>
+                  <a:pt x="6391657" y="73455"/>
+                </a:lnTo>
+                <a:lnTo>
+                  <a:pt x="6547333" y="50091"/>
+                </a:lnTo>
+                <a:lnTo>
+                  <a:pt x="6702324" y="26222"/>
+                </a:lnTo>
+                <a:close/>
+              </a:path>
+            </a:pathLst>
+          </a:custGeom>
+          <a:ln>
+            <a:noFill/>
+          </a:ln>
+        </p:spPr>
+      </p:sp>
+      <p:pic>
+        <p:nvPicPr>
+          <p:cNvPr id="18" name="Content Placeholder 17" descr="A picture containing night sky&#10;&#10;Description automatically generated">
+            <a:extLst>
+              <a:ext uri="{FF2B5EF4-FFF2-40B4-BE49-F238E27FC236}">
+                <a16:creationId xmlns:a16="http://schemas.microsoft.com/office/drawing/2014/main" id="{113BDC63-F734-4B22-A79D-1139AF864411}"/>
+              </a:ext>
+            </a:extLst>
+          </p:cNvPr>
+          <p:cNvPicPr>
+            <a:picLocks noGrp="1" noChangeAspect="1"/>
+          </p:cNvPicPr>
+          <p:nvPr>
+            <p:ph idx="1"/>
+          </p:nvPr>
+        </p:nvPicPr>
+        <p:blipFill>
+          <a:blip r:embed="rId6">
+            <a:extLst>
+              <a:ext uri="{28A0092B-C50C-407E-A947-70E740481C1C}">
+                <a14:useLocalDpi xmlns:a14="http://schemas.microsoft.com/office/drawing/2010/main" val="0"/>
+              </a:ext>
+            </a:extLst>
+          </a:blip>
+          <a:stretch>
+            <a:fillRect/>
+          </a:stretch>
+        </p:blipFill>
+        <p:spPr>
+          <a:xfrm>
+            <a:off x="6677335" y="647698"/>
+            <a:ext cx="4283202" cy="5562601"/>
+          </a:xfrm>
+          <a:prstGeom prst="rect">
+            <a:avLst/>
+          </a:prstGeom>
+          <a:effectLst/>
+        </p:spPr>
+      </p:pic>
+      <p:sp>
+        <p:nvSpPr>
+          <p:cNvPr id="41" name="Rectangle 40">
+            <a:extLst>
+              <a:ext uri="{FF2B5EF4-FFF2-40B4-BE49-F238E27FC236}">
+                <a16:creationId xmlns:a16="http://schemas.microsoft.com/office/drawing/2014/main" id="{A92A1116-1C84-41DF-B803-1F7B0883EC82}"/>
+              </a:ext>
+              <a:ext uri="{C183D7F6-B498-43B3-948B-1728B52AA6E4}">
+                <adec:decorative xmlns:adec="http://schemas.microsoft.com/office/drawing/2017/decorative" val="1"/>
+              </a:ext>
+            </a:extLst>
+          </p:cNvPr>
+          <p:cNvSpPr>
+            <a:spLocks noGrp="1" noRot="1" noChangeAspect="1" noMove="1" noResize="1" noEditPoints="1" noAdjustHandles="1" noChangeArrowheads="1" noChangeShapeType="1" noTextEdit="1"/>
+          </p:cNvSpPr>
+          <p:nvPr>
+            <p:extLst>
+              <p:ext uri="{386F3935-93C4-4BCD-93E2-E3B085C9AB24}">
+                <p16:designElem xmlns:p16="http://schemas.microsoft.com/office/powerpoint/2015/main" val="1"/>
+              </p:ext>
+            </p:extLst>
+          </p:nvPr>
+        </p:nvSpPr>
+        <p:spPr>
+          <a:xfrm>
+            <a:off x="10442448" y="0"/>
+            <a:ext cx="685800" cy="1143000"/>
+          </a:xfrm>
+          <a:prstGeom prst="rect">
+            <a:avLst/>
+          </a:prstGeom>
+          <a:solidFill>
+            <a:schemeClr val="accent1"/>
+          </a:solidFill>
+          <a:ln>
+            <a:noFill/>
+          </a:ln>
+        </p:spPr>
+        <p:style>
+          <a:lnRef idx="1">
+            <a:schemeClr val="accent1"/>
+          </a:lnRef>
+          <a:fillRef idx="3">
+            <a:schemeClr val="accent1"/>
+          </a:fillRef>
+          <a:effectRef idx="2">
+            <a:schemeClr val="accent1"/>
+          </a:effectRef>
+          <a:fontRef idx="minor">
+            <a:schemeClr val="lt1"/>
+          </a:fontRef>
+        </p:style>
+      </p:sp>
+      <p:sp>
+        <p:nvSpPr>
+          <p:cNvPr id="16" name="Text Placeholder 15">
+            <a:extLst>
+              <a:ext uri="{FF2B5EF4-FFF2-40B4-BE49-F238E27FC236}">
+                <a16:creationId xmlns:a16="http://schemas.microsoft.com/office/drawing/2014/main" id="{FC674D27-4CD4-4D63-AF13-B556796B37C6}"/>
+              </a:ext>
+            </a:extLst>
+          </p:cNvPr>
+          <p:cNvSpPr>
+            <a:spLocks noGrp="1"/>
+          </p:cNvSpPr>
+          <p:nvPr>
+            <p:ph type="body" sz="half" idx="2"/>
+          </p:nvPr>
+        </p:nvSpPr>
+        <p:spPr>
+          <a:xfrm>
+            <a:off x="648931" y="2438400"/>
+            <a:ext cx="4166509" cy="3785419"/>
+          </a:xfrm>
+        </p:spPr>
+        <p:txBody>
+          <a:bodyPr vert="horz" lIns="91440" tIns="45720" rIns="91440" bIns="45720" rtlCol="0">
+            <a:normAutofit/>
+          </a:bodyPr>
+          <a:lstStyle/>
+          <a:p>
+            <a:pPr marL="342900" indent="-342900">
+              <a:buFont typeface="Wingdings 3" charset="2"/>
+              <a:buChar char=""/>
+            </a:pPr>
+            <a:r>
+              <a:rPr lang="en-US" altLang="zh-CN">
+                <a:solidFill>
+                  <a:srgbClr val="EBEBEB"/>
+                </a:solidFill>
+              </a:rPr>
+              <a:t>core [core_file]</a:t>
+            </a:r>
+          </a:p>
+          <a:p>
+            <a:pPr marL="342900" indent="-342900">
+              <a:buFont typeface="Wingdings 3" charset="2"/>
+              <a:buChar char=""/>
+            </a:pPr>
+            <a:r>
+              <a:rPr lang="en-US">
+                <a:solidFill>
+                  <a:srgbClr val="EBEBEB"/>
+                </a:solidFill>
+              </a:rPr>
+              <a:t>bt </a:t>
+            </a:r>
+            <a:r>
+              <a:rPr lang="zh-CN" altLang="en-US">
+                <a:solidFill>
+                  <a:srgbClr val="EBEBEB"/>
+                </a:solidFill>
+              </a:rPr>
+              <a:t>打印堆栈信息</a:t>
+            </a:r>
+            <a:endParaRPr lang="en-US" altLang="zh-CN">
+              <a:solidFill>
+                <a:srgbClr val="EBEBEB"/>
+              </a:solidFill>
+            </a:endParaRPr>
+          </a:p>
+          <a:p>
+            <a:pPr marL="342900" indent="-342900">
+              <a:buFont typeface="Wingdings 3" charset="2"/>
+              <a:buChar char=""/>
+            </a:pPr>
+            <a:r>
+              <a:rPr lang="en-US" altLang="zh-CN">
+                <a:solidFill>
+                  <a:srgbClr val="EBEBEB"/>
+                </a:solidFill>
+              </a:rPr>
+              <a:t>frame [frame_numer]</a:t>
+            </a:r>
+          </a:p>
+          <a:p>
+            <a:pPr marL="342900" indent="-342900">
+              <a:buFont typeface="Wingdings 3" charset="2"/>
+              <a:buChar char=""/>
+            </a:pPr>
+            <a:r>
+              <a:rPr lang="en-US">
+                <a:solidFill>
+                  <a:srgbClr val="EBEBEB"/>
+                </a:solidFill>
+              </a:rPr>
+              <a:t>l [source_code]</a:t>
+            </a:r>
+          </a:p>
+        </p:txBody>
+      </p:sp>
+    </p:spTree>
+    <p:extLst>
+      <p:ext uri="{BB962C8B-B14F-4D97-AF65-F5344CB8AC3E}">
+        <p14:creationId xmlns:p14="http://schemas.microsoft.com/office/powerpoint/2010/main" val="3704837470"/>
+      </p:ext>
+    </p:extLst>
+  </p:cSld>
+  <p:clrMapOvr>
+    <a:overrideClrMapping bg1="lt1" tx1="dk1" bg2="lt2" tx2="dk2" accent1="accent1" accent2="accent2" accent3="accent3" accent4="accent4" accent5="accent5" accent6="accent6" hlink="hlink" folHlink="folHlink"/>
+  </p:clrMapOvr>
+</p:sld>
+</file>
+
+<file path=ppt/slides/slide38.xml><?xml version="1.0" encoding="utf-8"?>
+<p:sld xmlns:a="http://schemas.openxmlformats.org/drawingml/2006/main" xmlns:r="http://schemas.openxmlformats.org/officeDocument/2006/relationships" xmlns:p="http://schemas.openxmlformats.org/presentationml/2006/main">
+  <p:cSld>
+    <p:bg>
+      <p:bgPr>
+        <a:solidFill>
+          <a:schemeClr val="bg1"/>
+        </a:solidFill>
+        <a:effectLst/>
+      </p:bgPr>
+    </p:bg>
+    <p:spTree>
+      <p:nvGrpSpPr>
+        <p:cNvPr id="1" name=""/>
+        <p:cNvGrpSpPr/>
+        <p:nvPr/>
+      </p:nvGrpSpPr>
+      <p:grpSpPr>
+        <a:xfrm>
+          <a:off x="0" y="0"/>
+          <a:ext cx="0" cy="0"/>
+          <a:chOff x="0" y="0"/>
+          <a:chExt cx="0" cy="0"/>
+        </a:xfrm>
+      </p:grpSpPr>
+      <p:pic>
+        <p:nvPicPr>
+          <p:cNvPr id="11" name="Picture 10">
+            <a:extLst>
+              <a:ext uri="{FF2B5EF4-FFF2-40B4-BE49-F238E27FC236}">
+                <a16:creationId xmlns:a16="http://schemas.microsoft.com/office/drawing/2014/main" id="{41B68C77-138E-4BF7-A276-BD0C78A4219F}"/>
+              </a:ext>
+              <a:ext uri="{C183D7F6-B498-43B3-948B-1728B52AA6E4}">
+                <adec:decorative xmlns:adec="http://schemas.microsoft.com/office/drawing/2017/decorative" val="1"/>
+              </a:ext>
+            </a:extLst>
+          </p:cNvPr>
+          <p:cNvPicPr>
+            <a:picLocks noGrp="1" noRot="1" noChangeAspect="1" noMove="1" noResize="1" noEditPoints="1" noAdjustHandles="1" noChangeArrowheads="1" noChangeShapeType="1" noCrop="1"/>
+          </p:cNvPicPr>
+          <p:nvPr>
+            <p:extLst>
+              <p:ext uri="{386F3935-93C4-4BCD-93E2-E3B085C9AB24}">
+                <p16:designElem xmlns:p16="http://schemas.microsoft.com/office/powerpoint/2015/main" val="1"/>
+              </p:ext>
+            </p:extLst>
+          </p:nvPr>
+        </p:nvPicPr>
+        <p:blipFill rotWithShape="1">
+          <a:blip r:embed="rId3">
+            <a:extLst>
+              <a:ext uri="{28A0092B-C50C-407E-A947-70E740481C1C}">
+                <a14:useLocalDpi xmlns:a14="http://schemas.microsoft.com/office/drawing/2010/main" val="0"/>
+              </a:ext>
+            </a:extLst>
+          </a:blip>
+          <a:srcRect l="3613"/>
+          <a:stretch/>
+        </p:blipFill>
+        <p:spPr>
+          <a:xfrm>
+            <a:off x="0" y="2669685"/>
+            <a:ext cx="4037012" cy="4188315"/>
+          </a:xfrm>
+          <a:prstGeom prst="rect">
+            <a:avLst/>
+          </a:prstGeom>
+        </p:spPr>
+      </p:pic>
+      <p:pic>
+        <p:nvPicPr>
+          <p:cNvPr id="13" name="Picture 12">
+            <a:extLst>
+              <a:ext uri="{FF2B5EF4-FFF2-40B4-BE49-F238E27FC236}">
+                <a16:creationId xmlns:a16="http://schemas.microsoft.com/office/drawing/2014/main" id="{7C268552-D473-46ED-B1B8-422042C4DEF1}"/>
+              </a:ext>
+              <a:ext uri="{C183D7F6-B498-43B3-948B-1728B52AA6E4}">
+                <adec:decorative xmlns:adec="http://schemas.microsoft.com/office/drawing/2017/decorative" val="1"/>
+              </a:ext>
+            </a:extLst>
+          </p:cNvPr>
+          <p:cNvPicPr>
+            <a:picLocks noGrp="1" noRot="1" noChangeAspect="1" noMove="1" noResize="1" noEditPoints="1" noAdjustHandles="1" noChangeArrowheads="1" noChangeShapeType="1" noCrop="1"/>
+          </p:cNvPicPr>
+          <p:nvPr>
+            <p:extLst>
+              <p:ext uri="{386F3935-93C4-4BCD-93E2-E3B085C9AB24}">
+                <p16:designElem xmlns:p16="http://schemas.microsoft.com/office/powerpoint/2015/main" val="1"/>
+              </p:ext>
+            </p:extLst>
+          </p:nvPr>
+        </p:nvPicPr>
+        <p:blipFill rotWithShape="1">
+          <a:blip r:embed="rId4">
+            <a:extLst>
+              <a:ext uri="{28A0092B-C50C-407E-A947-70E740481C1C}">
+                <a14:useLocalDpi xmlns:a14="http://schemas.microsoft.com/office/drawing/2010/main" val="0"/>
+              </a:ext>
+            </a:extLst>
+          </a:blip>
+          <a:srcRect l="35640"/>
+          <a:stretch/>
+        </p:blipFill>
+        <p:spPr>
+          <a:xfrm>
+            <a:off x="0" y="2892347"/>
+            <a:ext cx="1522412" cy="2365453"/>
+          </a:xfrm>
+          <a:prstGeom prst="rect">
+            <a:avLst/>
+          </a:prstGeom>
+        </p:spPr>
+      </p:pic>
+      <p:sp>
+        <p:nvSpPr>
+          <p:cNvPr id="15" name="Oval 14">
+            <a:extLst>
+              <a:ext uri="{FF2B5EF4-FFF2-40B4-BE49-F238E27FC236}">
+                <a16:creationId xmlns:a16="http://schemas.microsoft.com/office/drawing/2014/main" id="{4AC0CD9D-7610-4620-93B4-798CCD9AB581}"/>
+              </a:ext>
+              <a:ext uri="{C183D7F6-B498-43B3-948B-1728B52AA6E4}">
+                <adec:decorative xmlns:adec="http://schemas.microsoft.com/office/drawing/2017/decorative" val="1"/>
+              </a:ext>
+            </a:extLst>
+          </p:cNvPr>
+          <p:cNvSpPr>
+            <a:spLocks noGrp="1" noRot="1" noChangeAspect="1" noMove="1" noResize="1" noEditPoints="1" noAdjustHandles="1" noChangeArrowheads="1" noChangeShapeType="1" noTextEdit="1"/>
+          </p:cNvSpPr>
+          <p:nvPr>
+            <p:extLst>
+              <p:ext uri="{386F3935-93C4-4BCD-93E2-E3B085C9AB24}">
+                <p16:designElem xmlns:p16="http://schemas.microsoft.com/office/powerpoint/2015/main" val="1"/>
+              </p:ext>
+            </p:extLst>
+          </p:nvPr>
+        </p:nvSpPr>
+        <p:spPr>
+          <a:xfrm>
+            <a:off x="8609012" y="1676400"/>
+            <a:ext cx="2819400" cy="2819400"/>
+          </a:xfrm>
+          <a:prstGeom prst="ellipse">
+            <a:avLst/>
+          </a:prstGeom>
+          <a:gradFill flip="none" rotWithShape="1">
+            <a:gsLst>
+              <a:gs pos="0">
+                <a:schemeClr val="bg2">
+                  <a:lumMod val="60000"/>
+                  <a:lumOff val="40000"/>
+                  <a:alpha val="7000"/>
+                </a:schemeClr>
+              </a:gs>
+              <a:gs pos="69000">
+                <a:schemeClr val="bg2">
+                  <a:lumMod val="60000"/>
+                  <a:lumOff val="40000"/>
+                  <a:alpha val="0"/>
+                </a:schemeClr>
+              </a:gs>
+              <a:gs pos="36000">
+                <a:schemeClr val="bg2">
+                  <a:lumMod val="60000"/>
+                  <a:lumOff val="40000"/>
+                  <a:alpha val="6000"/>
+                </a:schemeClr>
+              </a:gs>
+            </a:gsLst>
+            <a:path path="circle">
+              <a:fillToRect l="50000" t="50000" r="50000" b="50000"/>
+            </a:path>
+            <a:tileRect/>
+          </a:gradFill>
+          <a:ln>
+            <a:noFill/>
+          </a:ln>
+          <a:effectLst/>
+        </p:spPr>
+        <p:style>
+          <a:lnRef idx="1">
+            <a:schemeClr val="accent1"/>
+          </a:lnRef>
+          <a:fillRef idx="3">
+            <a:schemeClr val="accent1"/>
+          </a:fillRef>
+          <a:effectRef idx="2">
+            <a:schemeClr val="accent1"/>
+          </a:effectRef>
+          <a:fontRef idx="minor">
+            <a:schemeClr val="lt1"/>
+          </a:fontRef>
+        </p:style>
+      </p:sp>
+      <p:pic>
+        <p:nvPicPr>
+          <p:cNvPr id="17" name="Picture 16">
+            <a:extLst>
+              <a:ext uri="{FF2B5EF4-FFF2-40B4-BE49-F238E27FC236}">
+                <a16:creationId xmlns:a16="http://schemas.microsoft.com/office/drawing/2014/main" id="{B9238B3E-24AA-439A-B527-6C5DF6D72145}"/>
+              </a:ext>
+              <a:ext uri="{C183D7F6-B498-43B3-948B-1728B52AA6E4}">
+                <adec:decorative xmlns:adec="http://schemas.microsoft.com/office/drawing/2017/decorative" val="1"/>
+              </a:ext>
+            </a:extLst>
+          </p:cNvPr>
+          <p:cNvPicPr>
+            <a:picLocks noGrp="1" noRot="1" noChangeAspect="1" noMove="1" noResize="1" noEditPoints="1" noAdjustHandles="1" noChangeArrowheads="1" noChangeShapeType="1" noCrop="1"/>
+          </p:cNvPicPr>
+          <p:nvPr>
+            <p:extLst>
+              <p:ext uri="{386F3935-93C4-4BCD-93E2-E3B085C9AB24}">
+                <p16:designElem xmlns:p16="http://schemas.microsoft.com/office/powerpoint/2015/main" val="1"/>
+              </p:ext>
+            </p:extLst>
+          </p:nvPr>
+        </p:nvPicPr>
+        <p:blipFill rotWithShape="1">
+          <a:blip r:embed="rId5">
+            <a:extLst>
+              <a:ext uri="{28A0092B-C50C-407E-A947-70E740481C1C}">
+                <a14:useLocalDpi xmlns:a14="http://schemas.microsoft.com/office/drawing/2010/main" val="0"/>
+              </a:ext>
+            </a:extLst>
+          </a:blip>
+          <a:srcRect t="28813"/>
+          <a:stretch/>
+        </p:blipFill>
+        <p:spPr>
+          <a:xfrm>
+            <a:off x="7999412" y="0"/>
+            <a:ext cx="1603387" cy="1141407"/>
+          </a:xfrm>
+          <a:prstGeom prst="rect">
+            <a:avLst/>
+          </a:prstGeom>
+        </p:spPr>
+      </p:pic>
+      <p:pic>
+        <p:nvPicPr>
+          <p:cNvPr id="19" name="Picture 18">
+            <a:extLst>
+              <a:ext uri="{FF2B5EF4-FFF2-40B4-BE49-F238E27FC236}">
+                <a16:creationId xmlns:a16="http://schemas.microsoft.com/office/drawing/2014/main" id="{69F01145-BEA3-4CBF-AA21-10077B948CA8}"/>
+              </a:ext>
+              <a:ext uri="{C183D7F6-B498-43B3-948B-1728B52AA6E4}">
+                <adec:decorative xmlns:adec="http://schemas.microsoft.com/office/drawing/2017/decorative" val="1"/>
+              </a:ext>
+            </a:extLst>
+          </p:cNvPr>
+          <p:cNvPicPr>
+            <a:picLocks noGrp="1" noRot="1" noChangeAspect="1" noMove="1" noResize="1" noEditPoints="1" noAdjustHandles="1" noChangeArrowheads="1" noChangeShapeType="1" noCrop="1"/>
+          </p:cNvPicPr>
+          <p:nvPr>
+            <p:extLst>
+              <p:ext uri="{386F3935-93C4-4BCD-93E2-E3B085C9AB24}">
+                <p16:designElem xmlns:p16="http://schemas.microsoft.com/office/powerpoint/2015/main" val="1"/>
+              </p:ext>
+            </p:extLst>
+          </p:nvPr>
+        </p:nvPicPr>
+        <p:blipFill rotWithShape="1">
+          <a:blip r:embed="rId6">
+            <a:extLst>
+              <a:ext uri="{28A0092B-C50C-407E-A947-70E740481C1C}">
+                <a14:useLocalDpi xmlns:a14="http://schemas.microsoft.com/office/drawing/2010/main" val="0"/>
+              </a:ext>
+            </a:extLst>
+          </a:blip>
+          <a:srcRect b="23320"/>
+          <a:stretch/>
+        </p:blipFill>
+        <p:spPr>
+          <a:xfrm>
+            <a:off x="8605878" y="6096000"/>
+            <a:ext cx="993734" cy="762000"/>
+          </a:xfrm>
+          <a:prstGeom prst="rect">
+            <a:avLst/>
+          </a:prstGeom>
+        </p:spPr>
+      </p:pic>
+      <p:sp>
+        <p:nvSpPr>
+          <p:cNvPr id="21" name="Rectangle 20">
+            <a:extLst>
+              <a:ext uri="{FF2B5EF4-FFF2-40B4-BE49-F238E27FC236}">
+                <a16:creationId xmlns:a16="http://schemas.microsoft.com/office/drawing/2014/main" id="{DE4D62F9-188E-4530-84C2-24BDEE4BEB82}"/>
+              </a:ext>
+              <a:ext uri="{C183D7F6-B498-43B3-948B-1728B52AA6E4}">
+                <adec:decorative xmlns:adec="http://schemas.microsoft.com/office/drawing/2017/decorative" val="1"/>
+              </a:ext>
+            </a:extLst>
+          </p:cNvPr>
+          <p:cNvSpPr>
+            <a:spLocks noGrp="1" noRot="1" noChangeAspect="1" noMove="1" noResize="1" noEditPoints="1" noAdjustHandles="1" noChangeArrowheads="1" noChangeShapeType="1" noTextEdit="1"/>
+          </p:cNvSpPr>
+          <p:nvPr>
+            <p:extLst>
+              <p:ext uri="{386F3935-93C4-4BCD-93E2-E3B085C9AB24}">
+                <p16:designElem xmlns:p16="http://schemas.microsoft.com/office/powerpoint/2015/main" val="1"/>
+              </p:ext>
+            </p:extLst>
+          </p:nvPr>
+        </p:nvSpPr>
+        <p:spPr>
+          <a:xfrm>
+            <a:off x="10437812" y="0"/>
+            <a:ext cx="685800" cy="1143000"/>
+          </a:xfrm>
+          <a:prstGeom prst="rect">
+            <a:avLst/>
+          </a:prstGeom>
+          <a:solidFill>
+            <a:schemeClr val="accent1"/>
+          </a:solidFill>
+          <a:ln>
+            <a:noFill/>
+          </a:ln>
+        </p:spPr>
+        <p:style>
+          <a:lnRef idx="1">
+            <a:schemeClr val="accent1"/>
+          </a:lnRef>
+          <a:fillRef idx="3">
+            <a:schemeClr val="accent1"/>
+          </a:fillRef>
+          <a:effectRef idx="2">
+            <a:schemeClr val="accent1"/>
+          </a:effectRef>
+          <a:fontRef idx="minor">
+            <a:schemeClr val="lt1"/>
+          </a:fontRef>
+        </p:style>
+      </p:sp>
+      <p:sp>
+        <p:nvSpPr>
+          <p:cNvPr id="23" name="Rectangle 22">
+            <a:extLst>
+              <a:ext uri="{FF2B5EF4-FFF2-40B4-BE49-F238E27FC236}">
+                <a16:creationId xmlns:a16="http://schemas.microsoft.com/office/drawing/2014/main" id="{49076D5E-68ED-4CD1-A04F-E7934EBFAAD9}"/>
+              </a:ext>
+              <a:ext uri="{C183D7F6-B498-43B3-948B-1728B52AA6E4}">
+                <adec:decorative xmlns:adec="http://schemas.microsoft.com/office/drawing/2017/decorative" val="1"/>
+              </a:ext>
+            </a:extLst>
+          </p:cNvPr>
+          <p:cNvSpPr>
+            <a:spLocks noGrp="1" noRot="1" noChangeAspect="1" noMove="1" noResize="1" noEditPoints="1" noAdjustHandles="1" noChangeArrowheads="1" noChangeShapeType="1" noTextEdit="1"/>
+          </p:cNvSpPr>
+          <p:nvPr>
+            <p:extLst>
+              <p:ext uri="{386F3935-93C4-4BCD-93E2-E3B085C9AB24}">
+                <p16:designElem xmlns:p16="http://schemas.microsoft.com/office/powerpoint/2015/main" val="1"/>
+              </p:ext>
+            </p:extLst>
+          </p:nvPr>
+        </p:nvSpPr>
+        <p:spPr>
+          <a:xfrm>
+            <a:off x="0" y="0"/>
+            <a:ext cx="12192000" cy="6858000"/>
+          </a:xfrm>
+          <a:prstGeom prst="rect">
+            <a:avLst/>
+          </a:prstGeom>
+          <a:ln>
+            <a:noFill/>
+          </a:ln>
+        </p:spPr>
+        <p:style>
+          <a:lnRef idx="2">
+            <a:schemeClr val="accent1">
+              <a:shade val="50000"/>
+            </a:schemeClr>
+          </a:lnRef>
+          <a:fillRef idx="1003">
+            <a:schemeClr val="dk2"/>
+          </a:fillRef>
+          <a:effectRef idx="0">
+            <a:schemeClr val="accent1"/>
+          </a:effectRef>
+          <a:fontRef idx="minor">
+            <a:schemeClr val="lt1"/>
+          </a:fontRef>
+        </p:style>
+        <p:txBody>
+          <a:bodyPr rtlCol="0" anchor="ctr"/>
+          <a:lstStyle/>
+          <a:p>
+            <a:pPr algn="ctr"/>
+            <a:endParaRPr lang="en-US"/>
+          </a:p>
+        </p:txBody>
+      </p:sp>
+      <p:sp>
+        <p:nvSpPr>
+          <p:cNvPr id="2" name="Title 1">
+            <a:extLst>
+              <a:ext uri="{FF2B5EF4-FFF2-40B4-BE49-F238E27FC236}">
+                <a16:creationId xmlns:a16="http://schemas.microsoft.com/office/drawing/2014/main" id="{E2F2277A-9044-4CE9-97B7-0F5373D03F28}"/>
+              </a:ext>
+            </a:extLst>
+          </p:cNvPr>
+          <p:cNvSpPr>
+            <a:spLocks noGrp="1"/>
+          </p:cNvSpPr>
+          <p:nvPr>
+            <p:ph type="title"/>
+          </p:nvPr>
+        </p:nvSpPr>
+        <p:spPr>
+          <a:xfrm>
+            <a:off x="648929" y="629266"/>
+            <a:ext cx="3505495" cy="1622321"/>
+          </a:xfrm>
+        </p:spPr>
+        <p:txBody>
+          <a:bodyPr vert="horz" lIns="91440" tIns="45720" rIns="91440" bIns="45720" rtlCol="0" anchor="t">
+            <a:normAutofit/>
+          </a:bodyPr>
+          <a:lstStyle/>
+          <a:p>
+            <a:r>
+              <a:rPr lang="zh-CN" altLang="en-US" sz="4200" b="0" i="0" kern="1200">
+                <a:solidFill>
+                  <a:srgbClr val="EBEBEB"/>
+                </a:solidFill>
+                <a:latin typeface="+mj-lt"/>
+                <a:ea typeface="+mj-ea"/>
+                <a:cs typeface="+mj-cs"/>
+              </a:rPr>
+              <a:t>内存相关的调试</a:t>
+            </a:r>
+            <a:endParaRPr lang="en-US" sz="4200" b="0" i="0" kern="1200">
+              <a:solidFill>
+                <a:srgbClr val="EBEBEB"/>
+              </a:solidFill>
+              <a:latin typeface="+mj-lt"/>
+              <a:ea typeface="+mj-ea"/>
+              <a:cs typeface="+mj-cs"/>
+            </a:endParaRPr>
+          </a:p>
+        </p:txBody>
+      </p:sp>
+      <p:sp>
+        <p:nvSpPr>
+          <p:cNvPr id="25" name="Rectangle 24">
+            <a:extLst>
+              <a:ext uri="{FF2B5EF4-FFF2-40B4-BE49-F238E27FC236}">
+                <a16:creationId xmlns:a16="http://schemas.microsoft.com/office/drawing/2014/main" id="{21BE0A6B-EBF8-4301-B1AE-F6A1C4003E2A}"/>
+              </a:ext>
+              <a:ext uri="{C183D7F6-B498-43B3-948B-1728B52AA6E4}">
+                <adec:decorative xmlns:adec="http://schemas.microsoft.com/office/drawing/2017/decorative" val="1"/>
+              </a:ext>
+            </a:extLst>
+          </p:cNvPr>
+          <p:cNvSpPr>
+            <a:spLocks noGrp="1" noRot="1" noChangeAspect="1" noMove="1" noResize="1" noEditPoints="1" noAdjustHandles="1" noChangeArrowheads="1" noChangeShapeType="1" noTextEdit="1"/>
+          </p:cNvSpPr>
+          <p:nvPr>
+            <p:extLst>
+              <p:ext uri="{386F3935-93C4-4BCD-93E2-E3B085C9AB24}">
+                <p16:designElem xmlns:p16="http://schemas.microsoft.com/office/powerpoint/2015/main" val="1"/>
+              </p:ext>
+            </p:extLst>
+          </p:nvPr>
+        </p:nvSpPr>
+        <p:spPr>
+          <a:xfrm>
+            <a:off x="4639056" y="0"/>
+            <a:ext cx="7552944" cy="6858000"/>
+          </a:xfrm>
+          <a:prstGeom prst="rect">
+            <a:avLst/>
+          </a:prstGeom>
+          <a:solidFill>
+            <a:srgbClr val="FFFFFF"/>
+          </a:solidFill>
+          <a:ln>
+            <a:noFill/>
+          </a:ln>
+        </p:spPr>
+        <p:style>
+          <a:lnRef idx="2">
+            <a:schemeClr val="accent1">
+              <a:shade val="50000"/>
+            </a:schemeClr>
+          </a:lnRef>
+          <a:fillRef idx="1">
+            <a:schemeClr val="accent1"/>
+          </a:fillRef>
+          <a:effectRef idx="0">
+            <a:schemeClr val="accent1"/>
+          </a:effectRef>
+          <a:fontRef idx="minor">
+            <a:schemeClr val="lt1"/>
+          </a:fontRef>
+        </p:style>
+        <p:txBody>
+          <a:bodyPr rtlCol="0" anchor="ctr"/>
+          <a:lstStyle/>
+          <a:p>
+            <a:pPr algn="ctr"/>
+            <a:endParaRPr lang="en-US"/>
+          </a:p>
+        </p:txBody>
+      </p:sp>
+      <p:sp useBgFill="1">
+        <p:nvSpPr>
+          <p:cNvPr id="27" name="Rounded Rectangle 9">
+            <a:extLst>
+              <a:ext uri="{FF2B5EF4-FFF2-40B4-BE49-F238E27FC236}">
+                <a16:creationId xmlns:a16="http://schemas.microsoft.com/office/drawing/2014/main" id="{03C06118-B3FE-4B51-80A1-B82C2E9FF970}"/>
+              </a:ext>
+              <a:ext uri="{C183D7F6-B498-43B3-948B-1728B52AA6E4}">
+                <adec:decorative xmlns:adec="http://schemas.microsoft.com/office/drawing/2017/decorative" val="1"/>
+              </a:ext>
+            </a:extLst>
+          </p:cNvPr>
+          <p:cNvSpPr>
+            <a:spLocks noGrp="1" noRot="1" noChangeAspect="1" noMove="1" noResize="1" noEditPoints="1" noAdjustHandles="1" noChangeArrowheads="1" noChangeShapeType="1" noTextEdit="1"/>
+          </p:cNvSpPr>
+          <p:nvPr>
+            <p:extLst>
+              <p:ext uri="{386F3935-93C4-4BCD-93E2-E3B085C9AB24}">
+                <p16:designElem xmlns:p16="http://schemas.microsoft.com/office/powerpoint/2015/main" val="1"/>
+              </p:ext>
+            </p:extLst>
+          </p:nvPr>
+        </p:nvSpPr>
+        <p:spPr>
+          <a:xfrm>
+            <a:off x="5123688" y="484632"/>
+            <a:ext cx="6584098" cy="5739187"/>
+          </a:xfrm>
+          <a:prstGeom prst="roundRect">
+            <a:avLst>
+              <a:gd name="adj" fmla="val 0"/>
+            </a:avLst>
+          </a:prstGeom>
+          <a:ln w="12700">
+            <a:solidFill>
+              <a:schemeClr val="bg2"/>
+            </a:solidFill>
+          </a:ln>
+          <a:effectLst>
+            <a:outerShdw blurRad="50800" dist="50800" dir="5400000" algn="tl" rotWithShape="0">
+              <a:srgbClr val="000000">
+                <a:alpha val="43000"/>
+              </a:srgbClr>
+            </a:outerShdw>
+          </a:effectLst>
+        </p:spPr>
+        <p:style>
+          <a:lnRef idx="2">
+            <a:schemeClr val="accent1">
+              <a:shade val="50000"/>
+            </a:schemeClr>
+          </a:lnRef>
+          <a:fillRef idx="1">
+            <a:schemeClr val="accent1"/>
+          </a:fillRef>
+          <a:effectRef idx="0">
+            <a:schemeClr val="accent1"/>
+          </a:effectRef>
+          <a:fontRef idx="minor">
+            <a:schemeClr val="lt1"/>
+          </a:fontRef>
+        </p:style>
+        <p:txBody>
+          <a:bodyPr rtlCol="0" anchor="ctr"/>
+          <a:lstStyle/>
+          <a:p>
+            <a:pPr algn="ctr"/>
+            <a:endParaRPr lang="en-US"/>
+          </a:p>
+        </p:txBody>
+      </p:sp>
+      <p:pic>
+        <p:nvPicPr>
+          <p:cNvPr id="6" name="Content Placeholder 5" descr="A picture containing dark, night sky&#10;&#10;Description automatically generated">
+            <a:extLst>
+              <a:ext uri="{FF2B5EF4-FFF2-40B4-BE49-F238E27FC236}">
+                <a16:creationId xmlns:a16="http://schemas.microsoft.com/office/drawing/2014/main" id="{EC171CD0-57CD-49D9-AE83-84481BC7E911}"/>
+              </a:ext>
+            </a:extLst>
+          </p:cNvPr>
+          <p:cNvPicPr>
+            <a:picLocks noGrp="1" noChangeAspect="1"/>
+          </p:cNvPicPr>
+          <p:nvPr>
+            <p:ph idx="1"/>
+          </p:nvPr>
+        </p:nvPicPr>
+        <p:blipFill>
+          <a:blip r:embed="rId7">
+            <a:extLst>
+              <a:ext uri="{28A0092B-C50C-407E-A947-70E740481C1C}">
+                <a14:useLocalDpi xmlns:a14="http://schemas.microsoft.com/office/drawing/2010/main" val="0"/>
+              </a:ext>
+            </a:extLst>
+          </a:blip>
+          <a:stretch>
+            <a:fillRect/>
+          </a:stretch>
+        </p:blipFill>
+        <p:spPr>
+          <a:xfrm>
+            <a:off x="6524200" y="965595"/>
+            <a:ext cx="3783073" cy="4773591"/>
+          </a:xfrm>
+          <a:prstGeom prst="rect">
+            <a:avLst/>
+          </a:prstGeom>
+          <a:effectLst/>
+        </p:spPr>
+      </p:pic>
+      <p:sp>
+        <p:nvSpPr>
+          <p:cNvPr id="29" name="Rectangle 28">
+            <a:extLst>
+              <a:ext uri="{FF2B5EF4-FFF2-40B4-BE49-F238E27FC236}">
+                <a16:creationId xmlns:a16="http://schemas.microsoft.com/office/drawing/2014/main" id="{172BE3F8-96D6-4535-9AE4-694DC4F5B13F}"/>
+              </a:ext>
+              <a:ext uri="{C183D7F6-B498-43B3-948B-1728B52AA6E4}">
+                <adec:decorative xmlns:adec="http://schemas.microsoft.com/office/drawing/2017/decorative" val="1"/>
+              </a:ext>
+            </a:extLst>
+          </p:cNvPr>
+          <p:cNvSpPr>
+            <a:spLocks noGrp="1" noRot="1" noChangeAspect="1" noMove="1" noResize="1" noEditPoints="1" noAdjustHandles="1" noChangeArrowheads="1" noChangeShapeType="1" noTextEdit="1"/>
+          </p:cNvSpPr>
+          <p:nvPr>
+            <p:extLst>
+              <p:ext uri="{386F3935-93C4-4BCD-93E2-E3B085C9AB24}">
+                <p16:designElem xmlns:p16="http://schemas.microsoft.com/office/powerpoint/2015/main" val="1"/>
+              </p:ext>
+            </p:extLst>
+          </p:nvPr>
+        </p:nvSpPr>
+        <p:spPr>
+          <a:xfrm>
+            <a:off x="10442448" y="0"/>
+            <a:ext cx="685800" cy="1143000"/>
+          </a:xfrm>
+          <a:prstGeom prst="rect">
+            <a:avLst/>
+          </a:prstGeom>
+          <a:solidFill>
+            <a:schemeClr val="accent1"/>
+          </a:solidFill>
+          <a:ln>
+            <a:noFill/>
+          </a:ln>
+        </p:spPr>
+        <p:style>
+          <a:lnRef idx="1">
+            <a:schemeClr val="accent1"/>
+          </a:lnRef>
+          <a:fillRef idx="3">
+            <a:schemeClr val="accent1"/>
+          </a:fillRef>
+          <a:effectRef idx="2">
+            <a:schemeClr val="accent1"/>
+          </a:effectRef>
+          <a:fontRef idx="minor">
+            <a:schemeClr val="lt1"/>
+          </a:fontRef>
+        </p:style>
+      </p:sp>
+      <p:sp>
+        <p:nvSpPr>
+          <p:cNvPr id="4" name="Text Placeholder 3">
+            <a:extLst>
+              <a:ext uri="{FF2B5EF4-FFF2-40B4-BE49-F238E27FC236}">
+                <a16:creationId xmlns:a16="http://schemas.microsoft.com/office/drawing/2014/main" id="{60C30974-36A1-4034-A4EF-3C5A7EC4A227}"/>
+              </a:ext>
+            </a:extLst>
+          </p:cNvPr>
+          <p:cNvSpPr>
+            <a:spLocks noGrp="1"/>
+          </p:cNvSpPr>
+          <p:nvPr>
+            <p:ph type="body" sz="half" idx="2"/>
+          </p:nvPr>
+        </p:nvSpPr>
+        <p:spPr>
+          <a:xfrm>
+            <a:off x="648931" y="2438400"/>
+            <a:ext cx="3505494" cy="3785419"/>
+          </a:xfrm>
+        </p:spPr>
+        <p:txBody>
+          <a:bodyPr vert="horz" lIns="91440" tIns="45720" rIns="91440" bIns="45720" rtlCol="0">
+            <a:normAutofit/>
+          </a:bodyPr>
+          <a:lstStyle/>
+          <a:p>
+            <a:pPr>
+              <a:buFont typeface="Wingdings 3" charset="2"/>
+              <a:buChar char=""/>
+            </a:pPr>
+            <a:r>
+              <a:rPr lang="zh-CN" altLang="en-US">
+                <a:solidFill>
+                  <a:srgbClr val="FFFFFF"/>
+                </a:solidFill>
+              </a:rPr>
+              <a:t>内存使用会有以下几种问题：</a:t>
+            </a:r>
+            <a:endParaRPr lang="en-US" altLang="zh-CN">
+              <a:solidFill>
+                <a:srgbClr val="FFFFFF"/>
+              </a:solidFill>
+            </a:endParaRPr>
+          </a:p>
+          <a:p>
+            <a:pPr marL="800100" lvl="1" indent="-342900">
+              <a:buFont typeface="Wingdings 3" charset="2"/>
+              <a:buChar char=""/>
+            </a:pPr>
+            <a:r>
+              <a:rPr lang="zh-CN" altLang="en-US">
+                <a:solidFill>
+                  <a:srgbClr val="FFFFFF"/>
+                </a:solidFill>
+              </a:rPr>
+              <a:t>内存泄露：申请的内存没有及时释放</a:t>
+            </a:r>
+            <a:endParaRPr lang="en-US" altLang="zh-CN">
+              <a:solidFill>
+                <a:srgbClr val="FFFFFF"/>
+              </a:solidFill>
+            </a:endParaRPr>
+          </a:p>
+          <a:p>
+            <a:pPr marL="800100" lvl="1" indent="-342900">
+              <a:buFont typeface="Wingdings 3" charset="2"/>
+              <a:buChar char=""/>
+            </a:pPr>
+            <a:r>
+              <a:rPr lang="zh-CN" altLang="en-US">
+                <a:solidFill>
+                  <a:srgbClr val="FFFFFF"/>
+                </a:solidFill>
+              </a:rPr>
+              <a:t>堆溢出：使用了超出申请的内存范围</a:t>
+            </a:r>
+            <a:endParaRPr lang="en-US" altLang="zh-CN">
+              <a:solidFill>
+                <a:srgbClr val="FFFFFF"/>
+              </a:solidFill>
+            </a:endParaRPr>
+          </a:p>
+          <a:p>
+            <a:pPr marL="800100" lvl="1" indent="-342900">
+              <a:buFont typeface="Wingdings 3" charset="2"/>
+              <a:buChar char=""/>
+            </a:pPr>
+            <a:r>
+              <a:rPr lang="zh-CN" altLang="en-US">
+                <a:solidFill>
+                  <a:srgbClr val="FFFFFF"/>
+                </a:solidFill>
+              </a:rPr>
+              <a:t>栈溢出：使用了超出函数直接分配的内存范围</a:t>
+            </a:r>
+            <a:endParaRPr lang="en-US" altLang="zh-CN">
+              <a:solidFill>
+                <a:srgbClr val="FFFFFF"/>
+              </a:solidFill>
+            </a:endParaRPr>
+          </a:p>
+          <a:p>
+            <a:pPr marL="800100" lvl="1" indent="-342900">
+              <a:buFont typeface="Wingdings 3" charset="2"/>
+              <a:buChar char=""/>
+            </a:pPr>
+            <a:r>
+              <a:rPr lang="zh-CN" altLang="en-US">
+                <a:solidFill>
+                  <a:srgbClr val="FFFFFF"/>
+                </a:solidFill>
+              </a:rPr>
+              <a:t>全局溢出：使用了超出全局数组的范围的内存</a:t>
+            </a:r>
+            <a:endParaRPr lang="en-US" altLang="zh-CN">
+              <a:solidFill>
+                <a:srgbClr val="FFFFFF"/>
+              </a:solidFill>
+            </a:endParaRPr>
+          </a:p>
+          <a:p>
+            <a:pPr marL="800100" lvl="1" indent="-342900">
+              <a:buFont typeface="Wingdings 3" charset="2"/>
+              <a:buChar char=""/>
+            </a:pPr>
+            <a:r>
+              <a:rPr lang="zh-CN" altLang="en-US">
+                <a:solidFill>
+                  <a:srgbClr val="FFFFFF"/>
+                </a:solidFill>
+              </a:rPr>
+              <a:t>使用空指针</a:t>
+            </a:r>
+            <a:endParaRPr lang="en-US">
+              <a:solidFill>
+                <a:srgbClr val="FFFFFF"/>
+              </a:solidFill>
+            </a:endParaRPr>
+          </a:p>
+          <a:p>
+            <a:pPr>
+              <a:buFont typeface="Wingdings 3" charset="2"/>
+              <a:buChar char=""/>
+            </a:pPr>
+            <a:r>
+              <a:rPr lang="en-US">
+                <a:solidFill>
+                  <a:srgbClr val="FFFFFF"/>
+                </a:solidFill>
+              </a:rPr>
+              <a:t>-fsanitize=address  </a:t>
+            </a:r>
+            <a:r>
+              <a:rPr lang="zh-CN" altLang="en-US">
+                <a:solidFill>
+                  <a:srgbClr val="FFFFFF"/>
+                </a:solidFill>
+              </a:rPr>
+              <a:t>该编译参数会检测到上述中内存不合法的使用。</a:t>
+            </a:r>
+            <a:endParaRPr lang="en-US">
+              <a:solidFill>
+                <a:srgbClr val="FFFFFF"/>
+              </a:solidFill>
+            </a:endParaRPr>
+          </a:p>
+        </p:txBody>
+      </p:sp>
+    </p:spTree>
+    <p:extLst>
+      <p:ext uri="{BB962C8B-B14F-4D97-AF65-F5344CB8AC3E}">
+        <p14:creationId xmlns:p14="http://schemas.microsoft.com/office/powerpoint/2010/main" val="2578686874"/>
+      </p:ext>
+    </p:extLst>
+  </p:cSld>
+  <p:clrMapOvr>
+    <a:overrideClrMapping bg1="lt1" tx1="dk1" bg2="lt2" tx2="dk2" accent1="accent1" accent2="accent2" accent3="accent3" accent4="accent4" accent5="accent5" accent6="accent6" hlink="hlink" folHlink="folHlink"/>
+  </p:clrMapOvr>
+</p:sld>
+</file>
+
+<file path=ppt/slides/slide39.xml><?xml version="1.0" encoding="utf-8"?>
+<p:sld xmlns:a="http://schemas.openxmlformats.org/drawingml/2006/main" xmlns:r="http://schemas.openxmlformats.org/officeDocument/2006/relationships" xmlns:p="http://schemas.openxmlformats.org/presentationml/2006/main">
+  <p:cSld>
+    <p:bg>
+      <p:bgPr>
+        <a:blipFill rotWithShape="1">
+          <a:blip r:embed="rId2">
+            <a:duotone>
+              <a:schemeClr val="bg2">
+                <a:shade val="69000"/>
+                <a:hueMod val="108000"/>
+                <a:satMod val="164000"/>
+                <a:lumMod val="74000"/>
+              </a:schemeClr>
+              <a:schemeClr val="bg2">
+                <a:tint val="96000"/>
+                <a:hueMod val="88000"/>
+                <a:satMod val="140000"/>
+                <a:lumMod val="132000"/>
+              </a:schemeClr>
+            </a:duotone>
+          </a:blip>
+          <a:stretch/>
+        </a:blipFill>
+        <a:effectLst/>
+      </p:bgPr>
+    </p:bg>
+    <p:spTree>
+      <p:nvGrpSpPr>
+        <p:cNvPr id="1" name=""/>
+        <p:cNvGrpSpPr/>
+        <p:nvPr/>
+      </p:nvGrpSpPr>
+      <p:grpSpPr>
+        <a:xfrm>
+          <a:off x="0" y="0"/>
+          <a:ext cx="0" cy="0"/>
+          <a:chOff x="0" y="0"/>
+          <a:chExt cx="0" cy="0"/>
+        </a:xfrm>
+      </p:grpSpPr>
+      <p:sp>
+        <p:nvSpPr>
+          <p:cNvPr id="11" name="Rectangle 10">
+            <a:extLst>
+              <a:ext uri="{FF2B5EF4-FFF2-40B4-BE49-F238E27FC236}">
+                <a16:creationId xmlns:a16="http://schemas.microsoft.com/office/drawing/2014/main" id="{20331F6A-DA09-422D-8CED-00C0B458583E}"/>
+              </a:ext>
+              <a:ext uri="{C183D7F6-B498-43B3-948B-1728B52AA6E4}">
+                <adec:decorative xmlns:adec="http://schemas.microsoft.com/office/drawing/2017/decorative" val="1"/>
+              </a:ext>
+            </a:extLst>
+          </p:cNvPr>
+          <p:cNvSpPr>
+            <a:spLocks noGrp="1" noRot="1" noChangeAspect="1" noMove="1" noResize="1" noEditPoints="1" noAdjustHandles="1" noChangeArrowheads="1" noChangeShapeType="1" noTextEdit="1"/>
+          </p:cNvSpPr>
+          <p:nvPr>
+            <p:extLst>
+              <p:ext uri="{386F3935-93C4-4BCD-93E2-E3B085C9AB24}">
+                <p16:designElem xmlns:p16="http://schemas.microsoft.com/office/powerpoint/2015/main" val="1"/>
+              </p:ext>
+            </p:extLst>
+          </p:nvPr>
+        </p:nvSpPr>
+        <p:spPr>
+          <a:xfrm>
+            <a:off x="0" y="0"/>
+            <a:ext cx="12192000" cy="6858000"/>
+          </a:xfrm>
+          <a:prstGeom prst="rect">
+            <a:avLst/>
+          </a:prstGeom>
+          <a:solidFill>
+            <a:schemeClr val="bg2"/>
+          </a:solidFill>
+          <a:ln>
+            <a:noFill/>
+          </a:ln>
+        </p:spPr>
+        <p:style>
+          <a:lnRef idx="2">
+            <a:schemeClr val="accent1">
+              <a:shade val="50000"/>
+            </a:schemeClr>
+          </a:lnRef>
+          <a:fillRef idx="1">
+            <a:schemeClr val="accent1"/>
+          </a:fillRef>
+          <a:effectRef idx="0">
+            <a:schemeClr val="accent1"/>
+          </a:effectRef>
+          <a:fontRef idx="minor">
+            <a:schemeClr val="lt1"/>
+          </a:fontRef>
+        </p:style>
+        <p:txBody>
+          <a:bodyPr rtlCol="0" anchor="ctr"/>
+          <a:lstStyle/>
+          <a:p>
+            <a:pPr algn="ctr"/>
+            <a:endParaRPr lang="en-US"/>
+          </a:p>
+        </p:txBody>
+      </p:sp>
+      <p:sp>
+        <p:nvSpPr>
+          <p:cNvPr id="13" name="Rectangle 12">
+            <a:extLst>
+              <a:ext uri="{FF2B5EF4-FFF2-40B4-BE49-F238E27FC236}">
+                <a16:creationId xmlns:a16="http://schemas.microsoft.com/office/drawing/2014/main" id="{107C2F65-00C4-451C-8BFA-E765DEC17168}"/>
+              </a:ext>
+              <a:ext uri="{C183D7F6-B498-43B3-948B-1728B52AA6E4}">
+                <adec:decorative xmlns:adec="http://schemas.microsoft.com/office/drawing/2017/decorative" val="1"/>
+              </a:ext>
+            </a:extLst>
+          </p:cNvPr>
+          <p:cNvSpPr>
+            <a:spLocks noGrp="1" noRot="1" noChangeAspect="1" noMove="1" noResize="1" noEditPoints="1" noAdjustHandles="1" noChangeArrowheads="1" noChangeShapeType="1" noTextEdit="1"/>
+          </p:cNvSpPr>
+          <p:nvPr>
+            <p:extLst>
+              <p:ext uri="{386F3935-93C4-4BCD-93E2-E3B085C9AB24}">
+                <p16:designElem xmlns:p16="http://schemas.microsoft.com/office/powerpoint/2015/main" val="1"/>
+              </p:ext>
+            </p:extLst>
+          </p:nvPr>
+        </p:nvSpPr>
+        <p:spPr>
+          <a:xfrm>
+            <a:off x="7560733" y="0"/>
+            <a:ext cx="3215640" cy="6858000"/>
+          </a:xfrm>
+          <a:prstGeom prst="rect">
+            <a:avLst/>
+          </a:prstGeom>
+          <a:solidFill>
+            <a:schemeClr val="bg2">
+              <a:lumMod val="75000"/>
+            </a:schemeClr>
+          </a:solidFill>
+          <a:ln>
+            <a:noFill/>
+          </a:ln>
+        </p:spPr>
+        <p:style>
+          <a:lnRef idx="2">
+            <a:schemeClr val="accent1">
+              <a:shade val="50000"/>
+            </a:schemeClr>
+          </a:lnRef>
+          <a:fillRef idx="1">
+            <a:schemeClr val="accent1"/>
+          </a:fillRef>
+          <a:effectRef idx="0">
+            <a:schemeClr val="accent1"/>
+          </a:effectRef>
+          <a:fontRef idx="minor">
+            <a:schemeClr val="lt1"/>
+          </a:fontRef>
+        </p:style>
+        <p:txBody>
+          <a:bodyPr rtlCol="0" anchor="ctr"/>
+          <a:lstStyle/>
+          <a:p>
+            <a:pPr algn="ctr"/>
+            <a:endParaRPr lang="en-US"/>
+          </a:p>
+        </p:txBody>
+      </p:sp>
+      <p:sp>
+        <p:nvSpPr>
+          <p:cNvPr id="5" name="Title 4">
+            <a:extLst>
+              <a:ext uri="{FF2B5EF4-FFF2-40B4-BE49-F238E27FC236}">
+                <a16:creationId xmlns:a16="http://schemas.microsoft.com/office/drawing/2014/main" id="{8CBD8E1B-2BCB-4FD8-9D89-570944DFF30D}"/>
+              </a:ext>
+            </a:extLst>
+          </p:cNvPr>
+          <p:cNvSpPr>
+            <a:spLocks noGrp="1"/>
+          </p:cNvSpPr>
+          <p:nvPr>
+            <p:ph type="title"/>
+          </p:nvPr>
+        </p:nvSpPr>
+        <p:spPr>
+          <a:xfrm>
+            <a:off x="7825169" y="1447799"/>
+            <a:ext cx="2731458" cy="4766734"/>
+          </a:xfrm>
+        </p:spPr>
+        <p:txBody>
+          <a:bodyPr anchor="t">
+            <a:normAutofit/>
+          </a:bodyPr>
+          <a:lstStyle/>
+          <a:p>
+            <a:r>
+              <a:rPr lang="zh-CN" altLang="en-US" sz="4000">
+                <a:solidFill>
+                  <a:schemeClr val="tx1"/>
+                </a:solidFill>
+              </a:rPr>
+              <a:t>调试 </a:t>
+            </a:r>
+            <a:r>
+              <a:rPr lang="en-US" altLang="zh-CN" sz="4000">
+                <a:solidFill>
+                  <a:schemeClr val="tx1"/>
+                </a:solidFill>
+              </a:rPr>
+              <a:t>release </a:t>
+            </a:r>
+            <a:r>
+              <a:rPr lang="zh-CN" altLang="en-US" sz="4000">
+                <a:solidFill>
+                  <a:schemeClr val="tx1"/>
+                </a:solidFill>
+              </a:rPr>
+              <a:t>版本程序</a:t>
+            </a:r>
+            <a:endParaRPr lang="en-US" sz="4000">
+              <a:solidFill>
+                <a:schemeClr val="tx1"/>
+              </a:solidFill>
+            </a:endParaRPr>
+          </a:p>
+        </p:txBody>
+      </p:sp>
+      <p:sp>
+        <p:nvSpPr>
+          <p:cNvPr id="15" name="Rectangle 14">
+            <a:extLst>
+              <a:ext uri="{FF2B5EF4-FFF2-40B4-BE49-F238E27FC236}">
+                <a16:creationId xmlns:a16="http://schemas.microsoft.com/office/drawing/2014/main" id="{50DDF752-B2A6-49DC-B474-8E1F71AFF1DF}"/>
+              </a:ext>
+              <a:ext uri="{C183D7F6-B498-43B3-948B-1728B52AA6E4}">
+                <adec:decorative xmlns:adec="http://schemas.microsoft.com/office/drawing/2017/decorative" val="1"/>
+              </a:ext>
+            </a:extLst>
+          </p:cNvPr>
+          <p:cNvSpPr>
+            <a:spLocks noGrp="1" noRot="1" noChangeAspect="1" noMove="1" noResize="1" noEditPoints="1" noAdjustHandles="1" noChangeArrowheads="1" noChangeShapeType="1" noTextEdit="1"/>
+          </p:cNvSpPr>
+          <p:nvPr>
+            <p:extLst>
+              <p:ext uri="{386F3935-93C4-4BCD-93E2-E3B085C9AB24}">
+                <p16:designElem xmlns:p16="http://schemas.microsoft.com/office/powerpoint/2015/main" val="1"/>
+              </p:ext>
+            </p:extLst>
+          </p:nvPr>
+        </p:nvSpPr>
+        <p:spPr>
+          <a:xfrm>
+            <a:off x="10764859" y="0"/>
+            <a:ext cx="1438656" cy="6858000"/>
+          </a:xfrm>
+          <a:prstGeom prst="rect">
+            <a:avLst/>
+          </a:prstGeom>
+          <a:solidFill>
+            <a:schemeClr val="bg2">
+              <a:lumMod val="50000"/>
+            </a:schemeClr>
+          </a:solidFill>
+          <a:ln>
+            <a:noFill/>
+          </a:ln>
+        </p:spPr>
+        <p:style>
+          <a:lnRef idx="2">
+            <a:schemeClr val="accent1">
+              <a:shade val="50000"/>
+            </a:schemeClr>
+          </a:lnRef>
+          <a:fillRef idx="1003">
+            <a:schemeClr val="lt1"/>
+          </a:fillRef>
+          <a:effectRef idx="0">
+            <a:schemeClr val="accent1"/>
+          </a:effectRef>
+          <a:fontRef idx="minor">
+            <a:schemeClr val="lt1"/>
+          </a:fontRef>
+        </p:style>
+        <p:txBody>
+          <a:bodyPr rtlCol="0" anchor="ctr"/>
+          <a:lstStyle/>
+          <a:p>
+            <a:pPr algn="ctr"/>
+            <a:endParaRPr lang="en-US">
+              <a:solidFill>
+                <a:schemeClr val="accent2"/>
+              </a:solidFill>
+            </a:endParaRPr>
+          </a:p>
+        </p:txBody>
+      </p:sp>
+      <p:sp>
+        <p:nvSpPr>
+          <p:cNvPr id="10" name="Content Placeholder 5">
+            <a:extLst>
+              <a:ext uri="{FF2B5EF4-FFF2-40B4-BE49-F238E27FC236}">
+                <a16:creationId xmlns:a16="http://schemas.microsoft.com/office/drawing/2014/main" id="{DD473043-B71D-42D2-B96A-36542A9AC4C7}"/>
               </a:ext>
             </a:extLst>
           </p:cNvPr>
@@ -27040,19 +31275,259 @@
             <p:ph idx="1"/>
           </p:nvPr>
         </p:nvSpPr>
-        <p:spPr/>
+        <p:spPr>
+          <a:xfrm>
+            <a:off x="643467" y="1447798"/>
+            <a:ext cx="6282984" cy="4766735"/>
+          </a:xfrm>
+        </p:spPr>
         <p:txBody>
-          <a:bodyPr/>
+          <a:bodyPr anchor="t">
+            <a:normAutofit/>
+          </a:bodyPr>
           <a:lstStyle/>
           <a:p>
-            <a:endParaRPr lang="en-US" dirty="0"/>
+            <a:pPr>
+              <a:lnSpc>
+                <a:spcPct val="90000"/>
+              </a:lnSpc>
+            </a:pPr>
+            <a:r>
+              <a:rPr lang="en-US" altLang="zh-CN" sz="1700"/>
+              <a:t>release </a:t>
+            </a:r>
+            <a:r>
+              <a:rPr lang="zh-CN" altLang="en-US" sz="1700"/>
+              <a:t>版本作为发布给客户的最终版本，一般是不会包含调试信息的。如何调试没有调试信息的软件，</a:t>
+            </a:r>
+            <a:r>
+              <a:rPr lang="en-US" altLang="zh-CN" sz="1700"/>
+              <a:t>GBD</a:t>
+            </a:r>
+            <a:r>
+              <a:rPr lang="zh-CN" altLang="en-US" sz="1700"/>
+              <a:t>提供了两种方法。</a:t>
+            </a:r>
+            <a:endParaRPr lang="en-US" altLang="zh-CN" sz="1700"/>
+          </a:p>
+          <a:p>
+            <a:pPr>
+              <a:lnSpc>
+                <a:spcPct val="90000"/>
+              </a:lnSpc>
+            </a:pPr>
+            <a:r>
+              <a:rPr lang="en-US" altLang="zh-CN" sz="1700"/>
+              <a:t>1. </a:t>
+            </a:r>
+            <a:r>
+              <a:rPr lang="zh-CN" altLang="en-US" sz="1700"/>
+              <a:t>从相同源码，使用相同参数，只是少了 </a:t>
+            </a:r>
+            <a:r>
+              <a:rPr lang="en-US" altLang="zh-CN" sz="1700"/>
+              <a:t>–g </a:t>
+            </a:r>
+            <a:r>
+              <a:rPr lang="zh-CN" altLang="en-US" sz="1700"/>
+              <a:t>编译生成的 </a:t>
+            </a:r>
+            <a:r>
+              <a:rPr lang="en-US" altLang="zh-CN" sz="1700"/>
+              <a:t>debug </a:t>
+            </a:r>
+            <a:r>
+              <a:rPr lang="zh-CN" altLang="en-US" sz="1700"/>
+              <a:t>版本程序提取调试信息</a:t>
+            </a:r>
+            <a:endParaRPr lang="en-US" altLang="zh-CN" sz="1700"/>
+          </a:p>
+          <a:p>
+            <a:pPr lvl="1">
+              <a:lnSpc>
+                <a:spcPct val="90000"/>
+              </a:lnSpc>
+            </a:pPr>
+            <a:r>
+              <a:rPr lang="en-US" altLang="zh-CN" sz="1700" err="1"/>
+              <a:t>objcopy</a:t>
+            </a:r>
+            <a:r>
+              <a:rPr lang="en-US" altLang="zh-CN" sz="1700"/>
+              <a:t> --only-keep-debug [</a:t>
+            </a:r>
+            <a:r>
+              <a:rPr lang="en-US" altLang="zh-CN" sz="1700" err="1"/>
+              <a:t>debug_program</a:t>
+            </a:r>
+            <a:r>
+              <a:rPr lang="en-US" altLang="zh-CN" sz="1700"/>
+              <a:t>] [</a:t>
+            </a:r>
+            <a:r>
+              <a:rPr lang="en-US" altLang="zh-CN" sz="1700" err="1"/>
+              <a:t>debug_symbol</a:t>
+            </a:r>
+            <a:r>
+              <a:rPr lang="en-US" altLang="zh-CN" sz="1700"/>
+              <a:t>]</a:t>
+            </a:r>
+          </a:p>
+          <a:p>
+            <a:pPr lvl="1">
+              <a:lnSpc>
+                <a:spcPct val="90000"/>
+              </a:lnSpc>
+            </a:pPr>
+            <a:r>
+              <a:rPr lang="en-US" altLang="zh-CN" sz="1700" err="1"/>
+              <a:t>gdb</a:t>
+            </a:r>
+            <a:r>
+              <a:rPr lang="en-US" altLang="zh-CN" sz="1700"/>
+              <a:t> --symbol=[</a:t>
+            </a:r>
+            <a:r>
+              <a:rPr lang="en-US" altLang="zh-CN" sz="1700" err="1"/>
+              <a:t>debug_symbol</a:t>
+            </a:r>
+            <a:r>
+              <a:rPr lang="en-US" altLang="zh-CN" sz="1700"/>
+              <a:t>] -exec= [</a:t>
+            </a:r>
+            <a:r>
+              <a:rPr lang="en-US" altLang="zh-CN" sz="1700" err="1"/>
+              <a:t>release_program</a:t>
+            </a:r>
+            <a:r>
+              <a:rPr lang="en-US" altLang="zh-CN" sz="1700"/>
+              <a:t>] </a:t>
+            </a:r>
+          </a:p>
+          <a:p>
+            <a:pPr>
+              <a:lnSpc>
+                <a:spcPct val="90000"/>
+              </a:lnSpc>
+            </a:pPr>
+            <a:r>
+              <a:rPr lang="en-US" altLang="zh-CN" sz="1700"/>
+              <a:t>2. </a:t>
+            </a:r>
+            <a:r>
+              <a:rPr lang="zh-CN" altLang="en-US" sz="1700"/>
+              <a:t>直接将 </a:t>
+            </a:r>
+            <a:r>
+              <a:rPr lang="en-US" altLang="zh-CN" sz="1700"/>
+              <a:t>debug </a:t>
+            </a:r>
+            <a:r>
+              <a:rPr lang="zh-CN" altLang="en-US" sz="1700"/>
+              <a:t>版本的程序当做符号源</a:t>
+            </a:r>
+            <a:endParaRPr lang="en-US" altLang="zh-CN" sz="1700"/>
+          </a:p>
+          <a:p>
+            <a:pPr lvl="1">
+              <a:lnSpc>
+                <a:spcPct val="90000"/>
+              </a:lnSpc>
+            </a:pPr>
+            <a:r>
+              <a:rPr lang="en-US" altLang="zh-CN" sz="1700" err="1"/>
+              <a:t>gdb</a:t>
+            </a:r>
+            <a:r>
+              <a:rPr lang="en-US" altLang="zh-CN" sz="1700"/>
+              <a:t> --symbol= [</a:t>
+            </a:r>
+            <a:r>
+              <a:rPr lang="en-US" altLang="zh-CN" sz="1700" err="1"/>
+              <a:t>debug_program</a:t>
+            </a:r>
+            <a:r>
+              <a:rPr lang="en-US" altLang="zh-CN" sz="1700"/>
+              <a:t>] -exec=[</a:t>
+            </a:r>
+            <a:r>
+              <a:rPr lang="en-US" altLang="zh-CN" sz="1700" err="1"/>
+              <a:t>release_program</a:t>
+            </a:r>
+            <a:r>
+              <a:rPr lang="en-US" altLang="zh-CN" sz="1700"/>
+              <a:t>] </a:t>
+            </a:r>
+          </a:p>
+          <a:p>
+            <a:pPr>
+              <a:lnSpc>
+                <a:spcPct val="90000"/>
+              </a:lnSpc>
+            </a:pPr>
+            <a:r>
+              <a:rPr lang="en-US" altLang="zh-CN" sz="1700"/>
+              <a:t>3. release </a:t>
+            </a:r>
+            <a:r>
+              <a:rPr lang="zh-CN" altLang="en-US" sz="1700"/>
+              <a:t>版本生成的 </a:t>
+            </a:r>
+            <a:r>
+              <a:rPr lang="en-US" altLang="zh-CN" sz="1700"/>
+              <a:t>core </a:t>
+            </a:r>
+            <a:r>
+              <a:rPr lang="zh-CN" altLang="en-US" sz="1700"/>
+              <a:t>文件也可以将 </a:t>
+            </a:r>
+            <a:r>
+              <a:rPr lang="en-US" altLang="zh-CN" sz="1700"/>
+              <a:t>debug </a:t>
+            </a:r>
+            <a:r>
+              <a:rPr lang="zh-CN" altLang="en-US" sz="1700"/>
+              <a:t>版本的程序作为符号源调试</a:t>
+            </a:r>
+            <a:endParaRPr lang="en-US" altLang="zh-CN" sz="1700"/>
+          </a:p>
+          <a:p>
+            <a:pPr lvl="1">
+              <a:lnSpc>
+                <a:spcPct val="90000"/>
+              </a:lnSpc>
+            </a:pPr>
+            <a:r>
+              <a:rPr lang="en-US" altLang="zh-CN" sz="1700" err="1"/>
+              <a:t>gdb</a:t>
+            </a:r>
+            <a:r>
+              <a:rPr lang="en-US" altLang="zh-CN" sz="1700"/>
+              <a:t> [</a:t>
+            </a:r>
+            <a:r>
+              <a:rPr lang="en-US" altLang="zh-CN" sz="1700" err="1"/>
+              <a:t>debug_program</a:t>
+            </a:r>
+            <a:r>
+              <a:rPr lang="en-US" altLang="zh-CN" sz="1700"/>
+              <a:t>] [</a:t>
+            </a:r>
+            <a:r>
+              <a:rPr lang="en-US" altLang="zh-CN" sz="1700" err="1"/>
+              <a:t>core_release_file</a:t>
+            </a:r>
+            <a:r>
+              <a:rPr lang="en-US" altLang="zh-CN" sz="1700"/>
+              <a:t>]</a:t>
+            </a:r>
           </a:p>
         </p:txBody>
       </p:sp>
     </p:spTree>
     <p:extLst>
       <p:ext uri="{BB962C8B-B14F-4D97-AF65-F5344CB8AC3E}">
-        <p14:creationId xmlns:p14="http://schemas.microsoft.com/office/powerpoint/2010/main" val="3565004166"/>
+        <p14:creationId xmlns:p14="http://schemas.microsoft.com/office/powerpoint/2010/main" val="3905040554"/>
       </p:ext>
     </p:extLst>
   </p:cSld>
@@ -27309,6 +31784,495 @@
     <p:extLst>
       <p:ext uri="{BB962C8B-B14F-4D97-AF65-F5344CB8AC3E}">
         <p14:creationId xmlns:p14="http://schemas.microsoft.com/office/powerpoint/2010/main" val="1423584046"/>
+      </p:ext>
+    </p:extLst>
+  </p:cSld>
+  <p:clrMapOvr>
+    <a:masterClrMapping/>
+  </p:clrMapOvr>
+</p:sld>
+</file>
+
+<file path=ppt/slides/slide40.xml><?xml version="1.0" encoding="utf-8"?>
+<p:sld xmlns:a="http://schemas.openxmlformats.org/drawingml/2006/main" xmlns:r="http://schemas.openxmlformats.org/officeDocument/2006/relationships" xmlns:p="http://schemas.openxmlformats.org/presentationml/2006/main">
+  <p:cSld>
+    <p:bg>
+      <p:bgPr>
+        <a:blipFill rotWithShape="1">
+          <a:blip r:embed="rId2">
+            <a:duotone>
+              <a:schemeClr val="bg2">
+                <a:shade val="69000"/>
+                <a:hueMod val="108000"/>
+                <a:satMod val="164000"/>
+                <a:lumMod val="74000"/>
+              </a:schemeClr>
+              <a:schemeClr val="bg2">
+                <a:tint val="96000"/>
+                <a:hueMod val="88000"/>
+                <a:satMod val="140000"/>
+                <a:lumMod val="132000"/>
+              </a:schemeClr>
+            </a:duotone>
+          </a:blip>
+          <a:stretch/>
+        </a:blipFill>
+        <a:effectLst/>
+      </p:bgPr>
+    </p:bg>
+    <p:spTree>
+      <p:nvGrpSpPr>
+        <p:cNvPr id="1" name=""/>
+        <p:cNvGrpSpPr/>
+        <p:nvPr/>
+      </p:nvGrpSpPr>
+      <p:grpSpPr>
+        <a:xfrm>
+          <a:off x="0" y="0"/>
+          <a:ext cx="0" cy="0"/>
+          <a:chOff x="0" y="0"/>
+          <a:chExt cx="0" cy="0"/>
+        </a:xfrm>
+      </p:grpSpPr>
+      <p:pic>
+        <p:nvPicPr>
+          <p:cNvPr id="9" name="Picture 8">
+            <a:extLst>
+              <a:ext uri="{FF2B5EF4-FFF2-40B4-BE49-F238E27FC236}">
+                <a16:creationId xmlns:a16="http://schemas.microsoft.com/office/drawing/2014/main" id="{DF19BAF3-7E20-4B9D-B544-BABAEEA1FA75}"/>
+              </a:ext>
+              <a:ext uri="{C183D7F6-B498-43B3-948B-1728B52AA6E4}">
+                <adec:decorative xmlns:adec="http://schemas.microsoft.com/office/drawing/2017/decorative" val="1"/>
+              </a:ext>
+            </a:extLst>
+          </p:cNvPr>
+          <p:cNvPicPr>
+            <a:picLocks noGrp="1" noRot="1" noChangeAspect="1" noMove="1" noResize="1" noEditPoints="1" noAdjustHandles="1" noChangeArrowheads="1" noChangeShapeType="1" noCrop="1"/>
+          </p:cNvPicPr>
+          <p:nvPr>
+            <p:extLst>
+              <p:ext uri="{386F3935-93C4-4BCD-93E2-E3B085C9AB24}">
+                <p16:designElem xmlns:p16="http://schemas.microsoft.com/office/powerpoint/2015/main" val="1"/>
+              </p:ext>
+            </p:extLst>
+          </p:nvPr>
+        </p:nvPicPr>
+        <p:blipFill rotWithShape="1">
+          <a:blip r:embed="rId3">
+            <a:extLst>
+              <a:ext uri="{28A0092B-C50C-407E-A947-70E740481C1C}">
+                <a14:useLocalDpi xmlns:a14="http://schemas.microsoft.com/office/drawing/2010/main" val="0"/>
+              </a:ext>
+            </a:extLst>
+          </a:blip>
+          <a:srcRect l="3613"/>
+          <a:stretch/>
+        </p:blipFill>
+        <p:spPr>
+          <a:xfrm>
+            <a:off x="0" y="2669685"/>
+            <a:ext cx="4037012" cy="4188315"/>
+          </a:xfrm>
+          <a:prstGeom prst="rect">
+            <a:avLst/>
+          </a:prstGeom>
+        </p:spPr>
+      </p:pic>
+      <p:pic>
+        <p:nvPicPr>
+          <p:cNvPr id="11" name="Picture 10">
+            <a:extLst>
+              <a:ext uri="{FF2B5EF4-FFF2-40B4-BE49-F238E27FC236}">
+                <a16:creationId xmlns:a16="http://schemas.microsoft.com/office/drawing/2014/main" id="{950648F4-ABCD-4DF0-8641-76CFB2354721}"/>
+              </a:ext>
+              <a:ext uri="{C183D7F6-B498-43B3-948B-1728B52AA6E4}">
+                <adec:decorative xmlns:adec="http://schemas.microsoft.com/office/drawing/2017/decorative" val="1"/>
+              </a:ext>
+            </a:extLst>
+          </p:cNvPr>
+          <p:cNvPicPr>
+            <a:picLocks noGrp="1" noRot="1" noChangeAspect="1" noMove="1" noResize="1" noEditPoints="1" noAdjustHandles="1" noChangeArrowheads="1" noChangeShapeType="1" noCrop="1"/>
+          </p:cNvPicPr>
+          <p:nvPr>
+            <p:extLst>
+              <p:ext uri="{386F3935-93C4-4BCD-93E2-E3B085C9AB24}">
+                <p16:designElem xmlns:p16="http://schemas.microsoft.com/office/powerpoint/2015/main" val="1"/>
+              </p:ext>
+            </p:extLst>
+          </p:nvPr>
+        </p:nvPicPr>
+        <p:blipFill rotWithShape="1">
+          <a:blip r:embed="rId4">
+            <a:extLst>
+              <a:ext uri="{28A0092B-C50C-407E-A947-70E740481C1C}">
+                <a14:useLocalDpi xmlns:a14="http://schemas.microsoft.com/office/drawing/2010/main" val="0"/>
+              </a:ext>
+            </a:extLst>
+          </a:blip>
+          <a:srcRect l="35640"/>
+          <a:stretch/>
+        </p:blipFill>
+        <p:spPr>
+          <a:xfrm>
+            <a:off x="0" y="2892347"/>
+            <a:ext cx="1522412" cy="2365453"/>
+          </a:xfrm>
+          <a:prstGeom prst="rect">
+            <a:avLst/>
+          </a:prstGeom>
+        </p:spPr>
+      </p:pic>
+      <p:sp>
+        <p:nvSpPr>
+          <p:cNvPr id="13" name="Oval 12">
+            <a:extLst>
+              <a:ext uri="{FF2B5EF4-FFF2-40B4-BE49-F238E27FC236}">
+                <a16:creationId xmlns:a16="http://schemas.microsoft.com/office/drawing/2014/main" id="{989BE678-777B-482A-A616-FEDC47B162E5}"/>
+              </a:ext>
+              <a:ext uri="{C183D7F6-B498-43B3-948B-1728B52AA6E4}">
+                <adec:decorative xmlns:adec="http://schemas.microsoft.com/office/drawing/2017/decorative" val="1"/>
+              </a:ext>
+            </a:extLst>
+          </p:cNvPr>
+          <p:cNvSpPr>
+            <a:spLocks noGrp="1" noRot="1" noChangeAspect="1" noMove="1" noResize="1" noEditPoints="1" noAdjustHandles="1" noChangeArrowheads="1" noChangeShapeType="1" noTextEdit="1"/>
+          </p:cNvSpPr>
+          <p:nvPr>
+            <p:extLst>
+              <p:ext uri="{386F3935-93C4-4BCD-93E2-E3B085C9AB24}">
+                <p16:designElem xmlns:p16="http://schemas.microsoft.com/office/powerpoint/2015/main" val="1"/>
+              </p:ext>
+            </p:extLst>
+          </p:nvPr>
+        </p:nvSpPr>
+        <p:spPr>
+          <a:xfrm>
+            <a:off x="8609012" y="1676400"/>
+            <a:ext cx="2819400" cy="2819400"/>
+          </a:xfrm>
+          <a:prstGeom prst="ellipse">
+            <a:avLst/>
+          </a:prstGeom>
+          <a:gradFill flip="none" rotWithShape="1">
+            <a:gsLst>
+              <a:gs pos="0">
+                <a:schemeClr val="bg2">
+                  <a:lumMod val="60000"/>
+                  <a:lumOff val="40000"/>
+                  <a:alpha val="7000"/>
+                </a:schemeClr>
+              </a:gs>
+              <a:gs pos="69000">
+                <a:schemeClr val="bg2">
+                  <a:lumMod val="60000"/>
+                  <a:lumOff val="40000"/>
+                  <a:alpha val="0"/>
+                </a:schemeClr>
+              </a:gs>
+              <a:gs pos="36000">
+                <a:schemeClr val="bg2">
+                  <a:lumMod val="60000"/>
+                  <a:lumOff val="40000"/>
+                  <a:alpha val="6000"/>
+                </a:schemeClr>
+              </a:gs>
+            </a:gsLst>
+            <a:path path="circle">
+              <a:fillToRect l="50000" t="50000" r="50000" b="50000"/>
+            </a:path>
+            <a:tileRect/>
+          </a:gradFill>
+          <a:ln>
+            <a:noFill/>
+          </a:ln>
+          <a:effectLst/>
+        </p:spPr>
+        <p:style>
+          <a:lnRef idx="1">
+            <a:schemeClr val="accent1"/>
+          </a:lnRef>
+          <a:fillRef idx="3">
+            <a:schemeClr val="accent1"/>
+          </a:fillRef>
+          <a:effectRef idx="2">
+            <a:schemeClr val="accent1"/>
+          </a:effectRef>
+          <a:fontRef idx="minor">
+            <a:schemeClr val="lt1"/>
+          </a:fontRef>
+        </p:style>
+      </p:sp>
+      <p:pic>
+        <p:nvPicPr>
+          <p:cNvPr id="15" name="Picture 14">
+            <a:extLst>
+              <a:ext uri="{FF2B5EF4-FFF2-40B4-BE49-F238E27FC236}">
+                <a16:creationId xmlns:a16="http://schemas.microsoft.com/office/drawing/2014/main" id="{CF1EB4BD-9C7E-4AA3-9681-C7EB0DA6250B}"/>
+              </a:ext>
+              <a:ext uri="{C183D7F6-B498-43B3-948B-1728B52AA6E4}">
+                <adec:decorative xmlns:adec="http://schemas.microsoft.com/office/drawing/2017/decorative" val="1"/>
+              </a:ext>
+            </a:extLst>
+          </p:cNvPr>
+          <p:cNvPicPr>
+            <a:picLocks noGrp="1" noRot="1" noChangeAspect="1" noMove="1" noResize="1" noEditPoints="1" noAdjustHandles="1" noChangeArrowheads="1" noChangeShapeType="1" noCrop="1"/>
+          </p:cNvPicPr>
+          <p:nvPr>
+            <p:extLst>
+              <p:ext uri="{386F3935-93C4-4BCD-93E2-E3B085C9AB24}">
+                <p16:designElem xmlns:p16="http://schemas.microsoft.com/office/powerpoint/2015/main" val="1"/>
+              </p:ext>
+            </p:extLst>
+          </p:nvPr>
+        </p:nvPicPr>
+        <p:blipFill rotWithShape="1">
+          <a:blip r:embed="rId5">
+            <a:extLst>
+              <a:ext uri="{28A0092B-C50C-407E-A947-70E740481C1C}">
+                <a14:useLocalDpi xmlns:a14="http://schemas.microsoft.com/office/drawing/2010/main" val="0"/>
+              </a:ext>
+            </a:extLst>
+          </a:blip>
+          <a:srcRect t="28813"/>
+          <a:stretch/>
+        </p:blipFill>
+        <p:spPr>
+          <a:xfrm>
+            <a:off x="7999412" y="0"/>
+            <a:ext cx="1603387" cy="1141407"/>
+          </a:xfrm>
+          <a:prstGeom prst="rect">
+            <a:avLst/>
+          </a:prstGeom>
+        </p:spPr>
+      </p:pic>
+      <p:pic>
+        <p:nvPicPr>
+          <p:cNvPr id="17" name="Picture 16">
+            <a:extLst>
+              <a:ext uri="{FF2B5EF4-FFF2-40B4-BE49-F238E27FC236}">
+                <a16:creationId xmlns:a16="http://schemas.microsoft.com/office/drawing/2014/main" id="{94AAE3AA-3759-4D28-B0EF-575F25A5146C}"/>
+              </a:ext>
+              <a:ext uri="{C183D7F6-B498-43B3-948B-1728B52AA6E4}">
+                <adec:decorative xmlns:adec="http://schemas.microsoft.com/office/drawing/2017/decorative" val="1"/>
+              </a:ext>
+            </a:extLst>
+          </p:cNvPr>
+          <p:cNvPicPr>
+            <a:picLocks noGrp="1" noRot="1" noChangeAspect="1" noMove="1" noResize="1" noEditPoints="1" noAdjustHandles="1" noChangeArrowheads="1" noChangeShapeType="1" noCrop="1"/>
+          </p:cNvPicPr>
+          <p:nvPr>
+            <p:extLst>
+              <p:ext uri="{386F3935-93C4-4BCD-93E2-E3B085C9AB24}">
+                <p16:designElem xmlns:p16="http://schemas.microsoft.com/office/powerpoint/2015/main" val="1"/>
+              </p:ext>
+            </p:extLst>
+          </p:nvPr>
+        </p:nvPicPr>
+        <p:blipFill rotWithShape="1">
+          <a:blip r:embed="rId6">
+            <a:extLst>
+              <a:ext uri="{28A0092B-C50C-407E-A947-70E740481C1C}">
+                <a14:useLocalDpi xmlns:a14="http://schemas.microsoft.com/office/drawing/2010/main" val="0"/>
+              </a:ext>
+            </a:extLst>
+          </a:blip>
+          <a:srcRect b="23320"/>
+          <a:stretch/>
+        </p:blipFill>
+        <p:spPr>
+          <a:xfrm>
+            <a:off x="8605878" y="6096000"/>
+            <a:ext cx="993734" cy="762000"/>
+          </a:xfrm>
+          <a:prstGeom prst="rect">
+            <a:avLst/>
+          </a:prstGeom>
+        </p:spPr>
+      </p:pic>
+      <p:sp>
+        <p:nvSpPr>
+          <p:cNvPr id="19" name="Rectangle 18">
+            <a:extLst>
+              <a:ext uri="{FF2B5EF4-FFF2-40B4-BE49-F238E27FC236}">
+                <a16:creationId xmlns:a16="http://schemas.microsoft.com/office/drawing/2014/main" id="{D28BE0C3-2102-4820-B88B-A448B1840D14}"/>
+              </a:ext>
+              <a:ext uri="{C183D7F6-B498-43B3-948B-1728B52AA6E4}">
+                <adec:decorative xmlns:adec="http://schemas.microsoft.com/office/drawing/2017/decorative" val="1"/>
+              </a:ext>
+            </a:extLst>
+          </p:cNvPr>
+          <p:cNvSpPr>
+            <a:spLocks noGrp="1" noRot="1" noChangeAspect="1" noMove="1" noResize="1" noEditPoints="1" noAdjustHandles="1" noChangeArrowheads="1" noChangeShapeType="1" noTextEdit="1"/>
+          </p:cNvSpPr>
+          <p:nvPr>
+            <p:extLst>
+              <p:ext uri="{386F3935-93C4-4BCD-93E2-E3B085C9AB24}">
+                <p16:designElem xmlns:p16="http://schemas.microsoft.com/office/powerpoint/2015/main" val="1"/>
+              </p:ext>
+            </p:extLst>
+          </p:nvPr>
+        </p:nvSpPr>
+        <p:spPr>
+          <a:xfrm>
+            <a:off x="10437812" y="0"/>
+            <a:ext cx="685800" cy="1143000"/>
+          </a:xfrm>
+          <a:prstGeom prst="rect">
+            <a:avLst/>
+          </a:prstGeom>
+          <a:solidFill>
+            <a:schemeClr val="accent1"/>
+          </a:solidFill>
+          <a:ln>
+            <a:noFill/>
+          </a:ln>
+        </p:spPr>
+        <p:style>
+          <a:lnRef idx="1">
+            <a:schemeClr val="accent1"/>
+          </a:lnRef>
+          <a:fillRef idx="3">
+            <a:schemeClr val="accent1"/>
+          </a:fillRef>
+          <a:effectRef idx="2">
+            <a:schemeClr val="accent1"/>
+          </a:effectRef>
+          <a:fontRef idx="minor">
+            <a:schemeClr val="lt1"/>
+          </a:fontRef>
+        </p:style>
+      </p:sp>
+      <p:pic>
+        <p:nvPicPr>
+          <p:cNvPr id="5" name="Picture 4" descr="Checkmate move on chessboard">
+            <a:extLst>
+              <a:ext uri="{FF2B5EF4-FFF2-40B4-BE49-F238E27FC236}">
+                <a16:creationId xmlns:a16="http://schemas.microsoft.com/office/drawing/2014/main" id="{0F40DB13-5D32-24E5-2E52-6C1475E53553}"/>
+              </a:ext>
+            </a:extLst>
+          </p:cNvPr>
+          <p:cNvPicPr>
+            <a:picLocks noChangeAspect="1"/>
+          </p:cNvPicPr>
+          <p:nvPr/>
+        </p:nvPicPr>
+        <p:blipFill rotWithShape="1">
+          <a:blip r:embed="rId7">
+            <a:duotone>
+              <a:prstClr val="black"/>
+              <a:schemeClr val="accent5">
+                <a:tint val="45000"/>
+                <a:satMod val="400000"/>
+              </a:schemeClr>
+            </a:duotone>
+            <a:alphaModFix amt="25000"/>
+          </a:blip>
+          <a:srcRect t="15413"/>
+          <a:stretch/>
+        </p:blipFill>
+        <p:spPr>
+          <a:xfrm>
+            <a:off x="20" y="10"/>
+            <a:ext cx="12191980" cy="6857990"/>
+          </a:xfrm>
+          <a:prstGeom prst="rect">
+            <a:avLst/>
+          </a:prstGeom>
+        </p:spPr>
+      </p:pic>
+      <p:sp>
+        <p:nvSpPr>
+          <p:cNvPr id="2" name="Title 1">
+            <a:extLst>
+              <a:ext uri="{FF2B5EF4-FFF2-40B4-BE49-F238E27FC236}">
+                <a16:creationId xmlns:a16="http://schemas.microsoft.com/office/drawing/2014/main" id="{D5AD88E9-5C89-4847-BBA6-6AC3D667CF53}"/>
+              </a:ext>
+            </a:extLst>
+          </p:cNvPr>
+          <p:cNvSpPr>
+            <a:spLocks noGrp="1"/>
+          </p:cNvSpPr>
+          <p:nvPr>
+            <p:ph type="title"/>
+          </p:nvPr>
+        </p:nvSpPr>
+        <p:spPr>
+          <a:xfrm>
+            <a:off x="1154955" y="1447800"/>
+            <a:ext cx="8825658" cy="3329581"/>
+          </a:xfrm>
+        </p:spPr>
+        <p:txBody>
+          <a:bodyPr vert="horz" lIns="91440" tIns="45720" rIns="91440" bIns="45720" rtlCol="0" anchor="b">
+            <a:normAutofit/>
+          </a:bodyPr>
+          <a:lstStyle/>
+          <a:p>
+            <a:r>
+              <a:rPr lang="en-US" sz="7200"/>
+              <a:t>End</a:t>
+            </a:r>
+          </a:p>
+        </p:txBody>
+      </p:sp>
+      <p:sp>
+        <p:nvSpPr>
+          <p:cNvPr id="21" name="Rectangle 20">
+            <a:extLst>
+              <a:ext uri="{FF2B5EF4-FFF2-40B4-BE49-F238E27FC236}">
+                <a16:creationId xmlns:a16="http://schemas.microsoft.com/office/drawing/2014/main" id="{C885E190-58DD-42DD-A4A8-401E15C92A52}"/>
+              </a:ext>
+              <a:ext uri="{C183D7F6-B498-43B3-948B-1728B52AA6E4}">
+                <adec:decorative xmlns:adec="http://schemas.microsoft.com/office/drawing/2017/decorative" val="1"/>
+              </a:ext>
+            </a:extLst>
+          </p:cNvPr>
+          <p:cNvSpPr>
+            <a:spLocks noGrp="1" noRot="1" noChangeAspect="1" noMove="1" noResize="1" noEditPoints="1" noAdjustHandles="1" noChangeArrowheads="1" noChangeShapeType="1" noTextEdit="1"/>
+          </p:cNvSpPr>
+          <p:nvPr>
+            <p:extLst>
+              <p:ext uri="{386F3935-93C4-4BCD-93E2-E3B085C9AB24}">
+                <p16:designElem xmlns:p16="http://schemas.microsoft.com/office/powerpoint/2015/main" val="1"/>
+              </p:ext>
+            </p:extLst>
+          </p:nvPr>
+        </p:nvSpPr>
+        <p:spPr>
+          <a:xfrm>
+            <a:off x="10437812" y="0"/>
+            <a:ext cx="685800" cy="1143000"/>
+          </a:xfrm>
+          <a:prstGeom prst="rect">
+            <a:avLst/>
+          </a:prstGeom>
+          <a:solidFill>
+            <a:schemeClr val="accent1"/>
+          </a:solidFill>
+          <a:ln>
+            <a:noFill/>
+          </a:ln>
+        </p:spPr>
+        <p:style>
+          <a:lnRef idx="1">
+            <a:schemeClr val="accent1"/>
+          </a:lnRef>
+          <a:fillRef idx="3">
+            <a:schemeClr val="accent1"/>
+          </a:fillRef>
+          <a:effectRef idx="2">
+            <a:schemeClr val="accent1"/>
+          </a:effectRef>
+          <a:fontRef idx="minor">
+            <a:schemeClr val="lt1"/>
+          </a:fontRef>
+        </p:style>
+      </p:sp>
+    </p:spTree>
+    <p:extLst>
+      <p:ext uri="{BB962C8B-B14F-4D97-AF65-F5344CB8AC3E}">
+        <p14:creationId xmlns:p14="http://schemas.microsoft.com/office/powerpoint/2010/main" val="2878338387"/>
       </p:ext>
     </p:extLst>
   </p:cSld>
